--- a/junior-web-dev.pptx
+++ b/junior-web-dev.pptx
@@ -9,28 +9,29 @@
     <p:sldId id="257" r:id="rId3"/>
     <p:sldId id="258" r:id="rId4"/>
     <p:sldId id="259" r:id="rId5"/>
-    <p:sldId id="262" r:id="rId6"/>
-    <p:sldId id="261" r:id="rId7"/>
-    <p:sldId id="263" r:id="rId8"/>
-    <p:sldId id="260" r:id="rId9"/>
+    <p:sldId id="264" r:id="rId6"/>
+    <p:sldId id="262" r:id="rId7"/>
+    <p:sldId id="261" r:id="rId8"/>
+    <p:sldId id="263" r:id="rId9"/>
+    <p:sldId id="260" r:id="rId10"/>
   </p:sldIdLst>
   <p:sldSz cx="18288000" cy="10287000"/>
   <p:notesSz cx="6858000" cy="9144000"/>
   <p:embeddedFontLst>
     <p:embeddedFont>
       <p:font typeface="Calibri" panose="020F0502020204030204" pitchFamily="34" charset="0"/>
-      <p:regular r:id="rId10"/>
-      <p:bold r:id="rId11"/>
-      <p:italic r:id="rId12"/>
-      <p:boldItalic r:id="rId13"/>
-    </p:embeddedFont>
-    <p:embeddedFont>
-      <p:font typeface="Karnchang Bold" panose="020B0604020202020204" charset="-34"/>
-      <p:regular r:id="rId14"/>
+      <p:regular r:id="rId11"/>
+      <p:bold r:id="rId12"/>
+      <p:italic r:id="rId13"/>
+      <p:boldItalic r:id="rId14"/>
     </p:embeddedFont>
     <p:embeddedFont>
       <p:font typeface="Karnchang" panose="020B0604020202020204" charset="-34"/>
       <p:regular r:id="rId15"/>
+    </p:embeddedFont>
+    <p:embeddedFont>
+      <p:font typeface="Karnchang Bold" panose="020B0604020202020204" charset="-34"/>
+      <p:regular r:id="rId16"/>
     </p:embeddedFont>
   </p:embeddedFontLst>
   <p:defaultTextStyle>
@@ -5102,7 +5103,7 @@
             <a:blip r:embed="rId2">
               <a:extLst>
                 <a:ext uri="{96DAC541-7B7A-43D3-8B79-37D633B846F1}">
-                  <asvg:svgBlip xmlns="" xmlns:asvg="http://schemas.microsoft.com/office/drawing/2016/SVG/main" r:embed="rId3"/>
+                  <asvg:svgBlip xmlns:asvg="http://schemas.microsoft.com/office/drawing/2016/SVG/main" xmlns="" r:embed="rId3"/>
                 </a:ext>
               </a:extLst>
             </a:blip>
@@ -6108,7 +6109,7 @@
               <a:blip r:embed="rId2">
                 <a:extLst>
                   <a:ext uri="{96DAC541-7B7A-43D3-8B79-37D633B846F1}">
-                    <asvg:svgBlip xmlns="" xmlns:asvg="http://schemas.microsoft.com/office/drawing/2016/SVG/main" r:embed="rId3"/>
+                    <asvg:svgBlip xmlns:asvg="http://schemas.microsoft.com/office/drawing/2016/SVG/main" xmlns="" r:embed="rId3"/>
                   </a:ext>
                 </a:extLst>
               </a:blip>
@@ -6365,7 +6366,7 @@
               <a:blip r:embed="rId2">
                 <a:extLst>
                   <a:ext uri="{96DAC541-7B7A-43D3-8B79-37D633B846F1}">
-                    <asvg:svgBlip xmlns="" xmlns:asvg="http://schemas.microsoft.com/office/drawing/2016/SVG/main" r:embed="rId3"/>
+                    <asvg:svgBlip xmlns:asvg="http://schemas.microsoft.com/office/drawing/2016/SVG/main" xmlns="" r:embed="rId3"/>
                   </a:ext>
                 </a:extLst>
               </a:blip>
@@ -6638,7 +6639,7 @@
               <a:blip r:embed="rId2">
                 <a:extLst>
                   <a:ext uri="{96DAC541-7B7A-43D3-8B79-37D633B846F1}">
-                    <asvg:svgBlip xmlns="" xmlns:asvg="http://schemas.microsoft.com/office/drawing/2016/SVG/main" r:embed="rId3"/>
+                    <asvg:svgBlip xmlns:asvg="http://schemas.microsoft.com/office/drawing/2016/SVG/main" xmlns="" r:embed="rId3"/>
                   </a:ext>
                 </a:extLst>
               </a:blip>
@@ -7037,7 +7038,7 @@
               <a:blip r:embed="rId2">
                 <a:extLst>
                   <a:ext uri="{96DAC541-7B7A-43D3-8B79-37D633B846F1}">
-                    <asvg:svgBlip xmlns="" xmlns:asvg="http://schemas.microsoft.com/office/drawing/2016/SVG/main" r:embed="rId3"/>
+                    <asvg:svgBlip xmlns:asvg="http://schemas.microsoft.com/office/drawing/2016/SVG/main" xmlns="" r:embed="rId3"/>
                   </a:ext>
                 </a:extLst>
               </a:blip>
@@ -7917,6 +7918,774 @@
         </p:nvSpPr>
         <p:spPr>
           <a:xfrm>
+            <a:off x="1243019" y="683623"/>
+            <a:ext cx="6584507" cy="810478"/>
+          </a:xfrm>
+          <a:prstGeom prst="rect">
+            <a:avLst/>
+          </a:prstGeom>
+        </p:spPr>
+        <p:txBody>
+          <a:bodyPr lIns="0" tIns="0" rIns="0" bIns="0" rtlCol="0" anchor="t">
+            <a:spAutoFit/>
+          </a:bodyPr>
+          <a:lstStyle/>
+          <a:p>
+            <a:pPr algn="ctr">
+              <a:lnSpc>
+                <a:spcPts val="5980"/>
+              </a:lnSpc>
+            </a:pPr>
+            <a:r>
+              <a:rPr lang="en-US" sz="6500" dirty="0" smtClean="0">
+                <a:solidFill>
+                  <a:srgbClr val="243342"/>
+                </a:solidFill>
+                <a:latin typeface="Karnchang Bold"/>
+              </a:rPr>
+              <a:t>Mockup </a:t>
+            </a:r>
+            <a:endParaRPr lang="en-US" sz="6500" dirty="0">
+              <a:solidFill>
+                <a:srgbClr val="243342"/>
+              </a:solidFill>
+              <a:latin typeface="Karnchang Bold"/>
+            </a:endParaRPr>
+          </a:p>
+        </p:txBody>
+      </p:sp>
+      <p:sp>
+        <p:nvSpPr>
+          <p:cNvPr id="42" name="TextBox 41"/>
+          <p:cNvSpPr txBox="1"/>
+          <p:nvPr/>
+        </p:nvSpPr>
+        <p:spPr>
+          <a:xfrm>
+            <a:off x="4484639" y="8343900"/>
+            <a:ext cx="10104754" cy="646331"/>
+          </a:xfrm>
+          <a:prstGeom prst="rect">
+            <a:avLst/>
+          </a:prstGeom>
+          <a:noFill/>
+        </p:spPr>
+        <p:txBody>
+          <a:bodyPr wrap="none" rtlCol="0">
+            <a:spAutoFit/>
+          </a:bodyPr>
+          <a:lstStyle/>
+          <a:p>
+            <a:r>
+              <a:rPr lang="en-US" dirty="0" err="1" smtClean="0"/>
+              <a:t>Atau</a:t>
+            </a:r>
+            <a:r>
+              <a:rPr lang="en-US" dirty="0" smtClean="0"/>
+              <a:t> </a:t>
+            </a:r>
+            <a:r>
+              <a:rPr lang="en-US" dirty="0" err="1"/>
+              <a:t>b</a:t>
+            </a:r>
+            <a:r>
+              <a:rPr lang="en-US" dirty="0" err="1" smtClean="0"/>
+              <a:t>isa</a:t>
+            </a:r>
+            <a:r>
+              <a:rPr lang="en-US" dirty="0" smtClean="0"/>
+              <a:t> </a:t>
+            </a:r>
+            <a:r>
+              <a:rPr lang="en-US" dirty="0" err="1"/>
+              <a:t>d</a:t>
+            </a:r>
+            <a:r>
+              <a:rPr lang="en-US" dirty="0" err="1" smtClean="0"/>
+              <a:t>ilihat</a:t>
+            </a:r>
+            <a:r>
+              <a:rPr lang="en-US" dirty="0" smtClean="0"/>
+              <a:t> </a:t>
+            </a:r>
+            <a:r>
+              <a:rPr lang="en-US" dirty="0" err="1"/>
+              <a:t>v</a:t>
+            </a:r>
+            <a:r>
+              <a:rPr lang="en-US" dirty="0" err="1" smtClean="0"/>
+              <a:t>ersi</a:t>
+            </a:r>
+            <a:r>
+              <a:rPr lang="en-US" dirty="0" smtClean="0"/>
+              <a:t> </a:t>
+            </a:r>
+            <a:r>
+              <a:rPr lang="en-US" dirty="0" err="1" smtClean="0"/>
+              <a:t>lengkap</a:t>
+            </a:r>
+            <a:r>
+              <a:rPr lang="en-US" dirty="0" smtClean="0"/>
+              <a:t> di link </a:t>
+            </a:r>
+            <a:r>
+              <a:rPr lang="en-US" dirty="0" err="1" smtClean="0"/>
+              <a:t>berikut</a:t>
+            </a:r>
+            <a:r>
+              <a:rPr lang="en-US" dirty="0" smtClean="0"/>
+              <a:t> : </a:t>
+            </a:r>
+          </a:p>
+          <a:p>
+            <a:r>
+              <a:rPr lang="en-US" dirty="0" smtClean="0">
+                <a:solidFill>
+                  <a:schemeClr val="accent1"/>
+                </a:solidFill>
+              </a:rPr>
+              <a:t>https</a:t>
+            </a:r>
+            <a:r>
+              <a:rPr lang="en-US" dirty="0">
+                <a:solidFill>
+                  <a:schemeClr val="accent1"/>
+                </a:solidFill>
+              </a:rPr>
+              <a:t>://www.figma.com/design/uDlrraWj39FhpiZdq1NGpg/Untitled?node-id=1-2&amp;t=zLsS2Z11pqJAwtaK-1</a:t>
+            </a:r>
+          </a:p>
+        </p:txBody>
+      </p:sp>
+      <p:pic>
+        <p:nvPicPr>
+          <p:cNvPr id="43" name="Picture 42"/>
+          <p:cNvPicPr>
+            <a:picLocks noChangeAspect="1"/>
+          </p:cNvPicPr>
+          <p:nvPr/>
+        </p:nvPicPr>
+        <p:blipFill>
+          <a:blip r:embed="rId2">
+            <a:extLst>
+              <a:ext uri="{28A0092B-C50C-407E-A947-70E740481C1C}">
+                <a14:useLocalDpi xmlns:a14="http://schemas.microsoft.com/office/drawing/2010/main" val="0"/>
+              </a:ext>
+            </a:extLst>
+          </a:blip>
+          <a:stretch>
+            <a:fillRect/>
+          </a:stretch>
+        </p:blipFill>
+        <p:spPr>
+          <a:xfrm>
+            <a:off x="5956979" y="1458797"/>
+            <a:ext cx="7315200" cy="6860450"/>
+          </a:xfrm>
+          <a:prstGeom prst="rect">
+            <a:avLst/>
+          </a:prstGeom>
+        </p:spPr>
+      </p:pic>
+    </p:spTree>
+    <p:extLst>
+      <p:ext uri="{BB962C8B-B14F-4D97-AF65-F5344CB8AC3E}">
+        <p14:creationId xmlns:p14="http://schemas.microsoft.com/office/powerpoint/2010/main" val="2110685"/>
+      </p:ext>
+    </p:extLst>
+  </p:cSld>
+  <p:clrMapOvr>
+    <a:masterClrMapping/>
+  </p:clrMapOvr>
+  <p:timing>
+    <p:tnLst>
+      <p:par>
+        <p:cTn id="1" dur="indefinite" restart="never" nodeType="tmRoot"/>
+      </p:par>
+    </p:tnLst>
+  </p:timing>
+</p:sld>
+</file>
+
+<file path=ppt/slides/slide6.xml><?xml version="1.0" encoding="utf-8"?>
+<p:sld xmlns:a="http://schemas.openxmlformats.org/drawingml/2006/main" xmlns:r="http://schemas.openxmlformats.org/officeDocument/2006/relationships" xmlns:p="http://schemas.openxmlformats.org/presentationml/2006/main">
+  <p:cSld>
+    <p:bg>
+      <p:bgPr>
+        <a:solidFill>
+          <a:srgbClr val="E6EAEF"/>
+        </a:solidFill>
+        <a:effectLst/>
+      </p:bgPr>
+    </p:bg>
+    <p:spTree>
+      <p:nvGrpSpPr>
+        <p:cNvPr id="1" name=""/>
+        <p:cNvGrpSpPr/>
+        <p:nvPr/>
+      </p:nvGrpSpPr>
+      <p:grpSpPr>
+        <a:xfrm>
+          <a:off x="0" y="0"/>
+          <a:ext cx="0" cy="0"/>
+          <a:chOff x="0" y="0"/>
+          <a:chExt cx="0" cy="0"/>
+        </a:xfrm>
+      </p:grpSpPr>
+      <p:grpSp>
+        <p:nvGrpSpPr>
+          <p:cNvPr id="5" name="Group 5"/>
+          <p:cNvGrpSpPr/>
+          <p:nvPr/>
+        </p:nvGrpSpPr>
+        <p:grpSpPr>
+          <a:xfrm rot="-7538080">
+            <a:off x="-7029811" y="-5584933"/>
+            <a:ext cx="9808447" cy="9331824"/>
+            <a:chOff x="0" y="0"/>
+            <a:chExt cx="13077930" cy="12442432"/>
+          </a:xfrm>
+        </p:grpSpPr>
+        <p:grpSp>
+          <p:nvGrpSpPr>
+            <p:cNvPr id="6" name="Group 6"/>
+            <p:cNvGrpSpPr/>
+            <p:nvPr/>
+          </p:nvGrpSpPr>
+          <p:grpSpPr>
+            <a:xfrm rot="2252144">
+              <a:off x="1498251" y="1484738"/>
+              <a:ext cx="7399579" cy="7432687"/>
+              <a:chOff x="0" y="0"/>
+              <a:chExt cx="2816645" cy="2829248"/>
+            </a:xfrm>
+          </p:grpSpPr>
+          <p:sp>
+            <p:nvSpPr>
+              <p:cNvPr id="7" name="Freeform 7"/>
+              <p:cNvSpPr/>
+              <p:nvPr/>
+            </p:nvSpPr>
+            <p:spPr>
+              <a:xfrm>
+                <a:off x="0" y="0"/>
+                <a:ext cx="2816645" cy="2829248"/>
+              </a:xfrm>
+              <a:custGeom>
+                <a:avLst/>
+                <a:gdLst/>
+                <a:ahLst/>
+                <a:cxnLst/>
+                <a:rect l="l" t="t" r="r" b="b"/>
+                <a:pathLst>
+                  <a:path w="2816645" h="2829248">
+                    <a:moveTo>
+                      <a:pt x="0" y="0"/>
+                    </a:moveTo>
+                    <a:lnTo>
+                      <a:pt x="2816645" y="0"/>
+                    </a:lnTo>
+                    <a:lnTo>
+                      <a:pt x="2816645" y="2829248"/>
+                    </a:lnTo>
+                    <a:lnTo>
+                      <a:pt x="0" y="2829248"/>
+                    </a:lnTo>
+                    <a:close/>
+                  </a:path>
+                </a:pathLst>
+              </a:custGeom>
+              <a:solidFill>
+                <a:srgbClr val="243342"/>
+              </a:solidFill>
+            </p:spPr>
+          </p:sp>
+          <p:sp>
+            <p:nvSpPr>
+              <p:cNvPr id="8" name="TextBox 8"/>
+              <p:cNvSpPr txBox="1"/>
+              <p:nvPr/>
+            </p:nvSpPr>
+            <p:spPr>
+              <a:xfrm>
+                <a:off x="0" y="-123825"/>
+                <a:ext cx="2816645" cy="2953073"/>
+              </a:xfrm>
+              <a:prstGeom prst="rect">
+                <a:avLst/>
+              </a:prstGeom>
+            </p:spPr>
+            <p:txBody>
+              <a:bodyPr lIns="50800" tIns="50800" rIns="50800" bIns="50800" rtlCol="0" anchor="ctr"/>
+              <a:lstStyle/>
+              <a:p>
+                <a:pPr algn="ctr">
+                  <a:lnSpc>
+                    <a:spcPts val="2659"/>
+                  </a:lnSpc>
+                  <a:spcBef>
+                    <a:spcPct val="0"/>
+                  </a:spcBef>
+                </a:pPr>
+                <a:endParaRPr/>
+              </a:p>
+            </p:txBody>
+          </p:sp>
+        </p:grpSp>
+        <p:grpSp>
+          <p:nvGrpSpPr>
+            <p:cNvPr id="9" name="Group 9"/>
+            <p:cNvGrpSpPr/>
+            <p:nvPr/>
+          </p:nvGrpSpPr>
+          <p:grpSpPr>
+            <a:xfrm rot="2252144">
+              <a:off x="2397493" y="3224228"/>
+              <a:ext cx="7399579" cy="7432687"/>
+              <a:chOff x="0" y="0"/>
+              <a:chExt cx="2816645" cy="2829248"/>
+            </a:xfrm>
+          </p:grpSpPr>
+          <p:sp>
+            <p:nvSpPr>
+              <p:cNvPr id="10" name="Freeform 10"/>
+              <p:cNvSpPr/>
+              <p:nvPr/>
+            </p:nvSpPr>
+            <p:spPr>
+              <a:xfrm>
+                <a:off x="0" y="0"/>
+                <a:ext cx="2816645" cy="2829248"/>
+              </a:xfrm>
+              <a:custGeom>
+                <a:avLst/>
+                <a:gdLst/>
+                <a:ahLst/>
+                <a:cxnLst/>
+                <a:rect l="l" t="t" r="r" b="b"/>
+                <a:pathLst>
+                  <a:path w="2816645" h="2829248">
+                    <a:moveTo>
+                      <a:pt x="0" y="0"/>
+                    </a:moveTo>
+                    <a:lnTo>
+                      <a:pt x="2816645" y="0"/>
+                    </a:lnTo>
+                    <a:lnTo>
+                      <a:pt x="2816645" y="2829248"/>
+                    </a:lnTo>
+                    <a:lnTo>
+                      <a:pt x="0" y="2829248"/>
+                    </a:lnTo>
+                    <a:close/>
+                  </a:path>
+                </a:pathLst>
+              </a:custGeom>
+              <a:solidFill>
+                <a:srgbClr val="535659"/>
+              </a:solidFill>
+            </p:spPr>
+          </p:sp>
+          <p:sp>
+            <p:nvSpPr>
+              <p:cNvPr id="11" name="TextBox 11"/>
+              <p:cNvSpPr txBox="1"/>
+              <p:nvPr/>
+            </p:nvSpPr>
+            <p:spPr>
+              <a:xfrm>
+                <a:off x="0" y="-123825"/>
+                <a:ext cx="2816645" cy="2953073"/>
+              </a:xfrm>
+              <a:prstGeom prst="rect">
+                <a:avLst/>
+              </a:prstGeom>
+            </p:spPr>
+            <p:txBody>
+              <a:bodyPr lIns="50800" tIns="50800" rIns="50800" bIns="50800" rtlCol="0" anchor="ctr"/>
+              <a:lstStyle/>
+              <a:p>
+                <a:pPr algn="ctr">
+                  <a:lnSpc>
+                    <a:spcPts val="2659"/>
+                  </a:lnSpc>
+                  <a:spcBef>
+                    <a:spcPct val="0"/>
+                  </a:spcBef>
+                </a:pPr>
+                <a:endParaRPr/>
+              </a:p>
+            </p:txBody>
+          </p:sp>
+        </p:grpSp>
+        <p:grpSp>
+          <p:nvGrpSpPr>
+            <p:cNvPr id="12" name="Group 12"/>
+            <p:cNvGrpSpPr/>
+            <p:nvPr/>
+          </p:nvGrpSpPr>
+          <p:grpSpPr>
+            <a:xfrm rot="2252144">
+              <a:off x="4180100" y="3525007"/>
+              <a:ext cx="7399579" cy="7432687"/>
+              <a:chOff x="0" y="0"/>
+              <a:chExt cx="2816645" cy="2829248"/>
+            </a:xfrm>
+          </p:grpSpPr>
+          <p:sp>
+            <p:nvSpPr>
+              <p:cNvPr id="13" name="Freeform 13"/>
+              <p:cNvSpPr/>
+              <p:nvPr/>
+            </p:nvSpPr>
+            <p:spPr>
+              <a:xfrm>
+                <a:off x="0" y="0"/>
+                <a:ext cx="2816645" cy="2829248"/>
+              </a:xfrm>
+              <a:custGeom>
+                <a:avLst/>
+                <a:gdLst/>
+                <a:ahLst/>
+                <a:cxnLst/>
+                <a:rect l="l" t="t" r="r" b="b"/>
+                <a:pathLst>
+                  <a:path w="2816645" h="2829248">
+                    <a:moveTo>
+                      <a:pt x="0" y="0"/>
+                    </a:moveTo>
+                    <a:lnTo>
+                      <a:pt x="2816645" y="0"/>
+                    </a:lnTo>
+                    <a:lnTo>
+                      <a:pt x="2816645" y="2829248"/>
+                    </a:lnTo>
+                    <a:lnTo>
+                      <a:pt x="0" y="2829248"/>
+                    </a:lnTo>
+                    <a:close/>
+                  </a:path>
+                </a:pathLst>
+              </a:custGeom>
+              <a:solidFill>
+                <a:srgbClr val="858789"/>
+              </a:solidFill>
+            </p:spPr>
+          </p:sp>
+          <p:sp>
+            <p:nvSpPr>
+              <p:cNvPr id="14" name="TextBox 14"/>
+              <p:cNvSpPr txBox="1"/>
+              <p:nvPr/>
+            </p:nvSpPr>
+            <p:spPr>
+              <a:xfrm>
+                <a:off x="0" y="-123825"/>
+                <a:ext cx="2816645" cy="2953073"/>
+              </a:xfrm>
+              <a:prstGeom prst="rect">
+                <a:avLst/>
+              </a:prstGeom>
+            </p:spPr>
+            <p:txBody>
+              <a:bodyPr lIns="50800" tIns="50800" rIns="50800" bIns="50800" rtlCol="0" anchor="ctr"/>
+              <a:lstStyle/>
+              <a:p>
+                <a:pPr algn="ctr">
+                  <a:lnSpc>
+                    <a:spcPts val="2659"/>
+                  </a:lnSpc>
+                  <a:spcBef>
+                    <a:spcPct val="0"/>
+                  </a:spcBef>
+                </a:pPr>
+                <a:endParaRPr/>
+              </a:p>
+            </p:txBody>
+          </p:sp>
+        </p:grpSp>
+      </p:grpSp>
+      <p:grpSp>
+        <p:nvGrpSpPr>
+          <p:cNvPr id="15" name="Group 15"/>
+          <p:cNvGrpSpPr/>
+          <p:nvPr/>
+        </p:nvGrpSpPr>
+        <p:grpSpPr>
+          <a:xfrm rot="2124477">
+            <a:off x="15979122" y="5429903"/>
+            <a:ext cx="9808447" cy="9331824"/>
+            <a:chOff x="0" y="0"/>
+            <a:chExt cx="13077930" cy="12442432"/>
+          </a:xfrm>
+        </p:grpSpPr>
+        <p:grpSp>
+          <p:nvGrpSpPr>
+            <p:cNvPr id="16" name="Group 16"/>
+            <p:cNvGrpSpPr/>
+            <p:nvPr/>
+          </p:nvGrpSpPr>
+          <p:grpSpPr>
+            <a:xfrm rot="2252144">
+              <a:off x="1498251" y="1484738"/>
+              <a:ext cx="7399579" cy="7432687"/>
+              <a:chOff x="0" y="0"/>
+              <a:chExt cx="2816645" cy="2829248"/>
+            </a:xfrm>
+          </p:grpSpPr>
+          <p:sp>
+            <p:nvSpPr>
+              <p:cNvPr id="17" name="Freeform 17"/>
+              <p:cNvSpPr/>
+              <p:nvPr/>
+            </p:nvSpPr>
+            <p:spPr>
+              <a:xfrm>
+                <a:off x="0" y="0"/>
+                <a:ext cx="2816645" cy="2829248"/>
+              </a:xfrm>
+              <a:custGeom>
+                <a:avLst/>
+                <a:gdLst/>
+                <a:ahLst/>
+                <a:cxnLst/>
+                <a:rect l="l" t="t" r="r" b="b"/>
+                <a:pathLst>
+                  <a:path w="2816645" h="2829248">
+                    <a:moveTo>
+                      <a:pt x="0" y="0"/>
+                    </a:moveTo>
+                    <a:lnTo>
+                      <a:pt x="2816645" y="0"/>
+                    </a:lnTo>
+                    <a:lnTo>
+                      <a:pt x="2816645" y="2829248"/>
+                    </a:lnTo>
+                    <a:lnTo>
+                      <a:pt x="0" y="2829248"/>
+                    </a:lnTo>
+                    <a:close/>
+                  </a:path>
+                </a:pathLst>
+              </a:custGeom>
+              <a:solidFill>
+                <a:srgbClr val="243342"/>
+              </a:solidFill>
+            </p:spPr>
+          </p:sp>
+          <p:sp>
+            <p:nvSpPr>
+              <p:cNvPr id="18" name="TextBox 18"/>
+              <p:cNvSpPr txBox="1"/>
+              <p:nvPr/>
+            </p:nvSpPr>
+            <p:spPr>
+              <a:xfrm>
+                <a:off x="0" y="-123825"/>
+                <a:ext cx="2816645" cy="2953073"/>
+              </a:xfrm>
+              <a:prstGeom prst="rect">
+                <a:avLst/>
+              </a:prstGeom>
+            </p:spPr>
+            <p:txBody>
+              <a:bodyPr lIns="50800" tIns="50800" rIns="50800" bIns="50800" rtlCol="0" anchor="ctr"/>
+              <a:lstStyle/>
+              <a:p>
+                <a:pPr algn="ctr">
+                  <a:lnSpc>
+                    <a:spcPts val="2659"/>
+                  </a:lnSpc>
+                  <a:spcBef>
+                    <a:spcPct val="0"/>
+                  </a:spcBef>
+                </a:pPr>
+                <a:endParaRPr/>
+              </a:p>
+            </p:txBody>
+          </p:sp>
+        </p:grpSp>
+        <p:grpSp>
+          <p:nvGrpSpPr>
+            <p:cNvPr id="19" name="Group 19"/>
+            <p:cNvGrpSpPr/>
+            <p:nvPr/>
+          </p:nvGrpSpPr>
+          <p:grpSpPr>
+            <a:xfrm rot="2252144">
+              <a:off x="2397493" y="3224228"/>
+              <a:ext cx="7399579" cy="7432687"/>
+              <a:chOff x="0" y="0"/>
+              <a:chExt cx="2816645" cy="2829248"/>
+            </a:xfrm>
+          </p:grpSpPr>
+          <p:sp>
+            <p:nvSpPr>
+              <p:cNvPr id="20" name="Freeform 20"/>
+              <p:cNvSpPr/>
+              <p:nvPr/>
+            </p:nvSpPr>
+            <p:spPr>
+              <a:xfrm>
+                <a:off x="0" y="0"/>
+                <a:ext cx="2816645" cy="2829248"/>
+              </a:xfrm>
+              <a:custGeom>
+                <a:avLst/>
+                <a:gdLst/>
+                <a:ahLst/>
+                <a:cxnLst/>
+                <a:rect l="l" t="t" r="r" b="b"/>
+                <a:pathLst>
+                  <a:path w="2816645" h="2829248">
+                    <a:moveTo>
+                      <a:pt x="0" y="0"/>
+                    </a:moveTo>
+                    <a:lnTo>
+                      <a:pt x="2816645" y="0"/>
+                    </a:lnTo>
+                    <a:lnTo>
+                      <a:pt x="2816645" y="2829248"/>
+                    </a:lnTo>
+                    <a:lnTo>
+                      <a:pt x="0" y="2829248"/>
+                    </a:lnTo>
+                    <a:close/>
+                  </a:path>
+                </a:pathLst>
+              </a:custGeom>
+              <a:solidFill>
+                <a:srgbClr val="535659"/>
+              </a:solidFill>
+            </p:spPr>
+          </p:sp>
+          <p:sp>
+            <p:nvSpPr>
+              <p:cNvPr id="21" name="TextBox 21"/>
+              <p:cNvSpPr txBox="1"/>
+              <p:nvPr/>
+            </p:nvSpPr>
+            <p:spPr>
+              <a:xfrm>
+                <a:off x="0" y="-123825"/>
+                <a:ext cx="2816645" cy="2953073"/>
+              </a:xfrm>
+              <a:prstGeom prst="rect">
+                <a:avLst/>
+              </a:prstGeom>
+            </p:spPr>
+            <p:txBody>
+              <a:bodyPr lIns="50800" tIns="50800" rIns="50800" bIns="50800" rtlCol="0" anchor="ctr"/>
+              <a:lstStyle/>
+              <a:p>
+                <a:pPr algn="ctr">
+                  <a:lnSpc>
+                    <a:spcPts val="2659"/>
+                  </a:lnSpc>
+                  <a:spcBef>
+                    <a:spcPct val="0"/>
+                  </a:spcBef>
+                </a:pPr>
+                <a:endParaRPr/>
+              </a:p>
+            </p:txBody>
+          </p:sp>
+        </p:grpSp>
+        <p:grpSp>
+          <p:nvGrpSpPr>
+            <p:cNvPr id="22" name="Group 22"/>
+            <p:cNvGrpSpPr/>
+            <p:nvPr/>
+          </p:nvGrpSpPr>
+          <p:grpSpPr>
+            <a:xfrm rot="2252144">
+              <a:off x="4180100" y="3525007"/>
+              <a:ext cx="7399579" cy="7432687"/>
+              <a:chOff x="0" y="0"/>
+              <a:chExt cx="2816645" cy="2829248"/>
+            </a:xfrm>
+          </p:grpSpPr>
+          <p:sp>
+            <p:nvSpPr>
+              <p:cNvPr id="23" name="Freeform 23"/>
+              <p:cNvSpPr/>
+              <p:nvPr/>
+            </p:nvSpPr>
+            <p:spPr>
+              <a:xfrm>
+                <a:off x="0" y="0"/>
+                <a:ext cx="2816645" cy="2829248"/>
+              </a:xfrm>
+              <a:custGeom>
+                <a:avLst/>
+                <a:gdLst/>
+                <a:ahLst/>
+                <a:cxnLst/>
+                <a:rect l="l" t="t" r="r" b="b"/>
+                <a:pathLst>
+                  <a:path w="2816645" h="2829248">
+                    <a:moveTo>
+                      <a:pt x="0" y="0"/>
+                    </a:moveTo>
+                    <a:lnTo>
+                      <a:pt x="2816645" y="0"/>
+                    </a:lnTo>
+                    <a:lnTo>
+                      <a:pt x="2816645" y="2829248"/>
+                    </a:lnTo>
+                    <a:lnTo>
+                      <a:pt x="0" y="2829248"/>
+                    </a:lnTo>
+                    <a:close/>
+                  </a:path>
+                </a:pathLst>
+              </a:custGeom>
+              <a:solidFill>
+                <a:srgbClr val="858789"/>
+              </a:solidFill>
+            </p:spPr>
+          </p:sp>
+          <p:sp>
+            <p:nvSpPr>
+              <p:cNvPr id="24" name="TextBox 24"/>
+              <p:cNvSpPr txBox="1"/>
+              <p:nvPr/>
+            </p:nvSpPr>
+            <p:spPr>
+              <a:xfrm>
+                <a:off x="0" y="-123825"/>
+                <a:ext cx="2816645" cy="2953073"/>
+              </a:xfrm>
+              <a:prstGeom prst="rect">
+                <a:avLst/>
+              </a:prstGeom>
+            </p:spPr>
+            <p:txBody>
+              <a:bodyPr lIns="50800" tIns="50800" rIns="50800" bIns="50800" rtlCol="0" anchor="ctr"/>
+              <a:lstStyle/>
+              <a:p>
+                <a:pPr algn="ctr">
+                  <a:lnSpc>
+                    <a:spcPts val="2659"/>
+                  </a:lnSpc>
+                  <a:spcBef>
+                    <a:spcPct val="0"/>
+                  </a:spcBef>
+                </a:pPr>
+                <a:endParaRPr/>
+              </a:p>
+            </p:txBody>
+          </p:sp>
+        </p:grpSp>
+      </p:grpSp>
+      <p:sp>
+        <p:nvSpPr>
+          <p:cNvPr id="25" name="TextBox 25"/>
+          <p:cNvSpPr txBox="1"/>
+          <p:nvPr/>
+        </p:nvSpPr>
+        <p:spPr>
+          <a:xfrm>
             <a:off x="1490452" y="904875"/>
             <a:ext cx="8259377" cy="769441"/>
           </a:xfrm>
@@ -8373,7 +9142,7 @@
 </p:sld>
 </file>
 
-<file path=ppt/slides/slide6.xml><?xml version="1.0" encoding="utf-8"?>
+<file path=ppt/slides/slide7.xml><?xml version="1.0" encoding="utf-8"?>
 <p:sld xmlns:a="http://schemas.openxmlformats.org/drawingml/2006/main" xmlns:r="http://schemas.openxmlformats.org/officeDocument/2006/relationships" xmlns:p="http://schemas.openxmlformats.org/presentationml/2006/main">
   <p:cSld>
     <p:bg>
@@ -9226,7 +9995,7 @@
 </p:sld>
 </file>
 
-<file path=ppt/slides/slide7.xml><?xml version="1.0" encoding="utf-8"?>
+<file path=ppt/slides/slide8.xml><?xml version="1.0" encoding="utf-8"?>
 <p:sld xmlns:a="http://schemas.openxmlformats.org/drawingml/2006/main" xmlns:r="http://schemas.openxmlformats.org/officeDocument/2006/relationships" xmlns:p="http://schemas.openxmlformats.org/presentationml/2006/main">
   <p:cSld>
     <p:bg>
@@ -10373,7 +11142,7 @@
 </p:sld>
 </file>
 
-<file path=ppt/slides/slide8.xml><?xml version="1.0" encoding="utf-8"?>
+<file path=ppt/slides/slide9.xml><?xml version="1.0" encoding="utf-8"?>
 <p:sld xmlns:a="http://schemas.openxmlformats.org/drawingml/2006/main" xmlns:r="http://schemas.openxmlformats.org/officeDocument/2006/relationships" xmlns:p="http://schemas.openxmlformats.org/presentationml/2006/main">
   <p:cSld>
     <p:bg>

--- a/junior-web-dev.pptx
+++ b/junior-web-dev.pptx
@@ -40,25 +40,28 @@
     <p:sldId id="290" r:id="rId34"/>
     <p:sldId id="291" r:id="rId35"/>
     <p:sldId id="292" r:id="rId36"/>
-    <p:sldId id="260" r:id="rId37"/>
+    <p:sldId id="293" r:id="rId37"/>
+    <p:sldId id="294" r:id="rId38"/>
+    <p:sldId id="295" r:id="rId39"/>
+    <p:sldId id="260" r:id="rId40"/>
   </p:sldIdLst>
   <p:sldSz cx="18288000" cy="10287000"/>
   <p:notesSz cx="6858000" cy="9144000"/>
   <p:embeddedFontLst>
     <p:embeddedFont>
       <p:font typeface="Karnchang Bold" panose="020B0604020202020204" charset="-34"/>
-      <p:regular r:id="rId38"/>
+      <p:regular r:id="rId41"/>
     </p:embeddedFont>
     <p:embeddedFont>
       <p:font typeface="Calibri" panose="020F0502020204030204" pitchFamily="34" charset="0"/>
-      <p:regular r:id="rId39"/>
-      <p:bold r:id="rId40"/>
-      <p:italic r:id="rId41"/>
-      <p:boldItalic r:id="rId42"/>
+      <p:regular r:id="rId42"/>
+      <p:bold r:id="rId43"/>
+      <p:italic r:id="rId44"/>
+      <p:boldItalic r:id="rId45"/>
     </p:embeddedFont>
     <p:embeddedFont>
       <p:font typeface="Karnchang" panose="020B0604020202020204" charset="-34"/>
-      <p:regular r:id="rId43"/>
+      <p:regular r:id="rId46"/>
     </p:embeddedFont>
   </p:embeddedFontLst>
   <p:defaultTextStyle>
@@ -357,7 +360,7 @@
             <a:fld id="{1D8BD707-D9CF-40AE-B4C6-C98DA3205C09}" type="datetimeFigureOut">
               <a:rPr lang="en-US" smtClean="0"/>
               <a:pPr/>
-              <a:t>7/7/2024</a:t>
+              <a:t>7/8/2024</a:t>
             </a:fld>
             <a:endParaRPr lang="en-US"/>
           </a:p>
@@ -524,7 +527,7 @@
             <a:fld id="{1D8BD707-D9CF-40AE-B4C6-C98DA3205C09}" type="datetimeFigureOut">
               <a:rPr lang="en-US" smtClean="0"/>
               <a:pPr/>
-              <a:t>7/7/2024</a:t>
+              <a:t>7/8/2024</a:t>
             </a:fld>
             <a:endParaRPr lang="en-US"/>
           </a:p>
@@ -701,7 +704,7 @@
             <a:fld id="{1D8BD707-D9CF-40AE-B4C6-C98DA3205C09}" type="datetimeFigureOut">
               <a:rPr lang="en-US" smtClean="0"/>
               <a:pPr/>
-              <a:t>7/7/2024</a:t>
+              <a:t>7/8/2024</a:t>
             </a:fld>
             <a:endParaRPr lang="en-US"/>
           </a:p>
@@ -868,7 +871,7 @@
             <a:fld id="{1D8BD707-D9CF-40AE-B4C6-C98DA3205C09}" type="datetimeFigureOut">
               <a:rPr lang="en-US" smtClean="0"/>
               <a:pPr/>
-              <a:t>7/7/2024</a:t>
+              <a:t>7/8/2024</a:t>
             </a:fld>
             <a:endParaRPr lang="en-US"/>
           </a:p>
@@ -1111,7 +1114,7 @@
             <a:fld id="{1D8BD707-D9CF-40AE-B4C6-C98DA3205C09}" type="datetimeFigureOut">
               <a:rPr lang="en-US" smtClean="0"/>
               <a:pPr/>
-              <a:t>7/7/2024</a:t>
+              <a:t>7/8/2024</a:t>
             </a:fld>
             <a:endParaRPr lang="en-US"/>
           </a:p>
@@ -1396,7 +1399,7 @@
             <a:fld id="{1D8BD707-D9CF-40AE-B4C6-C98DA3205C09}" type="datetimeFigureOut">
               <a:rPr lang="en-US" smtClean="0"/>
               <a:pPr/>
-              <a:t>7/7/2024</a:t>
+              <a:t>7/8/2024</a:t>
             </a:fld>
             <a:endParaRPr lang="en-US"/>
           </a:p>
@@ -1815,7 +1818,7 @@
             <a:fld id="{1D8BD707-D9CF-40AE-B4C6-C98DA3205C09}" type="datetimeFigureOut">
               <a:rPr lang="en-US" smtClean="0"/>
               <a:pPr/>
-              <a:t>7/7/2024</a:t>
+              <a:t>7/8/2024</a:t>
             </a:fld>
             <a:endParaRPr lang="en-US"/>
           </a:p>
@@ -1930,7 +1933,7 @@
             <a:fld id="{1D8BD707-D9CF-40AE-B4C6-C98DA3205C09}" type="datetimeFigureOut">
               <a:rPr lang="en-US" smtClean="0"/>
               <a:pPr/>
-              <a:t>7/7/2024</a:t>
+              <a:t>7/8/2024</a:t>
             </a:fld>
             <a:endParaRPr lang="en-US"/>
           </a:p>
@@ -2022,7 +2025,7 @@
             <a:fld id="{1D8BD707-D9CF-40AE-B4C6-C98DA3205C09}" type="datetimeFigureOut">
               <a:rPr lang="en-US" smtClean="0"/>
               <a:pPr/>
-              <a:t>7/7/2024</a:t>
+              <a:t>7/8/2024</a:t>
             </a:fld>
             <a:endParaRPr lang="en-US"/>
           </a:p>
@@ -2296,7 +2299,7 @@
             <a:fld id="{1D8BD707-D9CF-40AE-B4C6-C98DA3205C09}" type="datetimeFigureOut">
               <a:rPr lang="en-US" smtClean="0"/>
               <a:pPr/>
-              <a:t>7/7/2024</a:t>
+              <a:t>7/8/2024</a:t>
             </a:fld>
             <a:endParaRPr lang="en-US"/>
           </a:p>
@@ -2546,7 +2549,7 @@
             <a:fld id="{1D8BD707-D9CF-40AE-B4C6-C98DA3205C09}" type="datetimeFigureOut">
               <a:rPr lang="en-US" smtClean="0"/>
               <a:pPr/>
-              <a:t>7/7/2024</a:t>
+              <a:t>7/8/2024</a:t>
             </a:fld>
             <a:endParaRPr lang="en-US"/>
           </a:p>
@@ -2756,7 +2759,7 @@
             <a:fld id="{1D8BD707-D9CF-40AE-B4C6-C98DA3205C09}" type="datetimeFigureOut">
               <a:rPr lang="en-US" smtClean="0"/>
               <a:pPr/>
-              <a:t>7/7/2024</a:t>
+              <a:t>7/8/2024</a:t>
             </a:fld>
             <a:endParaRPr lang="en-US"/>
           </a:p>
@@ -7639,7 +7642,7 @@
             <a:blip r:embed="rId2">
               <a:extLst>
                 <a:ext uri="{96DAC541-7B7A-43D3-8B79-37D633B846F1}">
-                  <asvg:svgBlip xmlns="" xmlns:asvg="http://schemas.microsoft.com/office/drawing/2016/SVG/main" r:embed="rId3"/>
+                  <asvg:svgBlip xmlns:asvg="http://schemas.microsoft.com/office/drawing/2016/SVG/main" xmlns="" r:embed="rId3"/>
                 </a:ext>
               </a:extLst>
             </a:blip>
@@ -11771,7 +11774,7 @@
               <a:blip r:embed="rId2">
                 <a:extLst>
                   <a:ext uri="{96DAC541-7B7A-43D3-8B79-37D633B846F1}">
-                    <asvg:svgBlip xmlns="" xmlns:asvg="http://schemas.microsoft.com/office/drawing/2016/SVG/main" r:embed="rId3"/>
+                    <asvg:svgBlip xmlns:asvg="http://schemas.microsoft.com/office/drawing/2016/SVG/main" xmlns="" r:embed="rId3"/>
                   </a:ext>
                 </a:extLst>
               </a:blip>
@@ -11995,7 +11998,7 @@
               <a:blip r:embed="rId2">
                 <a:extLst>
                   <a:ext uri="{96DAC541-7B7A-43D3-8B79-37D633B846F1}">
-                    <asvg:svgBlip xmlns="" xmlns:asvg="http://schemas.microsoft.com/office/drawing/2016/SVG/main" r:embed="rId3"/>
+                    <asvg:svgBlip xmlns:asvg="http://schemas.microsoft.com/office/drawing/2016/SVG/main" xmlns="" r:embed="rId3"/>
                   </a:ext>
                 </a:extLst>
               </a:blip>
@@ -12220,7 +12223,7 @@
               <a:blip r:embed="rId2">
                 <a:extLst>
                   <a:ext uri="{96DAC541-7B7A-43D3-8B79-37D633B846F1}">
-                    <asvg:svgBlip xmlns="" xmlns:asvg="http://schemas.microsoft.com/office/drawing/2016/SVG/main" r:embed="rId3"/>
+                    <asvg:svgBlip xmlns:asvg="http://schemas.microsoft.com/office/drawing/2016/SVG/main" xmlns="" r:embed="rId3"/>
                   </a:ext>
                 </a:extLst>
               </a:blip>
@@ -12411,7 +12414,7 @@
               <a:blip r:embed="rId2">
                 <a:extLst>
                   <a:ext uri="{96DAC541-7B7A-43D3-8B79-37D633B846F1}">
-                    <asvg:svgBlip xmlns="" xmlns:asvg="http://schemas.microsoft.com/office/drawing/2016/SVG/main" r:embed="rId3"/>
+                    <asvg:svgBlip xmlns:asvg="http://schemas.microsoft.com/office/drawing/2016/SVG/main" xmlns="" r:embed="rId3"/>
                   </a:ext>
                 </a:extLst>
               </a:blip>
@@ -13325,7 +13328,7 @@
             <a:blip r:embed="rId2">
               <a:extLst>
                 <a:ext uri="{96DAC541-7B7A-43D3-8B79-37D633B846F1}">
-                  <asvg:svgBlip xmlns="" xmlns:asvg="http://schemas.microsoft.com/office/drawing/2016/SVG/main" r:embed="rId3"/>
+                  <asvg:svgBlip xmlns:asvg="http://schemas.microsoft.com/office/drawing/2016/SVG/main" xmlns="" r:embed="rId3"/>
                 </a:ext>
               </a:extLst>
             </a:blip>
@@ -19667,7 +19670,7 @@
             <a:blip r:embed="rId2">
               <a:extLst>
                 <a:ext uri="{96DAC541-7B7A-43D3-8B79-37D633B846F1}">
-                  <asvg:svgBlip xmlns="" xmlns:asvg="http://schemas.microsoft.com/office/drawing/2016/SVG/main" r:embed="rId3"/>
+                  <asvg:svgBlip xmlns:asvg="http://schemas.microsoft.com/office/drawing/2016/SVG/main" xmlns="" r:embed="rId3"/>
                 </a:ext>
               </a:extLst>
             </a:blip>
@@ -22215,11 +22218,7 @@
           <a:p>
             <a:r>
               <a:rPr lang="en-US" sz="2400" dirty="0" smtClean="0"/>
-              <a:t>	</a:t>
-            </a:r>
-            <a:r>
-              <a:rPr lang="en-US" sz="2400" dirty="0" smtClean="0"/>
-              <a:t>Folder controller </a:t>
+              <a:t>	Folder controller </a:t>
             </a:r>
             <a:r>
               <a:rPr lang="en-US" sz="2400" dirty="0" err="1" smtClean="0"/>
@@ -23145,11 +23144,7 @@
           <a:p>
             <a:r>
               <a:rPr lang="en-US" sz="2400" dirty="0" smtClean="0"/>
-              <a:t>	</a:t>
-            </a:r>
-            <a:r>
-              <a:rPr lang="en-US" sz="2400" dirty="0" smtClean="0"/>
-              <a:t>Folder public </a:t>
+              <a:t>	Folder public </a:t>
             </a:r>
             <a:r>
               <a:rPr lang="en-US" sz="2400" dirty="0" err="1" smtClean="0"/>
@@ -24035,11 +24030,7 @@
           <a:p>
             <a:r>
               <a:rPr lang="en-US" sz="2400" dirty="0" smtClean="0"/>
-              <a:t>	</a:t>
-            </a:r>
-            <a:r>
-              <a:rPr lang="en-US" sz="2400" dirty="0" smtClean="0"/>
-              <a:t>Folder vendor </a:t>
+              <a:t>	Folder vendor </a:t>
             </a:r>
             <a:r>
               <a:rPr lang="en-US" sz="2400" dirty="0" err="1" smtClean="0"/>
@@ -24981,11 +24972,7 @@
           <a:p>
             <a:r>
               <a:rPr lang="en-US" sz="2400" dirty="0" smtClean="0"/>
-              <a:t>	</a:t>
-            </a:r>
-            <a:r>
-              <a:rPr lang="en-US" sz="2400" dirty="0" smtClean="0"/>
-              <a:t>Folder view </a:t>
+              <a:t>	Folder view </a:t>
             </a:r>
             <a:r>
               <a:rPr lang="en-US" sz="2400" dirty="0" err="1" smtClean="0"/>
@@ -25870,7 +25857,7 @@
             <a:blip r:embed="rId2">
               <a:extLst>
                 <a:ext uri="{96DAC541-7B7A-43D3-8B79-37D633B846F1}">
-                  <asvg:svgBlip xmlns="" xmlns:asvg="http://schemas.microsoft.com/office/drawing/2016/SVG/main" r:embed="rId3"/>
+                  <asvg:svgBlip xmlns:asvg="http://schemas.microsoft.com/office/drawing/2016/SVG/main" xmlns="" r:embed="rId3"/>
                 </a:ext>
               </a:extLst>
             </a:blip>
@@ -27960,7 +27947,7 @@
             <a:blip r:embed="rId2">
               <a:extLst>
                 <a:ext uri="{96DAC541-7B7A-43D3-8B79-37D633B846F1}">
-                  <asvg:svgBlip xmlns="" xmlns:asvg="http://schemas.microsoft.com/office/drawing/2016/SVG/main" r:embed="rId3"/>
+                  <asvg:svgBlip xmlns:asvg="http://schemas.microsoft.com/office/drawing/2016/SVG/main" xmlns="" r:embed="rId3"/>
                 </a:ext>
               </a:extLst>
             </a:blip>
@@ -34886,6 +34873,3381 @@
         </p:nvGrpSpPr>
         <p:grpSpPr>
           <a:xfrm>
+            <a:off x="552254" y="419100"/>
+            <a:ext cx="16713866" cy="9101117"/>
+            <a:chOff x="0" y="0"/>
+            <a:chExt cx="4402006" cy="2397002"/>
+          </a:xfrm>
+        </p:grpSpPr>
+        <p:sp>
+          <p:nvSpPr>
+            <p:cNvPr id="3" name="Freeform 3"/>
+            <p:cNvSpPr/>
+            <p:nvPr/>
+          </p:nvSpPr>
+          <p:spPr>
+            <a:xfrm>
+              <a:off x="0" y="0"/>
+              <a:ext cx="4402006" cy="2397002"/>
+            </a:xfrm>
+            <a:custGeom>
+              <a:avLst/>
+              <a:gdLst/>
+              <a:ahLst/>
+              <a:cxnLst/>
+              <a:rect l="l" t="t" r="r" b="b"/>
+              <a:pathLst>
+                <a:path w="4402006" h="2397002">
+                  <a:moveTo>
+                    <a:pt x="23623" y="0"/>
+                  </a:moveTo>
+                  <a:lnTo>
+                    <a:pt x="4378382" y="0"/>
+                  </a:lnTo>
+                  <a:cubicBezTo>
+                    <a:pt x="4391429" y="0"/>
+                    <a:pt x="4402006" y="10577"/>
+                    <a:pt x="4402006" y="23623"/>
+                  </a:cubicBezTo>
+                  <a:lnTo>
+                    <a:pt x="4402006" y="2373379"/>
+                  </a:lnTo>
+                  <a:cubicBezTo>
+                    <a:pt x="4402006" y="2379644"/>
+                    <a:pt x="4399517" y="2385653"/>
+                    <a:pt x="4395087" y="2390083"/>
+                  </a:cubicBezTo>
+                  <a:cubicBezTo>
+                    <a:pt x="4390656" y="2394513"/>
+                    <a:pt x="4384647" y="2397002"/>
+                    <a:pt x="4378382" y="2397002"/>
+                  </a:cubicBezTo>
+                  <a:lnTo>
+                    <a:pt x="23623" y="2397002"/>
+                  </a:lnTo>
+                  <a:cubicBezTo>
+                    <a:pt x="17358" y="2397002"/>
+                    <a:pt x="11349" y="2394513"/>
+                    <a:pt x="6919" y="2390083"/>
+                  </a:cubicBezTo>
+                  <a:cubicBezTo>
+                    <a:pt x="2489" y="2385653"/>
+                    <a:pt x="0" y="2379644"/>
+                    <a:pt x="0" y="2373379"/>
+                  </a:cubicBezTo>
+                  <a:lnTo>
+                    <a:pt x="0" y="23623"/>
+                  </a:lnTo>
+                  <a:cubicBezTo>
+                    <a:pt x="0" y="17358"/>
+                    <a:pt x="2489" y="11349"/>
+                    <a:pt x="6919" y="6919"/>
+                  </a:cubicBezTo>
+                  <a:cubicBezTo>
+                    <a:pt x="11349" y="2489"/>
+                    <a:pt x="17358" y="0"/>
+                    <a:pt x="23623" y="0"/>
+                  </a:cubicBezTo>
+                  <a:close/>
+                </a:path>
+              </a:pathLst>
+            </a:custGeom>
+            <a:solidFill>
+              <a:srgbClr val="E6EAEF"/>
+            </a:solidFill>
+            <a:ln w="19050" cap="rnd">
+              <a:solidFill>
+                <a:srgbClr val="243342"/>
+              </a:solidFill>
+              <a:prstDash val="solid"/>
+              <a:round/>
+            </a:ln>
+          </p:spPr>
+        </p:sp>
+        <p:sp>
+          <p:nvSpPr>
+            <p:cNvPr id="4" name="TextBox 4"/>
+            <p:cNvSpPr txBox="1"/>
+            <p:nvPr/>
+          </p:nvSpPr>
+          <p:spPr>
+            <a:xfrm>
+              <a:off x="0" y="-38100"/>
+              <a:ext cx="4402006" cy="2435102"/>
+            </a:xfrm>
+            <a:prstGeom prst="rect">
+              <a:avLst/>
+            </a:prstGeom>
+          </p:spPr>
+          <p:txBody>
+            <a:bodyPr lIns="50800" tIns="50800" rIns="50800" bIns="50800" rtlCol="0" anchor="ctr"/>
+            <a:lstStyle/>
+            <a:p>
+              <a:pPr algn="ctr">
+                <a:lnSpc>
+                  <a:spcPts val="3362"/>
+                </a:lnSpc>
+              </a:pPr>
+              <a:endParaRPr/>
+            </a:p>
+          </p:txBody>
+        </p:sp>
+      </p:grpSp>
+      <p:grpSp>
+        <p:nvGrpSpPr>
+          <p:cNvPr id="5" name="Group 5"/>
+          <p:cNvGrpSpPr/>
+          <p:nvPr/>
+        </p:nvGrpSpPr>
+        <p:grpSpPr>
+          <a:xfrm rot="-7538080">
+            <a:off x="-7029811" y="-5584933"/>
+            <a:ext cx="9808447" cy="9331824"/>
+            <a:chOff x="0" y="0"/>
+            <a:chExt cx="13077930" cy="12442432"/>
+          </a:xfrm>
+        </p:grpSpPr>
+        <p:grpSp>
+          <p:nvGrpSpPr>
+            <p:cNvPr id="6" name="Group 6"/>
+            <p:cNvGrpSpPr/>
+            <p:nvPr/>
+          </p:nvGrpSpPr>
+          <p:grpSpPr>
+            <a:xfrm rot="2252144">
+              <a:off x="1498251" y="1484738"/>
+              <a:ext cx="7399579" cy="7432687"/>
+              <a:chOff x="0" y="0"/>
+              <a:chExt cx="2816645" cy="2829248"/>
+            </a:xfrm>
+          </p:grpSpPr>
+          <p:sp>
+            <p:nvSpPr>
+              <p:cNvPr id="7" name="Freeform 7"/>
+              <p:cNvSpPr/>
+              <p:nvPr/>
+            </p:nvSpPr>
+            <p:spPr>
+              <a:xfrm>
+                <a:off x="0" y="0"/>
+                <a:ext cx="2816645" cy="2829248"/>
+              </a:xfrm>
+              <a:custGeom>
+                <a:avLst/>
+                <a:gdLst/>
+                <a:ahLst/>
+                <a:cxnLst/>
+                <a:rect l="l" t="t" r="r" b="b"/>
+                <a:pathLst>
+                  <a:path w="2816645" h="2829248">
+                    <a:moveTo>
+                      <a:pt x="0" y="0"/>
+                    </a:moveTo>
+                    <a:lnTo>
+                      <a:pt x="2816645" y="0"/>
+                    </a:lnTo>
+                    <a:lnTo>
+                      <a:pt x="2816645" y="2829248"/>
+                    </a:lnTo>
+                    <a:lnTo>
+                      <a:pt x="0" y="2829248"/>
+                    </a:lnTo>
+                    <a:close/>
+                  </a:path>
+                </a:pathLst>
+              </a:custGeom>
+              <a:solidFill>
+                <a:srgbClr val="243342"/>
+              </a:solidFill>
+            </p:spPr>
+          </p:sp>
+          <p:sp>
+            <p:nvSpPr>
+              <p:cNvPr id="8" name="TextBox 8"/>
+              <p:cNvSpPr txBox="1"/>
+              <p:nvPr/>
+            </p:nvSpPr>
+            <p:spPr>
+              <a:xfrm>
+                <a:off x="0" y="-123825"/>
+                <a:ext cx="2816645" cy="2953073"/>
+              </a:xfrm>
+              <a:prstGeom prst="rect">
+                <a:avLst/>
+              </a:prstGeom>
+            </p:spPr>
+            <p:txBody>
+              <a:bodyPr lIns="50800" tIns="50800" rIns="50800" bIns="50800" rtlCol="0" anchor="ctr"/>
+              <a:lstStyle/>
+              <a:p>
+                <a:pPr algn="ctr">
+                  <a:lnSpc>
+                    <a:spcPts val="2659"/>
+                  </a:lnSpc>
+                  <a:spcBef>
+                    <a:spcPct val="0"/>
+                  </a:spcBef>
+                </a:pPr>
+                <a:endParaRPr/>
+              </a:p>
+            </p:txBody>
+          </p:sp>
+        </p:grpSp>
+        <p:grpSp>
+          <p:nvGrpSpPr>
+            <p:cNvPr id="9" name="Group 9"/>
+            <p:cNvGrpSpPr/>
+            <p:nvPr/>
+          </p:nvGrpSpPr>
+          <p:grpSpPr>
+            <a:xfrm rot="2252144">
+              <a:off x="2397493" y="3224228"/>
+              <a:ext cx="7399579" cy="7432687"/>
+              <a:chOff x="0" y="0"/>
+              <a:chExt cx="2816645" cy="2829248"/>
+            </a:xfrm>
+          </p:grpSpPr>
+          <p:sp>
+            <p:nvSpPr>
+              <p:cNvPr id="10" name="Freeform 10"/>
+              <p:cNvSpPr/>
+              <p:nvPr/>
+            </p:nvSpPr>
+            <p:spPr>
+              <a:xfrm>
+                <a:off x="0" y="0"/>
+                <a:ext cx="2816645" cy="2829248"/>
+              </a:xfrm>
+              <a:custGeom>
+                <a:avLst/>
+                <a:gdLst/>
+                <a:ahLst/>
+                <a:cxnLst/>
+                <a:rect l="l" t="t" r="r" b="b"/>
+                <a:pathLst>
+                  <a:path w="2816645" h="2829248">
+                    <a:moveTo>
+                      <a:pt x="0" y="0"/>
+                    </a:moveTo>
+                    <a:lnTo>
+                      <a:pt x="2816645" y="0"/>
+                    </a:lnTo>
+                    <a:lnTo>
+                      <a:pt x="2816645" y="2829248"/>
+                    </a:lnTo>
+                    <a:lnTo>
+                      <a:pt x="0" y="2829248"/>
+                    </a:lnTo>
+                    <a:close/>
+                  </a:path>
+                </a:pathLst>
+              </a:custGeom>
+              <a:solidFill>
+                <a:srgbClr val="535659"/>
+              </a:solidFill>
+            </p:spPr>
+          </p:sp>
+          <p:sp>
+            <p:nvSpPr>
+              <p:cNvPr id="11" name="TextBox 11"/>
+              <p:cNvSpPr txBox="1"/>
+              <p:nvPr/>
+            </p:nvSpPr>
+            <p:spPr>
+              <a:xfrm>
+                <a:off x="0" y="-123825"/>
+                <a:ext cx="2816645" cy="2953073"/>
+              </a:xfrm>
+              <a:prstGeom prst="rect">
+                <a:avLst/>
+              </a:prstGeom>
+            </p:spPr>
+            <p:txBody>
+              <a:bodyPr lIns="50800" tIns="50800" rIns="50800" bIns="50800" rtlCol="0" anchor="ctr"/>
+              <a:lstStyle/>
+              <a:p>
+                <a:pPr algn="ctr">
+                  <a:lnSpc>
+                    <a:spcPts val="2659"/>
+                  </a:lnSpc>
+                  <a:spcBef>
+                    <a:spcPct val="0"/>
+                  </a:spcBef>
+                </a:pPr>
+                <a:endParaRPr/>
+              </a:p>
+            </p:txBody>
+          </p:sp>
+        </p:grpSp>
+        <p:grpSp>
+          <p:nvGrpSpPr>
+            <p:cNvPr id="12" name="Group 12"/>
+            <p:cNvGrpSpPr/>
+            <p:nvPr/>
+          </p:nvGrpSpPr>
+          <p:grpSpPr>
+            <a:xfrm rot="2252144">
+              <a:off x="4180100" y="3525007"/>
+              <a:ext cx="7399579" cy="7432687"/>
+              <a:chOff x="0" y="0"/>
+              <a:chExt cx="2816645" cy="2829248"/>
+            </a:xfrm>
+          </p:grpSpPr>
+          <p:sp>
+            <p:nvSpPr>
+              <p:cNvPr id="13" name="Freeform 13"/>
+              <p:cNvSpPr/>
+              <p:nvPr/>
+            </p:nvSpPr>
+            <p:spPr>
+              <a:xfrm>
+                <a:off x="0" y="0"/>
+                <a:ext cx="2816645" cy="2829248"/>
+              </a:xfrm>
+              <a:custGeom>
+                <a:avLst/>
+                <a:gdLst/>
+                <a:ahLst/>
+                <a:cxnLst/>
+                <a:rect l="l" t="t" r="r" b="b"/>
+                <a:pathLst>
+                  <a:path w="2816645" h="2829248">
+                    <a:moveTo>
+                      <a:pt x="0" y="0"/>
+                    </a:moveTo>
+                    <a:lnTo>
+                      <a:pt x="2816645" y="0"/>
+                    </a:lnTo>
+                    <a:lnTo>
+                      <a:pt x="2816645" y="2829248"/>
+                    </a:lnTo>
+                    <a:lnTo>
+                      <a:pt x="0" y="2829248"/>
+                    </a:lnTo>
+                    <a:close/>
+                  </a:path>
+                </a:pathLst>
+              </a:custGeom>
+              <a:solidFill>
+                <a:srgbClr val="858789"/>
+              </a:solidFill>
+            </p:spPr>
+          </p:sp>
+          <p:sp>
+            <p:nvSpPr>
+              <p:cNvPr id="14" name="TextBox 14"/>
+              <p:cNvSpPr txBox="1"/>
+              <p:nvPr/>
+            </p:nvSpPr>
+            <p:spPr>
+              <a:xfrm>
+                <a:off x="0" y="-123825"/>
+                <a:ext cx="2816645" cy="2953073"/>
+              </a:xfrm>
+              <a:prstGeom prst="rect">
+                <a:avLst/>
+              </a:prstGeom>
+            </p:spPr>
+            <p:txBody>
+              <a:bodyPr lIns="50800" tIns="50800" rIns="50800" bIns="50800" rtlCol="0" anchor="ctr"/>
+              <a:lstStyle/>
+              <a:p>
+                <a:pPr algn="ctr">
+                  <a:lnSpc>
+                    <a:spcPts val="2659"/>
+                  </a:lnSpc>
+                  <a:spcBef>
+                    <a:spcPct val="0"/>
+                  </a:spcBef>
+                </a:pPr>
+                <a:endParaRPr/>
+              </a:p>
+            </p:txBody>
+          </p:sp>
+        </p:grpSp>
+      </p:grpSp>
+      <p:grpSp>
+        <p:nvGrpSpPr>
+          <p:cNvPr id="15" name="Group 15"/>
+          <p:cNvGrpSpPr/>
+          <p:nvPr/>
+        </p:nvGrpSpPr>
+        <p:grpSpPr>
+          <a:xfrm rot="2124477">
+            <a:off x="15979122" y="5429903"/>
+            <a:ext cx="9808447" cy="9331824"/>
+            <a:chOff x="0" y="0"/>
+            <a:chExt cx="13077930" cy="12442432"/>
+          </a:xfrm>
+        </p:grpSpPr>
+        <p:grpSp>
+          <p:nvGrpSpPr>
+            <p:cNvPr id="16" name="Group 16"/>
+            <p:cNvGrpSpPr/>
+            <p:nvPr/>
+          </p:nvGrpSpPr>
+          <p:grpSpPr>
+            <a:xfrm rot="2252144">
+              <a:off x="1498251" y="1484738"/>
+              <a:ext cx="7399579" cy="7432687"/>
+              <a:chOff x="0" y="0"/>
+              <a:chExt cx="2816645" cy="2829248"/>
+            </a:xfrm>
+          </p:grpSpPr>
+          <p:sp>
+            <p:nvSpPr>
+              <p:cNvPr id="17" name="Freeform 17"/>
+              <p:cNvSpPr/>
+              <p:nvPr/>
+            </p:nvSpPr>
+            <p:spPr>
+              <a:xfrm>
+                <a:off x="0" y="0"/>
+                <a:ext cx="2816645" cy="2829248"/>
+              </a:xfrm>
+              <a:custGeom>
+                <a:avLst/>
+                <a:gdLst/>
+                <a:ahLst/>
+                <a:cxnLst/>
+                <a:rect l="l" t="t" r="r" b="b"/>
+                <a:pathLst>
+                  <a:path w="2816645" h="2829248">
+                    <a:moveTo>
+                      <a:pt x="0" y="0"/>
+                    </a:moveTo>
+                    <a:lnTo>
+                      <a:pt x="2816645" y="0"/>
+                    </a:lnTo>
+                    <a:lnTo>
+                      <a:pt x="2816645" y="2829248"/>
+                    </a:lnTo>
+                    <a:lnTo>
+                      <a:pt x="0" y="2829248"/>
+                    </a:lnTo>
+                    <a:close/>
+                  </a:path>
+                </a:pathLst>
+              </a:custGeom>
+              <a:solidFill>
+                <a:srgbClr val="243342"/>
+              </a:solidFill>
+            </p:spPr>
+          </p:sp>
+          <p:sp>
+            <p:nvSpPr>
+              <p:cNvPr id="18" name="TextBox 18"/>
+              <p:cNvSpPr txBox="1"/>
+              <p:nvPr/>
+            </p:nvSpPr>
+            <p:spPr>
+              <a:xfrm>
+                <a:off x="0" y="-123825"/>
+                <a:ext cx="2816645" cy="2953073"/>
+              </a:xfrm>
+              <a:prstGeom prst="rect">
+                <a:avLst/>
+              </a:prstGeom>
+            </p:spPr>
+            <p:txBody>
+              <a:bodyPr lIns="50800" tIns="50800" rIns="50800" bIns="50800" rtlCol="0" anchor="ctr"/>
+              <a:lstStyle/>
+              <a:p>
+                <a:pPr algn="ctr">
+                  <a:lnSpc>
+                    <a:spcPts val="2659"/>
+                  </a:lnSpc>
+                  <a:spcBef>
+                    <a:spcPct val="0"/>
+                  </a:spcBef>
+                </a:pPr>
+                <a:endParaRPr/>
+              </a:p>
+            </p:txBody>
+          </p:sp>
+        </p:grpSp>
+        <p:grpSp>
+          <p:nvGrpSpPr>
+            <p:cNvPr id="19" name="Group 19"/>
+            <p:cNvGrpSpPr/>
+            <p:nvPr/>
+          </p:nvGrpSpPr>
+          <p:grpSpPr>
+            <a:xfrm rot="2252144">
+              <a:off x="2397493" y="3224228"/>
+              <a:ext cx="7399579" cy="7432687"/>
+              <a:chOff x="0" y="0"/>
+              <a:chExt cx="2816645" cy="2829248"/>
+            </a:xfrm>
+          </p:grpSpPr>
+          <p:sp>
+            <p:nvSpPr>
+              <p:cNvPr id="20" name="Freeform 20"/>
+              <p:cNvSpPr/>
+              <p:nvPr/>
+            </p:nvSpPr>
+            <p:spPr>
+              <a:xfrm>
+                <a:off x="0" y="0"/>
+                <a:ext cx="2816645" cy="2829248"/>
+              </a:xfrm>
+              <a:custGeom>
+                <a:avLst/>
+                <a:gdLst/>
+                <a:ahLst/>
+                <a:cxnLst/>
+                <a:rect l="l" t="t" r="r" b="b"/>
+                <a:pathLst>
+                  <a:path w="2816645" h="2829248">
+                    <a:moveTo>
+                      <a:pt x="0" y="0"/>
+                    </a:moveTo>
+                    <a:lnTo>
+                      <a:pt x="2816645" y="0"/>
+                    </a:lnTo>
+                    <a:lnTo>
+                      <a:pt x="2816645" y="2829248"/>
+                    </a:lnTo>
+                    <a:lnTo>
+                      <a:pt x="0" y="2829248"/>
+                    </a:lnTo>
+                    <a:close/>
+                  </a:path>
+                </a:pathLst>
+              </a:custGeom>
+              <a:solidFill>
+                <a:srgbClr val="535659"/>
+              </a:solidFill>
+            </p:spPr>
+          </p:sp>
+          <p:sp>
+            <p:nvSpPr>
+              <p:cNvPr id="21" name="TextBox 21"/>
+              <p:cNvSpPr txBox="1"/>
+              <p:nvPr/>
+            </p:nvSpPr>
+            <p:spPr>
+              <a:xfrm>
+                <a:off x="0" y="-123825"/>
+                <a:ext cx="2816645" cy="2953073"/>
+              </a:xfrm>
+              <a:prstGeom prst="rect">
+                <a:avLst/>
+              </a:prstGeom>
+            </p:spPr>
+            <p:txBody>
+              <a:bodyPr lIns="50800" tIns="50800" rIns="50800" bIns="50800" rtlCol="0" anchor="ctr"/>
+              <a:lstStyle/>
+              <a:p>
+                <a:pPr algn="ctr">
+                  <a:lnSpc>
+                    <a:spcPts val="2659"/>
+                  </a:lnSpc>
+                  <a:spcBef>
+                    <a:spcPct val="0"/>
+                  </a:spcBef>
+                </a:pPr>
+                <a:endParaRPr/>
+              </a:p>
+            </p:txBody>
+          </p:sp>
+        </p:grpSp>
+        <p:grpSp>
+          <p:nvGrpSpPr>
+            <p:cNvPr id="22" name="Group 22"/>
+            <p:cNvGrpSpPr/>
+            <p:nvPr/>
+          </p:nvGrpSpPr>
+          <p:grpSpPr>
+            <a:xfrm rot="2252144">
+              <a:off x="4180100" y="3525007"/>
+              <a:ext cx="7399579" cy="7432687"/>
+              <a:chOff x="0" y="0"/>
+              <a:chExt cx="2816645" cy="2829248"/>
+            </a:xfrm>
+          </p:grpSpPr>
+          <p:sp>
+            <p:nvSpPr>
+              <p:cNvPr id="23" name="Freeform 23"/>
+              <p:cNvSpPr/>
+              <p:nvPr/>
+            </p:nvSpPr>
+            <p:spPr>
+              <a:xfrm>
+                <a:off x="0" y="0"/>
+                <a:ext cx="2816645" cy="2829248"/>
+              </a:xfrm>
+              <a:custGeom>
+                <a:avLst/>
+                <a:gdLst/>
+                <a:ahLst/>
+                <a:cxnLst/>
+                <a:rect l="l" t="t" r="r" b="b"/>
+                <a:pathLst>
+                  <a:path w="2816645" h="2829248">
+                    <a:moveTo>
+                      <a:pt x="0" y="0"/>
+                    </a:moveTo>
+                    <a:lnTo>
+                      <a:pt x="2816645" y="0"/>
+                    </a:lnTo>
+                    <a:lnTo>
+                      <a:pt x="2816645" y="2829248"/>
+                    </a:lnTo>
+                    <a:lnTo>
+                      <a:pt x="0" y="2829248"/>
+                    </a:lnTo>
+                    <a:close/>
+                  </a:path>
+                </a:pathLst>
+              </a:custGeom>
+              <a:solidFill>
+                <a:srgbClr val="858789"/>
+              </a:solidFill>
+            </p:spPr>
+          </p:sp>
+          <p:sp>
+            <p:nvSpPr>
+              <p:cNvPr id="24" name="TextBox 24"/>
+              <p:cNvSpPr txBox="1"/>
+              <p:nvPr/>
+            </p:nvSpPr>
+            <p:spPr>
+              <a:xfrm>
+                <a:off x="0" y="-123825"/>
+                <a:ext cx="2816645" cy="2953073"/>
+              </a:xfrm>
+              <a:prstGeom prst="rect">
+                <a:avLst/>
+              </a:prstGeom>
+            </p:spPr>
+            <p:txBody>
+              <a:bodyPr lIns="50800" tIns="50800" rIns="50800" bIns="50800" rtlCol="0" anchor="ctr"/>
+              <a:lstStyle/>
+              <a:p>
+                <a:pPr algn="ctr">
+                  <a:lnSpc>
+                    <a:spcPts val="2659"/>
+                  </a:lnSpc>
+                  <a:spcBef>
+                    <a:spcPct val="0"/>
+                  </a:spcBef>
+                </a:pPr>
+                <a:endParaRPr/>
+              </a:p>
+            </p:txBody>
+          </p:sp>
+        </p:grpSp>
+      </p:grpSp>
+      <p:sp>
+        <p:nvSpPr>
+          <p:cNvPr id="26" name="TextBox 26"/>
+          <p:cNvSpPr txBox="1"/>
+          <p:nvPr/>
+        </p:nvSpPr>
+        <p:spPr>
+          <a:xfrm>
+            <a:off x="1807230" y="1877007"/>
+            <a:ext cx="12221487" cy="497637"/>
+          </a:xfrm>
+          <a:prstGeom prst="rect">
+            <a:avLst/>
+          </a:prstGeom>
+        </p:spPr>
+        <p:txBody>
+          <a:bodyPr wrap="square" lIns="0" tIns="0" rIns="0" bIns="0" rtlCol="0" anchor="t">
+            <a:spAutoFit/>
+          </a:bodyPr>
+          <a:lstStyle/>
+          <a:p>
+            <a:pPr>
+              <a:lnSpc>
+                <a:spcPts val="3680"/>
+              </a:lnSpc>
+            </a:pPr>
+            <a:r>
+              <a:rPr lang="en-US" sz="4000" dirty="0" err="1" smtClean="0"/>
+              <a:t>Apa</a:t>
+            </a:r>
+            <a:r>
+              <a:rPr lang="en-US" sz="4000" dirty="0" smtClean="0"/>
+              <a:t> </a:t>
+            </a:r>
+            <a:r>
+              <a:rPr lang="en-US" sz="4000" dirty="0" err="1" smtClean="0"/>
+              <a:t>Itu</a:t>
+            </a:r>
+            <a:r>
+              <a:rPr lang="en-US" sz="4000" dirty="0" smtClean="0"/>
+              <a:t> Bootstrap</a:t>
+            </a:r>
+            <a:endParaRPr lang="en-US" sz="4000" b="1" dirty="0">
+              <a:solidFill>
+                <a:srgbClr val="000000"/>
+              </a:solidFill>
+              <a:latin typeface="Karnchang Bold"/>
+            </a:endParaRPr>
+          </a:p>
+        </p:txBody>
+      </p:sp>
+      <p:sp>
+        <p:nvSpPr>
+          <p:cNvPr id="27" name="TextBox 27"/>
+          <p:cNvSpPr txBox="1"/>
+          <p:nvPr/>
+        </p:nvSpPr>
+        <p:spPr>
+          <a:xfrm>
+            <a:off x="2240628" y="3530353"/>
+            <a:ext cx="13337117" cy="2901243"/>
+          </a:xfrm>
+          <a:prstGeom prst="rect">
+            <a:avLst/>
+          </a:prstGeom>
+        </p:spPr>
+        <p:txBody>
+          <a:bodyPr lIns="0" tIns="0" rIns="0" bIns="0" rtlCol="0" anchor="t">
+            <a:spAutoFit/>
+          </a:bodyPr>
+          <a:lstStyle/>
+          <a:p>
+            <a:pPr>
+              <a:lnSpc>
+                <a:spcPts val="3779"/>
+              </a:lnSpc>
+            </a:pPr>
+            <a:r>
+              <a:rPr lang="en-US" sz="2800" dirty="0"/>
+              <a:t>Bootstrap </a:t>
+            </a:r>
+            <a:r>
+              <a:rPr lang="en-US" sz="2800" dirty="0" err="1"/>
+              <a:t>adalah</a:t>
+            </a:r>
+            <a:r>
+              <a:rPr lang="en-US" sz="2800" dirty="0"/>
+              <a:t> </a:t>
+            </a:r>
+            <a:r>
+              <a:rPr lang="en-US" sz="2800" dirty="0" err="1"/>
+              <a:t>sebuah</a:t>
+            </a:r>
+            <a:r>
+              <a:rPr lang="en-US" sz="2800" dirty="0"/>
+              <a:t> framework front-end open-source yang </a:t>
+            </a:r>
+            <a:r>
+              <a:rPr lang="en-US" sz="2800" dirty="0" err="1"/>
+              <a:t>digunakan</a:t>
+            </a:r>
+            <a:r>
+              <a:rPr lang="en-US" sz="2800" dirty="0"/>
+              <a:t> </a:t>
+            </a:r>
+            <a:r>
+              <a:rPr lang="en-US" sz="2800" dirty="0" err="1"/>
+              <a:t>untuk</a:t>
+            </a:r>
+            <a:r>
+              <a:rPr lang="en-US" sz="2800" dirty="0"/>
+              <a:t> </a:t>
+            </a:r>
+            <a:r>
+              <a:rPr lang="en-US" sz="2800" dirty="0" err="1"/>
+              <a:t>membangun</a:t>
+            </a:r>
+            <a:r>
+              <a:rPr lang="en-US" sz="2800" dirty="0"/>
+              <a:t> </a:t>
+            </a:r>
+            <a:r>
+              <a:rPr lang="en-US" sz="2800" dirty="0" err="1"/>
+              <a:t>desain</a:t>
+            </a:r>
+            <a:r>
+              <a:rPr lang="en-US" sz="2800" dirty="0"/>
+              <a:t> web </a:t>
+            </a:r>
+            <a:r>
+              <a:rPr lang="en-US" sz="2800" dirty="0" err="1"/>
+              <a:t>dan</a:t>
+            </a:r>
+            <a:r>
+              <a:rPr lang="en-US" sz="2800" dirty="0"/>
+              <a:t> </a:t>
+            </a:r>
+            <a:r>
+              <a:rPr lang="en-US" sz="2800" dirty="0" err="1"/>
+              <a:t>aplikasi</a:t>
+            </a:r>
+            <a:r>
+              <a:rPr lang="en-US" sz="2800" dirty="0"/>
+              <a:t> web </a:t>
+            </a:r>
+            <a:r>
+              <a:rPr lang="en-US" sz="2800" dirty="0" err="1"/>
+              <a:t>responsif</a:t>
+            </a:r>
+            <a:r>
+              <a:rPr lang="en-US" sz="2800" dirty="0"/>
+              <a:t> (responsive) </a:t>
+            </a:r>
+            <a:r>
+              <a:rPr lang="en-US" sz="2800" dirty="0" err="1"/>
+              <a:t>dan</a:t>
+            </a:r>
+            <a:r>
+              <a:rPr lang="en-US" sz="2800" dirty="0"/>
+              <a:t> mobile-first. </a:t>
+            </a:r>
+            <a:r>
+              <a:rPr lang="en-US" sz="2800" dirty="0" err="1"/>
+              <a:t>Dikembangkan</a:t>
+            </a:r>
+            <a:r>
+              <a:rPr lang="en-US" sz="2800" dirty="0"/>
+              <a:t> </a:t>
+            </a:r>
+            <a:r>
+              <a:rPr lang="en-US" sz="2800" dirty="0" err="1"/>
+              <a:t>oleh</a:t>
+            </a:r>
+            <a:r>
+              <a:rPr lang="en-US" sz="2800" dirty="0"/>
+              <a:t> </a:t>
+            </a:r>
+            <a:r>
+              <a:rPr lang="en-US" sz="2800" dirty="0" err="1"/>
+              <a:t>tim</a:t>
+            </a:r>
+            <a:r>
+              <a:rPr lang="en-US" sz="2800" dirty="0"/>
+              <a:t> </a:t>
+            </a:r>
+            <a:r>
+              <a:rPr lang="en-US" sz="2800" dirty="0" err="1"/>
+              <a:t>dari</a:t>
+            </a:r>
+            <a:r>
+              <a:rPr lang="en-US" sz="2800" dirty="0"/>
+              <a:t> Twitter, Bootstrap </a:t>
+            </a:r>
+            <a:r>
+              <a:rPr lang="en-US" sz="2800" dirty="0" err="1"/>
+              <a:t>menyediakan</a:t>
+            </a:r>
+            <a:r>
+              <a:rPr lang="en-US" sz="2800" dirty="0"/>
+              <a:t> </a:t>
+            </a:r>
+            <a:r>
+              <a:rPr lang="en-US" sz="2800" dirty="0" err="1"/>
+              <a:t>serangkaian</a:t>
+            </a:r>
+            <a:r>
+              <a:rPr lang="en-US" sz="2800" dirty="0"/>
+              <a:t> </a:t>
+            </a:r>
+            <a:r>
+              <a:rPr lang="en-US" sz="2800" dirty="0" err="1"/>
+              <a:t>alat</a:t>
+            </a:r>
+            <a:r>
+              <a:rPr lang="en-US" sz="2800" dirty="0"/>
+              <a:t> </a:t>
+            </a:r>
+            <a:r>
+              <a:rPr lang="en-US" sz="2800" dirty="0" err="1"/>
+              <a:t>dan</a:t>
+            </a:r>
+            <a:r>
+              <a:rPr lang="en-US" sz="2800" dirty="0"/>
+              <a:t> </a:t>
+            </a:r>
+            <a:r>
+              <a:rPr lang="en-US" sz="2800" dirty="0" err="1"/>
+              <a:t>komponen</a:t>
+            </a:r>
+            <a:r>
+              <a:rPr lang="en-US" sz="2800" dirty="0"/>
+              <a:t> UI (User Interface) yang </a:t>
+            </a:r>
+            <a:r>
+              <a:rPr lang="en-US" sz="2800" dirty="0" err="1"/>
+              <a:t>siap</a:t>
+            </a:r>
+            <a:r>
+              <a:rPr lang="en-US" sz="2800" dirty="0"/>
+              <a:t> </a:t>
+            </a:r>
+            <a:r>
+              <a:rPr lang="en-US" sz="2800" dirty="0" err="1"/>
+              <a:t>pakai</a:t>
+            </a:r>
+            <a:r>
+              <a:rPr lang="en-US" sz="2800" dirty="0"/>
+              <a:t>, </a:t>
+            </a:r>
+            <a:r>
+              <a:rPr lang="en-US" sz="2800" dirty="0" err="1"/>
+              <a:t>termasuk</a:t>
+            </a:r>
+            <a:r>
+              <a:rPr lang="en-US" sz="2800" dirty="0"/>
+              <a:t> </a:t>
+            </a:r>
+            <a:r>
+              <a:rPr lang="en-US" sz="2800" dirty="0" err="1"/>
+              <a:t>tata</a:t>
+            </a:r>
+            <a:r>
+              <a:rPr lang="en-US" sz="2800" dirty="0"/>
+              <a:t> </a:t>
+            </a:r>
+            <a:r>
+              <a:rPr lang="en-US" sz="2800" dirty="0" err="1"/>
+              <a:t>letak</a:t>
+            </a:r>
+            <a:r>
+              <a:rPr lang="en-US" sz="2800" dirty="0"/>
+              <a:t> grid, </a:t>
+            </a:r>
+            <a:r>
+              <a:rPr lang="en-US" sz="2800" dirty="0" err="1"/>
+              <a:t>tombol</a:t>
+            </a:r>
+            <a:r>
+              <a:rPr lang="en-US" sz="2800" dirty="0"/>
+              <a:t>, </a:t>
+            </a:r>
+            <a:r>
+              <a:rPr lang="en-US" sz="2800" dirty="0" err="1"/>
+              <a:t>formulir</a:t>
+            </a:r>
+            <a:r>
+              <a:rPr lang="en-US" sz="2800" dirty="0"/>
+              <a:t>, </a:t>
+            </a:r>
+            <a:r>
+              <a:rPr lang="en-US" sz="2800" dirty="0" err="1"/>
+              <a:t>navigasi</a:t>
+            </a:r>
+            <a:r>
+              <a:rPr lang="en-US" sz="2800" dirty="0"/>
+              <a:t>, </a:t>
+            </a:r>
+            <a:r>
+              <a:rPr lang="en-US" sz="2800" dirty="0" err="1"/>
+              <a:t>serta</a:t>
+            </a:r>
+            <a:r>
+              <a:rPr lang="en-US" sz="2800" dirty="0"/>
+              <a:t> </a:t>
+            </a:r>
+            <a:r>
+              <a:rPr lang="en-US" sz="2800" dirty="0" err="1"/>
+              <a:t>elemen-elemen</a:t>
+            </a:r>
+            <a:r>
+              <a:rPr lang="en-US" sz="2800" dirty="0"/>
+              <a:t> </a:t>
+            </a:r>
+            <a:r>
+              <a:rPr lang="en-US" sz="2800" dirty="0" err="1"/>
+              <a:t>lainnya</a:t>
+            </a:r>
+            <a:r>
+              <a:rPr lang="en-US" sz="2800" dirty="0"/>
+              <a:t> yang </a:t>
+            </a:r>
+            <a:r>
+              <a:rPr lang="en-US" sz="2800" dirty="0" err="1"/>
+              <a:t>dapat</a:t>
+            </a:r>
+            <a:r>
+              <a:rPr lang="en-US" sz="2800" dirty="0"/>
+              <a:t> </a:t>
+            </a:r>
+            <a:r>
+              <a:rPr lang="en-US" sz="2800" dirty="0" err="1"/>
+              <a:t>digunakan</a:t>
+            </a:r>
+            <a:r>
+              <a:rPr lang="en-US" sz="2800" dirty="0"/>
+              <a:t> </a:t>
+            </a:r>
+            <a:r>
+              <a:rPr lang="en-US" sz="2800" dirty="0" err="1"/>
+              <a:t>untuk</a:t>
+            </a:r>
+            <a:r>
+              <a:rPr lang="en-US" sz="2800" dirty="0"/>
+              <a:t> </a:t>
+            </a:r>
+            <a:r>
+              <a:rPr lang="en-US" sz="2800" dirty="0" err="1"/>
+              <a:t>membangun</a:t>
+            </a:r>
+            <a:r>
+              <a:rPr lang="en-US" sz="2800" dirty="0"/>
+              <a:t> </a:t>
+            </a:r>
+            <a:r>
+              <a:rPr lang="en-US" sz="2800" dirty="0" err="1"/>
+              <a:t>tampilan</a:t>
+            </a:r>
+            <a:r>
+              <a:rPr lang="en-US" sz="2800" dirty="0"/>
+              <a:t> web yang </a:t>
+            </a:r>
+            <a:r>
+              <a:rPr lang="en-US" sz="2800" dirty="0" err="1"/>
+              <a:t>estetis</a:t>
+            </a:r>
+            <a:r>
+              <a:rPr lang="en-US" sz="2800" dirty="0"/>
+              <a:t> </a:t>
+            </a:r>
+            <a:r>
+              <a:rPr lang="en-US" sz="2800" dirty="0" err="1"/>
+              <a:t>dan</a:t>
+            </a:r>
+            <a:r>
+              <a:rPr lang="en-US" sz="2800" dirty="0"/>
+              <a:t> </a:t>
+            </a:r>
+            <a:r>
+              <a:rPr lang="en-US" sz="2800" dirty="0" err="1"/>
+              <a:t>responsif</a:t>
+            </a:r>
+            <a:r>
+              <a:rPr lang="en-US" sz="2800" dirty="0"/>
+              <a:t> </a:t>
+            </a:r>
+            <a:r>
+              <a:rPr lang="en-US" sz="2800" dirty="0" err="1"/>
+              <a:t>dengan</a:t>
+            </a:r>
+            <a:r>
+              <a:rPr lang="en-US" sz="2800" dirty="0"/>
+              <a:t> </a:t>
+            </a:r>
+            <a:r>
+              <a:rPr lang="en-US" sz="2800" dirty="0" err="1"/>
+              <a:t>cepat</a:t>
+            </a:r>
+            <a:r>
+              <a:rPr lang="en-US" sz="2800" dirty="0"/>
+              <a:t>.</a:t>
+            </a:r>
+            <a:endParaRPr lang="en-US" sz="2700" dirty="0">
+              <a:solidFill>
+                <a:srgbClr val="000000"/>
+              </a:solidFill>
+              <a:latin typeface="Karnchang"/>
+            </a:endParaRPr>
+          </a:p>
+        </p:txBody>
+      </p:sp>
+    </p:spTree>
+    <p:extLst>
+      <p:ext uri="{BB962C8B-B14F-4D97-AF65-F5344CB8AC3E}">
+        <p14:creationId xmlns:p14="http://schemas.microsoft.com/office/powerpoint/2010/main" val="2738240472"/>
+      </p:ext>
+    </p:extLst>
+  </p:cSld>
+  <p:clrMapOvr>
+    <a:masterClrMapping/>
+  </p:clrMapOvr>
+  <p:timing>
+    <p:tnLst>
+      <p:par>
+        <p:cTn id="1" dur="indefinite" restart="never" nodeType="tmRoot"/>
+      </p:par>
+    </p:tnLst>
+  </p:timing>
+</p:sld>
+</file>
+
+<file path=ppt/slides/slide37.xml><?xml version="1.0" encoding="utf-8"?>
+<p:sld xmlns:a="http://schemas.openxmlformats.org/drawingml/2006/main" xmlns:r="http://schemas.openxmlformats.org/officeDocument/2006/relationships" xmlns:p="http://schemas.openxmlformats.org/presentationml/2006/main">
+  <p:cSld>
+    <p:bg>
+      <p:bgPr>
+        <a:solidFill>
+          <a:srgbClr val="E6EAEF"/>
+        </a:solidFill>
+        <a:effectLst/>
+      </p:bgPr>
+    </p:bg>
+    <p:spTree>
+      <p:nvGrpSpPr>
+        <p:cNvPr id="1" name=""/>
+        <p:cNvGrpSpPr/>
+        <p:nvPr/>
+      </p:nvGrpSpPr>
+      <p:grpSpPr>
+        <a:xfrm>
+          <a:off x="0" y="0"/>
+          <a:ext cx="0" cy="0"/>
+          <a:chOff x="0" y="0"/>
+          <a:chExt cx="0" cy="0"/>
+        </a:xfrm>
+      </p:grpSpPr>
+      <p:grpSp>
+        <p:nvGrpSpPr>
+          <p:cNvPr id="2" name="Group 2"/>
+          <p:cNvGrpSpPr/>
+          <p:nvPr/>
+        </p:nvGrpSpPr>
+        <p:grpSpPr>
+          <a:xfrm>
+            <a:off x="552254" y="419100"/>
+            <a:ext cx="16713866" cy="9101117"/>
+            <a:chOff x="0" y="0"/>
+            <a:chExt cx="4402006" cy="2397002"/>
+          </a:xfrm>
+        </p:grpSpPr>
+        <p:sp>
+          <p:nvSpPr>
+            <p:cNvPr id="3" name="Freeform 3"/>
+            <p:cNvSpPr/>
+            <p:nvPr/>
+          </p:nvSpPr>
+          <p:spPr>
+            <a:xfrm>
+              <a:off x="0" y="0"/>
+              <a:ext cx="4402006" cy="2397002"/>
+            </a:xfrm>
+            <a:custGeom>
+              <a:avLst/>
+              <a:gdLst/>
+              <a:ahLst/>
+              <a:cxnLst/>
+              <a:rect l="l" t="t" r="r" b="b"/>
+              <a:pathLst>
+                <a:path w="4402006" h="2397002">
+                  <a:moveTo>
+                    <a:pt x="23623" y="0"/>
+                  </a:moveTo>
+                  <a:lnTo>
+                    <a:pt x="4378382" y="0"/>
+                  </a:lnTo>
+                  <a:cubicBezTo>
+                    <a:pt x="4391429" y="0"/>
+                    <a:pt x="4402006" y="10577"/>
+                    <a:pt x="4402006" y="23623"/>
+                  </a:cubicBezTo>
+                  <a:lnTo>
+                    <a:pt x="4402006" y="2373379"/>
+                  </a:lnTo>
+                  <a:cubicBezTo>
+                    <a:pt x="4402006" y="2379644"/>
+                    <a:pt x="4399517" y="2385653"/>
+                    <a:pt x="4395087" y="2390083"/>
+                  </a:cubicBezTo>
+                  <a:cubicBezTo>
+                    <a:pt x="4390656" y="2394513"/>
+                    <a:pt x="4384647" y="2397002"/>
+                    <a:pt x="4378382" y="2397002"/>
+                  </a:cubicBezTo>
+                  <a:lnTo>
+                    <a:pt x="23623" y="2397002"/>
+                  </a:lnTo>
+                  <a:cubicBezTo>
+                    <a:pt x="17358" y="2397002"/>
+                    <a:pt x="11349" y="2394513"/>
+                    <a:pt x="6919" y="2390083"/>
+                  </a:cubicBezTo>
+                  <a:cubicBezTo>
+                    <a:pt x="2489" y="2385653"/>
+                    <a:pt x="0" y="2379644"/>
+                    <a:pt x="0" y="2373379"/>
+                  </a:cubicBezTo>
+                  <a:lnTo>
+                    <a:pt x="0" y="23623"/>
+                  </a:lnTo>
+                  <a:cubicBezTo>
+                    <a:pt x="0" y="17358"/>
+                    <a:pt x="2489" y="11349"/>
+                    <a:pt x="6919" y="6919"/>
+                  </a:cubicBezTo>
+                  <a:cubicBezTo>
+                    <a:pt x="11349" y="2489"/>
+                    <a:pt x="17358" y="0"/>
+                    <a:pt x="23623" y="0"/>
+                  </a:cubicBezTo>
+                  <a:close/>
+                </a:path>
+              </a:pathLst>
+            </a:custGeom>
+            <a:solidFill>
+              <a:srgbClr val="E6EAEF"/>
+            </a:solidFill>
+            <a:ln w="19050" cap="rnd">
+              <a:solidFill>
+                <a:srgbClr val="243342"/>
+              </a:solidFill>
+              <a:prstDash val="solid"/>
+              <a:round/>
+            </a:ln>
+          </p:spPr>
+        </p:sp>
+        <p:sp>
+          <p:nvSpPr>
+            <p:cNvPr id="4" name="TextBox 4"/>
+            <p:cNvSpPr txBox="1"/>
+            <p:nvPr/>
+          </p:nvSpPr>
+          <p:spPr>
+            <a:xfrm>
+              <a:off x="0" y="-38100"/>
+              <a:ext cx="4402006" cy="2435102"/>
+            </a:xfrm>
+            <a:prstGeom prst="rect">
+              <a:avLst/>
+            </a:prstGeom>
+          </p:spPr>
+          <p:txBody>
+            <a:bodyPr lIns="50800" tIns="50800" rIns="50800" bIns="50800" rtlCol="0" anchor="ctr"/>
+            <a:lstStyle/>
+            <a:p>
+              <a:pPr algn="ctr">
+                <a:lnSpc>
+                  <a:spcPts val="3362"/>
+                </a:lnSpc>
+              </a:pPr>
+              <a:endParaRPr/>
+            </a:p>
+          </p:txBody>
+        </p:sp>
+      </p:grpSp>
+      <p:grpSp>
+        <p:nvGrpSpPr>
+          <p:cNvPr id="5" name="Group 5"/>
+          <p:cNvGrpSpPr/>
+          <p:nvPr/>
+        </p:nvGrpSpPr>
+        <p:grpSpPr>
+          <a:xfrm rot="-7538080">
+            <a:off x="-7029811" y="-5584933"/>
+            <a:ext cx="9808447" cy="9331824"/>
+            <a:chOff x="0" y="0"/>
+            <a:chExt cx="13077930" cy="12442432"/>
+          </a:xfrm>
+        </p:grpSpPr>
+        <p:grpSp>
+          <p:nvGrpSpPr>
+            <p:cNvPr id="6" name="Group 6"/>
+            <p:cNvGrpSpPr/>
+            <p:nvPr/>
+          </p:nvGrpSpPr>
+          <p:grpSpPr>
+            <a:xfrm rot="2252144">
+              <a:off x="1498251" y="1484738"/>
+              <a:ext cx="7399579" cy="7432687"/>
+              <a:chOff x="0" y="0"/>
+              <a:chExt cx="2816645" cy="2829248"/>
+            </a:xfrm>
+          </p:grpSpPr>
+          <p:sp>
+            <p:nvSpPr>
+              <p:cNvPr id="7" name="Freeform 7"/>
+              <p:cNvSpPr/>
+              <p:nvPr/>
+            </p:nvSpPr>
+            <p:spPr>
+              <a:xfrm>
+                <a:off x="0" y="0"/>
+                <a:ext cx="2816645" cy="2829248"/>
+              </a:xfrm>
+              <a:custGeom>
+                <a:avLst/>
+                <a:gdLst/>
+                <a:ahLst/>
+                <a:cxnLst/>
+                <a:rect l="l" t="t" r="r" b="b"/>
+                <a:pathLst>
+                  <a:path w="2816645" h="2829248">
+                    <a:moveTo>
+                      <a:pt x="0" y="0"/>
+                    </a:moveTo>
+                    <a:lnTo>
+                      <a:pt x="2816645" y="0"/>
+                    </a:lnTo>
+                    <a:lnTo>
+                      <a:pt x="2816645" y="2829248"/>
+                    </a:lnTo>
+                    <a:lnTo>
+                      <a:pt x="0" y="2829248"/>
+                    </a:lnTo>
+                    <a:close/>
+                  </a:path>
+                </a:pathLst>
+              </a:custGeom>
+              <a:solidFill>
+                <a:srgbClr val="243342"/>
+              </a:solidFill>
+            </p:spPr>
+          </p:sp>
+          <p:sp>
+            <p:nvSpPr>
+              <p:cNvPr id="8" name="TextBox 8"/>
+              <p:cNvSpPr txBox="1"/>
+              <p:nvPr/>
+            </p:nvSpPr>
+            <p:spPr>
+              <a:xfrm>
+                <a:off x="0" y="-123825"/>
+                <a:ext cx="2816645" cy="2953073"/>
+              </a:xfrm>
+              <a:prstGeom prst="rect">
+                <a:avLst/>
+              </a:prstGeom>
+            </p:spPr>
+            <p:txBody>
+              <a:bodyPr lIns="50800" tIns="50800" rIns="50800" bIns="50800" rtlCol="0" anchor="ctr"/>
+              <a:lstStyle/>
+              <a:p>
+                <a:pPr algn="ctr">
+                  <a:lnSpc>
+                    <a:spcPts val="2659"/>
+                  </a:lnSpc>
+                  <a:spcBef>
+                    <a:spcPct val="0"/>
+                  </a:spcBef>
+                </a:pPr>
+                <a:endParaRPr/>
+              </a:p>
+            </p:txBody>
+          </p:sp>
+        </p:grpSp>
+        <p:grpSp>
+          <p:nvGrpSpPr>
+            <p:cNvPr id="9" name="Group 9"/>
+            <p:cNvGrpSpPr/>
+            <p:nvPr/>
+          </p:nvGrpSpPr>
+          <p:grpSpPr>
+            <a:xfrm rot="2252144">
+              <a:off x="2397493" y="3224228"/>
+              <a:ext cx="7399579" cy="7432687"/>
+              <a:chOff x="0" y="0"/>
+              <a:chExt cx="2816645" cy="2829248"/>
+            </a:xfrm>
+          </p:grpSpPr>
+          <p:sp>
+            <p:nvSpPr>
+              <p:cNvPr id="10" name="Freeform 10"/>
+              <p:cNvSpPr/>
+              <p:nvPr/>
+            </p:nvSpPr>
+            <p:spPr>
+              <a:xfrm>
+                <a:off x="0" y="0"/>
+                <a:ext cx="2816645" cy="2829248"/>
+              </a:xfrm>
+              <a:custGeom>
+                <a:avLst/>
+                <a:gdLst/>
+                <a:ahLst/>
+                <a:cxnLst/>
+                <a:rect l="l" t="t" r="r" b="b"/>
+                <a:pathLst>
+                  <a:path w="2816645" h="2829248">
+                    <a:moveTo>
+                      <a:pt x="0" y="0"/>
+                    </a:moveTo>
+                    <a:lnTo>
+                      <a:pt x="2816645" y="0"/>
+                    </a:lnTo>
+                    <a:lnTo>
+                      <a:pt x="2816645" y="2829248"/>
+                    </a:lnTo>
+                    <a:lnTo>
+                      <a:pt x="0" y="2829248"/>
+                    </a:lnTo>
+                    <a:close/>
+                  </a:path>
+                </a:pathLst>
+              </a:custGeom>
+              <a:solidFill>
+                <a:srgbClr val="535659"/>
+              </a:solidFill>
+            </p:spPr>
+          </p:sp>
+          <p:sp>
+            <p:nvSpPr>
+              <p:cNvPr id="11" name="TextBox 11"/>
+              <p:cNvSpPr txBox="1"/>
+              <p:nvPr/>
+            </p:nvSpPr>
+            <p:spPr>
+              <a:xfrm>
+                <a:off x="0" y="-123825"/>
+                <a:ext cx="2816645" cy="2953073"/>
+              </a:xfrm>
+              <a:prstGeom prst="rect">
+                <a:avLst/>
+              </a:prstGeom>
+            </p:spPr>
+            <p:txBody>
+              <a:bodyPr lIns="50800" tIns="50800" rIns="50800" bIns="50800" rtlCol="0" anchor="ctr"/>
+              <a:lstStyle/>
+              <a:p>
+                <a:pPr algn="ctr">
+                  <a:lnSpc>
+                    <a:spcPts val="2659"/>
+                  </a:lnSpc>
+                  <a:spcBef>
+                    <a:spcPct val="0"/>
+                  </a:spcBef>
+                </a:pPr>
+                <a:endParaRPr/>
+              </a:p>
+            </p:txBody>
+          </p:sp>
+        </p:grpSp>
+        <p:grpSp>
+          <p:nvGrpSpPr>
+            <p:cNvPr id="12" name="Group 12"/>
+            <p:cNvGrpSpPr/>
+            <p:nvPr/>
+          </p:nvGrpSpPr>
+          <p:grpSpPr>
+            <a:xfrm rot="2252144">
+              <a:off x="4180100" y="3525007"/>
+              <a:ext cx="7399579" cy="7432687"/>
+              <a:chOff x="0" y="0"/>
+              <a:chExt cx="2816645" cy="2829248"/>
+            </a:xfrm>
+          </p:grpSpPr>
+          <p:sp>
+            <p:nvSpPr>
+              <p:cNvPr id="13" name="Freeform 13"/>
+              <p:cNvSpPr/>
+              <p:nvPr/>
+            </p:nvSpPr>
+            <p:spPr>
+              <a:xfrm>
+                <a:off x="0" y="0"/>
+                <a:ext cx="2816645" cy="2829248"/>
+              </a:xfrm>
+              <a:custGeom>
+                <a:avLst/>
+                <a:gdLst/>
+                <a:ahLst/>
+                <a:cxnLst/>
+                <a:rect l="l" t="t" r="r" b="b"/>
+                <a:pathLst>
+                  <a:path w="2816645" h="2829248">
+                    <a:moveTo>
+                      <a:pt x="0" y="0"/>
+                    </a:moveTo>
+                    <a:lnTo>
+                      <a:pt x="2816645" y="0"/>
+                    </a:lnTo>
+                    <a:lnTo>
+                      <a:pt x="2816645" y="2829248"/>
+                    </a:lnTo>
+                    <a:lnTo>
+                      <a:pt x="0" y="2829248"/>
+                    </a:lnTo>
+                    <a:close/>
+                  </a:path>
+                </a:pathLst>
+              </a:custGeom>
+              <a:solidFill>
+                <a:srgbClr val="858789"/>
+              </a:solidFill>
+            </p:spPr>
+          </p:sp>
+          <p:sp>
+            <p:nvSpPr>
+              <p:cNvPr id="14" name="TextBox 14"/>
+              <p:cNvSpPr txBox="1"/>
+              <p:nvPr/>
+            </p:nvSpPr>
+            <p:spPr>
+              <a:xfrm>
+                <a:off x="0" y="-123825"/>
+                <a:ext cx="2816645" cy="2953073"/>
+              </a:xfrm>
+              <a:prstGeom prst="rect">
+                <a:avLst/>
+              </a:prstGeom>
+            </p:spPr>
+            <p:txBody>
+              <a:bodyPr lIns="50800" tIns="50800" rIns="50800" bIns="50800" rtlCol="0" anchor="ctr"/>
+              <a:lstStyle/>
+              <a:p>
+                <a:pPr algn="ctr">
+                  <a:lnSpc>
+                    <a:spcPts val="2659"/>
+                  </a:lnSpc>
+                  <a:spcBef>
+                    <a:spcPct val="0"/>
+                  </a:spcBef>
+                </a:pPr>
+                <a:endParaRPr/>
+              </a:p>
+            </p:txBody>
+          </p:sp>
+        </p:grpSp>
+      </p:grpSp>
+      <p:grpSp>
+        <p:nvGrpSpPr>
+          <p:cNvPr id="15" name="Group 15"/>
+          <p:cNvGrpSpPr/>
+          <p:nvPr/>
+        </p:nvGrpSpPr>
+        <p:grpSpPr>
+          <a:xfrm rot="2124477">
+            <a:off x="15979122" y="5429903"/>
+            <a:ext cx="9808447" cy="9331824"/>
+            <a:chOff x="0" y="0"/>
+            <a:chExt cx="13077930" cy="12442432"/>
+          </a:xfrm>
+        </p:grpSpPr>
+        <p:grpSp>
+          <p:nvGrpSpPr>
+            <p:cNvPr id="16" name="Group 16"/>
+            <p:cNvGrpSpPr/>
+            <p:nvPr/>
+          </p:nvGrpSpPr>
+          <p:grpSpPr>
+            <a:xfrm rot="2252144">
+              <a:off x="1498251" y="1484738"/>
+              <a:ext cx="7399579" cy="7432687"/>
+              <a:chOff x="0" y="0"/>
+              <a:chExt cx="2816645" cy="2829248"/>
+            </a:xfrm>
+          </p:grpSpPr>
+          <p:sp>
+            <p:nvSpPr>
+              <p:cNvPr id="17" name="Freeform 17"/>
+              <p:cNvSpPr/>
+              <p:nvPr/>
+            </p:nvSpPr>
+            <p:spPr>
+              <a:xfrm>
+                <a:off x="0" y="0"/>
+                <a:ext cx="2816645" cy="2829248"/>
+              </a:xfrm>
+              <a:custGeom>
+                <a:avLst/>
+                <a:gdLst/>
+                <a:ahLst/>
+                <a:cxnLst/>
+                <a:rect l="l" t="t" r="r" b="b"/>
+                <a:pathLst>
+                  <a:path w="2816645" h="2829248">
+                    <a:moveTo>
+                      <a:pt x="0" y="0"/>
+                    </a:moveTo>
+                    <a:lnTo>
+                      <a:pt x="2816645" y="0"/>
+                    </a:lnTo>
+                    <a:lnTo>
+                      <a:pt x="2816645" y="2829248"/>
+                    </a:lnTo>
+                    <a:lnTo>
+                      <a:pt x="0" y="2829248"/>
+                    </a:lnTo>
+                    <a:close/>
+                  </a:path>
+                </a:pathLst>
+              </a:custGeom>
+              <a:solidFill>
+                <a:srgbClr val="243342"/>
+              </a:solidFill>
+            </p:spPr>
+          </p:sp>
+          <p:sp>
+            <p:nvSpPr>
+              <p:cNvPr id="18" name="TextBox 18"/>
+              <p:cNvSpPr txBox="1"/>
+              <p:nvPr/>
+            </p:nvSpPr>
+            <p:spPr>
+              <a:xfrm>
+                <a:off x="0" y="-123825"/>
+                <a:ext cx="2816645" cy="2953073"/>
+              </a:xfrm>
+              <a:prstGeom prst="rect">
+                <a:avLst/>
+              </a:prstGeom>
+            </p:spPr>
+            <p:txBody>
+              <a:bodyPr lIns="50800" tIns="50800" rIns="50800" bIns="50800" rtlCol="0" anchor="ctr"/>
+              <a:lstStyle/>
+              <a:p>
+                <a:pPr algn="ctr">
+                  <a:lnSpc>
+                    <a:spcPts val="2659"/>
+                  </a:lnSpc>
+                  <a:spcBef>
+                    <a:spcPct val="0"/>
+                  </a:spcBef>
+                </a:pPr>
+                <a:endParaRPr/>
+              </a:p>
+            </p:txBody>
+          </p:sp>
+        </p:grpSp>
+        <p:grpSp>
+          <p:nvGrpSpPr>
+            <p:cNvPr id="19" name="Group 19"/>
+            <p:cNvGrpSpPr/>
+            <p:nvPr/>
+          </p:nvGrpSpPr>
+          <p:grpSpPr>
+            <a:xfrm rot="2252144">
+              <a:off x="2397493" y="3224228"/>
+              <a:ext cx="7399579" cy="7432687"/>
+              <a:chOff x="0" y="0"/>
+              <a:chExt cx="2816645" cy="2829248"/>
+            </a:xfrm>
+          </p:grpSpPr>
+          <p:sp>
+            <p:nvSpPr>
+              <p:cNvPr id="20" name="Freeform 20"/>
+              <p:cNvSpPr/>
+              <p:nvPr/>
+            </p:nvSpPr>
+            <p:spPr>
+              <a:xfrm>
+                <a:off x="0" y="0"/>
+                <a:ext cx="2816645" cy="2829248"/>
+              </a:xfrm>
+              <a:custGeom>
+                <a:avLst/>
+                <a:gdLst/>
+                <a:ahLst/>
+                <a:cxnLst/>
+                <a:rect l="l" t="t" r="r" b="b"/>
+                <a:pathLst>
+                  <a:path w="2816645" h="2829248">
+                    <a:moveTo>
+                      <a:pt x="0" y="0"/>
+                    </a:moveTo>
+                    <a:lnTo>
+                      <a:pt x="2816645" y="0"/>
+                    </a:lnTo>
+                    <a:lnTo>
+                      <a:pt x="2816645" y="2829248"/>
+                    </a:lnTo>
+                    <a:lnTo>
+                      <a:pt x="0" y="2829248"/>
+                    </a:lnTo>
+                    <a:close/>
+                  </a:path>
+                </a:pathLst>
+              </a:custGeom>
+              <a:solidFill>
+                <a:srgbClr val="535659"/>
+              </a:solidFill>
+            </p:spPr>
+          </p:sp>
+          <p:sp>
+            <p:nvSpPr>
+              <p:cNvPr id="21" name="TextBox 21"/>
+              <p:cNvSpPr txBox="1"/>
+              <p:nvPr/>
+            </p:nvSpPr>
+            <p:spPr>
+              <a:xfrm>
+                <a:off x="0" y="-123825"/>
+                <a:ext cx="2816645" cy="2953073"/>
+              </a:xfrm>
+              <a:prstGeom prst="rect">
+                <a:avLst/>
+              </a:prstGeom>
+            </p:spPr>
+            <p:txBody>
+              <a:bodyPr lIns="50800" tIns="50800" rIns="50800" bIns="50800" rtlCol="0" anchor="ctr"/>
+              <a:lstStyle/>
+              <a:p>
+                <a:pPr algn="ctr">
+                  <a:lnSpc>
+                    <a:spcPts val="2659"/>
+                  </a:lnSpc>
+                  <a:spcBef>
+                    <a:spcPct val="0"/>
+                  </a:spcBef>
+                </a:pPr>
+                <a:endParaRPr/>
+              </a:p>
+            </p:txBody>
+          </p:sp>
+        </p:grpSp>
+        <p:grpSp>
+          <p:nvGrpSpPr>
+            <p:cNvPr id="22" name="Group 22"/>
+            <p:cNvGrpSpPr/>
+            <p:nvPr/>
+          </p:nvGrpSpPr>
+          <p:grpSpPr>
+            <a:xfrm rot="2252144">
+              <a:off x="4180100" y="3525007"/>
+              <a:ext cx="7399579" cy="7432687"/>
+              <a:chOff x="0" y="0"/>
+              <a:chExt cx="2816645" cy="2829248"/>
+            </a:xfrm>
+          </p:grpSpPr>
+          <p:sp>
+            <p:nvSpPr>
+              <p:cNvPr id="23" name="Freeform 23"/>
+              <p:cNvSpPr/>
+              <p:nvPr/>
+            </p:nvSpPr>
+            <p:spPr>
+              <a:xfrm>
+                <a:off x="0" y="0"/>
+                <a:ext cx="2816645" cy="2829248"/>
+              </a:xfrm>
+              <a:custGeom>
+                <a:avLst/>
+                <a:gdLst/>
+                <a:ahLst/>
+                <a:cxnLst/>
+                <a:rect l="l" t="t" r="r" b="b"/>
+                <a:pathLst>
+                  <a:path w="2816645" h="2829248">
+                    <a:moveTo>
+                      <a:pt x="0" y="0"/>
+                    </a:moveTo>
+                    <a:lnTo>
+                      <a:pt x="2816645" y="0"/>
+                    </a:lnTo>
+                    <a:lnTo>
+                      <a:pt x="2816645" y="2829248"/>
+                    </a:lnTo>
+                    <a:lnTo>
+                      <a:pt x="0" y="2829248"/>
+                    </a:lnTo>
+                    <a:close/>
+                  </a:path>
+                </a:pathLst>
+              </a:custGeom>
+              <a:solidFill>
+                <a:srgbClr val="858789"/>
+              </a:solidFill>
+            </p:spPr>
+          </p:sp>
+          <p:sp>
+            <p:nvSpPr>
+              <p:cNvPr id="24" name="TextBox 24"/>
+              <p:cNvSpPr txBox="1"/>
+              <p:nvPr/>
+            </p:nvSpPr>
+            <p:spPr>
+              <a:xfrm>
+                <a:off x="0" y="-123825"/>
+                <a:ext cx="2816645" cy="2953073"/>
+              </a:xfrm>
+              <a:prstGeom prst="rect">
+                <a:avLst/>
+              </a:prstGeom>
+            </p:spPr>
+            <p:txBody>
+              <a:bodyPr lIns="50800" tIns="50800" rIns="50800" bIns="50800" rtlCol="0" anchor="ctr"/>
+              <a:lstStyle/>
+              <a:p>
+                <a:pPr algn="ctr">
+                  <a:lnSpc>
+                    <a:spcPts val="2659"/>
+                  </a:lnSpc>
+                  <a:spcBef>
+                    <a:spcPct val="0"/>
+                  </a:spcBef>
+                </a:pPr>
+                <a:endParaRPr/>
+              </a:p>
+            </p:txBody>
+          </p:sp>
+        </p:grpSp>
+      </p:grpSp>
+      <p:sp>
+        <p:nvSpPr>
+          <p:cNvPr id="26" name="TextBox 26"/>
+          <p:cNvSpPr txBox="1"/>
+          <p:nvPr/>
+        </p:nvSpPr>
+        <p:spPr>
+          <a:xfrm>
+            <a:off x="1807230" y="1877007"/>
+            <a:ext cx="12221487" cy="497637"/>
+          </a:xfrm>
+          <a:prstGeom prst="rect">
+            <a:avLst/>
+          </a:prstGeom>
+        </p:spPr>
+        <p:txBody>
+          <a:bodyPr wrap="square" lIns="0" tIns="0" rIns="0" bIns="0" rtlCol="0" anchor="t">
+            <a:spAutoFit/>
+          </a:bodyPr>
+          <a:lstStyle/>
+          <a:p>
+            <a:pPr>
+              <a:lnSpc>
+                <a:spcPts val="3680"/>
+              </a:lnSpc>
+            </a:pPr>
+            <a:r>
+              <a:rPr lang="en-US" sz="4000" dirty="0" err="1"/>
+              <a:t>Fitur</a:t>
+            </a:r>
+            <a:r>
+              <a:rPr lang="en-US" sz="4000" dirty="0"/>
+              <a:t> </a:t>
+            </a:r>
+            <a:r>
+              <a:rPr lang="en-US" sz="4000" dirty="0" err="1"/>
+              <a:t>utama</a:t>
+            </a:r>
+            <a:r>
+              <a:rPr lang="en-US" sz="4000" dirty="0"/>
+              <a:t> Bootstrap </a:t>
+            </a:r>
+            <a:r>
+              <a:rPr lang="en-US" sz="4000" dirty="0" err="1"/>
+              <a:t>meliputi</a:t>
+            </a:r>
+            <a:r>
+              <a:rPr lang="en-US" sz="4000" dirty="0"/>
+              <a:t>:</a:t>
+            </a:r>
+            <a:endParaRPr lang="en-US" sz="4000" b="1" dirty="0">
+              <a:solidFill>
+                <a:srgbClr val="000000"/>
+              </a:solidFill>
+              <a:latin typeface="Karnchang Bold"/>
+            </a:endParaRPr>
+          </a:p>
+        </p:txBody>
+      </p:sp>
+      <p:sp>
+        <p:nvSpPr>
+          <p:cNvPr id="27" name="TextBox 27"/>
+          <p:cNvSpPr txBox="1"/>
+          <p:nvPr/>
+        </p:nvSpPr>
+        <p:spPr>
+          <a:xfrm>
+            <a:off x="2240628" y="3507719"/>
+            <a:ext cx="13337117" cy="2923877"/>
+          </a:xfrm>
+          <a:prstGeom prst="rect">
+            <a:avLst/>
+          </a:prstGeom>
+        </p:spPr>
+        <p:txBody>
+          <a:bodyPr lIns="0" tIns="0" rIns="0" bIns="0" rtlCol="0" anchor="t">
+            <a:spAutoFit/>
+          </a:bodyPr>
+          <a:lstStyle/>
+          <a:p>
+            <a:pPr marL="457200" indent="-457200">
+              <a:lnSpc>
+                <a:spcPts val="3779"/>
+              </a:lnSpc>
+              <a:buFont typeface="Arial" panose="020B0604020202020204" pitchFamily="34" charset="0"/>
+              <a:buChar char="•"/>
+            </a:pPr>
+            <a:r>
+              <a:rPr lang="en-US" sz="2800" dirty="0"/>
+              <a:t>Grid </a:t>
+            </a:r>
+            <a:r>
+              <a:rPr lang="en-US" sz="2800" dirty="0" smtClean="0"/>
+              <a:t>System</a:t>
+            </a:r>
+          </a:p>
+          <a:p>
+            <a:pPr marL="457200" indent="-457200">
+              <a:lnSpc>
+                <a:spcPts val="3779"/>
+              </a:lnSpc>
+              <a:buFont typeface="Arial" panose="020B0604020202020204" pitchFamily="34" charset="0"/>
+              <a:buChar char="•"/>
+            </a:pPr>
+            <a:r>
+              <a:rPr lang="en-US" sz="2800" dirty="0" err="1"/>
+              <a:t>Komponen</a:t>
+            </a:r>
+            <a:r>
+              <a:rPr lang="en-US" sz="2800" dirty="0"/>
+              <a:t> </a:t>
+            </a:r>
+            <a:r>
+              <a:rPr lang="en-US" sz="2800" dirty="0" smtClean="0"/>
+              <a:t>UI</a:t>
+            </a:r>
+          </a:p>
+          <a:p>
+            <a:pPr marL="457200" indent="-457200">
+              <a:lnSpc>
+                <a:spcPts val="3779"/>
+              </a:lnSpc>
+              <a:buFont typeface="Arial" panose="020B0604020202020204" pitchFamily="34" charset="0"/>
+              <a:buChar char="•"/>
+            </a:pPr>
+            <a:r>
+              <a:rPr lang="en-US" sz="2800" dirty="0" err="1" smtClean="0"/>
+              <a:t>Responsif</a:t>
+            </a:r>
+            <a:endParaRPr lang="en-US" sz="2800" dirty="0" smtClean="0"/>
+          </a:p>
+          <a:p>
+            <a:pPr marL="457200" indent="-457200">
+              <a:lnSpc>
+                <a:spcPts val="3779"/>
+              </a:lnSpc>
+              <a:buFont typeface="Arial" panose="020B0604020202020204" pitchFamily="34" charset="0"/>
+              <a:buChar char="•"/>
+            </a:pPr>
+            <a:r>
+              <a:rPr lang="en-US" sz="2800" dirty="0" smtClean="0"/>
+              <a:t>Customizable</a:t>
+            </a:r>
+          </a:p>
+          <a:p>
+            <a:pPr marL="457200" indent="-457200">
+              <a:lnSpc>
+                <a:spcPts val="3779"/>
+              </a:lnSpc>
+              <a:buFont typeface="Arial" panose="020B0604020202020204" pitchFamily="34" charset="0"/>
+              <a:buChar char="•"/>
+            </a:pPr>
+            <a:r>
+              <a:rPr lang="en-US" sz="2800" dirty="0" err="1"/>
+              <a:t>Kompatibilitas</a:t>
+            </a:r>
+            <a:r>
+              <a:rPr lang="en-US" sz="2800" dirty="0"/>
+              <a:t> </a:t>
+            </a:r>
+            <a:r>
+              <a:rPr lang="en-US" sz="2800" dirty="0" smtClean="0"/>
+              <a:t>Browser</a:t>
+            </a:r>
+          </a:p>
+          <a:p>
+            <a:pPr marL="457200" indent="-457200">
+              <a:lnSpc>
+                <a:spcPts val="3779"/>
+              </a:lnSpc>
+              <a:buFont typeface="Arial" panose="020B0604020202020204" pitchFamily="34" charset="0"/>
+              <a:buChar char="•"/>
+            </a:pPr>
+            <a:endParaRPr lang="en-US" sz="2700" dirty="0">
+              <a:solidFill>
+                <a:srgbClr val="000000"/>
+              </a:solidFill>
+              <a:latin typeface="Karnchang"/>
+            </a:endParaRPr>
+          </a:p>
+        </p:txBody>
+      </p:sp>
+    </p:spTree>
+    <p:extLst>
+      <p:ext uri="{BB962C8B-B14F-4D97-AF65-F5344CB8AC3E}">
+        <p14:creationId xmlns:p14="http://schemas.microsoft.com/office/powerpoint/2010/main" val="3473382375"/>
+      </p:ext>
+    </p:extLst>
+  </p:cSld>
+  <p:clrMapOvr>
+    <a:masterClrMapping/>
+  </p:clrMapOvr>
+  <p:timing>
+    <p:tnLst>
+      <p:par>
+        <p:cTn id="1" dur="indefinite" restart="never" nodeType="tmRoot"/>
+      </p:par>
+    </p:tnLst>
+  </p:timing>
+</p:sld>
+</file>
+
+<file path=ppt/slides/slide38.xml><?xml version="1.0" encoding="utf-8"?>
+<p:sld xmlns:a="http://schemas.openxmlformats.org/drawingml/2006/main" xmlns:r="http://schemas.openxmlformats.org/officeDocument/2006/relationships" xmlns:p="http://schemas.openxmlformats.org/presentationml/2006/main">
+  <p:cSld>
+    <p:bg>
+      <p:bgPr>
+        <a:solidFill>
+          <a:srgbClr val="E6EAEF"/>
+        </a:solidFill>
+        <a:effectLst/>
+      </p:bgPr>
+    </p:bg>
+    <p:spTree>
+      <p:nvGrpSpPr>
+        <p:cNvPr id="1" name=""/>
+        <p:cNvGrpSpPr/>
+        <p:nvPr/>
+      </p:nvGrpSpPr>
+      <p:grpSpPr>
+        <a:xfrm>
+          <a:off x="0" y="0"/>
+          <a:ext cx="0" cy="0"/>
+          <a:chOff x="0" y="0"/>
+          <a:chExt cx="0" cy="0"/>
+        </a:xfrm>
+      </p:grpSpPr>
+      <p:grpSp>
+        <p:nvGrpSpPr>
+          <p:cNvPr id="2" name="Group 2"/>
+          <p:cNvGrpSpPr/>
+          <p:nvPr/>
+        </p:nvGrpSpPr>
+        <p:grpSpPr>
+          <a:xfrm>
+            <a:off x="552254" y="419100"/>
+            <a:ext cx="16713866" cy="9101117"/>
+            <a:chOff x="0" y="0"/>
+            <a:chExt cx="4402006" cy="2397002"/>
+          </a:xfrm>
+        </p:grpSpPr>
+        <p:sp>
+          <p:nvSpPr>
+            <p:cNvPr id="3" name="Freeform 3"/>
+            <p:cNvSpPr/>
+            <p:nvPr/>
+          </p:nvSpPr>
+          <p:spPr>
+            <a:xfrm>
+              <a:off x="0" y="0"/>
+              <a:ext cx="4402006" cy="2397002"/>
+            </a:xfrm>
+            <a:custGeom>
+              <a:avLst/>
+              <a:gdLst/>
+              <a:ahLst/>
+              <a:cxnLst/>
+              <a:rect l="l" t="t" r="r" b="b"/>
+              <a:pathLst>
+                <a:path w="4402006" h="2397002">
+                  <a:moveTo>
+                    <a:pt x="23623" y="0"/>
+                  </a:moveTo>
+                  <a:lnTo>
+                    <a:pt x="4378382" y="0"/>
+                  </a:lnTo>
+                  <a:cubicBezTo>
+                    <a:pt x="4391429" y="0"/>
+                    <a:pt x="4402006" y="10577"/>
+                    <a:pt x="4402006" y="23623"/>
+                  </a:cubicBezTo>
+                  <a:lnTo>
+                    <a:pt x="4402006" y="2373379"/>
+                  </a:lnTo>
+                  <a:cubicBezTo>
+                    <a:pt x="4402006" y="2379644"/>
+                    <a:pt x="4399517" y="2385653"/>
+                    <a:pt x="4395087" y="2390083"/>
+                  </a:cubicBezTo>
+                  <a:cubicBezTo>
+                    <a:pt x="4390656" y="2394513"/>
+                    <a:pt x="4384647" y="2397002"/>
+                    <a:pt x="4378382" y="2397002"/>
+                  </a:cubicBezTo>
+                  <a:lnTo>
+                    <a:pt x="23623" y="2397002"/>
+                  </a:lnTo>
+                  <a:cubicBezTo>
+                    <a:pt x="17358" y="2397002"/>
+                    <a:pt x="11349" y="2394513"/>
+                    <a:pt x="6919" y="2390083"/>
+                  </a:cubicBezTo>
+                  <a:cubicBezTo>
+                    <a:pt x="2489" y="2385653"/>
+                    <a:pt x="0" y="2379644"/>
+                    <a:pt x="0" y="2373379"/>
+                  </a:cubicBezTo>
+                  <a:lnTo>
+                    <a:pt x="0" y="23623"/>
+                  </a:lnTo>
+                  <a:cubicBezTo>
+                    <a:pt x="0" y="17358"/>
+                    <a:pt x="2489" y="11349"/>
+                    <a:pt x="6919" y="6919"/>
+                  </a:cubicBezTo>
+                  <a:cubicBezTo>
+                    <a:pt x="11349" y="2489"/>
+                    <a:pt x="17358" y="0"/>
+                    <a:pt x="23623" y="0"/>
+                  </a:cubicBezTo>
+                  <a:close/>
+                </a:path>
+              </a:pathLst>
+            </a:custGeom>
+            <a:solidFill>
+              <a:srgbClr val="E6EAEF"/>
+            </a:solidFill>
+            <a:ln w="19050" cap="rnd">
+              <a:solidFill>
+                <a:srgbClr val="243342"/>
+              </a:solidFill>
+              <a:prstDash val="solid"/>
+              <a:round/>
+            </a:ln>
+          </p:spPr>
+        </p:sp>
+        <p:sp>
+          <p:nvSpPr>
+            <p:cNvPr id="4" name="TextBox 4"/>
+            <p:cNvSpPr txBox="1"/>
+            <p:nvPr/>
+          </p:nvSpPr>
+          <p:spPr>
+            <a:xfrm>
+              <a:off x="0" y="-38100"/>
+              <a:ext cx="4402006" cy="2435102"/>
+            </a:xfrm>
+            <a:prstGeom prst="rect">
+              <a:avLst/>
+            </a:prstGeom>
+          </p:spPr>
+          <p:txBody>
+            <a:bodyPr lIns="50800" tIns="50800" rIns="50800" bIns="50800" rtlCol="0" anchor="ctr"/>
+            <a:lstStyle/>
+            <a:p>
+              <a:pPr algn="ctr">
+                <a:lnSpc>
+                  <a:spcPts val="3362"/>
+                </a:lnSpc>
+              </a:pPr>
+              <a:endParaRPr/>
+            </a:p>
+          </p:txBody>
+        </p:sp>
+      </p:grpSp>
+      <p:grpSp>
+        <p:nvGrpSpPr>
+          <p:cNvPr id="5" name="Group 5"/>
+          <p:cNvGrpSpPr/>
+          <p:nvPr/>
+        </p:nvGrpSpPr>
+        <p:grpSpPr>
+          <a:xfrm rot="-7538080">
+            <a:off x="-7029811" y="-5584933"/>
+            <a:ext cx="9808447" cy="9331824"/>
+            <a:chOff x="0" y="0"/>
+            <a:chExt cx="13077930" cy="12442432"/>
+          </a:xfrm>
+        </p:grpSpPr>
+        <p:grpSp>
+          <p:nvGrpSpPr>
+            <p:cNvPr id="6" name="Group 6"/>
+            <p:cNvGrpSpPr/>
+            <p:nvPr/>
+          </p:nvGrpSpPr>
+          <p:grpSpPr>
+            <a:xfrm rot="2252144">
+              <a:off x="1498251" y="1484738"/>
+              <a:ext cx="7399579" cy="7432687"/>
+              <a:chOff x="0" y="0"/>
+              <a:chExt cx="2816645" cy="2829248"/>
+            </a:xfrm>
+          </p:grpSpPr>
+          <p:sp>
+            <p:nvSpPr>
+              <p:cNvPr id="7" name="Freeform 7"/>
+              <p:cNvSpPr/>
+              <p:nvPr/>
+            </p:nvSpPr>
+            <p:spPr>
+              <a:xfrm>
+                <a:off x="0" y="0"/>
+                <a:ext cx="2816645" cy="2829248"/>
+              </a:xfrm>
+              <a:custGeom>
+                <a:avLst/>
+                <a:gdLst/>
+                <a:ahLst/>
+                <a:cxnLst/>
+                <a:rect l="l" t="t" r="r" b="b"/>
+                <a:pathLst>
+                  <a:path w="2816645" h="2829248">
+                    <a:moveTo>
+                      <a:pt x="0" y="0"/>
+                    </a:moveTo>
+                    <a:lnTo>
+                      <a:pt x="2816645" y="0"/>
+                    </a:lnTo>
+                    <a:lnTo>
+                      <a:pt x="2816645" y="2829248"/>
+                    </a:lnTo>
+                    <a:lnTo>
+                      <a:pt x="0" y="2829248"/>
+                    </a:lnTo>
+                    <a:close/>
+                  </a:path>
+                </a:pathLst>
+              </a:custGeom>
+              <a:solidFill>
+                <a:srgbClr val="243342"/>
+              </a:solidFill>
+            </p:spPr>
+          </p:sp>
+          <p:sp>
+            <p:nvSpPr>
+              <p:cNvPr id="8" name="TextBox 8"/>
+              <p:cNvSpPr txBox="1"/>
+              <p:nvPr/>
+            </p:nvSpPr>
+            <p:spPr>
+              <a:xfrm>
+                <a:off x="0" y="-123825"/>
+                <a:ext cx="2816645" cy="2953073"/>
+              </a:xfrm>
+              <a:prstGeom prst="rect">
+                <a:avLst/>
+              </a:prstGeom>
+            </p:spPr>
+            <p:txBody>
+              <a:bodyPr lIns="50800" tIns="50800" rIns="50800" bIns="50800" rtlCol="0" anchor="ctr"/>
+              <a:lstStyle/>
+              <a:p>
+                <a:pPr algn="ctr">
+                  <a:lnSpc>
+                    <a:spcPts val="2659"/>
+                  </a:lnSpc>
+                  <a:spcBef>
+                    <a:spcPct val="0"/>
+                  </a:spcBef>
+                </a:pPr>
+                <a:endParaRPr/>
+              </a:p>
+            </p:txBody>
+          </p:sp>
+        </p:grpSp>
+        <p:grpSp>
+          <p:nvGrpSpPr>
+            <p:cNvPr id="9" name="Group 9"/>
+            <p:cNvGrpSpPr/>
+            <p:nvPr/>
+          </p:nvGrpSpPr>
+          <p:grpSpPr>
+            <a:xfrm rot="2252144">
+              <a:off x="2397493" y="3224228"/>
+              <a:ext cx="7399579" cy="7432687"/>
+              <a:chOff x="0" y="0"/>
+              <a:chExt cx="2816645" cy="2829248"/>
+            </a:xfrm>
+          </p:grpSpPr>
+          <p:sp>
+            <p:nvSpPr>
+              <p:cNvPr id="10" name="Freeform 10"/>
+              <p:cNvSpPr/>
+              <p:nvPr/>
+            </p:nvSpPr>
+            <p:spPr>
+              <a:xfrm>
+                <a:off x="0" y="0"/>
+                <a:ext cx="2816645" cy="2829248"/>
+              </a:xfrm>
+              <a:custGeom>
+                <a:avLst/>
+                <a:gdLst/>
+                <a:ahLst/>
+                <a:cxnLst/>
+                <a:rect l="l" t="t" r="r" b="b"/>
+                <a:pathLst>
+                  <a:path w="2816645" h="2829248">
+                    <a:moveTo>
+                      <a:pt x="0" y="0"/>
+                    </a:moveTo>
+                    <a:lnTo>
+                      <a:pt x="2816645" y="0"/>
+                    </a:lnTo>
+                    <a:lnTo>
+                      <a:pt x="2816645" y="2829248"/>
+                    </a:lnTo>
+                    <a:lnTo>
+                      <a:pt x="0" y="2829248"/>
+                    </a:lnTo>
+                    <a:close/>
+                  </a:path>
+                </a:pathLst>
+              </a:custGeom>
+              <a:solidFill>
+                <a:srgbClr val="535659"/>
+              </a:solidFill>
+            </p:spPr>
+          </p:sp>
+          <p:sp>
+            <p:nvSpPr>
+              <p:cNvPr id="11" name="TextBox 11"/>
+              <p:cNvSpPr txBox="1"/>
+              <p:nvPr/>
+            </p:nvSpPr>
+            <p:spPr>
+              <a:xfrm>
+                <a:off x="0" y="-123825"/>
+                <a:ext cx="2816645" cy="2953073"/>
+              </a:xfrm>
+              <a:prstGeom prst="rect">
+                <a:avLst/>
+              </a:prstGeom>
+            </p:spPr>
+            <p:txBody>
+              <a:bodyPr lIns="50800" tIns="50800" rIns="50800" bIns="50800" rtlCol="0" anchor="ctr"/>
+              <a:lstStyle/>
+              <a:p>
+                <a:pPr algn="ctr">
+                  <a:lnSpc>
+                    <a:spcPts val="2659"/>
+                  </a:lnSpc>
+                  <a:spcBef>
+                    <a:spcPct val="0"/>
+                  </a:spcBef>
+                </a:pPr>
+                <a:endParaRPr/>
+              </a:p>
+            </p:txBody>
+          </p:sp>
+        </p:grpSp>
+        <p:grpSp>
+          <p:nvGrpSpPr>
+            <p:cNvPr id="12" name="Group 12"/>
+            <p:cNvGrpSpPr/>
+            <p:nvPr/>
+          </p:nvGrpSpPr>
+          <p:grpSpPr>
+            <a:xfrm rot="2252144">
+              <a:off x="4180100" y="3525007"/>
+              <a:ext cx="7399579" cy="7432687"/>
+              <a:chOff x="0" y="0"/>
+              <a:chExt cx="2816645" cy="2829248"/>
+            </a:xfrm>
+          </p:grpSpPr>
+          <p:sp>
+            <p:nvSpPr>
+              <p:cNvPr id="13" name="Freeform 13"/>
+              <p:cNvSpPr/>
+              <p:nvPr/>
+            </p:nvSpPr>
+            <p:spPr>
+              <a:xfrm>
+                <a:off x="0" y="0"/>
+                <a:ext cx="2816645" cy="2829248"/>
+              </a:xfrm>
+              <a:custGeom>
+                <a:avLst/>
+                <a:gdLst/>
+                <a:ahLst/>
+                <a:cxnLst/>
+                <a:rect l="l" t="t" r="r" b="b"/>
+                <a:pathLst>
+                  <a:path w="2816645" h="2829248">
+                    <a:moveTo>
+                      <a:pt x="0" y="0"/>
+                    </a:moveTo>
+                    <a:lnTo>
+                      <a:pt x="2816645" y="0"/>
+                    </a:lnTo>
+                    <a:lnTo>
+                      <a:pt x="2816645" y="2829248"/>
+                    </a:lnTo>
+                    <a:lnTo>
+                      <a:pt x="0" y="2829248"/>
+                    </a:lnTo>
+                    <a:close/>
+                  </a:path>
+                </a:pathLst>
+              </a:custGeom>
+              <a:solidFill>
+                <a:srgbClr val="858789"/>
+              </a:solidFill>
+            </p:spPr>
+          </p:sp>
+          <p:sp>
+            <p:nvSpPr>
+              <p:cNvPr id="14" name="TextBox 14"/>
+              <p:cNvSpPr txBox="1"/>
+              <p:nvPr/>
+            </p:nvSpPr>
+            <p:spPr>
+              <a:xfrm>
+                <a:off x="0" y="-123825"/>
+                <a:ext cx="2816645" cy="2953073"/>
+              </a:xfrm>
+              <a:prstGeom prst="rect">
+                <a:avLst/>
+              </a:prstGeom>
+            </p:spPr>
+            <p:txBody>
+              <a:bodyPr lIns="50800" tIns="50800" rIns="50800" bIns="50800" rtlCol="0" anchor="ctr"/>
+              <a:lstStyle/>
+              <a:p>
+                <a:pPr algn="ctr">
+                  <a:lnSpc>
+                    <a:spcPts val="2659"/>
+                  </a:lnSpc>
+                  <a:spcBef>
+                    <a:spcPct val="0"/>
+                  </a:spcBef>
+                </a:pPr>
+                <a:endParaRPr/>
+              </a:p>
+            </p:txBody>
+          </p:sp>
+        </p:grpSp>
+      </p:grpSp>
+      <p:grpSp>
+        <p:nvGrpSpPr>
+          <p:cNvPr id="15" name="Group 15"/>
+          <p:cNvGrpSpPr/>
+          <p:nvPr/>
+        </p:nvGrpSpPr>
+        <p:grpSpPr>
+          <a:xfrm rot="2124477">
+            <a:off x="15979122" y="5429903"/>
+            <a:ext cx="9808447" cy="9331824"/>
+            <a:chOff x="0" y="0"/>
+            <a:chExt cx="13077930" cy="12442432"/>
+          </a:xfrm>
+        </p:grpSpPr>
+        <p:grpSp>
+          <p:nvGrpSpPr>
+            <p:cNvPr id="16" name="Group 16"/>
+            <p:cNvGrpSpPr/>
+            <p:nvPr/>
+          </p:nvGrpSpPr>
+          <p:grpSpPr>
+            <a:xfrm rot="2252144">
+              <a:off x="1498251" y="1484738"/>
+              <a:ext cx="7399579" cy="7432687"/>
+              <a:chOff x="0" y="0"/>
+              <a:chExt cx="2816645" cy="2829248"/>
+            </a:xfrm>
+          </p:grpSpPr>
+          <p:sp>
+            <p:nvSpPr>
+              <p:cNvPr id="17" name="Freeform 17"/>
+              <p:cNvSpPr/>
+              <p:nvPr/>
+            </p:nvSpPr>
+            <p:spPr>
+              <a:xfrm>
+                <a:off x="0" y="0"/>
+                <a:ext cx="2816645" cy="2829248"/>
+              </a:xfrm>
+              <a:custGeom>
+                <a:avLst/>
+                <a:gdLst/>
+                <a:ahLst/>
+                <a:cxnLst/>
+                <a:rect l="l" t="t" r="r" b="b"/>
+                <a:pathLst>
+                  <a:path w="2816645" h="2829248">
+                    <a:moveTo>
+                      <a:pt x="0" y="0"/>
+                    </a:moveTo>
+                    <a:lnTo>
+                      <a:pt x="2816645" y="0"/>
+                    </a:lnTo>
+                    <a:lnTo>
+                      <a:pt x="2816645" y="2829248"/>
+                    </a:lnTo>
+                    <a:lnTo>
+                      <a:pt x="0" y="2829248"/>
+                    </a:lnTo>
+                    <a:close/>
+                  </a:path>
+                </a:pathLst>
+              </a:custGeom>
+              <a:solidFill>
+                <a:srgbClr val="243342"/>
+              </a:solidFill>
+            </p:spPr>
+          </p:sp>
+          <p:sp>
+            <p:nvSpPr>
+              <p:cNvPr id="18" name="TextBox 18"/>
+              <p:cNvSpPr txBox="1"/>
+              <p:nvPr/>
+            </p:nvSpPr>
+            <p:spPr>
+              <a:xfrm>
+                <a:off x="0" y="-123825"/>
+                <a:ext cx="2816645" cy="2953073"/>
+              </a:xfrm>
+              <a:prstGeom prst="rect">
+                <a:avLst/>
+              </a:prstGeom>
+            </p:spPr>
+            <p:txBody>
+              <a:bodyPr lIns="50800" tIns="50800" rIns="50800" bIns="50800" rtlCol="0" anchor="ctr"/>
+              <a:lstStyle/>
+              <a:p>
+                <a:pPr algn="ctr">
+                  <a:lnSpc>
+                    <a:spcPts val="2659"/>
+                  </a:lnSpc>
+                  <a:spcBef>
+                    <a:spcPct val="0"/>
+                  </a:spcBef>
+                </a:pPr>
+                <a:endParaRPr/>
+              </a:p>
+            </p:txBody>
+          </p:sp>
+        </p:grpSp>
+        <p:grpSp>
+          <p:nvGrpSpPr>
+            <p:cNvPr id="19" name="Group 19"/>
+            <p:cNvGrpSpPr/>
+            <p:nvPr/>
+          </p:nvGrpSpPr>
+          <p:grpSpPr>
+            <a:xfrm rot="2252144">
+              <a:off x="2397493" y="3224228"/>
+              <a:ext cx="7399579" cy="7432687"/>
+              <a:chOff x="0" y="0"/>
+              <a:chExt cx="2816645" cy="2829248"/>
+            </a:xfrm>
+          </p:grpSpPr>
+          <p:sp>
+            <p:nvSpPr>
+              <p:cNvPr id="20" name="Freeform 20"/>
+              <p:cNvSpPr/>
+              <p:nvPr/>
+            </p:nvSpPr>
+            <p:spPr>
+              <a:xfrm>
+                <a:off x="0" y="0"/>
+                <a:ext cx="2816645" cy="2829248"/>
+              </a:xfrm>
+              <a:custGeom>
+                <a:avLst/>
+                <a:gdLst/>
+                <a:ahLst/>
+                <a:cxnLst/>
+                <a:rect l="l" t="t" r="r" b="b"/>
+                <a:pathLst>
+                  <a:path w="2816645" h="2829248">
+                    <a:moveTo>
+                      <a:pt x="0" y="0"/>
+                    </a:moveTo>
+                    <a:lnTo>
+                      <a:pt x="2816645" y="0"/>
+                    </a:lnTo>
+                    <a:lnTo>
+                      <a:pt x="2816645" y="2829248"/>
+                    </a:lnTo>
+                    <a:lnTo>
+                      <a:pt x="0" y="2829248"/>
+                    </a:lnTo>
+                    <a:close/>
+                  </a:path>
+                </a:pathLst>
+              </a:custGeom>
+              <a:solidFill>
+                <a:srgbClr val="535659"/>
+              </a:solidFill>
+            </p:spPr>
+          </p:sp>
+          <p:sp>
+            <p:nvSpPr>
+              <p:cNvPr id="21" name="TextBox 21"/>
+              <p:cNvSpPr txBox="1"/>
+              <p:nvPr/>
+            </p:nvSpPr>
+            <p:spPr>
+              <a:xfrm>
+                <a:off x="0" y="-123825"/>
+                <a:ext cx="2816645" cy="2953073"/>
+              </a:xfrm>
+              <a:prstGeom prst="rect">
+                <a:avLst/>
+              </a:prstGeom>
+            </p:spPr>
+            <p:txBody>
+              <a:bodyPr lIns="50800" tIns="50800" rIns="50800" bIns="50800" rtlCol="0" anchor="ctr"/>
+              <a:lstStyle/>
+              <a:p>
+                <a:pPr algn="ctr">
+                  <a:lnSpc>
+                    <a:spcPts val="2659"/>
+                  </a:lnSpc>
+                  <a:spcBef>
+                    <a:spcPct val="0"/>
+                  </a:spcBef>
+                </a:pPr>
+                <a:endParaRPr/>
+              </a:p>
+            </p:txBody>
+          </p:sp>
+        </p:grpSp>
+        <p:grpSp>
+          <p:nvGrpSpPr>
+            <p:cNvPr id="22" name="Group 22"/>
+            <p:cNvGrpSpPr/>
+            <p:nvPr/>
+          </p:nvGrpSpPr>
+          <p:grpSpPr>
+            <a:xfrm rot="2252144">
+              <a:off x="4180100" y="3525007"/>
+              <a:ext cx="7399579" cy="7432687"/>
+              <a:chOff x="0" y="0"/>
+              <a:chExt cx="2816645" cy="2829248"/>
+            </a:xfrm>
+          </p:grpSpPr>
+          <p:sp>
+            <p:nvSpPr>
+              <p:cNvPr id="23" name="Freeform 23"/>
+              <p:cNvSpPr/>
+              <p:nvPr/>
+            </p:nvSpPr>
+            <p:spPr>
+              <a:xfrm>
+                <a:off x="0" y="0"/>
+                <a:ext cx="2816645" cy="2829248"/>
+              </a:xfrm>
+              <a:custGeom>
+                <a:avLst/>
+                <a:gdLst/>
+                <a:ahLst/>
+                <a:cxnLst/>
+                <a:rect l="l" t="t" r="r" b="b"/>
+                <a:pathLst>
+                  <a:path w="2816645" h="2829248">
+                    <a:moveTo>
+                      <a:pt x="0" y="0"/>
+                    </a:moveTo>
+                    <a:lnTo>
+                      <a:pt x="2816645" y="0"/>
+                    </a:lnTo>
+                    <a:lnTo>
+                      <a:pt x="2816645" y="2829248"/>
+                    </a:lnTo>
+                    <a:lnTo>
+                      <a:pt x="0" y="2829248"/>
+                    </a:lnTo>
+                    <a:close/>
+                  </a:path>
+                </a:pathLst>
+              </a:custGeom>
+              <a:solidFill>
+                <a:srgbClr val="858789"/>
+              </a:solidFill>
+            </p:spPr>
+          </p:sp>
+          <p:sp>
+            <p:nvSpPr>
+              <p:cNvPr id="24" name="TextBox 24"/>
+              <p:cNvSpPr txBox="1"/>
+              <p:nvPr/>
+            </p:nvSpPr>
+            <p:spPr>
+              <a:xfrm>
+                <a:off x="0" y="-123825"/>
+                <a:ext cx="2816645" cy="2953073"/>
+              </a:xfrm>
+              <a:prstGeom prst="rect">
+                <a:avLst/>
+              </a:prstGeom>
+            </p:spPr>
+            <p:txBody>
+              <a:bodyPr lIns="50800" tIns="50800" rIns="50800" bIns="50800" rtlCol="0" anchor="ctr"/>
+              <a:lstStyle/>
+              <a:p>
+                <a:pPr algn="ctr">
+                  <a:lnSpc>
+                    <a:spcPts val="2659"/>
+                  </a:lnSpc>
+                  <a:spcBef>
+                    <a:spcPct val="0"/>
+                  </a:spcBef>
+                </a:pPr>
+                <a:endParaRPr/>
+              </a:p>
+            </p:txBody>
+          </p:sp>
+        </p:grpSp>
+      </p:grpSp>
+      <p:sp>
+        <p:nvSpPr>
+          <p:cNvPr id="26" name="TextBox 26"/>
+          <p:cNvSpPr txBox="1"/>
+          <p:nvPr/>
+        </p:nvSpPr>
+        <p:spPr>
+          <a:xfrm>
+            <a:off x="1807230" y="1877007"/>
+            <a:ext cx="12221487" cy="497637"/>
+          </a:xfrm>
+          <a:prstGeom prst="rect">
+            <a:avLst/>
+          </a:prstGeom>
+        </p:spPr>
+        <p:txBody>
+          <a:bodyPr wrap="square" lIns="0" tIns="0" rIns="0" bIns="0" rtlCol="0" anchor="t">
+            <a:spAutoFit/>
+          </a:bodyPr>
+          <a:lstStyle/>
+          <a:p>
+            <a:pPr>
+              <a:lnSpc>
+                <a:spcPts val="3680"/>
+              </a:lnSpc>
+            </a:pPr>
+            <a:r>
+              <a:rPr lang="en-US" sz="4000" dirty="0" err="1" smtClean="0"/>
+              <a:t>Apa</a:t>
+            </a:r>
+            <a:r>
+              <a:rPr lang="en-US" sz="4000" dirty="0" smtClean="0"/>
+              <a:t> </a:t>
+            </a:r>
+            <a:r>
+              <a:rPr lang="en-US" sz="4000" dirty="0" err="1" smtClean="0"/>
+              <a:t>Itu</a:t>
+            </a:r>
+            <a:r>
+              <a:rPr lang="en-US" sz="4000" dirty="0" smtClean="0"/>
+              <a:t> Ajax</a:t>
+            </a:r>
+            <a:endParaRPr lang="en-US" sz="4000" b="1" dirty="0">
+              <a:solidFill>
+                <a:srgbClr val="000000"/>
+              </a:solidFill>
+              <a:latin typeface="Karnchang Bold"/>
+            </a:endParaRPr>
+          </a:p>
+        </p:txBody>
+      </p:sp>
+      <p:sp>
+        <p:nvSpPr>
+          <p:cNvPr id="27" name="TextBox 27"/>
+          <p:cNvSpPr txBox="1"/>
+          <p:nvPr/>
+        </p:nvSpPr>
+        <p:spPr>
+          <a:xfrm>
+            <a:off x="2240628" y="3507719"/>
+            <a:ext cx="13337117" cy="4363182"/>
+          </a:xfrm>
+          <a:prstGeom prst="rect">
+            <a:avLst/>
+          </a:prstGeom>
+        </p:spPr>
+        <p:txBody>
+          <a:bodyPr lIns="0" tIns="0" rIns="0" bIns="0" rtlCol="0" anchor="t">
+            <a:spAutoFit/>
+          </a:bodyPr>
+          <a:lstStyle/>
+          <a:p>
+            <a:pPr>
+              <a:lnSpc>
+                <a:spcPts val="3779"/>
+              </a:lnSpc>
+            </a:pPr>
+            <a:r>
+              <a:rPr lang="en-US" sz="2800" dirty="0" smtClean="0"/>
+              <a:t>	Ajax </a:t>
+            </a:r>
+            <a:r>
+              <a:rPr lang="en-US" sz="2800" dirty="0" err="1"/>
+              <a:t>adalah</a:t>
+            </a:r>
+            <a:r>
+              <a:rPr lang="en-US" sz="2800" dirty="0"/>
+              <a:t> </a:t>
+            </a:r>
+            <a:r>
+              <a:rPr lang="en-US" sz="2800" dirty="0" err="1"/>
+              <a:t>singkatan</a:t>
+            </a:r>
+            <a:r>
+              <a:rPr lang="en-US" sz="2800" dirty="0"/>
+              <a:t> </a:t>
+            </a:r>
+            <a:r>
+              <a:rPr lang="en-US" sz="2800" dirty="0" err="1"/>
+              <a:t>dari</a:t>
+            </a:r>
+            <a:r>
+              <a:rPr lang="en-US" sz="2800" dirty="0"/>
+              <a:t> "Asynchronous JavaScript and XML". </a:t>
+            </a:r>
+            <a:r>
+              <a:rPr lang="en-US" sz="2800" dirty="0" err="1"/>
+              <a:t>Ini</a:t>
+            </a:r>
+            <a:r>
+              <a:rPr lang="en-US" sz="2800" dirty="0"/>
+              <a:t> </a:t>
+            </a:r>
+            <a:r>
+              <a:rPr lang="en-US" sz="2800" dirty="0" err="1"/>
+              <a:t>adalah</a:t>
+            </a:r>
+            <a:r>
+              <a:rPr lang="en-US" sz="2800" dirty="0"/>
+              <a:t> </a:t>
+            </a:r>
+            <a:r>
+              <a:rPr lang="en-US" sz="2800" dirty="0" err="1"/>
+              <a:t>teknologi</a:t>
+            </a:r>
+            <a:r>
+              <a:rPr lang="en-US" sz="2800" dirty="0"/>
+              <a:t> </a:t>
+            </a:r>
+            <a:r>
+              <a:rPr lang="en-US" sz="2800" dirty="0" err="1"/>
+              <a:t>pengembangan</a:t>
+            </a:r>
+            <a:r>
+              <a:rPr lang="en-US" sz="2800" dirty="0"/>
+              <a:t> web yang </a:t>
+            </a:r>
+            <a:r>
+              <a:rPr lang="en-US" sz="2800" dirty="0" err="1"/>
+              <a:t>digunakan</a:t>
+            </a:r>
+            <a:r>
+              <a:rPr lang="en-US" sz="2800" dirty="0"/>
+              <a:t> </a:t>
+            </a:r>
+            <a:r>
+              <a:rPr lang="en-US" sz="2800" dirty="0" err="1"/>
+              <a:t>untuk</a:t>
+            </a:r>
+            <a:r>
+              <a:rPr lang="en-US" sz="2800" dirty="0"/>
+              <a:t> </a:t>
+            </a:r>
+            <a:r>
+              <a:rPr lang="en-US" sz="2800" dirty="0" err="1"/>
+              <a:t>membuat</a:t>
+            </a:r>
+            <a:r>
+              <a:rPr lang="en-US" sz="2800" dirty="0"/>
+              <a:t> </a:t>
+            </a:r>
+            <a:r>
+              <a:rPr lang="en-US" sz="2800" dirty="0" err="1"/>
+              <a:t>aplikasi</a:t>
+            </a:r>
+            <a:r>
+              <a:rPr lang="en-US" sz="2800" dirty="0"/>
+              <a:t> web yang </a:t>
+            </a:r>
+            <a:r>
+              <a:rPr lang="en-US" sz="2800" dirty="0" err="1"/>
+              <a:t>interaktif</a:t>
+            </a:r>
+            <a:r>
+              <a:rPr lang="en-US" sz="2800" dirty="0"/>
+              <a:t> </a:t>
+            </a:r>
+            <a:r>
+              <a:rPr lang="en-US" sz="2800" dirty="0" err="1"/>
+              <a:t>dengan</a:t>
+            </a:r>
+            <a:r>
+              <a:rPr lang="en-US" sz="2800" dirty="0"/>
+              <a:t> </a:t>
+            </a:r>
+            <a:r>
+              <a:rPr lang="en-US" sz="2800" dirty="0" err="1"/>
+              <a:t>cara</a:t>
+            </a:r>
+            <a:r>
+              <a:rPr lang="en-US" sz="2800" dirty="0"/>
+              <a:t> </a:t>
+            </a:r>
+            <a:r>
+              <a:rPr lang="en-US" sz="2800" dirty="0" err="1"/>
+              <a:t>mengirim</a:t>
+            </a:r>
+            <a:r>
+              <a:rPr lang="en-US" sz="2800" dirty="0"/>
+              <a:t> </a:t>
+            </a:r>
+            <a:r>
+              <a:rPr lang="en-US" sz="2800" dirty="0" err="1"/>
+              <a:t>dan</a:t>
+            </a:r>
+            <a:r>
+              <a:rPr lang="en-US" sz="2800" dirty="0"/>
+              <a:t> </a:t>
+            </a:r>
+            <a:r>
+              <a:rPr lang="en-US" sz="2800" dirty="0" err="1"/>
+              <a:t>menerima</a:t>
+            </a:r>
+            <a:r>
+              <a:rPr lang="en-US" sz="2800" dirty="0"/>
+              <a:t> data </a:t>
+            </a:r>
+            <a:r>
+              <a:rPr lang="en-US" sz="2800" dirty="0" err="1"/>
+              <a:t>dari</a:t>
+            </a:r>
+            <a:r>
+              <a:rPr lang="en-US" sz="2800" dirty="0"/>
+              <a:t> server </a:t>
+            </a:r>
+            <a:r>
+              <a:rPr lang="en-US" sz="2800" dirty="0" err="1"/>
+              <a:t>tanpa</a:t>
+            </a:r>
+            <a:r>
+              <a:rPr lang="en-US" sz="2800" dirty="0"/>
+              <a:t> </a:t>
+            </a:r>
+            <a:r>
+              <a:rPr lang="en-US" sz="2800" dirty="0" err="1"/>
+              <a:t>perlu</a:t>
+            </a:r>
+            <a:r>
+              <a:rPr lang="en-US" sz="2800" dirty="0"/>
+              <a:t> </a:t>
+            </a:r>
+            <a:r>
+              <a:rPr lang="en-US" sz="2800" dirty="0" err="1"/>
+              <a:t>memuat</a:t>
+            </a:r>
+            <a:r>
+              <a:rPr lang="en-US" sz="2800" dirty="0"/>
+              <a:t> </a:t>
+            </a:r>
+            <a:r>
+              <a:rPr lang="en-US" sz="2800" dirty="0" err="1"/>
+              <a:t>ulang</a:t>
+            </a:r>
+            <a:r>
+              <a:rPr lang="en-US" sz="2800" dirty="0"/>
+              <a:t> </a:t>
+            </a:r>
+            <a:r>
+              <a:rPr lang="en-US" sz="2800" dirty="0" err="1"/>
+              <a:t>seluruh</a:t>
+            </a:r>
+            <a:r>
+              <a:rPr lang="en-US" sz="2800" dirty="0"/>
+              <a:t> </a:t>
+            </a:r>
+            <a:r>
+              <a:rPr lang="en-US" sz="2800" dirty="0" err="1"/>
+              <a:t>halaman</a:t>
+            </a:r>
+            <a:r>
+              <a:rPr lang="en-US" sz="2800" dirty="0"/>
+              <a:t>. </a:t>
+            </a:r>
+            <a:r>
+              <a:rPr lang="en-US" sz="2800" dirty="0" err="1"/>
+              <a:t>Teknologi</a:t>
+            </a:r>
+            <a:r>
+              <a:rPr lang="en-US" sz="2800" dirty="0"/>
+              <a:t> </a:t>
+            </a:r>
+            <a:r>
+              <a:rPr lang="en-US" sz="2800" dirty="0" err="1"/>
+              <a:t>ini</a:t>
+            </a:r>
+            <a:r>
+              <a:rPr lang="en-US" sz="2800" dirty="0"/>
+              <a:t> </a:t>
+            </a:r>
+            <a:r>
+              <a:rPr lang="en-US" sz="2800" dirty="0" err="1"/>
+              <a:t>memanfaatkan</a:t>
+            </a:r>
+            <a:r>
+              <a:rPr lang="en-US" sz="2800" dirty="0"/>
+              <a:t> JavaScript </a:t>
+            </a:r>
+            <a:r>
+              <a:rPr lang="en-US" sz="2800" dirty="0" err="1"/>
+              <a:t>untuk</a:t>
+            </a:r>
+            <a:r>
+              <a:rPr lang="en-US" sz="2800" dirty="0"/>
+              <a:t> </a:t>
+            </a:r>
+            <a:r>
+              <a:rPr lang="en-US" sz="2800" dirty="0" err="1"/>
+              <a:t>mengirim</a:t>
+            </a:r>
+            <a:r>
+              <a:rPr lang="en-US" sz="2800" dirty="0"/>
+              <a:t> </a:t>
+            </a:r>
+            <a:r>
+              <a:rPr lang="en-US" sz="2800" dirty="0" err="1"/>
+              <a:t>permintaan</a:t>
+            </a:r>
+            <a:r>
+              <a:rPr lang="en-US" sz="2800" dirty="0"/>
+              <a:t> </a:t>
+            </a:r>
+            <a:r>
+              <a:rPr lang="en-US" sz="2800" dirty="0" err="1"/>
+              <a:t>ke</a:t>
+            </a:r>
+            <a:r>
+              <a:rPr lang="en-US" sz="2800" dirty="0"/>
+              <a:t> server </a:t>
+            </a:r>
+            <a:r>
+              <a:rPr lang="en-US" sz="2800" dirty="0" err="1"/>
+              <a:t>secara</a:t>
+            </a:r>
+            <a:r>
+              <a:rPr lang="en-US" sz="2800" dirty="0"/>
+              <a:t> asynchronous (</a:t>
+            </a:r>
+            <a:r>
+              <a:rPr lang="en-US" sz="2800" dirty="0" err="1"/>
+              <a:t>tanpa</a:t>
+            </a:r>
+            <a:r>
+              <a:rPr lang="en-US" sz="2800" dirty="0"/>
+              <a:t> </a:t>
+            </a:r>
+            <a:r>
+              <a:rPr lang="en-US" sz="2800" dirty="0" err="1"/>
+              <a:t>harus</a:t>
+            </a:r>
+            <a:r>
+              <a:rPr lang="en-US" sz="2800" dirty="0"/>
+              <a:t> </a:t>
+            </a:r>
+            <a:r>
+              <a:rPr lang="en-US" sz="2800" dirty="0" err="1"/>
+              <a:t>menunggu</a:t>
+            </a:r>
+            <a:r>
+              <a:rPr lang="en-US" sz="2800" dirty="0"/>
+              <a:t> </a:t>
+            </a:r>
+            <a:r>
+              <a:rPr lang="en-US" sz="2800" dirty="0" err="1"/>
+              <a:t>tanggapan</a:t>
+            </a:r>
+            <a:r>
+              <a:rPr lang="en-US" sz="2800" dirty="0"/>
+              <a:t> </a:t>
+            </a:r>
+            <a:r>
+              <a:rPr lang="en-US" sz="2800" dirty="0" err="1"/>
+              <a:t>dari</a:t>
+            </a:r>
+            <a:r>
+              <a:rPr lang="en-US" sz="2800" dirty="0"/>
+              <a:t> server </a:t>
+            </a:r>
+            <a:r>
+              <a:rPr lang="en-US" sz="2800" dirty="0" err="1"/>
+              <a:t>sebelum</a:t>
+            </a:r>
+            <a:r>
+              <a:rPr lang="en-US" sz="2800" dirty="0"/>
+              <a:t> </a:t>
+            </a:r>
+            <a:r>
+              <a:rPr lang="en-US" sz="2800" dirty="0" err="1"/>
+              <a:t>melanjutkan</a:t>
+            </a:r>
+            <a:r>
+              <a:rPr lang="en-US" sz="2800" dirty="0"/>
+              <a:t> </a:t>
+            </a:r>
+            <a:r>
+              <a:rPr lang="en-US" sz="2800" dirty="0" err="1"/>
+              <a:t>eksekusi</a:t>
+            </a:r>
+            <a:r>
+              <a:rPr lang="en-US" sz="2800" dirty="0"/>
+              <a:t> script) </a:t>
+            </a:r>
+            <a:r>
+              <a:rPr lang="en-US" sz="2800" dirty="0" err="1"/>
+              <a:t>dan</a:t>
+            </a:r>
+            <a:r>
+              <a:rPr lang="en-US" sz="2800" dirty="0"/>
+              <a:t> XML (</a:t>
+            </a:r>
+            <a:r>
+              <a:rPr lang="en-US" sz="2800" dirty="0" err="1"/>
+              <a:t>atau</a:t>
+            </a:r>
+            <a:r>
+              <a:rPr lang="en-US" sz="2800" dirty="0"/>
+              <a:t> format data lain </a:t>
+            </a:r>
+            <a:r>
+              <a:rPr lang="en-US" sz="2800" dirty="0" err="1"/>
+              <a:t>seperti</a:t>
+            </a:r>
+            <a:r>
+              <a:rPr lang="en-US" sz="2800" dirty="0"/>
+              <a:t> JSON) </a:t>
+            </a:r>
+            <a:r>
+              <a:rPr lang="en-US" sz="2800" dirty="0" err="1"/>
+              <a:t>untuk</a:t>
+            </a:r>
+            <a:r>
+              <a:rPr lang="en-US" sz="2800" dirty="0"/>
+              <a:t> </a:t>
+            </a:r>
+            <a:r>
+              <a:rPr lang="en-US" sz="2800" dirty="0" err="1"/>
+              <a:t>mengirim</a:t>
+            </a:r>
+            <a:r>
+              <a:rPr lang="en-US" sz="2800" dirty="0"/>
+              <a:t> </a:t>
+            </a:r>
+            <a:r>
+              <a:rPr lang="en-US" sz="2800" dirty="0" err="1"/>
+              <a:t>dan</a:t>
+            </a:r>
+            <a:r>
+              <a:rPr lang="en-US" sz="2800" dirty="0"/>
+              <a:t> </a:t>
+            </a:r>
+            <a:r>
+              <a:rPr lang="en-US" sz="2800" dirty="0" err="1"/>
+              <a:t>menerima</a:t>
+            </a:r>
+            <a:r>
+              <a:rPr lang="en-US" sz="2800" dirty="0"/>
+              <a:t> data </a:t>
+            </a:r>
+            <a:r>
+              <a:rPr lang="en-US" sz="2800" dirty="0" err="1"/>
+              <a:t>antara</a:t>
+            </a:r>
+            <a:r>
+              <a:rPr lang="en-US" sz="2800" dirty="0"/>
+              <a:t> server </a:t>
+            </a:r>
+            <a:r>
+              <a:rPr lang="en-US" sz="2800" dirty="0" err="1"/>
+              <a:t>dan</a:t>
+            </a:r>
+            <a:r>
+              <a:rPr lang="en-US" sz="2800" dirty="0"/>
+              <a:t> client. Ajax </a:t>
+            </a:r>
+            <a:r>
+              <a:rPr lang="en-US" sz="2800" dirty="0" err="1"/>
+              <a:t>memungkinkan</a:t>
+            </a:r>
+            <a:r>
+              <a:rPr lang="en-US" sz="2800" dirty="0"/>
+              <a:t> </a:t>
+            </a:r>
+            <a:r>
+              <a:rPr lang="en-US" sz="2800" dirty="0" err="1"/>
+              <a:t>halaman</a:t>
+            </a:r>
+            <a:r>
+              <a:rPr lang="en-US" sz="2800" dirty="0"/>
+              <a:t> web </a:t>
+            </a:r>
+            <a:r>
+              <a:rPr lang="en-US" sz="2800" dirty="0" err="1"/>
+              <a:t>untuk</a:t>
+            </a:r>
+            <a:r>
+              <a:rPr lang="en-US" sz="2800" dirty="0"/>
+              <a:t> </a:t>
+            </a:r>
+            <a:r>
+              <a:rPr lang="en-US" sz="2800" dirty="0" err="1"/>
+              <a:t>berinteraksi</a:t>
+            </a:r>
+            <a:r>
+              <a:rPr lang="en-US" sz="2800" dirty="0"/>
+              <a:t> </a:t>
+            </a:r>
+            <a:r>
+              <a:rPr lang="en-US" sz="2800" dirty="0" err="1"/>
+              <a:t>dengan</a:t>
+            </a:r>
+            <a:r>
+              <a:rPr lang="en-US" sz="2800" dirty="0"/>
+              <a:t> server </a:t>
+            </a:r>
+            <a:r>
+              <a:rPr lang="en-US" sz="2800" dirty="0" err="1"/>
+              <a:t>secara</a:t>
+            </a:r>
+            <a:r>
+              <a:rPr lang="en-US" sz="2800" dirty="0"/>
+              <a:t> </a:t>
+            </a:r>
+            <a:r>
+              <a:rPr lang="en-US" sz="2800" dirty="0" err="1"/>
+              <a:t>dinamis</a:t>
+            </a:r>
+            <a:r>
+              <a:rPr lang="en-US" sz="2800" dirty="0"/>
+              <a:t>, </a:t>
+            </a:r>
+            <a:r>
+              <a:rPr lang="en-US" sz="2800" dirty="0" err="1"/>
+              <a:t>memuat</a:t>
+            </a:r>
+            <a:r>
+              <a:rPr lang="en-US" sz="2800" dirty="0"/>
+              <a:t> data </a:t>
+            </a:r>
+            <a:r>
+              <a:rPr lang="en-US" sz="2800" dirty="0" err="1"/>
+              <a:t>tambahan</a:t>
+            </a:r>
+            <a:r>
+              <a:rPr lang="en-US" sz="2800" dirty="0"/>
+              <a:t>, </a:t>
+            </a:r>
+            <a:r>
+              <a:rPr lang="en-US" sz="2800" dirty="0" err="1"/>
+              <a:t>atau</a:t>
+            </a:r>
+            <a:r>
+              <a:rPr lang="en-US" sz="2800" dirty="0"/>
+              <a:t> </a:t>
+            </a:r>
+            <a:r>
+              <a:rPr lang="en-US" sz="2800" dirty="0" err="1"/>
+              <a:t>mengirim</a:t>
+            </a:r>
+            <a:r>
+              <a:rPr lang="en-US" sz="2800" dirty="0"/>
+              <a:t> data </a:t>
+            </a:r>
+            <a:r>
+              <a:rPr lang="en-US" sz="2800" dirty="0" err="1"/>
+              <a:t>ke</a:t>
+            </a:r>
+            <a:r>
+              <a:rPr lang="en-US" sz="2800" dirty="0"/>
+              <a:t> server </a:t>
+            </a:r>
+            <a:r>
+              <a:rPr lang="en-US" sz="2800" dirty="0" err="1"/>
+              <a:t>tanpa</a:t>
+            </a:r>
+            <a:r>
+              <a:rPr lang="en-US" sz="2800" dirty="0"/>
+              <a:t> </a:t>
+            </a:r>
+            <a:r>
+              <a:rPr lang="en-US" sz="2800" dirty="0" err="1"/>
+              <a:t>memuat</a:t>
+            </a:r>
+            <a:r>
+              <a:rPr lang="en-US" sz="2800" dirty="0"/>
+              <a:t> </a:t>
+            </a:r>
+            <a:r>
+              <a:rPr lang="en-US" sz="2800" dirty="0" err="1"/>
+              <a:t>ulang</a:t>
+            </a:r>
+            <a:r>
+              <a:rPr lang="en-US" sz="2800" dirty="0"/>
+              <a:t> </a:t>
+            </a:r>
+            <a:r>
+              <a:rPr lang="en-US" sz="2800" dirty="0" err="1"/>
+              <a:t>halaman</a:t>
+            </a:r>
+            <a:r>
+              <a:rPr lang="en-US" sz="2800" dirty="0"/>
+              <a:t> </a:t>
+            </a:r>
+            <a:r>
+              <a:rPr lang="en-US" sz="2800" dirty="0" err="1"/>
+              <a:t>secara</a:t>
+            </a:r>
+            <a:r>
+              <a:rPr lang="en-US" sz="2800" dirty="0"/>
+              <a:t> </a:t>
+            </a:r>
+            <a:r>
+              <a:rPr lang="en-US" sz="2800" dirty="0" err="1"/>
+              <a:t>keseluruhan</a:t>
+            </a:r>
+            <a:r>
+              <a:rPr lang="en-US" sz="2800" dirty="0"/>
+              <a:t>.</a:t>
+            </a:r>
+            <a:endParaRPr lang="en-US" sz="2700" dirty="0">
+              <a:solidFill>
+                <a:srgbClr val="000000"/>
+              </a:solidFill>
+              <a:latin typeface="Karnchang"/>
+            </a:endParaRPr>
+          </a:p>
+        </p:txBody>
+      </p:sp>
+    </p:spTree>
+    <p:extLst>
+      <p:ext uri="{BB962C8B-B14F-4D97-AF65-F5344CB8AC3E}">
+        <p14:creationId xmlns:p14="http://schemas.microsoft.com/office/powerpoint/2010/main" val="277384971"/>
+      </p:ext>
+    </p:extLst>
+  </p:cSld>
+  <p:clrMapOvr>
+    <a:masterClrMapping/>
+  </p:clrMapOvr>
+  <p:timing>
+    <p:tnLst>
+      <p:par>
+        <p:cTn id="1" dur="indefinite" restart="never" nodeType="tmRoot"/>
+      </p:par>
+    </p:tnLst>
+  </p:timing>
+</p:sld>
+</file>
+
+<file path=ppt/slides/slide39.xml><?xml version="1.0" encoding="utf-8"?>
+<p:sld xmlns:a="http://schemas.openxmlformats.org/drawingml/2006/main" xmlns:r="http://schemas.openxmlformats.org/officeDocument/2006/relationships" xmlns:p="http://schemas.openxmlformats.org/presentationml/2006/main">
+  <p:cSld>
+    <p:bg>
+      <p:bgPr>
+        <a:solidFill>
+          <a:srgbClr val="E6EAEF"/>
+        </a:solidFill>
+        <a:effectLst/>
+      </p:bgPr>
+    </p:bg>
+    <p:spTree>
+      <p:nvGrpSpPr>
+        <p:cNvPr id="1" name=""/>
+        <p:cNvGrpSpPr/>
+        <p:nvPr/>
+      </p:nvGrpSpPr>
+      <p:grpSpPr>
+        <a:xfrm>
+          <a:off x="0" y="0"/>
+          <a:ext cx="0" cy="0"/>
+          <a:chOff x="0" y="0"/>
+          <a:chExt cx="0" cy="0"/>
+        </a:xfrm>
+      </p:grpSpPr>
+      <p:grpSp>
+        <p:nvGrpSpPr>
+          <p:cNvPr id="2" name="Group 2"/>
+          <p:cNvGrpSpPr/>
+          <p:nvPr/>
+        </p:nvGrpSpPr>
+        <p:grpSpPr>
+          <a:xfrm>
             <a:off x="787067" y="592941"/>
             <a:ext cx="16713866" cy="9101117"/>
             <a:chOff x="0" y="0"/>
@@ -36398,7 +39760,7 @@
               <a:blip r:embed="rId2">
                 <a:extLst>
                   <a:ext uri="{96DAC541-7B7A-43D3-8B79-37D633B846F1}">
-                    <asvg:svgBlip xmlns="" xmlns:asvg="http://schemas.microsoft.com/office/drawing/2016/SVG/main" r:embed="rId3"/>
+                    <asvg:svgBlip xmlns:asvg="http://schemas.microsoft.com/office/drawing/2016/SVG/main" xmlns="" r:embed="rId3"/>
                   </a:ext>
                 </a:extLst>
               </a:blip>
@@ -36655,7 +40017,7 @@
               <a:blip r:embed="rId2">
                 <a:extLst>
                   <a:ext uri="{96DAC541-7B7A-43D3-8B79-37D633B846F1}">
-                    <asvg:svgBlip xmlns="" xmlns:asvg="http://schemas.microsoft.com/office/drawing/2016/SVG/main" r:embed="rId3"/>
+                    <asvg:svgBlip xmlns:asvg="http://schemas.microsoft.com/office/drawing/2016/SVG/main" xmlns="" r:embed="rId3"/>
                   </a:ext>
                 </a:extLst>
               </a:blip>
@@ -36919,7 +40281,7 @@
               <a:blip r:embed="rId2">
                 <a:extLst>
                   <a:ext uri="{96DAC541-7B7A-43D3-8B79-37D633B846F1}">
-                    <asvg:svgBlip xmlns="" xmlns:asvg="http://schemas.microsoft.com/office/drawing/2016/SVG/main" r:embed="rId3"/>
+                    <asvg:svgBlip xmlns:asvg="http://schemas.microsoft.com/office/drawing/2016/SVG/main" xmlns="" r:embed="rId3"/>
                   </a:ext>
                 </a:extLst>
               </a:blip>
@@ -37318,7 +40680,7 @@
               <a:blip r:embed="rId2">
                 <a:extLst>
                   <a:ext uri="{96DAC541-7B7A-43D3-8B79-37D633B846F1}">
-                    <asvg:svgBlip xmlns="" xmlns:asvg="http://schemas.microsoft.com/office/drawing/2016/SVG/main" r:embed="rId3"/>
+                    <asvg:svgBlip xmlns:asvg="http://schemas.microsoft.com/office/drawing/2016/SVG/main" xmlns="" r:embed="rId3"/>
                   </a:ext>
                 </a:extLst>
               </a:blip>

--- a/junior-web-dev.pptx
+++ b/junior-web-dev.pptx
@@ -26,42 +26,43 @@
     <p:sldId id="275" r:id="rId20"/>
     <p:sldId id="276" r:id="rId21"/>
     <p:sldId id="277" r:id="rId22"/>
-    <p:sldId id="279" r:id="rId23"/>
-    <p:sldId id="280" r:id="rId24"/>
-    <p:sldId id="281" r:id="rId25"/>
-    <p:sldId id="282" r:id="rId26"/>
-    <p:sldId id="283" r:id="rId27"/>
-    <p:sldId id="284" r:id="rId28"/>
-    <p:sldId id="285" r:id="rId29"/>
-    <p:sldId id="286" r:id="rId30"/>
-    <p:sldId id="287" r:id="rId31"/>
-    <p:sldId id="288" r:id="rId32"/>
-    <p:sldId id="289" r:id="rId33"/>
-    <p:sldId id="290" r:id="rId34"/>
-    <p:sldId id="291" r:id="rId35"/>
-    <p:sldId id="292" r:id="rId36"/>
-    <p:sldId id="293" r:id="rId37"/>
-    <p:sldId id="294" r:id="rId38"/>
-    <p:sldId id="295" r:id="rId39"/>
-    <p:sldId id="260" r:id="rId40"/>
+    <p:sldId id="296" r:id="rId23"/>
+    <p:sldId id="279" r:id="rId24"/>
+    <p:sldId id="280" r:id="rId25"/>
+    <p:sldId id="281" r:id="rId26"/>
+    <p:sldId id="282" r:id="rId27"/>
+    <p:sldId id="283" r:id="rId28"/>
+    <p:sldId id="284" r:id="rId29"/>
+    <p:sldId id="285" r:id="rId30"/>
+    <p:sldId id="286" r:id="rId31"/>
+    <p:sldId id="287" r:id="rId32"/>
+    <p:sldId id="288" r:id="rId33"/>
+    <p:sldId id="289" r:id="rId34"/>
+    <p:sldId id="290" r:id="rId35"/>
+    <p:sldId id="291" r:id="rId36"/>
+    <p:sldId id="292" r:id="rId37"/>
+    <p:sldId id="293" r:id="rId38"/>
+    <p:sldId id="294" r:id="rId39"/>
+    <p:sldId id="295" r:id="rId40"/>
+    <p:sldId id="260" r:id="rId41"/>
   </p:sldIdLst>
   <p:sldSz cx="18288000" cy="10287000"/>
   <p:notesSz cx="6858000" cy="9144000"/>
   <p:embeddedFontLst>
     <p:embeddedFont>
       <p:font typeface="Karnchang Bold" panose="020B0604020202020204" charset="-34"/>
-      <p:regular r:id="rId41"/>
+      <p:regular r:id="rId42"/>
     </p:embeddedFont>
     <p:embeddedFont>
       <p:font typeface="Calibri" panose="020F0502020204030204" pitchFamily="34" charset="0"/>
-      <p:regular r:id="rId42"/>
-      <p:bold r:id="rId43"/>
-      <p:italic r:id="rId44"/>
-      <p:boldItalic r:id="rId45"/>
+      <p:regular r:id="rId43"/>
+      <p:bold r:id="rId44"/>
+      <p:italic r:id="rId45"/>
+      <p:boldItalic r:id="rId46"/>
     </p:embeddedFont>
     <p:embeddedFont>
       <p:font typeface="Karnchang" panose="020B0604020202020204" charset="-34"/>
-      <p:regular r:id="rId46"/>
+      <p:regular r:id="rId47"/>
     </p:embeddedFont>
   </p:embeddedFontLst>
   <p:defaultTextStyle>
@@ -7642,7 +7643,7 @@
             <a:blip r:embed="rId2">
               <a:extLst>
                 <a:ext uri="{96DAC541-7B7A-43D3-8B79-37D633B846F1}">
-                  <asvg:svgBlip xmlns:asvg="http://schemas.microsoft.com/office/drawing/2016/SVG/main" xmlns="" r:embed="rId3"/>
+                  <asvg:svgBlip xmlns="" xmlns:asvg="http://schemas.microsoft.com/office/drawing/2016/SVG/main" r:embed="rId3"/>
                 </a:ext>
               </a:extLst>
             </a:blip>
@@ -11774,7 +11775,7 @@
               <a:blip r:embed="rId2">
                 <a:extLst>
                   <a:ext uri="{96DAC541-7B7A-43D3-8B79-37D633B846F1}">
-                    <asvg:svgBlip xmlns:asvg="http://schemas.microsoft.com/office/drawing/2016/SVG/main" xmlns="" r:embed="rId3"/>
+                    <asvg:svgBlip xmlns="" xmlns:asvg="http://schemas.microsoft.com/office/drawing/2016/SVG/main" r:embed="rId3"/>
                   </a:ext>
                 </a:extLst>
               </a:blip>
@@ -11998,7 +11999,7 @@
               <a:blip r:embed="rId2">
                 <a:extLst>
                   <a:ext uri="{96DAC541-7B7A-43D3-8B79-37D633B846F1}">
-                    <asvg:svgBlip xmlns:asvg="http://schemas.microsoft.com/office/drawing/2016/SVG/main" xmlns="" r:embed="rId3"/>
+                    <asvg:svgBlip xmlns="" xmlns:asvg="http://schemas.microsoft.com/office/drawing/2016/SVG/main" r:embed="rId3"/>
                   </a:ext>
                 </a:extLst>
               </a:blip>
@@ -12223,7 +12224,7 @@
               <a:blip r:embed="rId2">
                 <a:extLst>
                   <a:ext uri="{96DAC541-7B7A-43D3-8B79-37D633B846F1}">
-                    <asvg:svgBlip xmlns:asvg="http://schemas.microsoft.com/office/drawing/2016/SVG/main" xmlns="" r:embed="rId3"/>
+                    <asvg:svgBlip xmlns="" xmlns:asvg="http://schemas.microsoft.com/office/drawing/2016/SVG/main" r:embed="rId3"/>
                   </a:ext>
                 </a:extLst>
               </a:blip>
@@ -12414,7 +12415,7 @@
               <a:blip r:embed="rId2">
                 <a:extLst>
                   <a:ext uri="{96DAC541-7B7A-43D3-8B79-37D633B846F1}">
-                    <asvg:svgBlip xmlns:asvg="http://schemas.microsoft.com/office/drawing/2016/SVG/main" xmlns="" r:embed="rId3"/>
+                    <asvg:svgBlip xmlns="" xmlns:asvg="http://schemas.microsoft.com/office/drawing/2016/SVG/main" r:embed="rId3"/>
                   </a:ext>
                 </a:extLst>
               </a:blip>
@@ -13328,7 +13329,7 @@
             <a:blip r:embed="rId2">
               <a:extLst>
                 <a:ext uri="{96DAC541-7B7A-43D3-8B79-37D633B846F1}">
-                  <asvg:svgBlip xmlns:asvg="http://schemas.microsoft.com/office/drawing/2016/SVG/main" xmlns="" r:embed="rId3"/>
+                  <asvg:svgBlip xmlns="" xmlns:asvg="http://schemas.microsoft.com/office/drawing/2016/SVG/main" r:embed="rId3"/>
                 </a:ext>
               </a:extLst>
             </a:blip>
@@ -19628,384 +19629,10 @@
           </p:sp>
         </p:grpSp>
       </p:grpSp>
-      <p:sp>
-        <p:nvSpPr>
-          <p:cNvPr id="25" name="Freeform 25"/>
-          <p:cNvSpPr/>
-          <p:nvPr/>
-        </p:nvSpPr>
-        <p:spPr>
-          <a:xfrm>
-            <a:off x="1637652" y="1448162"/>
-            <a:ext cx="659308" cy="659308"/>
-          </a:xfrm>
-          <a:custGeom>
-            <a:avLst/>
-            <a:gdLst/>
-            <a:ahLst/>
-            <a:cxnLst/>
-            <a:rect l="l" t="t" r="r" b="b"/>
-            <a:pathLst>
-              <a:path w="659308" h="659308">
-                <a:moveTo>
-                  <a:pt x="0" y="0"/>
-                </a:moveTo>
-                <a:lnTo>
-                  <a:pt x="659307" y="0"/>
-                </a:lnTo>
-                <a:lnTo>
-                  <a:pt x="659307" y="659308"/>
-                </a:lnTo>
-                <a:lnTo>
-                  <a:pt x="0" y="659308"/>
-                </a:lnTo>
-                <a:lnTo>
-                  <a:pt x="0" y="0"/>
-                </a:lnTo>
-                <a:close/>
-              </a:path>
-            </a:pathLst>
-          </a:custGeom>
-          <a:blipFill>
-            <a:blip r:embed="rId2">
-              <a:extLst>
-                <a:ext uri="{96DAC541-7B7A-43D3-8B79-37D633B846F1}">
-                  <asvg:svgBlip xmlns:asvg="http://schemas.microsoft.com/office/drawing/2016/SVG/main" xmlns="" r:embed="rId3"/>
-                </a:ext>
-              </a:extLst>
-            </a:blip>
-            <a:stretch>
-              <a:fillRect/>
-            </a:stretch>
-          </a:blipFill>
-        </p:spPr>
-      </p:sp>
-      <p:sp>
-        <p:nvSpPr>
-          <p:cNvPr id="26" name="TextBox 26"/>
-          <p:cNvSpPr txBox="1"/>
-          <p:nvPr/>
-        </p:nvSpPr>
-        <p:spPr>
-          <a:xfrm>
-            <a:off x="2485112" y="1632981"/>
-            <a:ext cx="12221487" cy="474489"/>
-          </a:xfrm>
-          <a:prstGeom prst="rect">
-            <a:avLst/>
-          </a:prstGeom>
-        </p:spPr>
-        <p:txBody>
-          <a:bodyPr wrap="square" lIns="0" tIns="0" rIns="0" bIns="0" rtlCol="0" anchor="t">
-            <a:spAutoFit/>
-          </a:bodyPr>
-          <a:lstStyle/>
-          <a:p>
-            <a:pPr>
-              <a:lnSpc>
-                <a:spcPts val="3680"/>
-              </a:lnSpc>
-            </a:pPr>
-            <a:r>
-              <a:rPr lang="en-US" sz="4000" dirty="0">
-                <a:solidFill>
-                  <a:srgbClr val="000000"/>
-                </a:solidFill>
-                <a:latin typeface="Karnchang Bold"/>
-              </a:rPr>
-              <a:t>Mengimplementasikan </a:t>
-            </a:r>
-            <a:r>
-              <a:rPr lang="en-US" sz="4000" dirty="0" err="1">
-                <a:solidFill>
-                  <a:srgbClr val="000000"/>
-                </a:solidFill>
-                <a:latin typeface="Karnchang Bold"/>
-              </a:rPr>
-              <a:t>Pemrograman</a:t>
-            </a:r>
-            <a:r>
-              <a:rPr lang="en-US" sz="4000" dirty="0">
-                <a:solidFill>
-                  <a:srgbClr val="000000"/>
-                </a:solidFill>
-                <a:latin typeface="Karnchang Bold"/>
-              </a:rPr>
-              <a:t> </a:t>
-            </a:r>
-            <a:r>
-              <a:rPr lang="en-US" sz="4000" dirty="0" err="1">
-                <a:solidFill>
-                  <a:srgbClr val="000000"/>
-                </a:solidFill>
-                <a:latin typeface="Karnchang Bold"/>
-              </a:rPr>
-              <a:t>Terstruktur</a:t>
-            </a:r>
-            <a:endParaRPr lang="en-US" sz="4000" dirty="0">
-              <a:solidFill>
-                <a:srgbClr val="000000"/>
-              </a:solidFill>
-              <a:latin typeface="Karnchang Bold"/>
-            </a:endParaRPr>
-          </a:p>
-        </p:txBody>
-      </p:sp>
-      <p:sp>
-        <p:nvSpPr>
-          <p:cNvPr id="27" name="TextBox 27"/>
-          <p:cNvSpPr txBox="1"/>
-          <p:nvPr/>
-        </p:nvSpPr>
-        <p:spPr>
-          <a:xfrm>
-            <a:off x="2485112" y="3864068"/>
-            <a:ext cx="13337117" cy="1926618"/>
-          </a:xfrm>
-          <a:prstGeom prst="rect">
-            <a:avLst/>
-          </a:prstGeom>
-        </p:spPr>
-        <p:txBody>
-          <a:bodyPr lIns="0" tIns="0" rIns="0" bIns="0" rtlCol="0" anchor="t">
-            <a:spAutoFit/>
-          </a:bodyPr>
-          <a:lstStyle/>
-          <a:p>
-            <a:pPr>
-              <a:lnSpc>
-                <a:spcPts val="3779"/>
-              </a:lnSpc>
-            </a:pPr>
-            <a:r>
-              <a:rPr lang="en-US" sz="2800" dirty="0" err="1"/>
-              <a:t>Pemrograman</a:t>
-            </a:r>
-            <a:r>
-              <a:rPr lang="en-US" sz="2800" dirty="0"/>
-              <a:t> </a:t>
-            </a:r>
-            <a:r>
-              <a:rPr lang="en-US" sz="2800" dirty="0" err="1"/>
-              <a:t>terstruktur</a:t>
-            </a:r>
-            <a:r>
-              <a:rPr lang="en-US" sz="2800" dirty="0"/>
-              <a:t> </a:t>
-            </a:r>
-            <a:r>
-              <a:rPr lang="en-US" sz="2800" dirty="0" err="1"/>
-              <a:t>adalah</a:t>
-            </a:r>
-            <a:r>
-              <a:rPr lang="en-US" sz="2800" dirty="0"/>
-              <a:t> </a:t>
-            </a:r>
-            <a:r>
-              <a:rPr lang="en-US" sz="2800" dirty="0" err="1"/>
-              <a:t>konsep</a:t>
-            </a:r>
-            <a:r>
-              <a:rPr lang="en-US" sz="2800" dirty="0"/>
-              <a:t> yang </a:t>
-            </a:r>
-            <a:r>
-              <a:rPr lang="en-US" sz="2800" dirty="0" err="1"/>
-              <a:t>penting</a:t>
-            </a:r>
-            <a:r>
-              <a:rPr lang="en-US" sz="2800" dirty="0"/>
-              <a:t> </a:t>
-            </a:r>
-            <a:r>
-              <a:rPr lang="en-US" sz="2800" dirty="0" err="1"/>
-              <a:t>dalam</a:t>
-            </a:r>
-            <a:r>
-              <a:rPr lang="en-US" sz="2800" dirty="0"/>
-              <a:t> </a:t>
-            </a:r>
-            <a:r>
-              <a:rPr lang="en-US" sz="2800" dirty="0" err="1"/>
-              <a:t>pengembangan</a:t>
-            </a:r>
-            <a:r>
-              <a:rPr lang="en-US" sz="2800" dirty="0"/>
-              <a:t> </a:t>
-            </a:r>
-            <a:r>
-              <a:rPr lang="en-US" sz="2800" dirty="0" err="1"/>
-              <a:t>perangkat</a:t>
-            </a:r>
-            <a:r>
-              <a:rPr lang="en-US" sz="2800" dirty="0"/>
-              <a:t> </a:t>
-            </a:r>
-            <a:r>
-              <a:rPr lang="en-US" sz="2800" dirty="0" err="1"/>
-              <a:t>lunak</a:t>
-            </a:r>
-            <a:r>
-              <a:rPr lang="en-US" sz="2800" dirty="0"/>
-              <a:t> </a:t>
-            </a:r>
-            <a:r>
-              <a:rPr lang="en-US" sz="2800" dirty="0" err="1"/>
-              <a:t>untuk</a:t>
-            </a:r>
-            <a:r>
-              <a:rPr lang="en-US" sz="2800" dirty="0"/>
-              <a:t> </a:t>
-            </a:r>
-            <a:r>
-              <a:rPr lang="en-US" sz="2800" dirty="0" err="1"/>
-              <a:t>memastikan</a:t>
-            </a:r>
-            <a:r>
-              <a:rPr lang="en-US" sz="2800" dirty="0"/>
-              <a:t> </a:t>
-            </a:r>
-            <a:r>
-              <a:rPr lang="en-US" sz="2800" dirty="0" err="1"/>
-              <a:t>kode</a:t>
-            </a:r>
-            <a:r>
-              <a:rPr lang="en-US" sz="2800" dirty="0"/>
-              <a:t> </a:t>
-            </a:r>
-            <a:r>
-              <a:rPr lang="en-US" sz="2800" dirty="0" err="1"/>
-              <a:t>kita</a:t>
-            </a:r>
-            <a:r>
-              <a:rPr lang="en-US" sz="2800" dirty="0"/>
-              <a:t> </a:t>
-            </a:r>
-            <a:r>
-              <a:rPr lang="en-US" sz="2800" dirty="0" err="1"/>
-              <a:t>mudah</a:t>
-            </a:r>
-            <a:r>
-              <a:rPr lang="en-US" sz="2800" dirty="0"/>
-              <a:t> </a:t>
-            </a:r>
-            <a:r>
-              <a:rPr lang="en-US" sz="2800" dirty="0" err="1"/>
-              <a:t>dimengerti</a:t>
-            </a:r>
-            <a:r>
-              <a:rPr lang="en-US" sz="2800" dirty="0"/>
-              <a:t>, </a:t>
-            </a:r>
-            <a:r>
-              <a:rPr lang="en-US" sz="2800" dirty="0" err="1"/>
-              <a:t>dipelihara</a:t>
-            </a:r>
-            <a:r>
-              <a:rPr lang="en-US" sz="2800" dirty="0"/>
-              <a:t>, </a:t>
-            </a:r>
-            <a:r>
-              <a:rPr lang="en-US" sz="2800" dirty="0" err="1"/>
-              <a:t>dan</a:t>
-            </a:r>
-            <a:r>
-              <a:rPr lang="en-US" sz="2800" dirty="0"/>
-              <a:t> </a:t>
-            </a:r>
-            <a:r>
-              <a:rPr lang="en-US" sz="2800" dirty="0" err="1"/>
-              <a:t>diperluas</a:t>
-            </a:r>
-            <a:r>
-              <a:rPr lang="en-US" sz="2800" dirty="0"/>
-              <a:t>. Mari </a:t>
-            </a:r>
-            <a:r>
-              <a:rPr lang="en-US" sz="2800" dirty="0" err="1"/>
-              <a:t>kita</a:t>
-            </a:r>
-            <a:r>
-              <a:rPr lang="en-US" sz="2800" dirty="0"/>
-              <a:t> </a:t>
-            </a:r>
-            <a:r>
-              <a:rPr lang="en-US" sz="2800" dirty="0" err="1"/>
-              <a:t>lihat</a:t>
-            </a:r>
-            <a:r>
-              <a:rPr lang="en-US" sz="2800" dirty="0"/>
-              <a:t> </a:t>
-            </a:r>
-            <a:r>
-              <a:rPr lang="en-US" sz="2800" dirty="0" err="1"/>
-              <a:t>bagaimana</a:t>
-            </a:r>
-            <a:r>
-              <a:rPr lang="en-US" sz="2800" dirty="0"/>
-              <a:t> </a:t>
-            </a:r>
-            <a:r>
-              <a:rPr lang="en-US" sz="2800" dirty="0" err="1"/>
-              <a:t>cara</a:t>
-            </a:r>
-            <a:r>
-              <a:rPr lang="en-US" sz="2800" dirty="0"/>
-              <a:t> </a:t>
-            </a:r>
-            <a:r>
-              <a:rPr lang="en-US" sz="2800" dirty="0" err="1"/>
-              <a:t>mengimplementasikan</a:t>
-            </a:r>
-            <a:r>
-              <a:rPr lang="en-US" sz="2800" dirty="0"/>
-              <a:t> </a:t>
-            </a:r>
-            <a:r>
-              <a:rPr lang="en-US" sz="2800" dirty="0" err="1"/>
-              <a:t>pemrograman</a:t>
-            </a:r>
-            <a:r>
-              <a:rPr lang="en-US" sz="2800" dirty="0"/>
-              <a:t> </a:t>
-            </a:r>
-            <a:r>
-              <a:rPr lang="en-US" sz="2800" dirty="0" err="1"/>
-              <a:t>terstruktur</a:t>
-            </a:r>
-            <a:r>
-              <a:rPr lang="en-US" sz="2800" dirty="0"/>
-              <a:t> </a:t>
-            </a:r>
-            <a:r>
-              <a:rPr lang="en-US" sz="2800" dirty="0" err="1"/>
-              <a:t>menggunakan</a:t>
-            </a:r>
-            <a:r>
-              <a:rPr lang="en-US" sz="2800" dirty="0"/>
-              <a:t> PHP, HTML, </a:t>
-            </a:r>
-            <a:r>
-              <a:rPr lang="en-US" sz="2800" dirty="0" err="1"/>
-              <a:t>dan</a:t>
-            </a:r>
-            <a:r>
-              <a:rPr lang="en-US" sz="2800" dirty="0"/>
-              <a:t> JavaScript.</a:t>
-            </a:r>
-            <a:endParaRPr lang="en-US" sz="2700" dirty="0">
-              <a:solidFill>
-                <a:srgbClr val="000000"/>
-              </a:solidFill>
-              <a:latin typeface="Karnchang"/>
-            </a:endParaRPr>
-          </a:p>
-        </p:txBody>
-      </p:sp>
     </p:spTree>
     <p:extLst>
       <p:ext uri="{BB962C8B-B14F-4D97-AF65-F5344CB8AC3E}">
-        <p14:creationId xmlns:p14="http://schemas.microsoft.com/office/powerpoint/2010/main" val="4195019361"/>
+        <p14:creationId xmlns:p14="http://schemas.microsoft.com/office/powerpoint/2010/main" val="1913984265"/>
       </p:ext>
     </p:extLst>
   </p:cSld>
@@ -20723,14 +20350,66 @@
       </p:grpSp>
       <p:sp>
         <p:nvSpPr>
-          <p:cNvPr id="28" name="TextBox 28"/>
+          <p:cNvPr id="25" name="Freeform 25"/>
+          <p:cNvSpPr/>
+          <p:nvPr/>
+        </p:nvSpPr>
+        <p:spPr>
+          <a:xfrm>
+            <a:off x="1637652" y="1448162"/>
+            <a:ext cx="659308" cy="659308"/>
+          </a:xfrm>
+          <a:custGeom>
+            <a:avLst/>
+            <a:gdLst/>
+            <a:ahLst/>
+            <a:cxnLst/>
+            <a:rect l="l" t="t" r="r" b="b"/>
+            <a:pathLst>
+              <a:path w="659308" h="659308">
+                <a:moveTo>
+                  <a:pt x="0" y="0"/>
+                </a:moveTo>
+                <a:lnTo>
+                  <a:pt x="659307" y="0"/>
+                </a:lnTo>
+                <a:lnTo>
+                  <a:pt x="659307" y="659308"/>
+                </a:lnTo>
+                <a:lnTo>
+                  <a:pt x="0" y="659308"/>
+                </a:lnTo>
+                <a:lnTo>
+                  <a:pt x="0" y="0"/>
+                </a:lnTo>
+                <a:close/>
+              </a:path>
+            </a:pathLst>
+          </a:custGeom>
+          <a:blipFill>
+            <a:blip r:embed="rId2">
+              <a:extLst>
+                <a:ext uri="{96DAC541-7B7A-43D3-8B79-37D633B846F1}">
+                  <asvg:svgBlip xmlns="" xmlns:asvg="http://schemas.microsoft.com/office/drawing/2016/SVG/main" r:embed="rId3"/>
+                </a:ext>
+              </a:extLst>
+            </a:blip>
+            <a:stretch>
+              <a:fillRect/>
+            </a:stretch>
+          </a:blipFill>
+        </p:spPr>
+      </p:sp>
+      <p:sp>
+        <p:nvSpPr>
+          <p:cNvPr id="26" name="TextBox 26"/>
           <p:cNvSpPr txBox="1"/>
           <p:nvPr/>
         </p:nvSpPr>
         <p:spPr>
           <a:xfrm>
-            <a:off x="2051070" y="1716994"/>
-            <a:ext cx="14490335" cy="369332"/>
+            <a:off x="2485112" y="1632981"/>
+            <a:ext cx="12221487" cy="474489"/>
           </a:xfrm>
           <a:prstGeom prst="rect">
             <a:avLst/>
@@ -20742,703 +20421,311 @@
           </a:bodyPr>
           <a:lstStyle/>
           <a:p>
-            <a:r>
-              <a:rPr lang="en-US" sz="2400" b="1" dirty="0" err="1"/>
-              <a:t>Pisahkan</a:t>
-            </a:r>
-            <a:r>
-              <a:rPr lang="en-US" sz="2400" b="1" dirty="0"/>
-              <a:t> </a:t>
-            </a:r>
-            <a:r>
-              <a:rPr lang="en-US" sz="2400" b="1" dirty="0" err="1"/>
-              <a:t>logika</a:t>
-            </a:r>
-            <a:r>
-              <a:rPr lang="en-US" sz="2400" b="1" dirty="0"/>
-              <a:t> </a:t>
-            </a:r>
-            <a:r>
-              <a:rPr lang="en-US" sz="2400" b="1" dirty="0" err="1"/>
-              <a:t>bisnis</a:t>
-            </a:r>
-            <a:r>
-              <a:rPr lang="en-US" sz="2400" b="1" dirty="0"/>
-              <a:t> </a:t>
-            </a:r>
-            <a:r>
-              <a:rPr lang="en-US" sz="2400" b="1" dirty="0" err="1"/>
-              <a:t>dari</a:t>
-            </a:r>
-            <a:r>
-              <a:rPr lang="en-US" sz="2400" b="1" dirty="0"/>
-              <a:t> </a:t>
-            </a:r>
-            <a:r>
-              <a:rPr lang="en-US" sz="2400" b="1" dirty="0" err="1"/>
-              <a:t>presentasi</a:t>
-            </a:r>
-            <a:r>
-              <a:rPr lang="en-US" sz="2400" b="1" dirty="0"/>
-              <a:t> (HTML).</a:t>
-            </a:r>
-            <a:endParaRPr lang="en-US" sz="2400" b="1" dirty="0" smtClean="0"/>
+            <a:pPr>
+              <a:lnSpc>
+                <a:spcPts val="3680"/>
+              </a:lnSpc>
+            </a:pPr>
+            <a:r>
+              <a:rPr lang="en-US" sz="4000" dirty="0">
+                <a:solidFill>
+                  <a:srgbClr val="000000"/>
+                </a:solidFill>
+                <a:latin typeface="Karnchang Bold"/>
+              </a:rPr>
+              <a:t>Mengimplementasikan </a:t>
+            </a:r>
+            <a:r>
+              <a:rPr lang="en-US" sz="4000" dirty="0" err="1">
+                <a:solidFill>
+                  <a:srgbClr val="000000"/>
+                </a:solidFill>
+                <a:latin typeface="Karnchang Bold"/>
+              </a:rPr>
+              <a:t>Pemrograman</a:t>
+            </a:r>
+            <a:r>
+              <a:rPr lang="en-US" sz="4000" dirty="0">
+                <a:solidFill>
+                  <a:srgbClr val="000000"/>
+                </a:solidFill>
+                <a:latin typeface="Karnchang Bold"/>
+              </a:rPr>
+              <a:t> </a:t>
+            </a:r>
+            <a:r>
+              <a:rPr lang="en-US" sz="4000" dirty="0" err="1">
+                <a:solidFill>
+                  <a:srgbClr val="000000"/>
+                </a:solidFill>
+                <a:latin typeface="Karnchang Bold"/>
+              </a:rPr>
+              <a:t>Terstruktur</a:t>
+            </a:r>
+            <a:endParaRPr lang="en-US" sz="4000" dirty="0">
+              <a:solidFill>
+                <a:srgbClr val="000000"/>
+              </a:solidFill>
+              <a:latin typeface="Karnchang Bold"/>
+            </a:endParaRPr>
           </a:p>
         </p:txBody>
       </p:sp>
       <p:sp>
         <p:nvSpPr>
-          <p:cNvPr id="29" name="TextBox 28"/>
+          <p:cNvPr id="27" name="TextBox 27"/>
           <p:cNvSpPr txBox="1"/>
           <p:nvPr/>
         </p:nvSpPr>
         <p:spPr>
           <a:xfrm>
-            <a:off x="2051070" y="2400300"/>
-            <a:ext cx="14490335" cy="1846659"/>
+            <a:off x="2485112" y="3864068"/>
+            <a:ext cx="13337117" cy="1926618"/>
           </a:xfrm>
           <a:prstGeom prst="rect">
             <a:avLst/>
           </a:prstGeom>
         </p:spPr>
         <p:txBody>
-          <a:bodyPr wrap="square" lIns="0" tIns="0" rIns="0" bIns="0" rtlCol="0" anchor="t">
+          <a:bodyPr lIns="0" tIns="0" rIns="0" bIns="0" rtlCol="0" anchor="t">
             <a:spAutoFit/>
           </a:bodyPr>
           <a:lstStyle/>
           <a:p>
-            <a:r>
-              <a:rPr lang="en-US" sz="2400" dirty="0" smtClean="0"/>
-              <a:t>	</a:t>
-            </a:r>
-            <a:r>
-              <a:rPr lang="en-US" sz="2400" dirty="0" err="1" smtClean="0"/>
-              <a:t>Memisahkan</a:t>
-            </a:r>
-            <a:r>
-              <a:rPr lang="en-US" sz="2400" dirty="0" smtClean="0"/>
-              <a:t> </a:t>
-            </a:r>
-            <a:r>
-              <a:rPr lang="en-US" sz="2400" dirty="0" err="1"/>
-              <a:t>logika</a:t>
-            </a:r>
-            <a:r>
-              <a:rPr lang="en-US" sz="2400" dirty="0"/>
-              <a:t> </a:t>
-            </a:r>
-            <a:r>
-              <a:rPr lang="en-US" sz="2400" dirty="0" err="1"/>
-              <a:t>bisnis</a:t>
-            </a:r>
-            <a:r>
-              <a:rPr lang="en-US" sz="2400" dirty="0"/>
-              <a:t> </a:t>
-            </a:r>
-            <a:r>
-              <a:rPr lang="en-US" sz="2400" dirty="0" err="1"/>
-              <a:t>dari</a:t>
-            </a:r>
-            <a:r>
-              <a:rPr lang="en-US" sz="2400" dirty="0"/>
-              <a:t> </a:t>
-            </a:r>
-            <a:r>
-              <a:rPr lang="en-US" sz="2400" dirty="0" err="1"/>
-              <a:t>presentasi</a:t>
-            </a:r>
-            <a:r>
-              <a:rPr lang="en-US" sz="2400" dirty="0"/>
-              <a:t> (HTML) </a:t>
-            </a:r>
-            <a:r>
-              <a:rPr lang="en-US" sz="2400" dirty="0" err="1"/>
+            <a:pPr>
+              <a:lnSpc>
+                <a:spcPts val="3779"/>
+              </a:lnSpc>
+            </a:pPr>
+            <a:r>
+              <a:rPr lang="en-US" sz="2800" dirty="0" err="1"/>
+              <a:t>Pemrograman</a:t>
+            </a:r>
+            <a:r>
+              <a:rPr lang="en-US" sz="2800" dirty="0"/>
+              <a:t> </a:t>
+            </a:r>
+            <a:r>
+              <a:rPr lang="en-US" sz="2800" dirty="0" err="1"/>
+              <a:t>terstruktur</a:t>
+            </a:r>
+            <a:r>
+              <a:rPr lang="en-US" sz="2800" dirty="0"/>
+              <a:t> </a:t>
+            </a:r>
+            <a:r>
+              <a:rPr lang="en-US" sz="2800" dirty="0" err="1"/>
               <a:t>adalah</a:t>
             </a:r>
             <a:r>
-              <a:rPr lang="en-US" sz="2400" dirty="0"/>
-              <a:t> </a:t>
-            </a:r>
-            <a:r>
-              <a:rPr lang="en-US" sz="2400" dirty="0" err="1"/>
-              <a:t>praktik</a:t>
-            </a:r>
-            <a:r>
-              <a:rPr lang="en-US" sz="2400" dirty="0"/>
+              <a:rPr lang="en-US" sz="2800" dirty="0"/>
+              <a:t> </a:t>
+            </a:r>
+            <a:r>
+              <a:rPr lang="en-US" sz="2800" dirty="0" err="1"/>
+              <a:t>konsep</a:t>
+            </a:r>
+            <a:r>
+              <a:rPr lang="en-US" sz="2800" dirty="0"/>
               <a:t> yang </a:t>
             </a:r>
             <a:r>
-              <a:rPr lang="en-US" sz="2400" dirty="0" err="1"/>
+              <a:rPr lang="en-US" sz="2800" dirty="0" err="1"/>
               <a:t>penting</a:t>
             </a:r>
             <a:r>
-              <a:rPr lang="en-US" sz="2400" dirty="0"/>
-              <a:t> </a:t>
-            </a:r>
-            <a:r>
-              <a:rPr lang="en-US" sz="2400" dirty="0" err="1"/>
+              <a:rPr lang="en-US" sz="2800" dirty="0"/>
+              <a:t> </a:t>
+            </a:r>
+            <a:r>
+              <a:rPr lang="en-US" sz="2800" dirty="0" err="1"/>
               <a:t>dalam</a:t>
             </a:r>
             <a:r>
-              <a:rPr lang="en-US" sz="2400" dirty="0"/>
-              <a:t> </a:t>
-            </a:r>
-            <a:r>
-              <a:rPr lang="en-US" sz="2400" dirty="0" err="1"/>
+              <a:rPr lang="en-US" sz="2800" dirty="0"/>
+              <a:t> </a:t>
+            </a:r>
+            <a:r>
+              <a:rPr lang="en-US" sz="2800" dirty="0" err="1"/>
               <a:t>pengembangan</a:t>
             </a:r>
             <a:r>
-              <a:rPr lang="en-US" sz="2400" dirty="0"/>
-              <a:t> web </a:t>
-            </a:r>
-            <a:r>
-              <a:rPr lang="en-US" sz="2400" dirty="0" err="1"/>
+              <a:rPr lang="en-US" sz="2800" dirty="0"/>
+              <a:t> </a:t>
+            </a:r>
+            <a:r>
+              <a:rPr lang="en-US" sz="2800" dirty="0" err="1"/>
+              <a:t>perangkat</a:t>
+            </a:r>
+            <a:r>
+              <a:rPr lang="en-US" sz="2800" dirty="0"/>
+              <a:t> </a:t>
+            </a:r>
+            <a:r>
+              <a:rPr lang="en-US" sz="2800" dirty="0" err="1"/>
+              <a:t>lunak</a:t>
+            </a:r>
+            <a:r>
+              <a:rPr lang="en-US" sz="2800" dirty="0"/>
+              <a:t> </a:t>
+            </a:r>
+            <a:r>
+              <a:rPr lang="en-US" sz="2800" dirty="0" err="1"/>
               <a:t>untuk</a:t>
             </a:r>
             <a:r>
-              <a:rPr lang="en-US" sz="2400" dirty="0"/>
-              <a:t> </a:t>
-            </a:r>
-            <a:r>
-              <a:rPr lang="en-US" sz="2400" dirty="0" err="1"/>
+              <a:rPr lang="en-US" sz="2800" dirty="0"/>
+              <a:t> </a:t>
+            </a:r>
+            <a:r>
+              <a:rPr lang="en-US" sz="2800" dirty="0" err="1"/>
               <a:t>memastikan</a:t>
             </a:r>
             <a:r>
-              <a:rPr lang="en-US" sz="2400" dirty="0"/>
-              <a:t> </a:t>
-            </a:r>
-            <a:r>
-              <a:rPr lang="en-US" sz="2400" dirty="0" err="1"/>
+              <a:rPr lang="en-US" sz="2800" dirty="0"/>
+              <a:t> </a:t>
+            </a:r>
+            <a:r>
+              <a:rPr lang="en-US" sz="2800" dirty="0" err="1"/>
               <a:t>kode</a:t>
             </a:r>
             <a:r>
-              <a:rPr lang="en-US" sz="2400" dirty="0"/>
-              <a:t> yang </a:t>
-            </a:r>
-            <a:r>
-              <a:rPr lang="en-US" sz="2400" dirty="0" err="1"/>
-              <a:t>lebih</a:t>
-            </a:r>
-            <a:r>
-              <a:rPr lang="en-US" sz="2400" dirty="0"/>
-              <a:t> </a:t>
-            </a:r>
-            <a:r>
-              <a:rPr lang="en-US" sz="2400" dirty="0" err="1"/>
-              <a:t>bersih</a:t>
-            </a:r>
-            <a:r>
-              <a:rPr lang="en-US" sz="2400" dirty="0"/>
+              <a:rPr lang="en-US" sz="2800" dirty="0"/>
+              <a:t> </a:t>
+            </a:r>
+            <a:r>
+              <a:rPr lang="en-US" sz="2800" dirty="0" err="1"/>
+              <a:t>kita</a:t>
+            </a:r>
+            <a:r>
+              <a:rPr lang="en-US" sz="2800" dirty="0"/>
+              <a:t> </a:t>
+            </a:r>
+            <a:r>
+              <a:rPr lang="en-US" sz="2800" dirty="0" err="1"/>
+              <a:t>mudah</a:t>
+            </a:r>
+            <a:r>
+              <a:rPr lang="en-US" sz="2800" dirty="0"/>
+              <a:t> </a:t>
+            </a:r>
+            <a:r>
+              <a:rPr lang="en-US" sz="2800" dirty="0" err="1"/>
+              <a:t>dimengerti</a:t>
+            </a:r>
+            <a:r>
+              <a:rPr lang="en-US" sz="2800" dirty="0"/>
               <a:t>, </a:t>
             </a:r>
             <a:r>
-              <a:rPr lang="en-US" sz="2400" dirty="0" err="1"/>
+              <a:rPr lang="en-US" sz="2800" dirty="0" err="1"/>
+              <a:t>dipelihara</a:t>
+            </a:r>
+            <a:r>
+              <a:rPr lang="en-US" sz="2800" dirty="0"/>
+              <a:t>, </a:t>
+            </a:r>
+            <a:r>
+              <a:rPr lang="en-US" sz="2800" dirty="0" err="1"/>
+              <a:t>dan</a:t>
+            </a:r>
+            <a:r>
+              <a:rPr lang="en-US" sz="2800" dirty="0"/>
+              <a:t> </a:t>
+            </a:r>
+            <a:r>
+              <a:rPr lang="en-US" sz="2800" dirty="0" err="1"/>
+              <a:t>diperluas</a:t>
+            </a:r>
+            <a:r>
+              <a:rPr lang="en-US" sz="2800" dirty="0"/>
+              <a:t>. Mari </a:t>
+            </a:r>
+            <a:r>
+              <a:rPr lang="en-US" sz="2800" dirty="0" err="1"/>
+              <a:t>kita</a:t>
+            </a:r>
+            <a:r>
+              <a:rPr lang="en-US" sz="2800" dirty="0"/>
+              <a:t> </a:t>
+            </a:r>
+            <a:r>
+              <a:rPr lang="en-US" sz="2800" dirty="0" err="1"/>
+              <a:t>lihat</a:t>
+            </a:r>
+            <a:r>
+              <a:rPr lang="en-US" sz="2800" dirty="0"/>
+              <a:t> </a:t>
+            </a:r>
+            <a:r>
+              <a:rPr lang="en-US" sz="2800" dirty="0" err="1"/>
+              <a:t>bagaimana</a:t>
+            </a:r>
+            <a:r>
+              <a:rPr lang="en-US" sz="2800" dirty="0"/>
+              <a:t> </a:t>
+            </a:r>
+            <a:r>
+              <a:rPr lang="en-US" sz="2800" dirty="0" err="1"/>
+              <a:t>cara</a:t>
+            </a:r>
+            <a:r>
+              <a:rPr lang="en-US" sz="2800" dirty="0"/>
+              <a:t> </a:t>
+            </a:r>
+            <a:r>
+              <a:rPr lang="en-US" sz="2800" dirty="0" err="1"/>
+              <a:t>mengimplementasikan</a:t>
+            </a:r>
+            <a:r>
+              <a:rPr lang="en-US" sz="2800" dirty="0"/>
+              <a:t> </a:t>
+            </a:r>
+            <a:r>
+              <a:rPr lang="en-US" sz="2800" dirty="0" err="1"/>
+              <a:t>pemrograman</a:t>
+            </a:r>
+            <a:r>
+              <a:rPr lang="en-US" sz="2800" dirty="0"/>
+              <a:t> </a:t>
+            </a:r>
+            <a:r>
+              <a:rPr lang="en-US" sz="2800" dirty="0" err="1"/>
               <a:t>terstruktur</a:t>
             </a:r>
             <a:r>
-              <a:rPr lang="en-US" sz="2400" dirty="0"/>
-              <a:t>, </a:t>
-            </a:r>
-            <a:r>
-              <a:rPr lang="en-US" sz="2400" dirty="0" err="1"/>
+              <a:rPr lang="en-US" sz="2800" dirty="0"/>
+              <a:t> </a:t>
+            </a:r>
+            <a:r>
+              <a:rPr lang="en-US" sz="2800" dirty="0" err="1"/>
+              <a:t>menggunakan</a:t>
+            </a:r>
+            <a:r>
+              <a:rPr lang="en-US" sz="2800" dirty="0"/>
+              <a:t> PHP, HTML, </a:t>
+            </a:r>
+            <a:r>
+              <a:rPr lang="en-US" sz="2800" dirty="0" err="1"/>
               <a:t>dan</a:t>
             </a:r>
             <a:r>
-              <a:rPr lang="en-US" sz="2400" dirty="0"/>
-              <a:t> </a:t>
-            </a:r>
-            <a:r>
-              <a:rPr lang="en-US" sz="2400" dirty="0" err="1"/>
-              <a:t>mudah</a:t>
-            </a:r>
-            <a:r>
-              <a:rPr lang="en-US" sz="2400" dirty="0"/>
-              <a:t> </a:t>
-            </a:r>
-            <a:r>
-              <a:rPr lang="en-US" sz="2400" dirty="0" err="1"/>
-              <a:t>dipelihara</a:t>
-            </a:r>
-            <a:r>
-              <a:rPr lang="en-US" sz="2400" dirty="0"/>
-              <a:t>. </a:t>
-            </a:r>
-            <a:r>
-              <a:rPr lang="en-US" sz="2400" dirty="0" err="1"/>
-              <a:t>Ini</a:t>
-            </a:r>
-            <a:r>
-              <a:rPr lang="en-US" sz="2400" dirty="0"/>
-              <a:t> </a:t>
-            </a:r>
-            <a:r>
-              <a:rPr lang="en-US" sz="2400" dirty="0" err="1"/>
-              <a:t>biasanya</a:t>
-            </a:r>
-            <a:r>
-              <a:rPr lang="en-US" sz="2400" dirty="0"/>
-              <a:t> </a:t>
-            </a:r>
-            <a:r>
-              <a:rPr lang="en-US" sz="2400" dirty="0" err="1"/>
-              <a:t>dicapai</a:t>
-            </a:r>
-            <a:r>
-              <a:rPr lang="en-US" sz="2400" dirty="0"/>
-              <a:t> </a:t>
-            </a:r>
-            <a:r>
-              <a:rPr lang="en-US" sz="2400" dirty="0" err="1"/>
-              <a:t>dengan</a:t>
-            </a:r>
-            <a:r>
-              <a:rPr lang="en-US" sz="2400" dirty="0"/>
-              <a:t> </a:t>
-            </a:r>
-            <a:r>
-              <a:rPr lang="en-US" sz="2400" dirty="0" err="1"/>
-              <a:t>menerapkan</a:t>
-            </a:r>
-            <a:r>
-              <a:rPr lang="en-US" sz="2400" dirty="0"/>
-              <a:t> </a:t>
-            </a:r>
-            <a:r>
-              <a:rPr lang="en-US" sz="2400" dirty="0" err="1"/>
-              <a:t>pola</a:t>
-            </a:r>
-            <a:r>
-              <a:rPr lang="en-US" sz="2400" dirty="0"/>
-              <a:t> </a:t>
-            </a:r>
-            <a:r>
-              <a:rPr lang="en-US" sz="2400" dirty="0" err="1"/>
-              <a:t>arsitektur</a:t>
-            </a:r>
-            <a:r>
-              <a:rPr lang="en-US" sz="2400" dirty="0"/>
-              <a:t> </a:t>
-            </a:r>
-            <a:r>
-              <a:rPr lang="en-US" sz="2400" dirty="0" err="1"/>
-              <a:t>seperti</a:t>
-            </a:r>
-            <a:r>
-              <a:rPr lang="en-US" sz="2400" dirty="0"/>
-              <a:t> MVC (Model-View-Controller) </a:t>
-            </a:r>
-            <a:r>
-              <a:rPr lang="en-US" sz="2400" dirty="0" err="1"/>
-              <a:t>atau</a:t>
-            </a:r>
-            <a:r>
-              <a:rPr lang="en-US" sz="2400" dirty="0"/>
-              <a:t> </a:t>
-            </a:r>
-            <a:r>
-              <a:rPr lang="en-US" sz="2400" dirty="0" err="1"/>
-              <a:t>menggunakan</a:t>
-            </a:r>
-            <a:r>
-              <a:rPr lang="en-US" sz="2400" dirty="0"/>
-              <a:t> </a:t>
-            </a:r>
-            <a:r>
-              <a:rPr lang="en-US" sz="2400" dirty="0" err="1"/>
-              <a:t>prinsip</a:t>
-            </a:r>
-            <a:r>
-              <a:rPr lang="en-US" sz="2400" dirty="0"/>
-              <a:t> </a:t>
-            </a:r>
-            <a:r>
-              <a:rPr lang="en-US" sz="2400" dirty="0" err="1"/>
-              <a:t>pemisahan</a:t>
-            </a:r>
-            <a:r>
-              <a:rPr lang="en-US" sz="2400" dirty="0"/>
-              <a:t> </a:t>
-            </a:r>
-            <a:r>
-              <a:rPr lang="en-US" sz="2400" dirty="0" err="1"/>
-              <a:t>tanggung</a:t>
-            </a:r>
-            <a:r>
-              <a:rPr lang="en-US" sz="2400" dirty="0"/>
-              <a:t> </a:t>
-            </a:r>
-            <a:r>
-              <a:rPr lang="en-US" sz="2400" dirty="0" err="1"/>
-              <a:t>jawab</a:t>
-            </a:r>
-            <a:r>
-              <a:rPr lang="en-US" sz="2400" dirty="0"/>
-              <a:t> </a:t>
-            </a:r>
-            <a:r>
-              <a:rPr lang="en-US" sz="2400" dirty="0" err="1"/>
-              <a:t>secara</a:t>
-            </a:r>
-            <a:r>
-              <a:rPr lang="en-US" sz="2400" dirty="0"/>
-              <a:t> </a:t>
-            </a:r>
-            <a:r>
-              <a:rPr lang="en-US" sz="2400" dirty="0" err="1"/>
-              <a:t>umum</a:t>
-            </a:r>
-            <a:r>
-              <a:rPr lang="en-US" sz="2400" dirty="0"/>
-              <a:t>. </a:t>
-            </a:r>
-            <a:r>
-              <a:rPr lang="en-US" sz="2400" dirty="0" err="1"/>
-              <a:t>Berikut</a:t>
-            </a:r>
-            <a:r>
-              <a:rPr lang="en-US" sz="2400" dirty="0"/>
-              <a:t> </a:t>
-            </a:r>
-            <a:r>
-              <a:rPr lang="en-US" sz="2400" dirty="0" err="1"/>
-              <a:t>adalah</a:t>
-            </a:r>
-            <a:r>
-              <a:rPr lang="en-US" sz="2400" dirty="0"/>
-              <a:t> </a:t>
-            </a:r>
-            <a:r>
-              <a:rPr lang="en-US" sz="2400" dirty="0" err="1"/>
-              <a:t>cara</a:t>
-            </a:r>
-            <a:r>
-              <a:rPr lang="en-US" sz="2400" dirty="0"/>
-              <a:t> </a:t>
-            </a:r>
-            <a:r>
-              <a:rPr lang="en-US" sz="2400" dirty="0" err="1"/>
-              <a:t>untuk</a:t>
-            </a:r>
-            <a:r>
-              <a:rPr lang="en-US" sz="2400" dirty="0"/>
-              <a:t> </a:t>
-            </a:r>
-            <a:r>
-              <a:rPr lang="en-US" sz="2400" dirty="0" err="1"/>
-              <a:t>memisahkan</a:t>
-            </a:r>
-            <a:r>
-              <a:rPr lang="en-US" sz="2400" dirty="0"/>
-              <a:t> </a:t>
-            </a:r>
-            <a:r>
-              <a:rPr lang="en-US" sz="2400" dirty="0" err="1"/>
-              <a:t>logika</a:t>
-            </a:r>
-            <a:r>
-              <a:rPr lang="en-US" sz="2400" dirty="0"/>
-              <a:t> </a:t>
-            </a:r>
-            <a:r>
-              <a:rPr lang="en-US" sz="2400" dirty="0" err="1"/>
-              <a:t>bisnis</a:t>
-            </a:r>
-            <a:r>
-              <a:rPr lang="en-US" sz="2400" dirty="0"/>
-              <a:t> </a:t>
-            </a:r>
-            <a:r>
-              <a:rPr lang="en-US" sz="2400" dirty="0" err="1"/>
-              <a:t>dari</a:t>
-            </a:r>
-            <a:r>
-              <a:rPr lang="en-US" sz="2400" dirty="0"/>
-              <a:t> </a:t>
-            </a:r>
-            <a:r>
-              <a:rPr lang="en-US" sz="2400" dirty="0" err="1"/>
-              <a:t>presentasi</a:t>
-            </a:r>
-            <a:r>
-              <a:rPr lang="en-US" sz="2400" dirty="0"/>
-              <a:t> </a:t>
-            </a:r>
-            <a:r>
-              <a:rPr lang="en-US" sz="2400" dirty="0" err="1"/>
-              <a:t>menggunakan</a:t>
-            </a:r>
-            <a:r>
-              <a:rPr lang="en-US" sz="2400" dirty="0"/>
-              <a:t> </a:t>
-            </a:r>
-            <a:r>
-              <a:rPr lang="en-US" sz="2400" dirty="0" err="1"/>
-              <a:t>contoh</a:t>
-            </a:r>
-            <a:r>
-              <a:rPr lang="en-US" sz="2400" dirty="0"/>
-              <a:t> </a:t>
-            </a:r>
-            <a:r>
-              <a:rPr lang="en-US" sz="2400" dirty="0" err="1"/>
-              <a:t>sederhana</a:t>
-            </a:r>
-            <a:r>
-              <a:rPr lang="en-US" sz="2400" dirty="0"/>
-              <a:t>:</a:t>
-            </a:r>
-            <a:endParaRPr lang="en-US" sz="2400" b="1" dirty="0" smtClean="0"/>
+              <a:rPr lang="en-US" sz="2800" dirty="0"/>
+              <a:t> JavaScript.</a:t>
+            </a:r>
+            <a:endParaRPr lang="en-US" sz="2700" dirty="0">
+              <a:solidFill>
+                <a:srgbClr val="000000"/>
+              </a:solidFill>
+              <a:latin typeface="Karnchang"/>
+            </a:endParaRPr>
           </a:p>
         </p:txBody>
       </p:sp>
-      <p:sp>
-        <p:nvSpPr>
-          <p:cNvPr id="27" name="TextBox 26"/>
-          <p:cNvSpPr txBox="1"/>
-          <p:nvPr/>
-        </p:nvSpPr>
-        <p:spPr>
-          <a:xfrm>
-            <a:off x="2051070" y="4506408"/>
-            <a:ext cx="6026129" cy="2677656"/>
-          </a:xfrm>
-          <a:prstGeom prst="rect">
-            <a:avLst/>
-          </a:prstGeom>
-          <a:noFill/>
-        </p:spPr>
-        <p:txBody>
-          <a:bodyPr wrap="square" rtlCol="0">
-            <a:spAutoFit/>
-          </a:bodyPr>
-          <a:lstStyle/>
-          <a:p>
-            <a:r>
-              <a:rPr lang="en-US" sz="2400" b="1" dirty="0"/>
-              <a:t>1. Gunakan </a:t>
-            </a:r>
-            <a:r>
-              <a:rPr lang="en-US" sz="2400" b="1" dirty="0" err="1"/>
-              <a:t>Pemisahan</a:t>
-            </a:r>
-            <a:r>
-              <a:rPr lang="en-US" sz="2400" b="1" dirty="0"/>
-              <a:t> File</a:t>
-            </a:r>
-          </a:p>
-          <a:p>
-            <a:r>
-              <a:rPr lang="en-US" sz="2400" dirty="0" smtClean="0"/>
-              <a:t>	</a:t>
-            </a:r>
-            <a:r>
-              <a:rPr lang="en-US" sz="2400" dirty="0" err="1" smtClean="0"/>
-              <a:t>Pemisahan</a:t>
-            </a:r>
-            <a:r>
-              <a:rPr lang="en-US" sz="2400" dirty="0" smtClean="0"/>
-              <a:t> </a:t>
-            </a:r>
-            <a:r>
-              <a:rPr lang="en-US" sz="2400" dirty="0" err="1"/>
-              <a:t>logika</a:t>
-            </a:r>
-            <a:r>
-              <a:rPr lang="en-US" sz="2400" dirty="0"/>
-              <a:t> </a:t>
-            </a:r>
-            <a:r>
-              <a:rPr lang="en-US" sz="2400" dirty="0" err="1"/>
-              <a:t>bisnis</a:t>
-            </a:r>
-            <a:r>
-              <a:rPr lang="en-US" sz="2400" dirty="0"/>
-              <a:t> </a:t>
-            </a:r>
-            <a:r>
-              <a:rPr lang="en-US" sz="2400" dirty="0" err="1"/>
-              <a:t>dari</a:t>
-            </a:r>
-            <a:r>
-              <a:rPr lang="en-US" sz="2400" dirty="0"/>
-              <a:t> </a:t>
-            </a:r>
-            <a:r>
-              <a:rPr lang="en-US" sz="2400" dirty="0" err="1"/>
-              <a:t>presentasi</a:t>
-            </a:r>
-            <a:r>
-              <a:rPr lang="en-US" sz="2400" dirty="0"/>
-              <a:t> </a:t>
-            </a:r>
-            <a:r>
-              <a:rPr lang="en-US" sz="2400" dirty="0" err="1"/>
-              <a:t>bisa</a:t>
-            </a:r>
-            <a:r>
-              <a:rPr lang="en-US" sz="2400" dirty="0"/>
-              <a:t> </a:t>
-            </a:r>
-            <a:r>
-              <a:rPr lang="en-US" sz="2400" dirty="0" err="1"/>
-              <a:t>dimulai</a:t>
-            </a:r>
-            <a:r>
-              <a:rPr lang="en-US" sz="2400" dirty="0"/>
-              <a:t> </a:t>
-            </a:r>
-            <a:r>
-              <a:rPr lang="en-US" sz="2400" dirty="0" err="1"/>
-              <a:t>dengan</a:t>
-            </a:r>
-            <a:r>
-              <a:rPr lang="en-US" sz="2400" dirty="0"/>
-              <a:t> </a:t>
-            </a:r>
-            <a:r>
-              <a:rPr lang="en-US" sz="2400" dirty="0" err="1"/>
-              <a:t>memisahkan</a:t>
-            </a:r>
-            <a:r>
-              <a:rPr lang="en-US" sz="2400" dirty="0"/>
-              <a:t> file PHP yang </a:t>
-            </a:r>
-            <a:r>
-              <a:rPr lang="en-US" sz="2400" dirty="0" err="1"/>
-              <a:t>mengandung</a:t>
-            </a:r>
-            <a:r>
-              <a:rPr lang="en-US" sz="2400" dirty="0"/>
-              <a:t> </a:t>
-            </a:r>
-            <a:r>
-              <a:rPr lang="en-US" sz="2400" dirty="0" err="1"/>
-              <a:t>logika</a:t>
-            </a:r>
-            <a:r>
-              <a:rPr lang="en-US" sz="2400" dirty="0"/>
-              <a:t> </a:t>
-            </a:r>
-            <a:r>
-              <a:rPr lang="en-US" sz="2400" dirty="0" err="1"/>
-              <a:t>bisnis</a:t>
-            </a:r>
-            <a:r>
-              <a:rPr lang="en-US" sz="2400" dirty="0"/>
-              <a:t> </a:t>
-            </a:r>
-            <a:r>
-              <a:rPr lang="en-US" sz="2400" dirty="0" err="1"/>
-              <a:t>dari</a:t>
-            </a:r>
-            <a:r>
-              <a:rPr lang="en-US" sz="2400" dirty="0"/>
-              <a:t> file HTML yang </a:t>
-            </a:r>
-            <a:r>
-              <a:rPr lang="en-US" sz="2400" dirty="0" err="1"/>
-              <a:t>berisi</a:t>
-            </a:r>
-            <a:r>
-              <a:rPr lang="en-US" sz="2400" dirty="0"/>
-              <a:t> </a:t>
-            </a:r>
-            <a:r>
-              <a:rPr lang="en-US" sz="2400" dirty="0" err="1"/>
-              <a:t>tampilan</a:t>
-            </a:r>
-            <a:r>
-              <a:rPr lang="en-US" sz="2400" dirty="0"/>
-              <a:t>. </a:t>
-            </a:r>
-            <a:r>
-              <a:rPr lang="en-US" sz="2400" dirty="0" err="1"/>
-              <a:t>Berikut</a:t>
-            </a:r>
-            <a:r>
-              <a:rPr lang="en-US" sz="2400" dirty="0"/>
-              <a:t> </a:t>
-            </a:r>
-            <a:r>
-              <a:rPr lang="en-US" sz="2400" dirty="0" err="1"/>
-              <a:t>contoh</a:t>
-            </a:r>
-            <a:r>
-              <a:rPr lang="en-US" sz="2400" dirty="0"/>
-              <a:t> </a:t>
-            </a:r>
-            <a:r>
-              <a:rPr lang="en-US" sz="2400" dirty="0" err="1"/>
-              <a:t>struktur</a:t>
-            </a:r>
-            <a:r>
-              <a:rPr lang="en-US" sz="2400" dirty="0"/>
-              <a:t> </a:t>
-            </a:r>
-            <a:r>
-              <a:rPr lang="en-US" sz="2400" dirty="0" err="1"/>
-              <a:t>direktori</a:t>
-            </a:r>
-            <a:r>
-              <a:rPr lang="en-US" sz="2400" dirty="0"/>
-              <a:t> yang </a:t>
-            </a:r>
-            <a:r>
-              <a:rPr lang="en-US" sz="2400" dirty="0" err="1"/>
-              <a:t>dapat</a:t>
-            </a:r>
-            <a:r>
-              <a:rPr lang="en-US" sz="2400" dirty="0"/>
-              <a:t> </a:t>
-            </a:r>
-            <a:r>
-              <a:rPr lang="en-US" sz="2400" dirty="0" err="1"/>
-              <a:t>digunakan</a:t>
-            </a:r>
-            <a:r>
-              <a:rPr lang="en-US" sz="2400" dirty="0"/>
-              <a:t>:</a:t>
-            </a:r>
-          </a:p>
-          <a:p>
-            <a:endParaRPr lang="en-US" sz="2400" dirty="0"/>
-          </a:p>
-        </p:txBody>
-      </p:sp>
-      <p:pic>
-        <p:nvPicPr>
-          <p:cNvPr id="30" name="Picture 29"/>
-          <p:cNvPicPr>
-            <a:picLocks noChangeAspect="1"/>
-          </p:cNvPicPr>
-          <p:nvPr/>
-        </p:nvPicPr>
-        <p:blipFill>
-          <a:blip r:embed="rId2">
-            <a:extLst>
-              <a:ext uri="{28A0092B-C50C-407E-A947-70E740481C1C}">
-                <a14:useLocalDpi xmlns:a14="http://schemas.microsoft.com/office/drawing/2010/main" val="0"/>
-              </a:ext>
-            </a:extLst>
-          </a:blip>
-          <a:stretch>
-            <a:fillRect/>
-          </a:stretch>
-        </p:blipFill>
-        <p:spPr>
-          <a:xfrm>
-            <a:off x="10104377" y="4506408"/>
-            <a:ext cx="4892241" cy="4436185"/>
-          </a:xfrm>
-          <a:prstGeom prst="rect">
-            <a:avLst/>
-          </a:prstGeom>
-        </p:spPr>
-      </p:pic>
     </p:spTree>
     <p:extLst>
       <p:ext uri="{BB962C8B-B14F-4D97-AF65-F5344CB8AC3E}">
-        <p14:creationId xmlns:p14="http://schemas.microsoft.com/office/powerpoint/2010/main" val="1017206891"/>
+        <p14:creationId xmlns:p14="http://schemas.microsoft.com/office/powerpoint/2010/main" val="4195019361"/>
       </p:ext>
     </p:extLst>
   </p:cSld>
@@ -22156,13 +21443,13 @@
       </p:grpSp>
       <p:sp>
         <p:nvSpPr>
-          <p:cNvPr id="29" name="TextBox 28"/>
+          <p:cNvPr id="28" name="TextBox 28"/>
           <p:cNvSpPr txBox="1"/>
           <p:nvPr/>
         </p:nvSpPr>
         <p:spPr>
           <a:xfrm>
-            <a:off x="2051070" y="2400300"/>
+            <a:off x="2051070" y="1716994"/>
             <a:ext cx="14490335" cy="369332"/>
           </a:xfrm>
           <a:prstGeom prst="rect">
@@ -22176,8 +21463,449 @@
           <a:lstStyle/>
           <a:p>
             <a:r>
+              <a:rPr lang="en-US" sz="2400" b="1" dirty="0" err="1"/>
+              <a:t>Pisahkan</a:t>
+            </a:r>
+            <a:r>
+              <a:rPr lang="en-US" sz="2400" b="1" dirty="0"/>
+              <a:t> </a:t>
+            </a:r>
+            <a:r>
+              <a:rPr lang="en-US" sz="2400" b="1" dirty="0" err="1"/>
+              <a:t>logika</a:t>
+            </a:r>
+            <a:r>
+              <a:rPr lang="en-US" sz="2400" b="1" dirty="0"/>
+              <a:t> </a:t>
+            </a:r>
+            <a:r>
+              <a:rPr lang="en-US" sz="2400" b="1" dirty="0" err="1"/>
+              <a:t>bisnis</a:t>
+            </a:r>
+            <a:r>
+              <a:rPr lang="en-US" sz="2400" b="1" dirty="0"/>
+              <a:t> </a:t>
+            </a:r>
+            <a:r>
+              <a:rPr lang="en-US" sz="2400" b="1" dirty="0" err="1"/>
+              <a:t>dari</a:t>
+            </a:r>
+            <a:r>
+              <a:rPr lang="en-US" sz="2400" b="1" dirty="0"/>
+              <a:t> </a:t>
+            </a:r>
+            <a:r>
+              <a:rPr lang="en-US" sz="2400" b="1" dirty="0" err="1"/>
+              <a:t>presentasi</a:t>
+            </a:r>
+            <a:r>
+              <a:rPr lang="en-US" sz="2400" b="1" dirty="0"/>
+              <a:t> (HTML).</a:t>
+            </a:r>
+            <a:endParaRPr lang="en-US" sz="2400" b="1" dirty="0" smtClean="0"/>
+          </a:p>
+        </p:txBody>
+      </p:sp>
+      <p:sp>
+        <p:nvSpPr>
+          <p:cNvPr id="29" name="TextBox 28"/>
+          <p:cNvSpPr txBox="1"/>
+          <p:nvPr/>
+        </p:nvSpPr>
+        <p:spPr>
+          <a:xfrm>
+            <a:off x="2051070" y="2400300"/>
+            <a:ext cx="14490335" cy="1846659"/>
+          </a:xfrm>
+          <a:prstGeom prst="rect">
+            <a:avLst/>
+          </a:prstGeom>
+        </p:spPr>
+        <p:txBody>
+          <a:bodyPr wrap="square" lIns="0" tIns="0" rIns="0" bIns="0" rtlCol="0" anchor="t">
+            <a:spAutoFit/>
+          </a:bodyPr>
+          <a:lstStyle/>
+          <a:p>
+            <a:r>
               <a:rPr lang="en-US" sz="2400" dirty="0" smtClean="0"/>
               <a:t>	</a:t>
+            </a:r>
+            <a:r>
+              <a:rPr lang="en-US" sz="2400" dirty="0" err="1" smtClean="0"/>
+              <a:t>Memisahkan</a:t>
+            </a:r>
+            <a:r>
+              <a:rPr lang="en-US" sz="2400" dirty="0" smtClean="0"/>
+              <a:t> </a:t>
+            </a:r>
+            <a:r>
+              <a:rPr lang="en-US" sz="2400" dirty="0" err="1"/>
+              <a:t>logika</a:t>
+            </a:r>
+            <a:r>
+              <a:rPr lang="en-US" sz="2400" dirty="0"/>
+              <a:t> </a:t>
+            </a:r>
+            <a:r>
+              <a:rPr lang="en-US" sz="2400" dirty="0" err="1"/>
+              <a:t>bisnis</a:t>
+            </a:r>
+            <a:r>
+              <a:rPr lang="en-US" sz="2400" dirty="0"/>
+              <a:t> </a:t>
+            </a:r>
+            <a:r>
+              <a:rPr lang="en-US" sz="2400" dirty="0" err="1"/>
+              <a:t>dari</a:t>
+            </a:r>
+            <a:r>
+              <a:rPr lang="en-US" sz="2400" dirty="0"/>
+              <a:t> </a:t>
+            </a:r>
+            <a:r>
+              <a:rPr lang="en-US" sz="2400" dirty="0" err="1"/>
+              <a:t>presentasi</a:t>
+            </a:r>
+            <a:r>
+              <a:rPr lang="en-US" sz="2400" dirty="0"/>
+              <a:t> (HTML) </a:t>
+            </a:r>
+            <a:r>
+              <a:rPr lang="en-US" sz="2400" dirty="0" err="1"/>
+              <a:t>adalah</a:t>
+            </a:r>
+            <a:r>
+              <a:rPr lang="en-US" sz="2400" dirty="0"/>
+              <a:t> </a:t>
+            </a:r>
+            <a:r>
+              <a:rPr lang="en-US" sz="2400" dirty="0" err="1"/>
+              <a:t>praktik</a:t>
+            </a:r>
+            <a:r>
+              <a:rPr lang="en-US" sz="2400" dirty="0"/>
+              <a:t> yang </a:t>
+            </a:r>
+            <a:r>
+              <a:rPr lang="en-US" sz="2400" dirty="0" err="1"/>
+              <a:t>penting</a:t>
+            </a:r>
+            <a:r>
+              <a:rPr lang="en-US" sz="2400" dirty="0"/>
+              <a:t> </a:t>
+            </a:r>
+            <a:r>
+              <a:rPr lang="en-US" sz="2400" dirty="0" err="1"/>
+              <a:t>dalam</a:t>
+            </a:r>
+            <a:r>
+              <a:rPr lang="en-US" sz="2400" dirty="0"/>
+              <a:t> </a:t>
+            </a:r>
+            <a:r>
+              <a:rPr lang="en-US" sz="2400" dirty="0" err="1"/>
+              <a:t>pengembangan</a:t>
+            </a:r>
+            <a:r>
+              <a:rPr lang="en-US" sz="2400" dirty="0"/>
+              <a:t> web </a:t>
+            </a:r>
+            <a:r>
+              <a:rPr lang="en-US" sz="2400" dirty="0" err="1"/>
+              <a:t>untuk</a:t>
+            </a:r>
+            <a:r>
+              <a:rPr lang="en-US" sz="2400" dirty="0"/>
+              <a:t> </a:t>
+            </a:r>
+            <a:r>
+              <a:rPr lang="en-US" sz="2400" dirty="0" err="1"/>
+              <a:t>memastikan</a:t>
+            </a:r>
+            <a:r>
+              <a:rPr lang="en-US" sz="2400" dirty="0"/>
+              <a:t> </a:t>
+            </a:r>
+            <a:r>
+              <a:rPr lang="en-US" sz="2400" dirty="0" err="1"/>
+              <a:t>kode</a:t>
+            </a:r>
+            <a:r>
+              <a:rPr lang="en-US" sz="2400" dirty="0"/>
+              <a:t> yang </a:t>
+            </a:r>
+            <a:r>
+              <a:rPr lang="en-US" sz="2400" dirty="0" err="1"/>
+              <a:t>lebih</a:t>
+            </a:r>
+            <a:r>
+              <a:rPr lang="en-US" sz="2400" dirty="0"/>
+              <a:t> </a:t>
+            </a:r>
+            <a:r>
+              <a:rPr lang="en-US" sz="2400" dirty="0" err="1"/>
+              <a:t>bersih</a:t>
+            </a:r>
+            <a:r>
+              <a:rPr lang="en-US" sz="2400" dirty="0"/>
+              <a:t>, </a:t>
+            </a:r>
+            <a:r>
+              <a:rPr lang="en-US" sz="2400" dirty="0" err="1"/>
+              <a:t>terstruktur</a:t>
+            </a:r>
+            <a:r>
+              <a:rPr lang="en-US" sz="2400" dirty="0"/>
+              <a:t>, </a:t>
+            </a:r>
+            <a:r>
+              <a:rPr lang="en-US" sz="2400" dirty="0" err="1"/>
+              <a:t>dan</a:t>
+            </a:r>
+            <a:r>
+              <a:rPr lang="en-US" sz="2400" dirty="0"/>
+              <a:t> </a:t>
+            </a:r>
+            <a:r>
+              <a:rPr lang="en-US" sz="2400" dirty="0" err="1"/>
+              <a:t>mudah</a:t>
+            </a:r>
+            <a:r>
+              <a:rPr lang="en-US" sz="2400" dirty="0"/>
+              <a:t> </a:t>
+            </a:r>
+            <a:r>
+              <a:rPr lang="en-US" sz="2400" dirty="0" err="1"/>
+              <a:t>dipelihara</a:t>
+            </a:r>
+            <a:r>
+              <a:rPr lang="en-US" sz="2400" dirty="0"/>
+              <a:t>. </a:t>
+            </a:r>
+            <a:r>
+              <a:rPr lang="en-US" sz="2400" dirty="0" err="1"/>
+              <a:t>Ini</a:t>
+            </a:r>
+            <a:r>
+              <a:rPr lang="en-US" sz="2400" dirty="0"/>
+              <a:t> </a:t>
+            </a:r>
+            <a:r>
+              <a:rPr lang="en-US" sz="2400" dirty="0" err="1"/>
+              <a:t>biasanya</a:t>
+            </a:r>
+            <a:r>
+              <a:rPr lang="en-US" sz="2400" dirty="0"/>
+              <a:t> </a:t>
+            </a:r>
+            <a:r>
+              <a:rPr lang="en-US" sz="2400" dirty="0" err="1"/>
+              <a:t>dicapai</a:t>
+            </a:r>
+            <a:r>
+              <a:rPr lang="en-US" sz="2400" dirty="0"/>
+              <a:t> </a:t>
+            </a:r>
+            <a:r>
+              <a:rPr lang="en-US" sz="2400" dirty="0" err="1"/>
+              <a:t>dengan</a:t>
+            </a:r>
+            <a:r>
+              <a:rPr lang="en-US" sz="2400" dirty="0"/>
+              <a:t> </a:t>
+            </a:r>
+            <a:r>
+              <a:rPr lang="en-US" sz="2400" dirty="0" err="1"/>
+              <a:t>menerapkan</a:t>
+            </a:r>
+            <a:r>
+              <a:rPr lang="en-US" sz="2400" dirty="0"/>
+              <a:t> </a:t>
+            </a:r>
+            <a:r>
+              <a:rPr lang="en-US" sz="2400" dirty="0" err="1"/>
+              <a:t>pola</a:t>
+            </a:r>
+            <a:r>
+              <a:rPr lang="en-US" sz="2400" dirty="0"/>
+              <a:t> </a:t>
+            </a:r>
+            <a:r>
+              <a:rPr lang="en-US" sz="2400" dirty="0" err="1"/>
+              <a:t>arsitektur</a:t>
+            </a:r>
+            <a:r>
+              <a:rPr lang="en-US" sz="2400" dirty="0"/>
+              <a:t> </a:t>
+            </a:r>
+            <a:r>
+              <a:rPr lang="en-US" sz="2400" dirty="0" err="1"/>
+              <a:t>seperti</a:t>
+            </a:r>
+            <a:r>
+              <a:rPr lang="en-US" sz="2400" dirty="0"/>
+              <a:t> MVC (Model-View-Controller) </a:t>
+            </a:r>
+            <a:r>
+              <a:rPr lang="en-US" sz="2400" dirty="0" err="1"/>
+              <a:t>atau</a:t>
+            </a:r>
+            <a:r>
+              <a:rPr lang="en-US" sz="2400" dirty="0"/>
+              <a:t> </a:t>
+            </a:r>
+            <a:r>
+              <a:rPr lang="en-US" sz="2400" dirty="0" err="1"/>
+              <a:t>menggunakan</a:t>
+            </a:r>
+            <a:r>
+              <a:rPr lang="en-US" sz="2400" dirty="0"/>
+              <a:t> </a:t>
+            </a:r>
+            <a:r>
+              <a:rPr lang="en-US" sz="2400" dirty="0" err="1"/>
+              <a:t>prinsip</a:t>
+            </a:r>
+            <a:r>
+              <a:rPr lang="en-US" sz="2400" dirty="0"/>
+              <a:t> </a:t>
+            </a:r>
+            <a:r>
+              <a:rPr lang="en-US" sz="2400" dirty="0" err="1"/>
+              <a:t>pemisahan</a:t>
+            </a:r>
+            <a:r>
+              <a:rPr lang="en-US" sz="2400" dirty="0"/>
+              <a:t> </a:t>
+            </a:r>
+            <a:r>
+              <a:rPr lang="en-US" sz="2400" dirty="0" err="1"/>
+              <a:t>tanggung</a:t>
+            </a:r>
+            <a:r>
+              <a:rPr lang="en-US" sz="2400" dirty="0"/>
+              <a:t> </a:t>
+            </a:r>
+            <a:r>
+              <a:rPr lang="en-US" sz="2400" dirty="0" err="1"/>
+              <a:t>jawab</a:t>
+            </a:r>
+            <a:r>
+              <a:rPr lang="en-US" sz="2400" dirty="0"/>
+              <a:t> </a:t>
+            </a:r>
+            <a:r>
+              <a:rPr lang="en-US" sz="2400" dirty="0" err="1"/>
+              <a:t>secara</a:t>
+            </a:r>
+            <a:r>
+              <a:rPr lang="en-US" sz="2400" dirty="0"/>
+              <a:t> </a:t>
+            </a:r>
+            <a:r>
+              <a:rPr lang="en-US" sz="2400" dirty="0" err="1"/>
+              <a:t>umum</a:t>
+            </a:r>
+            <a:r>
+              <a:rPr lang="en-US" sz="2400" dirty="0"/>
+              <a:t>. </a:t>
+            </a:r>
+            <a:r>
+              <a:rPr lang="en-US" sz="2400" dirty="0" err="1"/>
+              <a:t>Berikut</a:t>
+            </a:r>
+            <a:r>
+              <a:rPr lang="en-US" sz="2400" dirty="0"/>
+              <a:t> </a:t>
+            </a:r>
+            <a:r>
+              <a:rPr lang="en-US" sz="2400" dirty="0" err="1"/>
+              <a:t>adalah</a:t>
+            </a:r>
+            <a:r>
+              <a:rPr lang="en-US" sz="2400" dirty="0"/>
+              <a:t> </a:t>
+            </a:r>
+            <a:r>
+              <a:rPr lang="en-US" sz="2400" dirty="0" err="1"/>
+              <a:t>cara</a:t>
+            </a:r>
+            <a:r>
+              <a:rPr lang="en-US" sz="2400" dirty="0"/>
+              <a:t> </a:t>
+            </a:r>
+            <a:r>
+              <a:rPr lang="en-US" sz="2400" dirty="0" err="1"/>
+              <a:t>untuk</a:t>
+            </a:r>
+            <a:r>
+              <a:rPr lang="en-US" sz="2400" dirty="0"/>
+              <a:t> </a:t>
+            </a:r>
+            <a:r>
+              <a:rPr lang="en-US" sz="2400" dirty="0" err="1"/>
+              <a:t>memisahkan</a:t>
+            </a:r>
+            <a:r>
+              <a:rPr lang="en-US" sz="2400" dirty="0"/>
+              <a:t> </a:t>
+            </a:r>
+            <a:r>
+              <a:rPr lang="en-US" sz="2400" dirty="0" err="1"/>
+              <a:t>logika</a:t>
+            </a:r>
+            <a:r>
+              <a:rPr lang="en-US" sz="2400" dirty="0"/>
+              <a:t> </a:t>
+            </a:r>
+            <a:r>
+              <a:rPr lang="en-US" sz="2400" dirty="0" err="1"/>
+              <a:t>bisnis</a:t>
+            </a:r>
+            <a:r>
+              <a:rPr lang="en-US" sz="2400" dirty="0"/>
+              <a:t> </a:t>
+            </a:r>
+            <a:r>
+              <a:rPr lang="en-US" sz="2400" dirty="0" err="1"/>
+              <a:t>dari</a:t>
+            </a:r>
+            <a:r>
+              <a:rPr lang="en-US" sz="2400" dirty="0"/>
+              <a:t> </a:t>
+            </a:r>
+            <a:r>
+              <a:rPr lang="en-US" sz="2400" dirty="0" err="1"/>
+              <a:t>presentasi</a:t>
+            </a:r>
+            <a:r>
+              <a:rPr lang="en-US" sz="2400" dirty="0"/>
+              <a:t> </a:t>
+            </a:r>
+            <a:r>
+              <a:rPr lang="en-US" sz="2400" dirty="0" err="1"/>
+              <a:t>menggunakan</a:t>
+            </a:r>
+            <a:r>
+              <a:rPr lang="en-US" sz="2400" dirty="0"/>
+              <a:t> </a:t>
+            </a:r>
+            <a:r>
+              <a:rPr lang="en-US" sz="2400" dirty="0" err="1"/>
+              <a:t>contoh</a:t>
+            </a:r>
+            <a:r>
+              <a:rPr lang="en-US" sz="2400" dirty="0"/>
+              <a:t> </a:t>
+            </a:r>
+            <a:r>
+              <a:rPr lang="en-US" sz="2400" dirty="0" err="1"/>
+              <a:t>sederhana</a:t>
+            </a:r>
+            <a:r>
+              <a:rPr lang="en-US" sz="2400" dirty="0"/>
+              <a:t>:</a:t>
             </a:r>
             <a:endParaRPr lang="en-US" sz="2400" b="1" dirty="0" smtClean="0"/>
           </a:p>
@@ -22192,7 +21920,7 @@
         <p:spPr>
           <a:xfrm>
             <a:off x="2051070" y="4506408"/>
-            <a:ext cx="6026129" cy="2308324"/>
+            <a:ext cx="6026129" cy="2677656"/>
           </a:xfrm>
           <a:prstGeom prst="rect">
             <a:avLst/>
@@ -22207,124 +21935,190 @@
           <a:p>
             <a:r>
               <a:rPr lang="en-US" sz="2400" b="1" dirty="0"/>
-              <a:t>1. </a:t>
-            </a:r>
-            <a:r>
-              <a:rPr lang="en-US" sz="2400" b="1" dirty="0" smtClean="0"/>
-              <a:t>controller</a:t>
-            </a:r>
-            <a:endParaRPr lang="en-US" sz="2400" b="1" dirty="0"/>
+              <a:t>1. Gunakan </a:t>
+            </a:r>
+            <a:r>
+              <a:rPr lang="en-US" sz="2400" b="1" dirty="0" err="1"/>
+              <a:t>Pemisahan</a:t>
+            </a:r>
+            <a:r>
+              <a:rPr lang="en-US" sz="2400" b="1" dirty="0"/>
+              <a:t> File</a:t>
+            </a:r>
           </a:p>
           <a:p>
             <a:r>
               <a:rPr lang="en-US" sz="2400" dirty="0" smtClean="0"/>
-              <a:t>	Folder controller </a:t>
+              <a:t>	</a:t>
             </a:r>
             <a:r>
               <a:rPr lang="en-US" sz="2400" dirty="0" err="1" smtClean="0"/>
-              <a:t>berfungsi</a:t>
+              <a:t>Pemisahan</a:t>
             </a:r>
             <a:r>
               <a:rPr lang="en-US" sz="2400" dirty="0" smtClean="0"/>
               <a:t> </a:t>
             </a:r>
             <a:r>
-              <a:rPr lang="en-US" sz="2400" dirty="0" err="1" smtClean="0"/>
-              <a:t>untuk</a:t>
-            </a:r>
-            <a:r>
-              <a:rPr lang="en-US" sz="2400" dirty="0" smtClean="0"/>
-              <a:t> </a:t>
-            </a:r>
-            <a:r>
-              <a:rPr lang="en-US" sz="2400" dirty="0" err="1" smtClean="0"/>
-              <a:t>menyimpan</a:t>
-            </a:r>
-            <a:r>
-              <a:rPr lang="en-US" sz="2400" dirty="0" smtClean="0"/>
-              <a:t> </a:t>
-            </a:r>
-            <a:r>
-              <a:rPr lang="en-US" sz="2400" dirty="0" err="1" smtClean="0"/>
-              <a:t>semua</a:t>
-            </a:r>
-            <a:r>
-              <a:rPr lang="en-US" sz="2400" dirty="0" smtClean="0"/>
-              <a:t> file </a:t>
-            </a:r>
-            <a:r>
-              <a:rPr lang="en-US" sz="2400" dirty="0" err="1" smtClean="0"/>
-              <a:t>atau</a:t>
-            </a:r>
-            <a:r>
-              <a:rPr lang="en-US" sz="2400" dirty="0" smtClean="0"/>
-              <a:t> source code yang </a:t>
-            </a:r>
-            <a:r>
-              <a:rPr lang="en-US" sz="2400" dirty="0" err="1" smtClean="0"/>
-              <a:t>mengarah</a:t>
-            </a:r>
-            <a:r>
-              <a:rPr lang="en-US" sz="2400" dirty="0" smtClean="0"/>
-              <a:t> </a:t>
-            </a:r>
-            <a:r>
-              <a:rPr lang="en-US" sz="2400" dirty="0" err="1" smtClean="0"/>
-              <a:t>kepada</a:t>
-            </a:r>
-            <a:r>
-              <a:rPr lang="en-US" sz="2400" dirty="0" smtClean="0"/>
-              <a:t> </a:t>
-            </a:r>
-            <a:r>
-              <a:rPr lang="en-US" sz="2400" dirty="0" err="1" smtClean="0"/>
+              <a:rPr lang="en-US" sz="2400" dirty="0" err="1"/>
+              <a:t>logika</a:t>
+            </a:r>
+            <a:r>
+              <a:rPr lang="en-US" sz="2400" dirty="0"/>
+              <a:t> </a:t>
+            </a:r>
+            <a:r>
+              <a:rPr lang="en-US" sz="2400" dirty="0" err="1"/>
               <a:t>bisnis</a:t>
             </a:r>
             <a:r>
-              <a:rPr lang="en-US" sz="2400" dirty="0" smtClean="0"/>
-              <a:t> logic </a:t>
-            </a:r>
-            <a:r>
-              <a:rPr lang="en-US" sz="2400" dirty="0" err="1" smtClean="0"/>
+              <a:rPr lang="en-US" sz="2400" dirty="0"/>
+              <a:t> </a:t>
+            </a:r>
+            <a:r>
+              <a:rPr lang="en-US" sz="2400" dirty="0" err="1"/>
               <a:t>dari</a:t>
             </a:r>
             <a:r>
-              <a:rPr lang="en-US" sz="2400" dirty="0" smtClean="0"/>
-              <a:t> </a:t>
-            </a:r>
-            <a:r>
-              <a:rPr lang="en-US" sz="2400" dirty="0" err="1" smtClean="0"/>
-              <a:t>sebuah</a:t>
-            </a:r>
-            <a:r>
-              <a:rPr lang="en-US" sz="2400" dirty="0" smtClean="0"/>
-              <a:t> </a:t>
-            </a:r>
-            <a:r>
-              <a:rPr lang="en-US" sz="2400" dirty="0" err="1" smtClean="0"/>
-              <a:t>aplikasi</a:t>
-            </a:r>
-            <a:r>
-              <a:rPr lang="en-US" sz="2400" dirty="0" smtClean="0"/>
+              <a:rPr lang="en-US" sz="2400" dirty="0"/>
+              <a:t> </a:t>
+            </a:r>
+            <a:r>
+              <a:rPr lang="en-US" sz="2400" dirty="0" err="1"/>
+              <a:t>presentasi</a:t>
+            </a:r>
+            <a:r>
+              <a:rPr lang="en-US" sz="2400" dirty="0"/>
+              <a:t> </a:t>
+            </a:r>
+            <a:r>
+              <a:rPr lang="en-US" sz="2400" dirty="0" err="1"/>
+              <a:t>bisa</a:t>
+            </a:r>
+            <a:r>
+              <a:rPr lang="en-US" sz="2400" dirty="0"/>
+              <a:t> </a:t>
+            </a:r>
+            <a:r>
+              <a:rPr lang="en-US" sz="2400" dirty="0" err="1"/>
+              <a:t>dimulai</a:t>
+            </a:r>
+            <a:r>
+              <a:rPr lang="en-US" sz="2400" dirty="0"/>
+              <a:t> </a:t>
+            </a:r>
+            <a:r>
+              <a:rPr lang="en-US" sz="2400" dirty="0" err="1"/>
+              <a:t>dengan</a:t>
+            </a:r>
+            <a:r>
+              <a:rPr lang="en-US" sz="2400" dirty="0"/>
+              <a:t> </a:t>
+            </a:r>
+            <a:r>
+              <a:rPr lang="en-US" sz="2400" dirty="0" err="1"/>
+              <a:t>memisahkan</a:t>
+            </a:r>
+            <a:r>
+              <a:rPr lang="en-US" sz="2400" dirty="0"/>
+              <a:t> file PHP yang </a:t>
+            </a:r>
+            <a:r>
+              <a:rPr lang="en-US" sz="2400" dirty="0" err="1"/>
+              <a:t>mengandung</a:t>
+            </a:r>
+            <a:r>
+              <a:rPr lang="en-US" sz="2400" dirty="0"/>
+              <a:t> </a:t>
+            </a:r>
+            <a:r>
+              <a:rPr lang="en-US" sz="2400" dirty="0" err="1"/>
+              <a:t>logika</a:t>
+            </a:r>
+            <a:r>
+              <a:rPr lang="en-US" sz="2400" dirty="0"/>
+              <a:t> </a:t>
+            </a:r>
+            <a:r>
+              <a:rPr lang="en-US" sz="2400" dirty="0" err="1"/>
+              <a:t>bisnis</a:t>
+            </a:r>
+            <a:r>
+              <a:rPr lang="en-US" sz="2400" dirty="0"/>
+              <a:t> </a:t>
+            </a:r>
+            <a:r>
+              <a:rPr lang="en-US" sz="2400" dirty="0" err="1"/>
+              <a:t>dari</a:t>
+            </a:r>
+            <a:r>
+              <a:rPr lang="en-US" sz="2400" dirty="0"/>
+              <a:t> file HTML yang </a:t>
+            </a:r>
+            <a:r>
+              <a:rPr lang="en-US" sz="2400" dirty="0" err="1"/>
+              <a:t>berisi</a:t>
+            </a:r>
+            <a:r>
+              <a:rPr lang="en-US" sz="2400" dirty="0"/>
+              <a:t> </a:t>
+            </a:r>
+            <a:r>
+              <a:rPr lang="en-US" sz="2400" dirty="0" err="1"/>
+              <a:t>tampilan</a:t>
+            </a:r>
+            <a:r>
+              <a:rPr lang="en-US" sz="2400" dirty="0"/>
+              <a:t>. </a:t>
+            </a:r>
+            <a:r>
+              <a:rPr lang="en-US" sz="2400" dirty="0" err="1"/>
+              <a:t>Berikut</a:t>
+            </a:r>
+            <a:r>
+              <a:rPr lang="en-US" sz="2400" dirty="0"/>
+              <a:t> </a:t>
+            </a:r>
+            <a:r>
+              <a:rPr lang="en-US" sz="2400" dirty="0" err="1"/>
+              <a:t>contoh</a:t>
+            </a:r>
+            <a:r>
+              <a:rPr lang="en-US" sz="2400" dirty="0"/>
+              <a:t> </a:t>
+            </a:r>
+            <a:r>
+              <a:rPr lang="en-US" sz="2400" dirty="0" err="1"/>
+              <a:t>struktur</a:t>
+            </a:r>
+            <a:r>
+              <a:rPr lang="en-US" sz="2400" dirty="0"/>
+              <a:t> </a:t>
+            </a:r>
+            <a:r>
+              <a:rPr lang="en-US" sz="2400" dirty="0" err="1"/>
+              <a:t>direktori</a:t>
+            </a:r>
+            <a:r>
+              <a:rPr lang="en-US" sz="2400" dirty="0"/>
               <a:t> yang </a:t>
             </a:r>
             <a:r>
-              <a:rPr lang="en-US" sz="2400" dirty="0" err="1" smtClean="0"/>
-              <a:t>akan</a:t>
-            </a:r>
-            <a:r>
-              <a:rPr lang="en-US" sz="2400" dirty="0" smtClean="0"/>
-              <a:t> </a:t>
-            </a:r>
-            <a:r>
-              <a:rPr lang="en-US" sz="2400" dirty="0" err="1" smtClean="0"/>
-              <a:t>dibuat</a:t>
-            </a:r>
-            <a:r>
-              <a:rPr lang="en-US" sz="2400" dirty="0" smtClean="0"/>
-              <a:t>. </a:t>
-            </a:r>
-            <a:endParaRPr lang="en-US" sz="2400" dirty="0"/>
+              <a:rPr lang="en-US" sz="2400" dirty="0" err="1"/>
+              <a:t>dapat</a:t>
+            </a:r>
+            <a:r>
+              <a:rPr lang="en-US" sz="2400" dirty="0"/>
+              <a:t> </a:t>
+            </a:r>
+            <a:r>
+              <a:rPr lang="en-US" sz="2400" dirty="0" err="1"/>
+              <a:t>digunakan</a:t>
+            </a:r>
+            <a:r>
+              <a:rPr lang="en-US" sz="2400" dirty="0"/>
+              <a:t>:</a:t>
+            </a:r>
           </a:p>
           <a:p>
             <a:endParaRPr lang="en-US" sz="2400" dirty="0"/>
@@ -22333,7 +22127,7 @@
       </p:sp>
       <p:pic>
         <p:nvPicPr>
-          <p:cNvPr id="25" name="Picture 24"/>
+          <p:cNvPr id="30" name="Picture 29"/>
           <p:cNvPicPr>
             <a:picLocks noChangeAspect="1"/>
           </p:cNvPicPr>
@@ -22353,8 +22147,8 @@
         </p:blipFill>
         <p:spPr>
           <a:xfrm>
-            <a:off x="10310571" y="3848100"/>
-            <a:ext cx="5029200" cy="4560377"/>
+            <a:off x="10104377" y="4506408"/>
+            <a:ext cx="4892241" cy="4436185"/>
           </a:xfrm>
           <a:prstGeom prst="rect">
             <a:avLst/>
@@ -22364,7 +22158,7 @@
     </p:spTree>
     <p:extLst>
       <p:ext uri="{BB962C8B-B14F-4D97-AF65-F5344CB8AC3E}">
-        <p14:creationId xmlns:p14="http://schemas.microsoft.com/office/powerpoint/2010/main" val="1579837555"/>
+        <p14:creationId xmlns:p14="http://schemas.microsoft.com/office/powerpoint/2010/main" val="1017206891"/>
       </p:ext>
     </p:extLst>
   </p:cSld>
@@ -23118,7 +22912,7 @@
         <p:spPr>
           <a:xfrm>
             <a:off x="2051070" y="4506408"/>
-            <a:ext cx="6026129" cy="1938992"/>
+            <a:ext cx="6026129" cy="2308324"/>
           </a:xfrm>
           <a:prstGeom prst="rect">
             <a:avLst/>
@@ -23133,18 +22927,18 @@
           <a:p>
             <a:r>
               <a:rPr lang="en-US" sz="2400" b="1" dirty="0"/>
-              <a:t>2</a:t>
+              <a:t>1. </a:t>
             </a:r>
             <a:r>
               <a:rPr lang="en-US" sz="2400" b="1" dirty="0" smtClean="0"/>
-              <a:t>. public</a:t>
+              <a:t>controller</a:t>
             </a:r>
             <a:endParaRPr lang="en-US" sz="2400" b="1" dirty="0"/>
           </a:p>
           <a:p>
             <a:r>
               <a:rPr lang="en-US" sz="2400" dirty="0" smtClean="0"/>
-              <a:t>	Folder public </a:t>
+              <a:t>	Folder controller </a:t>
             </a:r>
             <a:r>
               <a:rPr lang="en-US" sz="2400" dirty="0" err="1" smtClean="0"/>
@@ -23180,15 +22974,15 @@
             </a:r>
             <a:r>
               <a:rPr lang="en-US" sz="2400" dirty="0" err="1" smtClean="0"/>
-              <a:t>berupa</a:t>
+              <a:t>atau</a:t>
             </a:r>
             <a:r>
               <a:rPr lang="en-US" sz="2400" dirty="0" smtClean="0"/>
-              <a:t> </a:t>
+              <a:t> source code yang </a:t>
             </a:r>
             <a:r>
               <a:rPr lang="en-US" sz="2400" dirty="0" err="1" smtClean="0"/>
-              <a:t>foto</a:t>
+              <a:t>mengarah</a:t>
             </a:r>
             <a:r>
               <a:rPr lang="en-US" sz="2400" dirty="0" smtClean="0"/>
@@ -23196,15 +22990,55 @@
             </a:r>
             <a:r>
               <a:rPr lang="en-US" sz="2400" dirty="0" err="1" smtClean="0"/>
-              <a:t>dan</a:t>
+              <a:t>kepada</a:t>
             </a:r>
             <a:r>
               <a:rPr lang="en-US" sz="2400" dirty="0" smtClean="0"/>
-              <a:t> file-file </a:t>
+              <a:t> </a:t>
             </a:r>
             <a:r>
               <a:rPr lang="en-US" sz="2400" dirty="0" err="1" smtClean="0"/>
-              <a:t>lainya</a:t>
+              <a:t>bisnis</a:t>
+            </a:r>
+            <a:r>
+              <a:rPr lang="en-US" sz="2400" dirty="0" smtClean="0"/>
+              <a:t> logic </a:t>
+            </a:r>
+            <a:r>
+              <a:rPr lang="en-US" sz="2400" dirty="0" err="1" smtClean="0"/>
+              <a:t>dari</a:t>
+            </a:r>
+            <a:r>
+              <a:rPr lang="en-US" sz="2400" dirty="0" smtClean="0"/>
+              <a:t> </a:t>
+            </a:r>
+            <a:r>
+              <a:rPr lang="en-US" sz="2400" dirty="0" err="1" smtClean="0"/>
+              <a:t>sebuah</a:t>
+            </a:r>
+            <a:r>
+              <a:rPr lang="en-US" sz="2400" dirty="0" smtClean="0"/>
+              <a:t> </a:t>
+            </a:r>
+            <a:r>
+              <a:rPr lang="en-US" sz="2400" dirty="0" err="1" smtClean="0"/>
+              <a:t>aplikasi</a:t>
+            </a:r>
+            <a:r>
+              <a:rPr lang="en-US" sz="2400" dirty="0" smtClean="0"/>
+              <a:t> yang </a:t>
+            </a:r>
+            <a:r>
+              <a:rPr lang="en-US" sz="2400" dirty="0" err="1" smtClean="0"/>
+              <a:t>akan</a:t>
+            </a:r>
+            <a:r>
+              <a:rPr lang="en-US" sz="2400" dirty="0" smtClean="0"/>
+              <a:t> </a:t>
+            </a:r>
+            <a:r>
+              <a:rPr lang="en-US" sz="2400" dirty="0" err="1" smtClean="0"/>
+              <a:t>dibuat</a:t>
             </a:r>
             <a:r>
               <a:rPr lang="en-US" sz="2400" dirty="0" smtClean="0"/>
@@ -23239,8 +23073,8 @@
         </p:blipFill>
         <p:spPr>
           <a:xfrm>
-            <a:off x="10972800" y="3836261"/>
-            <a:ext cx="4406262" cy="3995509"/>
+            <a:off x="10310571" y="3848100"/>
+            <a:ext cx="5029200" cy="4560377"/>
           </a:xfrm>
           <a:prstGeom prst="rect">
             <a:avLst/>
@@ -23250,7 +23084,7 @@
     </p:spTree>
     <p:extLst>
       <p:ext uri="{BB962C8B-B14F-4D97-AF65-F5344CB8AC3E}">
-        <p14:creationId xmlns:p14="http://schemas.microsoft.com/office/powerpoint/2010/main" val="2231570261"/>
+        <p14:creationId xmlns:p14="http://schemas.microsoft.com/office/powerpoint/2010/main" val="1579837555"/>
       </p:ext>
     </p:extLst>
   </p:cSld>
@@ -24004,7 +23838,7 @@
         <p:spPr>
           <a:xfrm>
             <a:off x="2051070" y="4506408"/>
-            <a:ext cx="6026129" cy="2308324"/>
+            <a:ext cx="6026129" cy="1938992"/>
           </a:xfrm>
           <a:prstGeom prst="rect">
             <a:avLst/>
@@ -24019,18 +23853,18 @@
           <a:p>
             <a:r>
               <a:rPr lang="en-US" sz="2400" b="1" dirty="0"/>
-              <a:t>3</a:t>
+              <a:t>2</a:t>
             </a:r>
             <a:r>
               <a:rPr lang="en-US" sz="2400" b="1" dirty="0" smtClean="0"/>
-              <a:t>. vendor</a:t>
+              <a:t>. public</a:t>
             </a:r>
             <a:endParaRPr lang="en-US" sz="2400" b="1" dirty="0"/>
           </a:p>
           <a:p>
             <a:r>
               <a:rPr lang="en-US" sz="2400" dirty="0" smtClean="0"/>
-              <a:t>	Folder vendor </a:t>
+              <a:t>	Folder public </a:t>
             </a:r>
             <a:r>
               <a:rPr lang="en-US" sz="2400" dirty="0" err="1" smtClean="0"/>
@@ -24066,7 +23900,7 @@
             </a:r>
             <a:r>
               <a:rPr lang="en-US" sz="2400" dirty="0" err="1" smtClean="0"/>
-              <a:t>pihak</a:t>
+              <a:t>berupa</a:t>
             </a:r>
             <a:r>
               <a:rPr lang="en-US" sz="2400" dirty="0" smtClean="0"/>
@@ -24074,83 +23908,27 @@
             </a:r>
             <a:r>
               <a:rPr lang="en-US" sz="2400" dirty="0" err="1" smtClean="0"/>
-              <a:t>ke</a:t>
+              <a:t>foto</a:t>
             </a:r>
             <a:r>
               <a:rPr lang="en-US" sz="2400" dirty="0" smtClean="0"/>
-              <a:t> 3 </a:t>
+              <a:t> </a:t>
             </a:r>
             <a:r>
               <a:rPr lang="en-US" sz="2400" dirty="0" err="1" smtClean="0"/>
-              <a:t>atau</a:t>
+              <a:t>dan</a:t>
             </a:r>
             <a:r>
               <a:rPr lang="en-US" sz="2400" dirty="0" smtClean="0"/>
-              <a:t> plugin </a:t>
+              <a:t> file-file </a:t>
             </a:r>
             <a:r>
               <a:rPr lang="en-US" sz="2400" dirty="0" err="1" smtClean="0"/>
-              <a:t>untuk</a:t>
-            </a:r>
-            <a:r>
-              <a:rPr lang="en-US" sz="2400" dirty="0" smtClean="0"/>
-              <a:t> </a:t>
-            </a:r>
-            <a:r>
-              <a:rPr lang="en-US" sz="2400" dirty="0" err="1" smtClean="0"/>
-              <a:t>pengembangan</a:t>
-            </a:r>
-            <a:r>
-              <a:rPr lang="en-US" sz="2400" dirty="0" smtClean="0"/>
-              <a:t> </a:t>
-            </a:r>
-            <a:r>
-              <a:rPr lang="en-US" sz="2400" dirty="0" err="1" smtClean="0"/>
-              <a:t>aplikasi</a:t>
-            </a:r>
-            <a:r>
-              <a:rPr lang="en-US" sz="2400" dirty="0" smtClean="0"/>
-              <a:t> yang </a:t>
-            </a:r>
-            <a:r>
-              <a:rPr lang="en-US" sz="2400" dirty="0" err="1" smtClean="0"/>
-              <a:t>akan</a:t>
-            </a:r>
-            <a:r>
-              <a:rPr lang="en-US" sz="2400" dirty="0" smtClean="0"/>
-              <a:t> di </a:t>
-            </a:r>
-            <a:r>
-              <a:rPr lang="en-US" sz="2400" dirty="0" err="1" smtClean="0"/>
-              <a:t>bangun</a:t>
+              <a:t>lainya</a:t>
             </a:r>
             <a:r>
               <a:rPr lang="en-US" sz="2400" dirty="0" smtClean="0"/>
               <a:t>. </a:t>
-            </a:r>
-            <a:r>
-              <a:rPr lang="en-US" sz="2400" dirty="0" err="1" smtClean="0"/>
-              <a:t>Seperti</a:t>
-            </a:r>
-            <a:r>
-              <a:rPr lang="en-US" sz="2400" dirty="0" smtClean="0"/>
-              <a:t> </a:t>
-            </a:r>
-            <a:r>
-              <a:rPr lang="en-US" sz="2400" dirty="0" err="1" smtClean="0"/>
-              <a:t>css</a:t>
-            </a:r>
-            <a:r>
-              <a:rPr lang="en-US" sz="2400" dirty="0" smtClean="0"/>
-              <a:t>, bootstrap, </a:t>
-            </a:r>
-            <a:r>
-              <a:rPr lang="en-US" sz="2400" dirty="0" err="1" smtClean="0"/>
-              <a:t>javascript</a:t>
-            </a:r>
-            <a:r>
-              <a:rPr lang="en-US" sz="2400" dirty="0" smtClean="0"/>
-              <a:t>.</a:t>
             </a:r>
             <a:endParaRPr lang="en-US" sz="2400" dirty="0"/>
           </a:p>
@@ -24181,8 +23959,8 @@
         </p:blipFill>
         <p:spPr>
           <a:xfrm>
-            <a:off x="10104377" y="3619500"/>
-            <a:ext cx="5086507" cy="4612342"/>
+            <a:off x="10972800" y="3836261"/>
+            <a:ext cx="4406262" cy="3995509"/>
           </a:xfrm>
           <a:prstGeom prst="rect">
             <a:avLst/>
@@ -24192,7 +23970,7 @@
     </p:spTree>
     <p:extLst>
       <p:ext uri="{BB962C8B-B14F-4D97-AF65-F5344CB8AC3E}">
-        <p14:creationId xmlns:p14="http://schemas.microsoft.com/office/powerpoint/2010/main" val="931544931"/>
+        <p14:creationId xmlns:p14="http://schemas.microsoft.com/office/powerpoint/2010/main" val="2231570261"/>
       </p:ext>
     </p:extLst>
   </p:cSld>
@@ -24946,6 +24724,948 @@
         <p:spPr>
           <a:xfrm>
             <a:off x="2051070" y="4506408"/>
+            <a:ext cx="6026129" cy="2308324"/>
+          </a:xfrm>
+          <a:prstGeom prst="rect">
+            <a:avLst/>
+          </a:prstGeom>
+          <a:noFill/>
+        </p:spPr>
+        <p:txBody>
+          <a:bodyPr wrap="square" rtlCol="0">
+            <a:spAutoFit/>
+          </a:bodyPr>
+          <a:lstStyle/>
+          <a:p>
+            <a:r>
+              <a:rPr lang="en-US" sz="2400" b="1" dirty="0"/>
+              <a:t>3</a:t>
+            </a:r>
+            <a:r>
+              <a:rPr lang="en-US" sz="2400" b="1" dirty="0" smtClean="0"/>
+              <a:t>. vendor</a:t>
+            </a:r>
+            <a:endParaRPr lang="en-US" sz="2400" b="1" dirty="0"/>
+          </a:p>
+          <a:p>
+            <a:r>
+              <a:rPr lang="en-US" sz="2400" dirty="0" smtClean="0"/>
+              <a:t>	Folder vendor </a:t>
+            </a:r>
+            <a:r>
+              <a:rPr lang="en-US" sz="2400" dirty="0" err="1" smtClean="0"/>
+              <a:t>berfungsi</a:t>
+            </a:r>
+            <a:r>
+              <a:rPr lang="en-US" sz="2400" dirty="0" smtClean="0"/>
+              <a:t> </a:t>
+            </a:r>
+            <a:r>
+              <a:rPr lang="en-US" sz="2400" dirty="0" err="1" smtClean="0"/>
+              <a:t>untuk</a:t>
+            </a:r>
+            <a:r>
+              <a:rPr lang="en-US" sz="2400" dirty="0" smtClean="0"/>
+              <a:t> </a:t>
+            </a:r>
+            <a:r>
+              <a:rPr lang="en-US" sz="2400" dirty="0" err="1" smtClean="0"/>
+              <a:t>menyimpan</a:t>
+            </a:r>
+            <a:r>
+              <a:rPr lang="en-US" sz="2400" dirty="0" smtClean="0"/>
+              <a:t> </a:t>
+            </a:r>
+            <a:r>
+              <a:rPr lang="en-US" sz="2400" dirty="0" err="1" smtClean="0"/>
+              <a:t>semua</a:t>
+            </a:r>
+            <a:r>
+              <a:rPr lang="en-US" sz="2400" dirty="0" smtClean="0"/>
+              <a:t> file </a:t>
+            </a:r>
+            <a:r>
+              <a:rPr lang="en-US" sz="2400" dirty="0" err="1" smtClean="0"/>
+              <a:t>pihak</a:t>
+            </a:r>
+            <a:r>
+              <a:rPr lang="en-US" sz="2400" dirty="0" smtClean="0"/>
+              <a:t> </a:t>
+            </a:r>
+            <a:r>
+              <a:rPr lang="en-US" sz="2400" dirty="0" err="1" smtClean="0"/>
+              <a:t>ke</a:t>
+            </a:r>
+            <a:r>
+              <a:rPr lang="en-US" sz="2400" dirty="0" smtClean="0"/>
+              <a:t> 3 </a:t>
+            </a:r>
+            <a:r>
+              <a:rPr lang="en-US" sz="2400" dirty="0" err="1" smtClean="0"/>
+              <a:t>atau</a:t>
+            </a:r>
+            <a:r>
+              <a:rPr lang="en-US" sz="2400" dirty="0" smtClean="0"/>
+              <a:t> plugin </a:t>
+            </a:r>
+            <a:r>
+              <a:rPr lang="en-US" sz="2400" dirty="0" err="1" smtClean="0"/>
+              <a:t>untuk</a:t>
+            </a:r>
+            <a:r>
+              <a:rPr lang="en-US" sz="2400" dirty="0" smtClean="0"/>
+              <a:t> </a:t>
+            </a:r>
+            <a:r>
+              <a:rPr lang="en-US" sz="2400" dirty="0" err="1" smtClean="0"/>
+              <a:t>pengembangan</a:t>
+            </a:r>
+            <a:r>
+              <a:rPr lang="en-US" sz="2400" dirty="0" smtClean="0"/>
+              <a:t> </a:t>
+            </a:r>
+            <a:r>
+              <a:rPr lang="en-US" sz="2400" dirty="0" err="1" smtClean="0"/>
+              <a:t>aplikasi</a:t>
+            </a:r>
+            <a:r>
+              <a:rPr lang="en-US" sz="2400" dirty="0" smtClean="0"/>
+              <a:t> yang </a:t>
+            </a:r>
+            <a:r>
+              <a:rPr lang="en-US" sz="2400" dirty="0" err="1" smtClean="0"/>
+              <a:t>akan</a:t>
+            </a:r>
+            <a:r>
+              <a:rPr lang="en-US" sz="2400" dirty="0" smtClean="0"/>
+              <a:t> di </a:t>
+            </a:r>
+            <a:r>
+              <a:rPr lang="en-US" sz="2400" dirty="0" err="1" smtClean="0"/>
+              <a:t>bangun</a:t>
+            </a:r>
+            <a:r>
+              <a:rPr lang="en-US" sz="2400" dirty="0" smtClean="0"/>
+              <a:t>. </a:t>
+            </a:r>
+            <a:r>
+              <a:rPr lang="en-US" sz="2400" dirty="0" err="1" smtClean="0"/>
+              <a:t>Seperti</a:t>
+            </a:r>
+            <a:r>
+              <a:rPr lang="en-US" sz="2400" dirty="0" smtClean="0"/>
+              <a:t> </a:t>
+            </a:r>
+            <a:r>
+              <a:rPr lang="en-US" sz="2400" dirty="0" err="1" smtClean="0"/>
+              <a:t>css</a:t>
+            </a:r>
+            <a:r>
+              <a:rPr lang="en-US" sz="2400" dirty="0" smtClean="0"/>
+              <a:t>, bootstrap, </a:t>
+            </a:r>
+            <a:r>
+              <a:rPr lang="en-US" sz="2400" dirty="0" err="1" smtClean="0"/>
+              <a:t>javascript</a:t>
+            </a:r>
+            <a:r>
+              <a:rPr lang="en-US" sz="2400" dirty="0" smtClean="0"/>
+              <a:t>.</a:t>
+            </a:r>
+            <a:endParaRPr lang="en-US" sz="2400" dirty="0"/>
+          </a:p>
+          <a:p>
+            <a:endParaRPr lang="en-US" sz="2400" dirty="0"/>
+          </a:p>
+        </p:txBody>
+      </p:sp>
+      <p:pic>
+        <p:nvPicPr>
+          <p:cNvPr id="25" name="Picture 24"/>
+          <p:cNvPicPr>
+            <a:picLocks noChangeAspect="1"/>
+          </p:cNvPicPr>
+          <p:nvPr/>
+        </p:nvPicPr>
+        <p:blipFill>
+          <a:blip r:embed="rId2">
+            <a:extLst>
+              <a:ext uri="{28A0092B-C50C-407E-A947-70E740481C1C}">
+                <a14:useLocalDpi xmlns:a14="http://schemas.microsoft.com/office/drawing/2010/main" val="0"/>
+              </a:ext>
+            </a:extLst>
+          </a:blip>
+          <a:stretch>
+            <a:fillRect/>
+          </a:stretch>
+        </p:blipFill>
+        <p:spPr>
+          <a:xfrm>
+            <a:off x="10104377" y="3619500"/>
+            <a:ext cx="5086507" cy="4612342"/>
+          </a:xfrm>
+          <a:prstGeom prst="rect">
+            <a:avLst/>
+          </a:prstGeom>
+        </p:spPr>
+      </p:pic>
+    </p:spTree>
+    <p:extLst>
+      <p:ext uri="{BB962C8B-B14F-4D97-AF65-F5344CB8AC3E}">
+        <p14:creationId xmlns:p14="http://schemas.microsoft.com/office/powerpoint/2010/main" val="931544931"/>
+      </p:ext>
+    </p:extLst>
+  </p:cSld>
+  <p:clrMapOvr>
+    <a:masterClrMapping/>
+  </p:clrMapOvr>
+  <p:timing>
+    <p:tnLst>
+      <p:par>
+        <p:cTn id="1" dur="indefinite" restart="never" nodeType="tmRoot"/>
+      </p:par>
+    </p:tnLst>
+  </p:timing>
+</p:sld>
+</file>
+
+<file path=ppt/slides/slide28.xml><?xml version="1.0" encoding="utf-8"?>
+<p:sld xmlns:a="http://schemas.openxmlformats.org/drawingml/2006/main" xmlns:r="http://schemas.openxmlformats.org/officeDocument/2006/relationships" xmlns:p="http://schemas.openxmlformats.org/presentationml/2006/main">
+  <p:cSld>
+    <p:bg>
+      <p:bgPr>
+        <a:solidFill>
+          <a:srgbClr val="E6EAEF"/>
+        </a:solidFill>
+        <a:effectLst/>
+      </p:bgPr>
+    </p:bg>
+    <p:spTree>
+      <p:nvGrpSpPr>
+        <p:cNvPr id="1" name=""/>
+        <p:cNvGrpSpPr/>
+        <p:nvPr/>
+      </p:nvGrpSpPr>
+      <p:grpSpPr>
+        <a:xfrm>
+          <a:off x="0" y="0"/>
+          <a:ext cx="0" cy="0"/>
+          <a:chOff x="0" y="0"/>
+          <a:chExt cx="0" cy="0"/>
+        </a:xfrm>
+      </p:grpSpPr>
+      <p:grpSp>
+        <p:nvGrpSpPr>
+          <p:cNvPr id="2" name="Group 2"/>
+          <p:cNvGrpSpPr/>
+          <p:nvPr/>
+        </p:nvGrpSpPr>
+        <p:grpSpPr>
+          <a:xfrm>
+            <a:off x="787067" y="592941"/>
+            <a:ext cx="16713866" cy="9101117"/>
+            <a:chOff x="0" y="0"/>
+            <a:chExt cx="4402006" cy="2397002"/>
+          </a:xfrm>
+        </p:grpSpPr>
+        <p:sp>
+          <p:nvSpPr>
+            <p:cNvPr id="3" name="Freeform 3"/>
+            <p:cNvSpPr/>
+            <p:nvPr/>
+          </p:nvSpPr>
+          <p:spPr>
+            <a:xfrm>
+              <a:off x="0" y="0"/>
+              <a:ext cx="4402006" cy="2397002"/>
+            </a:xfrm>
+            <a:custGeom>
+              <a:avLst/>
+              <a:gdLst/>
+              <a:ahLst/>
+              <a:cxnLst/>
+              <a:rect l="l" t="t" r="r" b="b"/>
+              <a:pathLst>
+                <a:path w="4402006" h="2397002">
+                  <a:moveTo>
+                    <a:pt x="23623" y="0"/>
+                  </a:moveTo>
+                  <a:lnTo>
+                    <a:pt x="4378382" y="0"/>
+                  </a:lnTo>
+                  <a:cubicBezTo>
+                    <a:pt x="4391429" y="0"/>
+                    <a:pt x="4402006" y="10577"/>
+                    <a:pt x="4402006" y="23623"/>
+                  </a:cubicBezTo>
+                  <a:lnTo>
+                    <a:pt x="4402006" y="2373379"/>
+                  </a:lnTo>
+                  <a:cubicBezTo>
+                    <a:pt x="4402006" y="2379644"/>
+                    <a:pt x="4399517" y="2385653"/>
+                    <a:pt x="4395087" y="2390083"/>
+                  </a:cubicBezTo>
+                  <a:cubicBezTo>
+                    <a:pt x="4390656" y="2394513"/>
+                    <a:pt x="4384647" y="2397002"/>
+                    <a:pt x="4378382" y="2397002"/>
+                  </a:cubicBezTo>
+                  <a:lnTo>
+                    <a:pt x="23623" y="2397002"/>
+                  </a:lnTo>
+                  <a:cubicBezTo>
+                    <a:pt x="17358" y="2397002"/>
+                    <a:pt x="11349" y="2394513"/>
+                    <a:pt x="6919" y="2390083"/>
+                  </a:cubicBezTo>
+                  <a:cubicBezTo>
+                    <a:pt x="2489" y="2385653"/>
+                    <a:pt x="0" y="2379644"/>
+                    <a:pt x="0" y="2373379"/>
+                  </a:cubicBezTo>
+                  <a:lnTo>
+                    <a:pt x="0" y="23623"/>
+                  </a:lnTo>
+                  <a:cubicBezTo>
+                    <a:pt x="0" y="17358"/>
+                    <a:pt x="2489" y="11349"/>
+                    <a:pt x="6919" y="6919"/>
+                  </a:cubicBezTo>
+                  <a:cubicBezTo>
+                    <a:pt x="11349" y="2489"/>
+                    <a:pt x="17358" y="0"/>
+                    <a:pt x="23623" y="0"/>
+                  </a:cubicBezTo>
+                  <a:close/>
+                </a:path>
+              </a:pathLst>
+            </a:custGeom>
+            <a:solidFill>
+              <a:srgbClr val="E6EAEF"/>
+            </a:solidFill>
+            <a:ln w="19050" cap="rnd">
+              <a:solidFill>
+                <a:srgbClr val="243342"/>
+              </a:solidFill>
+              <a:prstDash val="solid"/>
+              <a:round/>
+            </a:ln>
+          </p:spPr>
+        </p:sp>
+        <p:sp>
+          <p:nvSpPr>
+            <p:cNvPr id="4" name="TextBox 4"/>
+            <p:cNvSpPr txBox="1"/>
+            <p:nvPr/>
+          </p:nvSpPr>
+          <p:spPr>
+            <a:xfrm>
+              <a:off x="0" y="-38100"/>
+              <a:ext cx="4402006" cy="2435102"/>
+            </a:xfrm>
+            <a:prstGeom prst="rect">
+              <a:avLst/>
+            </a:prstGeom>
+          </p:spPr>
+          <p:txBody>
+            <a:bodyPr lIns="50800" tIns="50800" rIns="50800" bIns="50800" rtlCol="0" anchor="ctr"/>
+            <a:lstStyle/>
+            <a:p>
+              <a:pPr algn="ctr">
+                <a:lnSpc>
+                  <a:spcPts val="3362"/>
+                </a:lnSpc>
+              </a:pPr>
+              <a:endParaRPr/>
+            </a:p>
+          </p:txBody>
+        </p:sp>
+      </p:grpSp>
+      <p:grpSp>
+        <p:nvGrpSpPr>
+          <p:cNvPr id="5" name="Group 5"/>
+          <p:cNvGrpSpPr/>
+          <p:nvPr/>
+        </p:nvGrpSpPr>
+        <p:grpSpPr>
+          <a:xfrm rot="-7538080">
+            <a:off x="-7029811" y="-5584933"/>
+            <a:ext cx="9808447" cy="9331824"/>
+            <a:chOff x="0" y="0"/>
+            <a:chExt cx="13077930" cy="12442432"/>
+          </a:xfrm>
+        </p:grpSpPr>
+        <p:grpSp>
+          <p:nvGrpSpPr>
+            <p:cNvPr id="6" name="Group 6"/>
+            <p:cNvGrpSpPr/>
+            <p:nvPr/>
+          </p:nvGrpSpPr>
+          <p:grpSpPr>
+            <a:xfrm rot="2252144">
+              <a:off x="1498251" y="1484738"/>
+              <a:ext cx="7399579" cy="7432687"/>
+              <a:chOff x="0" y="0"/>
+              <a:chExt cx="2816645" cy="2829248"/>
+            </a:xfrm>
+          </p:grpSpPr>
+          <p:sp>
+            <p:nvSpPr>
+              <p:cNvPr id="7" name="Freeform 7"/>
+              <p:cNvSpPr/>
+              <p:nvPr/>
+            </p:nvSpPr>
+            <p:spPr>
+              <a:xfrm>
+                <a:off x="0" y="0"/>
+                <a:ext cx="2816645" cy="2829248"/>
+              </a:xfrm>
+              <a:custGeom>
+                <a:avLst/>
+                <a:gdLst/>
+                <a:ahLst/>
+                <a:cxnLst/>
+                <a:rect l="l" t="t" r="r" b="b"/>
+                <a:pathLst>
+                  <a:path w="2816645" h="2829248">
+                    <a:moveTo>
+                      <a:pt x="0" y="0"/>
+                    </a:moveTo>
+                    <a:lnTo>
+                      <a:pt x="2816645" y="0"/>
+                    </a:lnTo>
+                    <a:lnTo>
+                      <a:pt x="2816645" y="2829248"/>
+                    </a:lnTo>
+                    <a:lnTo>
+                      <a:pt x="0" y="2829248"/>
+                    </a:lnTo>
+                    <a:close/>
+                  </a:path>
+                </a:pathLst>
+              </a:custGeom>
+              <a:solidFill>
+                <a:srgbClr val="243342"/>
+              </a:solidFill>
+            </p:spPr>
+          </p:sp>
+          <p:sp>
+            <p:nvSpPr>
+              <p:cNvPr id="8" name="TextBox 8"/>
+              <p:cNvSpPr txBox="1"/>
+              <p:nvPr/>
+            </p:nvSpPr>
+            <p:spPr>
+              <a:xfrm>
+                <a:off x="0" y="-123825"/>
+                <a:ext cx="2816645" cy="2953073"/>
+              </a:xfrm>
+              <a:prstGeom prst="rect">
+                <a:avLst/>
+              </a:prstGeom>
+            </p:spPr>
+            <p:txBody>
+              <a:bodyPr lIns="50800" tIns="50800" rIns="50800" bIns="50800" rtlCol="0" anchor="ctr"/>
+              <a:lstStyle/>
+              <a:p>
+                <a:pPr algn="ctr">
+                  <a:lnSpc>
+                    <a:spcPts val="2659"/>
+                  </a:lnSpc>
+                  <a:spcBef>
+                    <a:spcPct val="0"/>
+                  </a:spcBef>
+                </a:pPr>
+                <a:endParaRPr/>
+              </a:p>
+            </p:txBody>
+          </p:sp>
+        </p:grpSp>
+        <p:grpSp>
+          <p:nvGrpSpPr>
+            <p:cNvPr id="9" name="Group 9"/>
+            <p:cNvGrpSpPr/>
+            <p:nvPr/>
+          </p:nvGrpSpPr>
+          <p:grpSpPr>
+            <a:xfrm rot="2252144">
+              <a:off x="2397493" y="3224228"/>
+              <a:ext cx="7399579" cy="7432687"/>
+              <a:chOff x="0" y="0"/>
+              <a:chExt cx="2816645" cy="2829248"/>
+            </a:xfrm>
+          </p:grpSpPr>
+          <p:sp>
+            <p:nvSpPr>
+              <p:cNvPr id="10" name="Freeform 10"/>
+              <p:cNvSpPr/>
+              <p:nvPr/>
+            </p:nvSpPr>
+            <p:spPr>
+              <a:xfrm>
+                <a:off x="0" y="0"/>
+                <a:ext cx="2816645" cy="2829248"/>
+              </a:xfrm>
+              <a:custGeom>
+                <a:avLst/>
+                <a:gdLst/>
+                <a:ahLst/>
+                <a:cxnLst/>
+                <a:rect l="l" t="t" r="r" b="b"/>
+                <a:pathLst>
+                  <a:path w="2816645" h="2829248">
+                    <a:moveTo>
+                      <a:pt x="0" y="0"/>
+                    </a:moveTo>
+                    <a:lnTo>
+                      <a:pt x="2816645" y="0"/>
+                    </a:lnTo>
+                    <a:lnTo>
+                      <a:pt x="2816645" y="2829248"/>
+                    </a:lnTo>
+                    <a:lnTo>
+                      <a:pt x="0" y="2829248"/>
+                    </a:lnTo>
+                    <a:close/>
+                  </a:path>
+                </a:pathLst>
+              </a:custGeom>
+              <a:solidFill>
+                <a:srgbClr val="535659"/>
+              </a:solidFill>
+            </p:spPr>
+          </p:sp>
+          <p:sp>
+            <p:nvSpPr>
+              <p:cNvPr id="11" name="TextBox 11"/>
+              <p:cNvSpPr txBox="1"/>
+              <p:nvPr/>
+            </p:nvSpPr>
+            <p:spPr>
+              <a:xfrm>
+                <a:off x="0" y="-123825"/>
+                <a:ext cx="2816645" cy="2953073"/>
+              </a:xfrm>
+              <a:prstGeom prst="rect">
+                <a:avLst/>
+              </a:prstGeom>
+            </p:spPr>
+            <p:txBody>
+              <a:bodyPr lIns="50800" tIns="50800" rIns="50800" bIns="50800" rtlCol="0" anchor="ctr"/>
+              <a:lstStyle/>
+              <a:p>
+                <a:pPr algn="ctr">
+                  <a:lnSpc>
+                    <a:spcPts val="2659"/>
+                  </a:lnSpc>
+                  <a:spcBef>
+                    <a:spcPct val="0"/>
+                  </a:spcBef>
+                </a:pPr>
+                <a:endParaRPr/>
+              </a:p>
+            </p:txBody>
+          </p:sp>
+        </p:grpSp>
+        <p:grpSp>
+          <p:nvGrpSpPr>
+            <p:cNvPr id="12" name="Group 12"/>
+            <p:cNvGrpSpPr/>
+            <p:nvPr/>
+          </p:nvGrpSpPr>
+          <p:grpSpPr>
+            <a:xfrm rot="2252144">
+              <a:off x="4180100" y="3525007"/>
+              <a:ext cx="7399579" cy="7432687"/>
+              <a:chOff x="0" y="0"/>
+              <a:chExt cx="2816645" cy="2829248"/>
+            </a:xfrm>
+          </p:grpSpPr>
+          <p:sp>
+            <p:nvSpPr>
+              <p:cNvPr id="13" name="Freeform 13"/>
+              <p:cNvSpPr/>
+              <p:nvPr/>
+            </p:nvSpPr>
+            <p:spPr>
+              <a:xfrm>
+                <a:off x="0" y="0"/>
+                <a:ext cx="2816645" cy="2829248"/>
+              </a:xfrm>
+              <a:custGeom>
+                <a:avLst/>
+                <a:gdLst/>
+                <a:ahLst/>
+                <a:cxnLst/>
+                <a:rect l="l" t="t" r="r" b="b"/>
+                <a:pathLst>
+                  <a:path w="2816645" h="2829248">
+                    <a:moveTo>
+                      <a:pt x="0" y="0"/>
+                    </a:moveTo>
+                    <a:lnTo>
+                      <a:pt x="2816645" y="0"/>
+                    </a:lnTo>
+                    <a:lnTo>
+                      <a:pt x="2816645" y="2829248"/>
+                    </a:lnTo>
+                    <a:lnTo>
+                      <a:pt x="0" y="2829248"/>
+                    </a:lnTo>
+                    <a:close/>
+                  </a:path>
+                </a:pathLst>
+              </a:custGeom>
+              <a:solidFill>
+                <a:srgbClr val="858789"/>
+              </a:solidFill>
+            </p:spPr>
+          </p:sp>
+          <p:sp>
+            <p:nvSpPr>
+              <p:cNvPr id="14" name="TextBox 14"/>
+              <p:cNvSpPr txBox="1"/>
+              <p:nvPr/>
+            </p:nvSpPr>
+            <p:spPr>
+              <a:xfrm>
+                <a:off x="0" y="-123825"/>
+                <a:ext cx="2816645" cy="2953073"/>
+              </a:xfrm>
+              <a:prstGeom prst="rect">
+                <a:avLst/>
+              </a:prstGeom>
+            </p:spPr>
+            <p:txBody>
+              <a:bodyPr lIns="50800" tIns="50800" rIns="50800" bIns="50800" rtlCol="0" anchor="ctr"/>
+              <a:lstStyle/>
+              <a:p>
+                <a:pPr algn="ctr">
+                  <a:lnSpc>
+                    <a:spcPts val="2659"/>
+                  </a:lnSpc>
+                  <a:spcBef>
+                    <a:spcPct val="0"/>
+                  </a:spcBef>
+                </a:pPr>
+                <a:endParaRPr/>
+              </a:p>
+            </p:txBody>
+          </p:sp>
+        </p:grpSp>
+      </p:grpSp>
+      <p:grpSp>
+        <p:nvGrpSpPr>
+          <p:cNvPr id="15" name="Group 15"/>
+          <p:cNvGrpSpPr/>
+          <p:nvPr/>
+        </p:nvGrpSpPr>
+        <p:grpSpPr>
+          <a:xfrm rot="2124477">
+            <a:off x="15979122" y="5429903"/>
+            <a:ext cx="9808447" cy="9331824"/>
+            <a:chOff x="0" y="0"/>
+            <a:chExt cx="13077930" cy="12442432"/>
+          </a:xfrm>
+        </p:grpSpPr>
+        <p:grpSp>
+          <p:nvGrpSpPr>
+            <p:cNvPr id="16" name="Group 16"/>
+            <p:cNvGrpSpPr/>
+            <p:nvPr/>
+          </p:nvGrpSpPr>
+          <p:grpSpPr>
+            <a:xfrm rot="2252144">
+              <a:off x="1498251" y="1484738"/>
+              <a:ext cx="7399579" cy="7432687"/>
+              <a:chOff x="0" y="0"/>
+              <a:chExt cx="2816645" cy="2829248"/>
+            </a:xfrm>
+          </p:grpSpPr>
+          <p:sp>
+            <p:nvSpPr>
+              <p:cNvPr id="17" name="Freeform 17"/>
+              <p:cNvSpPr/>
+              <p:nvPr/>
+            </p:nvSpPr>
+            <p:spPr>
+              <a:xfrm>
+                <a:off x="0" y="0"/>
+                <a:ext cx="2816645" cy="2829248"/>
+              </a:xfrm>
+              <a:custGeom>
+                <a:avLst/>
+                <a:gdLst/>
+                <a:ahLst/>
+                <a:cxnLst/>
+                <a:rect l="l" t="t" r="r" b="b"/>
+                <a:pathLst>
+                  <a:path w="2816645" h="2829248">
+                    <a:moveTo>
+                      <a:pt x="0" y="0"/>
+                    </a:moveTo>
+                    <a:lnTo>
+                      <a:pt x="2816645" y="0"/>
+                    </a:lnTo>
+                    <a:lnTo>
+                      <a:pt x="2816645" y="2829248"/>
+                    </a:lnTo>
+                    <a:lnTo>
+                      <a:pt x="0" y="2829248"/>
+                    </a:lnTo>
+                    <a:close/>
+                  </a:path>
+                </a:pathLst>
+              </a:custGeom>
+              <a:solidFill>
+                <a:srgbClr val="243342"/>
+              </a:solidFill>
+            </p:spPr>
+          </p:sp>
+          <p:sp>
+            <p:nvSpPr>
+              <p:cNvPr id="18" name="TextBox 18"/>
+              <p:cNvSpPr txBox="1"/>
+              <p:nvPr/>
+            </p:nvSpPr>
+            <p:spPr>
+              <a:xfrm>
+                <a:off x="0" y="-123825"/>
+                <a:ext cx="2816645" cy="2953073"/>
+              </a:xfrm>
+              <a:prstGeom prst="rect">
+                <a:avLst/>
+              </a:prstGeom>
+            </p:spPr>
+            <p:txBody>
+              <a:bodyPr lIns="50800" tIns="50800" rIns="50800" bIns="50800" rtlCol="0" anchor="ctr"/>
+              <a:lstStyle/>
+              <a:p>
+                <a:pPr algn="ctr">
+                  <a:lnSpc>
+                    <a:spcPts val="2659"/>
+                  </a:lnSpc>
+                  <a:spcBef>
+                    <a:spcPct val="0"/>
+                  </a:spcBef>
+                </a:pPr>
+                <a:endParaRPr/>
+              </a:p>
+            </p:txBody>
+          </p:sp>
+        </p:grpSp>
+        <p:grpSp>
+          <p:nvGrpSpPr>
+            <p:cNvPr id="19" name="Group 19"/>
+            <p:cNvGrpSpPr/>
+            <p:nvPr/>
+          </p:nvGrpSpPr>
+          <p:grpSpPr>
+            <a:xfrm rot="2252144">
+              <a:off x="2397493" y="3224228"/>
+              <a:ext cx="7399579" cy="7432687"/>
+              <a:chOff x="0" y="0"/>
+              <a:chExt cx="2816645" cy="2829248"/>
+            </a:xfrm>
+          </p:grpSpPr>
+          <p:sp>
+            <p:nvSpPr>
+              <p:cNvPr id="20" name="Freeform 20"/>
+              <p:cNvSpPr/>
+              <p:nvPr/>
+            </p:nvSpPr>
+            <p:spPr>
+              <a:xfrm>
+                <a:off x="0" y="0"/>
+                <a:ext cx="2816645" cy="2829248"/>
+              </a:xfrm>
+              <a:custGeom>
+                <a:avLst/>
+                <a:gdLst/>
+                <a:ahLst/>
+                <a:cxnLst/>
+                <a:rect l="l" t="t" r="r" b="b"/>
+                <a:pathLst>
+                  <a:path w="2816645" h="2829248">
+                    <a:moveTo>
+                      <a:pt x="0" y="0"/>
+                    </a:moveTo>
+                    <a:lnTo>
+                      <a:pt x="2816645" y="0"/>
+                    </a:lnTo>
+                    <a:lnTo>
+                      <a:pt x="2816645" y="2829248"/>
+                    </a:lnTo>
+                    <a:lnTo>
+                      <a:pt x="0" y="2829248"/>
+                    </a:lnTo>
+                    <a:close/>
+                  </a:path>
+                </a:pathLst>
+              </a:custGeom>
+              <a:solidFill>
+                <a:srgbClr val="535659"/>
+              </a:solidFill>
+            </p:spPr>
+          </p:sp>
+          <p:sp>
+            <p:nvSpPr>
+              <p:cNvPr id="21" name="TextBox 21"/>
+              <p:cNvSpPr txBox="1"/>
+              <p:nvPr/>
+            </p:nvSpPr>
+            <p:spPr>
+              <a:xfrm>
+                <a:off x="0" y="-123825"/>
+                <a:ext cx="2816645" cy="2953073"/>
+              </a:xfrm>
+              <a:prstGeom prst="rect">
+                <a:avLst/>
+              </a:prstGeom>
+            </p:spPr>
+            <p:txBody>
+              <a:bodyPr lIns="50800" tIns="50800" rIns="50800" bIns="50800" rtlCol="0" anchor="ctr"/>
+              <a:lstStyle/>
+              <a:p>
+                <a:pPr algn="ctr">
+                  <a:lnSpc>
+                    <a:spcPts val="2659"/>
+                  </a:lnSpc>
+                  <a:spcBef>
+                    <a:spcPct val="0"/>
+                  </a:spcBef>
+                </a:pPr>
+                <a:endParaRPr/>
+              </a:p>
+            </p:txBody>
+          </p:sp>
+        </p:grpSp>
+        <p:grpSp>
+          <p:nvGrpSpPr>
+            <p:cNvPr id="22" name="Group 22"/>
+            <p:cNvGrpSpPr/>
+            <p:nvPr/>
+          </p:nvGrpSpPr>
+          <p:grpSpPr>
+            <a:xfrm rot="2252144">
+              <a:off x="4180100" y="3525007"/>
+              <a:ext cx="7399579" cy="7432687"/>
+              <a:chOff x="0" y="0"/>
+              <a:chExt cx="2816645" cy="2829248"/>
+            </a:xfrm>
+          </p:grpSpPr>
+          <p:sp>
+            <p:nvSpPr>
+              <p:cNvPr id="23" name="Freeform 23"/>
+              <p:cNvSpPr/>
+              <p:nvPr/>
+            </p:nvSpPr>
+            <p:spPr>
+              <a:xfrm>
+                <a:off x="0" y="0"/>
+                <a:ext cx="2816645" cy="2829248"/>
+              </a:xfrm>
+              <a:custGeom>
+                <a:avLst/>
+                <a:gdLst/>
+                <a:ahLst/>
+                <a:cxnLst/>
+                <a:rect l="l" t="t" r="r" b="b"/>
+                <a:pathLst>
+                  <a:path w="2816645" h="2829248">
+                    <a:moveTo>
+                      <a:pt x="0" y="0"/>
+                    </a:moveTo>
+                    <a:lnTo>
+                      <a:pt x="2816645" y="0"/>
+                    </a:lnTo>
+                    <a:lnTo>
+                      <a:pt x="2816645" y="2829248"/>
+                    </a:lnTo>
+                    <a:lnTo>
+                      <a:pt x="0" y="2829248"/>
+                    </a:lnTo>
+                    <a:close/>
+                  </a:path>
+                </a:pathLst>
+              </a:custGeom>
+              <a:solidFill>
+                <a:srgbClr val="858789"/>
+              </a:solidFill>
+            </p:spPr>
+          </p:sp>
+          <p:sp>
+            <p:nvSpPr>
+              <p:cNvPr id="24" name="TextBox 24"/>
+              <p:cNvSpPr txBox="1"/>
+              <p:nvPr/>
+            </p:nvSpPr>
+            <p:spPr>
+              <a:xfrm>
+                <a:off x="0" y="-123825"/>
+                <a:ext cx="2816645" cy="2953073"/>
+              </a:xfrm>
+              <a:prstGeom prst="rect">
+                <a:avLst/>
+              </a:prstGeom>
+            </p:spPr>
+            <p:txBody>
+              <a:bodyPr lIns="50800" tIns="50800" rIns="50800" bIns="50800" rtlCol="0" anchor="ctr"/>
+              <a:lstStyle/>
+              <a:p>
+                <a:pPr algn="ctr">
+                  <a:lnSpc>
+                    <a:spcPts val="2659"/>
+                  </a:lnSpc>
+                  <a:spcBef>
+                    <a:spcPct val="0"/>
+                  </a:spcBef>
+                </a:pPr>
+                <a:endParaRPr/>
+              </a:p>
+            </p:txBody>
+          </p:sp>
+        </p:grpSp>
+      </p:grpSp>
+      <p:sp>
+        <p:nvSpPr>
+          <p:cNvPr id="29" name="TextBox 28"/>
+          <p:cNvSpPr txBox="1"/>
+          <p:nvPr/>
+        </p:nvSpPr>
+        <p:spPr>
+          <a:xfrm>
+            <a:off x="2051070" y="2400300"/>
+            <a:ext cx="14490335" cy="369332"/>
+          </a:xfrm>
+          <a:prstGeom prst="rect">
+            <a:avLst/>
+          </a:prstGeom>
+        </p:spPr>
+        <p:txBody>
+          <a:bodyPr wrap="square" lIns="0" tIns="0" rIns="0" bIns="0" rtlCol="0" anchor="t">
+            <a:spAutoFit/>
+          </a:bodyPr>
+          <a:lstStyle/>
+          <a:p>
+            <a:r>
+              <a:rPr lang="en-US" sz="2400" dirty="0" smtClean="0"/>
+              <a:t>	</a:t>
+            </a:r>
+            <a:endParaRPr lang="en-US" sz="2400" b="1" dirty="0" smtClean="0"/>
+          </a:p>
+        </p:txBody>
+      </p:sp>
+      <p:sp>
+        <p:nvSpPr>
+          <p:cNvPr id="27" name="TextBox 26"/>
+          <p:cNvSpPr txBox="1"/>
+          <p:nvPr/>
+        </p:nvSpPr>
+        <p:spPr>
+          <a:xfrm>
+            <a:off x="2051070" y="4506408"/>
             <a:ext cx="6026129" cy="1938992"/>
           </a:xfrm>
           <a:prstGeom prst="rect">
@@ -25116,7 +25836,7 @@
 </p:sld>
 </file>
 
-<file path=ppt/slides/slide28.xml><?xml version="1.0" encoding="utf-8"?>
+<file path=ppt/slides/slide29.xml><?xml version="1.0" encoding="utf-8"?>
 <p:sld xmlns:a="http://schemas.openxmlformats.org/drawingml/2006/main" xmlns:r="http://schemas.openxmlformats.org/officeDocument/2006/relationships" xmlns:p="http://schemas.openxmlformats.org/presentationml/2006/main">
   <p:cSld>
     <p:bg>
@@ -25857,7 +26577,7 @@
             <a:blip r:embed="rId2">
               <a:extLst>
                 <a:ext uri="{96DAC541-7B7A-43D3-8B79-37D633B846F1}">
-                  <asvg:svgBlip xmlns:asvg="http://schemas.microsoft.com/office/drawing/2016/SVG/main" xmlns="" r:embed="rId3"/>
+                  <asvg:svgBlip xmlns="" xmlns:asvg="http://schemas.microsoft.com/office/drawing/2016/SVG/main" r:embed="rId3"/>
                 </a:ext>
               </a:extLst>
             </a:blip>
@@ -26157,1039 +26877,6 @@
     <p:extLst>
       <p:ext uri="{BB962C8B-B14F-4D97-AF65-F5344CB8AC3E}">
         <p14:creationId xmlns:p14="http://schemas.microsoft.com/office/powerpoint/2010/main" val="2560365537"/>
-      </p:ext>
-    </p:extLst>
-  </p:cSld>
-  <p:clrMapOvr>
-    <a:masterClrMapping/>
-  </p:clrMapOvr>
-  <p:timing>
-    <p:tnLst>
-      <p:par>
-        <p:cTn id="1" dur="indefinite" restart="never" nodeType="tmRoot"/>
-      </p:par>
-    </p:tnLst>
-  </p:timing>
-</p:sld>
-</file>
-
-<file path=ppt/slides/slide29.xml><?xml version="1.0" encoding="utf-8"?>
-<p:sld xmlns:a="http://schemas.openxmlformats.org/drawingml/2006/main" xmlns:r="http://schemas.openxmlformats.org/officeDocument/2006/relationships" xmlns:p="http://schemas.openxmlformats.org/presentationml/2006/main">
-  <p:cSld>
-    <p:bg>
-      <p:bgPr>
-        <a:solidFill>
-          <a:srgbClr val="E6EAEF"/>
-        </a:solidFill>
-        <a:effectLst/>
-      </p:bgPr>
-    </p:bg>
-    <p:spTree>
-      <p:nvGrpSpPr>
-        <p:cNvPr id="1" name=""/>
-        <p:cNvGrpSpPr/>
-        <p:nvPr/>
-      </p:nvGrpSpPr>
-      <p:grpSpPr>
-        <a:xfrm>
-          <a:off x="0" y="0"/>
-          <a:ext cx="0" cy="0"/>
-          <a:chOff x="0" y="0"/>
-          <a:chExt cx="0" cy="0"/>
-        </a:xfrm>
-      </p:grpSpPr>
-      <p:grpSp>
-        <p:nvGrpSpPr>
-          <p:cNvPr id="2" name="Group 2"/>
-          <p:cNvGrpSpPr/>
-          <p:nvPr/>
-        </p:nvGrpSpPr>
-        <p:grpSpPr>
-          <a:xfrm>
-            <a:off x="552254" y="419100"/>
-            <a:ext cx="16713866" cy="9101117"/>
-            <a:chOff x="0" y="0"/>
-            <a:chExt cx="4402006" cy="2397002"/>
-          </a:xfrm>
-        </p:grpSpPr>
-        <p:sp>
-          <p:nvSpPr>
-            <p:cNvPr id="3" name="Freeform 3"/>
-            <p:cNvSpPr/>
-            <p:nvPr/>
-          </p:nvSpPr>
-          <p:spPr>
-            <a:xfrm>
-              <a:off x="0" y="0"/>
-              <a:ext cx="4402006" cy="2397002"/>
-            </a:xfrm>
-            <a:custGeom>
-              <a:avLst/>
-              <a:gdLst/>
-              <a:ahLst/>
-              <a:cxnLst/>
-              <a:rect l="l" t="t" r="r" b="b"/>
-              <a:pathLst>
-                <a:path w="4402006" h="2397002">
-                  <a:moveTo>
-                    <a:pt x="23623" y="0"/>
-                  </a:moveTo>
-                  <a:lnTo>
-                    <a:pt x="4378382" y="0"/>
-                  </a:lnTo>
-                  <a:cubicBezTo>
-                    <a:pt x="4391429" y="0"/>
-                    <a:pt x="4402006" y="10577"/>
-                    <a:pt x="4402006" y="23623"/>
-                  </a:cubicBezTo>
-                  <a:lnTo>
-                    <a:pt x="4402006" y="2373379"/>
-                  </a:lnTo>
-                  <a:cubicBezTo>
-                    <a:pt x="4402006" y="2379644"/>
-                    <a:pt x="4399517" y="2385653"/>
-                    <a:pt x="4395087" y="2390083"/>
-                  </a:cubicBezTo>
-                  <a:cubicBezTo>
-                    <a:pt x="4390656" y="2394513"/>
-                    <a:pt x="4384647" y="2397002"/>
-                    <a:pt x="4378382" y="2397002"/>
-                  </a:cubicBezTo>
-                  <a:lnTo>
-                    <a:pt x="23623" y="2397002"/>
-                  </a:lnTo>
-                  <a:cubicBezTo>
-                    <a:pt x="17358" y="2397002"/>
-                    <a:pt x="11349" y="2394513"/>
-                    <a:pt x="6919" y="2390083"/>
-                  </a:cubicBezTo>
-                  <a:cubicBezTo>
-                    <a:pt x="2489" y="2385653"/>
-                    <a:pt x="0" y="2379644"/>
-                    <a:pt x="0" y="2373379"/>
-                  </a:cubicBezTo>
-                  <a:lnTo>
-                    <a:pt x="0" y="23623"/>
-                  </a:lnTo>
-                  <a:cubicBezTo>
-                    <a:pt x="0" y="17358"/>
-                    <a:pt x="2489" y="11349"/>
-                    <a:pt x="6919" y="6919"/>
-                  </a:cubicBezTo>
-                  <a:cubicBezTo>
-                    <a:pt x="11349" y="2489"/>
-                    <a:pt x="17358" y="0"/>
-                    <a:pt x="23623" y="0"/>
-                  </a:cubicBezTo>
-                  <a:close/>
-                </a:path>
-              </a:pathLst>
-            </a:custGeom>
-            <a:solidFill>
-              <a:srgbClr val="E6EAEF"/>
-            </a:solidFill>
-            <a:ln w="19050" cap="rnd">
-              <a:solidFill>
-                <a:srgbClr val="243342"/>
-              </a:solidFill>
-              <a:prstDash val="solid"/>
-              <a:round/>
-            </a:ln>
-          </p:spPr>
-        </p:sp>
-        <p:sp>
-          <p:nvSpPr>
-            <p:cNvPr id="4" name="TextBox 4"/>
-            <p:cNvSpPr txBox="1"/>
-            <p:nvPr/>
-          </p:nvSpPr>
-          <p:spPr>
-            <a:xfrm>
-              <a:off x="0" y="-38100"/>
-              <a:ext cx="4402006" cy="2435102"/>
-            </a:xfrm>
-            <a:prstGeom prst="rect">
-              <a:avLst/>
-            </a:prstGeom>
-          </p:spPr>
-          <p:txBody>
-            <a:bodyPr lIns="50800" tIns="50800" rIns="50800" bIns="50800" rtlCol="0" anchor="ctr"/>
-            <a:lstStyle/>
-            <a:p>
-              <a:pPr algn="ctr">
-                <a:lnSpc>
-                  <a:spcPts val="3362"/>
-                </a:lnSpc>
-              </a:pPr>
-              <a:endParaRPr/>
-            </a:p>
-          </p:txBody>
-        </p:sp>
-      </p:grpSp>
-      <p:grpSp>
-        <p:nvGrpSpPr>
-          <p:cNvPr id="5" name="Group 5"/>
-          <p:cNvGrpSpPr/>
-          <p:nvPr/>
-        </p:nvGrpSpPr>
-        <p:grpSpPr>
-          <a:xfrm rot="-7538080">
-            <a:off x="-7029811" y="-5584933"/>
-            <a:ext cx="9808447" cy="9331824"/>
-            <a:chOff x="0" y="0"/>
-            <a:chExt cx="13077930" cy="12442432"/>
-          </a:xfrm>
-        </p:grpSpPr>
-        <p:grpSp>
-          <p:nvGrpSpPr>
-            <p:cNvPr id="6" name="Group 6"/>
-            <p:cNvGrpSpPr/>
-            <p:nvPr/>
-          </p:nvGrpSpPr>
-          <p:grpSpPr>
-            <a:xfrm rot="2252144">
-              <a:off x="1498251" y="1484738"/>
-              <a:ext cx="7399579" cy="7432687"/>
-              <a:chOff x="0" y="0"/>
-              <a:chExt cx="2816645" cy="2829248"/>
-            </a:xfrm>
-          </p:grpSpPr>
-          <p:sp>
-            <p:nvSpPr>
-              <p:cNvPr id="7" name="Freeform 7"/>
-              <p:cNvSpPr/>
-              <p:nvPr/>
-            </p:nvSpPr>
-            <p:spPr>
-              <a:xfrm>
-                <a:off x="0" y="0"/>
-                <a:ext cx="2816645" cy="2829248"/>
-              </a:xfrm>
-              <a:custGeom>
-                <a:avLst/>
-                <a:gdLst/>
-                <a:ahLst/>
-                <a:cxnLst/>
-                <a:rect l="l" t="t" r="r" b="b"/>
-                <a:pathLst>
-                  <a:path w="2816645" h="2829248">
-                    <a:moveTo>
-                      <a:pt x="0" y="0"/>
-                    </a:moveTo>
-                    <a:lnTo>
-                      <a:pt x="2816645" y="0"/>
-                    </a:lnTo>
-                    <a:lnTo>
-                      <a:pt x="2816645" y="2829248"/>
-                    </a:lnTo>
-                    <a:lnTo>
-                      <a:pt x="0" y="2829248"/>
-                    </a:lnTo>
-                    <a:close/>
-                  </a:path>
-                </a:pathLst>
-              </a:custGeom>
-              <a:solidFill>
-                <a:srgbClr val="243342"/>
-              </a:solidFill>
-            </p:spPr>
-          </p:sp>
-          <p:sp>
-            <p:nvSpPr>
-              <p:cNvPr id="8" name="TextBox 8"/>
-              <p:cNvSpPr txBox="1"/>
-              <p:nvPr/>
-            </p:nvSpPr>
-            <p:spPr>
-              <a:xfrm>
-                <a:off x="0" y="-123825"/>
-                <a:ext cx="2816645" cy="2953073"/>
-              </a:xfrm>
-              <a:prstGeom prst="rect">
-                <a:avLst/>
-              </a:prstGeom>
-            </p:spPr>
-            <p:txBody>
-              <a:bodyPr lIns="50800" tIns="50800" rIns="50800" bIns="50800" rtlCol="0" anchor="ctr"/>
-              <a:lstStyle/>
-              <a:p>
-                <a:pPr algn="ctr">
-                  <a:lnSpc>
-                    <a:spcPts val="2659"/>
-                  </a:lnSpc>
-                  <a:spcBef>
-                    <a:spcPct val="0"/>
-                  </a:spcBef>
-                </a:pPr>
-                <a:endParaRPr/>
-              </a:p>
-            </p:txBody>
-          </p:sp>
-        </p:grpSp>
-        <p:grpSp>
-          <p:nvGrpSpPr>
-            <p:cNvPr id="9" name="Group 9"/>
-            <p:cNvGrpSpPr/>
-            <p:nvPr/>
-          </p:nvGrpSpPr>
-          <p:grpSpPr>
-            <a:xfrm rot="2252144">
-              <a:off x="2397493" y="3224228"/>
-              <a:ext cx="7399579" cy="7432687"/>
-              <a:chOff x="0" y="0"/>
-              <a:chExt cx="2816645" cy="2829248"/>
-            </a:xfrm>
-          </p:grpSpPr>
-          <p:sp>
-            <p:nvSpPr>
-              <p:cNvPr id="10" name="Freeform 10"/>
-              <p:cNvSpPr/>
-              <p:nvPr/>
-            </p:nvSpPr>
-            <p:spPr>
-              <a:xfrm>
-                <a:off x="0" y="0"/>
-                <a:ext cx="2816645" cy="2829248"/>
-              </a:xfrm>
-              <a:custGeom>
-                <a:avLst/>
-                <a:gdLst/>
-                <a:ahLst/>
-                <a:cxnLst/>
-                <a:rect l="l" t="t" r="r" b="b"/>
-                <a:pathLst>
-                  <a:path w="2816645" h="2829248">
-                    <a:moveTo>
-                      <a:pt x="0" y="0"/>
-                    </a:moveTo>
-                    <a:lnTo>
-                      <a:pt x="2816645" y="0"/>
-                    </a:lnTo>
-                    <a:lnTo>
-                      <a:pt x="2816645" y="2829248"/>
-                    </a:lnTo>
-                    <a:lnTo>
-                      <a:pt x="0" y="2829248"/>
-                    </a:lnTo>
-                    <a:close/>
-                  </a:path>
-                </a:pathLst>
-              </a:custGeom>
-              <a:solidFill>
-                <a:srgbClr val="535659"/>
-              </a:solidFill>
-            </p:spPr>
-          </p:sp>
-          <p:sp>
-            <p:nvSpPr>
-              <p:cNvPr id="11" name="TextBox 11"/>
-              <p:cNvSpPr txBox="1"/>
-              <p:nvPr/>
-            </p:nvSpPr>
-            <p:spPr>
-              <a:xfrm>
-                <a:off x="0" y="-123825"/>
-                <a:ext cx="2816645" cy="2953073"/>
-              </a:xfrm>
-              <a:prstGeom prst="rect">
-                <a:avLst/>
-              </a:prstGeom>
-            </p:spPr>
-            <p:txBody>
-              <a:bodyPr lIns="50800" tIns="50800" rIns="50800" bIns="50800" rtlCol="0" anchor="ctr"/>
-              <a:lstStyle/>
-              <a:p>
-                <a:pPr algn="ctr">
-                  <a:lnSpc>
-                    <a:spcPts val="2659"/>
-                  </a:lnSpc>
-                  <a:spcBef>
-                    <a:spcPct val="0"/>
-                  </a:spcBef>
-                </a:pPr>
-                <a:endParaRPr/>
-              </a:p>
-            </p:txBody>
-          </p:sp>
-        </p:grpSp>
-        <p:grpSp>
-          <p:nvGrpSpPr>
-            <p:cNvPr id="12" name="Group 12"/>
-            <p:cNvGrpSpPr/>
-            <p:nvPr/>
-          </p:nvGrpSpPr>
-          <p:grpSpPr>
-            <a:xfrm rot="2252144">
-              <a:off x="4180100" y="3525007"/>
-              <a:ext cx="7399579" cy="7432687"/>
-              <a:chOff x="0" y="0"/>
-              <a:chExt cx="2816645" cy="2829248"/>
-            </a:xfrm>
-          </p:grpSpPr>
-          <p:sp>
-            <p:nvSpPr>
-              <p:cNvPr id="13" name="Freeform 13"/>
-              <p:cNvSpPr/>
-              <p:nvPr/>
-            </p:nvSpPr>
-            <p:spPr>
-              <a:xfrm>
-                <a:off x="0" y="0"/>
-                <a:ext cx="2816645" cy="2829248"/>
-              </a:xfrm>
-              <a:custGeom>
-                <a:avLst/>
-                <a:gdLst/>
-                <a:ahLst/>
-                <a:cxnLst/>
-                <a:rect l="l" t="t" r="r" b="b"/>
-                <a:pathLst>
-                  <a:path w="2816645" h="2829248">
-                    <a:moveTo>
-                      <a:pt x="0" y="0"/>
-                    </a:moveTo>
-                    <a:lnTo>
-                      <a:pt x="2816645" y="0"/>
-                    </a:lnTo>
-                    <a:lnTo>
-                      <a:pt x="2816645" y="2829248"/>
-                    </a:lnTo>
-                    <a:lnTo>
-                      <a:pt x="0" y="2829248"/>
-                    </a:lnTo>
-                    <a:close/>
-                  </a:path>
-                </a:pathLst>
-              </a:custGeom>
-              <a:solidFill>
-                <a:srgbClr val="858789"/>
-              </a:solidFill>
-            </p:spPr>
-          </p:sp>
-          <p:sp>
-            <p:nvSpPr>
-              <p:cNvPr id="14" name="TextBox 14"/>
-              <p:cNvSpPr txBox="1"/>
-              <p:nvPr/>
-            </p:nvSpPr>
-            <p:spPr>
-              <a:xfrm>
-                <a:off x="0" y="-123825"/>
-                <a:ext cx="2816645" cy="2953073"/>
-              </a:xfrm>
-              <a:prstGeom prst="rect">
-                <a:avLst/>
-              </a:prstGeom>
-            </p:spPr>
-            <p:txBody>
-              <a:bodyPr lIns="50800" tIns="50800" rIns="50800" bIns="50800" rtlCol="0" anchor="ctr"/>
-              <a:lstStyle/>
-              <a:p>
-                <a:pPr algn="ctr">
-                  <a:lnSpc>
-                    <a:spcPts val="2659"/>
-                  </a:lnSpc>
-                  <a:spcBef>
-                    <a:spcPct val="0"/>
-                  </a:spcBef>
-                </a:pPr>
-                <a:endParaRPr/>
-              </a:p>
-            </p:txBody>
-          </p:sp>
-        </p:grpSp>
-      </p:grpSp>
-      <p:grpSp>
-        <p:nvGrpSpPr>
-          <p:cNvPr id="15" name="Group 15"/>
-          <p:cNvGrpSpPr/>
-          <p:nvPr/>
-        </p:nvGrpSpPr>
-        <p:grpSpPr>
-          <a:xfrm rot="2124477">
-            <a:off x="15979122" y="5429903"/>
-            <a:ext cx="9808447" cy="9331824"/>
-            <a:chOff x="0" y="0"/>
-            <a:chExt cx="13077930" cy="12442432"/>
-          </a:xfrm>
-        </p:grpSpPr>
-        <p:grpSp>
-          <p:nvGrpSpPr>
-            <p:cNvPr id="16" name="Group 16"/>
-            <p:cNvGrpSpPr/>
-            <p:nvPr/>
-          </p:nvGrpSpPr>
-          <p:grpSpPr>
-            <a:xfrm rot="2252144">
-              <a:off x="1498251" y="1484738"/>
-              <a:ext cx="7399579" cy="7432687"/>
-              <a:chOff x="0" y="0"/>
-              <a:chExt cx="2816645" cy="2829248"/>
-            </a:xfrm>
-          </p:grpSpPr>
-          <p:sp>
-            <p:nvSpPr>
-              <p:cNvPr id="17" name="Freeform 17"/>
-              <p:cNvSpPr/>
-              <p:nvPr/>
-            </p:nvSpPr>
-            <p:spPr>
-              <a:xfrm>
-                <a:off x="0" y="0"/>
-                <a:ext cx="2816645" cy="2829248"/>
-              </a:xfrm>
-              <a:custGeom>
-                <a:avLst/>
-                <a:gdLst/>
-                <a:ahLst/>
-                <a:cxnLst/>
-                <a:rect l="l" t="t" r="r" b="b"/>
-                <a:pathLst>
-                  <a:path w="2816645" h="2829248">
-                    <a:moveTo>
-                      <a:pt x="0" y="0"/>
-                    </a:moveTo>
-                    <a:lnTo>
-                      <a:pt x="2816645" y="0"/>
-                    </a:lnTo>
-                    <a:lnTo>
-                      <a:pt x="2816645" y="2829248"/>
-                    </a:lnTo>
-                    <a:lnTo>
-                      <a:pt x="0" y="2829248"/>
-                    </a:lnTo>
-                    <a:close/>
-                  </a:path>
-                </a:pathLst>
-              </a:custGeom>
-              <a:solidFill>
-                <a:srgbClr val="243342"/>
-              </a:solidFill>
-            </p:spPr>
-          </p:sp>
-          <p:sp>
-            <p:nvSpPr>
-              <p:cNvPr id="18" name="TextBox 18"/>
-              <p:cNvSpPr txBox="1"/>
-              <p:nvPr/>
-            </p:nvSpPr>
-            <p:spPr>
-              <a:xfrm>
-                <a:off x="0" y="-123825"/>
-                <a:ext cx="2816645" cy="2953073"/>
-              </a:xfrm>
-              <a:prstGeom prst="rect">
-                <a:avLst/>
-              </a:prstGeom>
-            </p:spPr>
-            <p:txBody>
-              <a:bodyPr lIns="50800" tIns="50800" rIns="50800" bIns="50800" rtlCol="0" anchor="ctr"/>
-              <a:lstStyle/>
-              <a:p>
-                <a:pPr algn="ctr">
-                  <a:lnSpc>
-                    <a:spcPts val="2659"/>
-                  </a:lnSpc>
-                  <a:spcBef>
-                    <a:spcPct val="0"/>
-                  </a:spcBef>
-                </a:pPr>
-                <a:endParaRPr/>
-              </a:p>
-            </p:txBody>
-          </p:sp>
-        </p:grpSp>
-        <p:grpSp>
-          <p:nvGrpSpPr>
-            <p:cNvPr id="19" name="Group 19"/>
-            <p:cNvGrpSpPr/>
-            <p:nvPr/>
-          </p:nvGrpSpPr>
-          <p:grpSpPr>
-            <a:xfrm rot="2252144">
-              <a:off x="2397493" y="3224228"/>
-              <a:ext cx="7399579" cy="7432687"/>
-              <a:chOff x="0" y="0"/>
-              <a:chExt cx="2816645" cy="2829248"/>
-            </a:xfrm>
-          </p:grpSpPr>
-          <p:sp>
-            <p:nvSpPr>
-              <p:cNvPr id="20" name="Freeform 20"/>
-              <p:cNvSpPr/>
-              <p:nvPr/>
-            </p:nvSpPr>
-            <p:spPr>
-              <a:xfrm>
-                <a:off x="0" y="0"/>
-                <a:ext cx="2816645" cy="2829248"/>
-              </a:xfrm>
-              <a:custGeom>
-                <a:avLst/>
-                <a:gdLst/>
-                <a:ahLst/>
-                <a:cxnLst/>
-                <a:rect l="l" t="t" r="r" b="b"/>
-                <a:pathLst>
-                  <a:path w="2816645" h="2829248">
-                    <a:moveTo>
-                      <a:pt x="0" y="0"/>
-                    </a:moveTo>
-                    <a:lnTo>
-                      <a:pt x="2816645" y="0"/>
-                    </a:lnTo>
-                    <a:lnTo>
-                      <a:pt x="2816645" y="2829248"/>
-                    </a:lnTo>
-                    <a:lnTo>
-                      <a:pt x="0" y="2829248"/>
-                    </a:lnTo>
-                    <a:close/>
-                  </a:path>
-                </a:pathLst>
-              </a:custGeom>
-              <a:solidFill>
-                <a:srgbClr val="535659"/>
-              </a:solidFill>
-            </p:spPr>
-          </p:sp>
-          <p:sp>
-            <p:nvSpPr>
-              <p:cNvPr id="21" name="TextBox 21"/>
-              <p:cNvSpPr txBox="1"/>
-              <p:nvPr/>
-            </p:nvSpPr>
-            <p:spPr>
-              <a:xfrm>
-                <a:off x="0" y="-123825"/>
-                <a:ext cx="2816645" cy="2953073"/>
-              </a:xfrm>
-              <a:prstGeom prst="rect">
-                <a:avLst/>
-              </a:prstGeom>
-            </p:spPr>
-            <p:txBody>
-              <a:bodyPr lIns="50800" tIns="50800" rIns="50800" bIns="50800" rtlCol="0" anchor="ctr"/>
-              <a:lstStyle/>
-              <a:p>
-                <a:pPr algn="ctr">
-                  <a:lnSpc>
-                    <a:spcPts val="2659"/>
-                  </a:lnSpc>
-                  <a:spcBef>
-                    <a:spcPct val="0"/>
-                  </a:spcBef>
-                </a:pPr>
-                <a:endParaRPr/>
-              </a:p>
-            </p:txBody>
-          </p:sp>
-        </p:grpSp>
-        <p:grpSp>
-          <p:nvGrpSpPr>
-            <p:cNvPr id="22" name="Group 22"/>
-            <p:cNvGrpSpPr/>
-            <p:nvPr/>
-          </p:nvGrpSpPr>
-          <p:grpSpPr>
-            <a:xfrm rot="2252144">
-              <a:off x="4180100" y="3525007"/>
-              <a:ext cx="7399579" cy="7432687"/>
-              <a:chOff x="0" y="0"/>
-              <a:chExt cx="2816645" cy="2829248"/>
-            </a:xfrm>
-          </p:grpSpPr>
-          <p:sp>
-            <p:nvSpPr>
-              <p:cNvPr id="23" name="Freeform 23"/>
-              <p:cNvSpPr/>
-              <p:nvPr/>
-            </p:nvSpPr>
-            <p:spPr>
-              <a:xfrm>
-                <a:off x="0" y="0"/>
-                <a:ext cx="2816645" cy="2829248"/>
-              </a:xfrm>
-              <a:custGeom>
-                <a:avLst/>
-                <a:gdLst/>
-                <a:ahLst/>
-                <a:cxnLst/>
-                <a:rect l="l" t="t" r="r" b="b"/>
-                <a:pathLst>
-                  <a:path w="2816645" h="2829248">
-                    <a:moveTo>
-                      <a:pt x="0" y="0"/>
-                    </a:moveTo>
-                    <a:lnTo>
-                      <a:pt x="2816645" y="0"/>
-                    </a:lnTo>
-                    <a:lnTo>
-                      <a:pt x="2816645" y="2829248"/>
-                    </a:lnTo>
-                    <a:lnTo>
-                      <a:pt x="0" y="2829248"/>
-                    </a:lnTo>
-                    <a:close/>
-                  </a:path>
-                </a:pathLst>
-              </a:custGeom>
-              <a:solidFill>
-                <a:srgbClr val="858789"/>
-              </a:solidFill>
-            </p:spPr>
-          </p:sp>
-          <p:sp>
-            <p:nvSpPr>
-              <p:cNvPr id="24" name="TextBox 24"/>
-              <p:cNvSpPr txBox="1"/>
-              <p:nvPr/>
-            </p:nvSpPr>
-            <p:spPr>
-              <a:xfrm>
-                <a:off x="0" y="-123825"/>
-                <a:ext cx="2816645" cy="2953073"/>
-              </a:xfrm>
-              <a:prstGeom prst="rect">
-                <a:avLst/>
-              </a:prstGeom>
-            </p:spPr>
-            <p:txBody>
-              <a:bodyPr lIns="50800" tIns="50800" rIns="50800" bIns="50800" rtlCol="0" anchor="ctr"/>
-              <a:lstStyle/>
-              <a:p>
-                <a:pPr algn="ctr">
-                  <a:lnSpc>
-                    <a:spcPts val="2659"/>
-                  </a:lnSpc>
-                  <a:spcBef>
-                    <a:spcPct val="0"/>
-                  </a:spcBef>
-                </a:pPr>
-                <a:endParaRPr/>
-              </a:p>
-            </p:txBody>
-          </p:sp>
-        </p:grpSp>
-      </p:grpSp>
-      <p:sp>
-        <p:nvSpPr>
-          <p:cNvPr id="26" name="TextBox 26"/>
-          <p:cNvSpPr txBox="1"/>
-          <p:nvPr/>
-        </p:nvSpPr>
-        <p:spPr>
-          <a:xfrm>
-            <a:off x="1807230" y="1877007"/>
-            <a:ext cx="12221487" cy="497637"/>
-          </a:xfrm>
-          <a:prstGeom prst="rect">
-            <a:avLst/>
-          </a:prstGeom>
-        </p:spPr>
-        <p:txBody>
-          <a:bodyPr wrap="square" lIns="0" tIns="0" rIns="0" bIns="0" rtlCol="0" anchor="t">
-            <a:spAutoFit/>
-          </a:bodyPr>
-          <a:lstStyle/>
-          <a:p>
-            <a:pPr>
-              <a:lnSpc>
-                <a:spcPts val="3680"/>
-              </a:lnSpc>
-            </a:pPr>
-            <a:r>
-              <a:rPr lang="en-US" sz="4000" b="1" dirty="0" smtClean="0"/>
-              <a:t>1. </a:t>
-            </a:r>
-            <a:r>
-              <a:rPr lang="en-US" sz="4000" dirty="0" err="1"/>
-              <a:t>Waktu</a:t>
-            </a:r>
-            <a:r>
-              <a:rPr lang="en-US" sz="4000" dirty="0"/>
-              <a:t> </a:t>
-            </a:r>
-            <a:r>
-              <a:rPr lang="en-US" sz="4000" dirty="0" err="1"/>
-              <a:t>Pengembangan</a:t>
-            </a:r>
-            <a:r>
-              <a:rPr lang="en-US" sz="4000" dirty="0"/>
-              <a:t> yang </a:t>
-            </a:r>
-            <a:r>
-              <a:rPr lang="en-US" sz="4000" dirty="0" err="1"/>
-              <a:t>Lebih</a:t>
-            </a:r>
-            <a:r>
-              <a:rPr lang="en-US" sz="4000" dirty="0"/>
-              <a:t> </a:t>
-            </a:r>
-            <a:r>
-              <a:rPr lang="en-US" sz="4000" dirty="0" err="1"/>
-              <a:t>Cepat</a:t>
-            </a:r>
-            <a:endParaRPr lang="en-US" sz="4000" b="1" dirty="0">
-              <a:solidFill>
-                <a:srgbClr val="000000"/>
-              </a:solidFill>
-              <a:latin typeface="Karnchang Bold"/>
-            </a:endParaRPr>
-          </a:p>
-        </p:txBody>
-      </p:sp>
-      <p:sp>
-        <p:nvSpPr>
-          <p:cNvPr id="27" name="TextBox 27"/>
-          <p:cNvSpPr txBox="1"/>
-          <p:nvPr/>
-        </p:nvSpPr>
-        <p:spPr>
-          <a:xfrm>
-            <a:off x="2240628" y="3530353"/>
-            <a:ext cx="13337117" cy="1439305"/>
-          </a:xfrm>
-          <a:prstGeom prst="rect">
-            <a:avLst/>
-          </a:prstGeom>
-        </p:spPr>
-        <p:txBody>
-          <a:bodyPr lIns="0" tIns="0" rIns="0" bIns="0" rtlCol="0" anchor="t">
-            <a:spAutoFit/>
-          </a:bodyPr>
-          <a:lstStyle/>
-          <a:p>
-            <a:pPr>
-              <a:lnSpc>
-                <a:spcPts val="3779"/>
-              </a:lnSpc>
-            </a:pPr>
-            <a:r>
-              <a:rPr lang="en-US" sz="2800" dirty="0"/>
-              <a:t>Library </a:t>
-            </a:r>
-            <a:r>
-              <a:rPr lang="en-US" sz="2800" dirty="0" err="1"/>
-              <a:t>atau</a:t>
-            </a:r>
-            <a:r>
-              <a:rPr lang="en-US" sz="2800" dirty="0"/>
-              <a:t> </a:t>
-            </a:r>
-            <a:r>
-              <a:rPr lang="en-US" sz="2800" dirty="0" err="1"/>
-              <a:t>komponen</a:t>
-            </a:r>
-            <a:r>
-              <a:rPr lang="en-US" sz="2800" dirty="0"/>
-              <a:t> pre-existing </a:t>
-            </a:r>
-            <a:r>
-              <a:rPr lang="en-US" sz="2800" dirty="0" err="1"/>
-              <a:t>telah</a:t>
-            </a:r>
-            <a:r>
-              <a:rPr lang="en-US" sz="2800" dirty="0"/>
-              <a:t> </a:t>
-            </a:r>
-            <a:r>
-              <a:rPr lang="en-US" sz="2800" dirty="0" err="1"/>
-              <a:t>diuji</a:t>
-            </a:r>
-            <a:r>
-              <a:rPr lang="en-US" sz="2800" dirty="0"/>
-              <a:t> </a:t>
-            </a:r>
-            <a:r>
-              <a:rPr lang="en-US" sz="2800" dirty="0" err="1"/>
-              <a:t>dan</a:t>
-            </a:r>
-            <a:r>
-              <a:rPr lang="en-US" sz="2800" dirty="0"/>
-              <a:t> </a:t>
-            </a:r>
-            <a:r>
-              <a:rPr lang="en-US" sz="2800" dirty="0" err="1"/>
-              <a:t>dikembangkan</a:t>
-            </a:r>
-            <a:r>
-              <a:rPr lang="en-US" sz="2800" dirty="0"/>
-              <a:t> </a:t>
-            </a:r>
-            <a:r>
-              <a:rPr lang="en-US" sz="2800" dirty="0" err="1"/>
-              <a:t>oleh</a:t>
-            </a:r>
-            <a:r>
-              <a:rPr lang="en-US" sz="2800" dirty="0"/>
-              <a:t> </a:t>
-            </a:r>
-            <a:r>
-              <a:rPr lang="en-US" sz="2800" dirty="0" err="1"/>
-              <a:t>komunitas</a:t>
-            </a:r>
-            <a:r>
-              <a:rPr lang="en-US" sz="2800" dirty="0"/>
-              <a:t> </a:t>
-            </a:r>
-            <a:r>
-              <a:rPr lang="en-US" sz="2800" dirty="0" err="1"/>
-              <a:t>atau</a:t>
-            </a:r>
-            <a:r>
-              <a:rPr lang="en-US" sz="2800" dirty="0"/>
-              <a:t> </a:t>
-            </a:r>
-            <a:r>
-              <a:rPr lang="en-US" sz="2800" dirty="0" err="1"/>
-              <a:t>tim</a:t>
-            </a:r>
-            <a:r>
-              <a:rPr lang="en-US" sz="2800" dirty="0"/>
-              <a:t> </a:t>
-            </a:r>
-            <a:r>
-              <a:rPr lang="en-US" sz="2800" dirty="0" err="1"/>
-              <a:t>pengembang</a:t>
-            </a:r>
-            <a:r>
-              <a:rPr lang="en-US" sz="2800" dirty="0"/>
-              <a:t> lain. </a:t>
-            </a:r>
-            <a:r>
-              <a:rPr lang="en-US" sz="2800" dirty="0" err="1"/>
-              <a:t>Dengan</a:t>
-            </a:r>
-            <a:r>
-              <a:rPr lang="en-US" sz="2800" dirty="0"/>
-              <a:t> </a:t>
-            </a:r>
-            <a:r>
-              <a:rPr lang="en-US" sz="2800" dirty="0" err="1"/>
-              <a:t>menggunakannya</a:t>
-            </a:r>
-            <a:r>
-              <a:rPr lang="en-US" sz="2800" dirty="0"/>
-              <a:t>, </a:t>
-            </a:r>
-            <a:r>
-              <a:rPr lang="en-US" sz="2800" dirty="0" err="1"/>
-              <a:t>Anda</a:t>
-            </a:r>
-            <a:r>
-              <a:rPr lang="en-US" sz="2800" dirty="0"/>
-              <a:t> </a:t>
-            </a:r>
-            <a:r>
-              <a:rPr lang="en-US" sz="2800" dirty="0" err="1"/>
-              <a:t>dapat</a:t>
-            </a:r>
-            <a:r>
-              <a:rPr lang="en-US" sz="2800" dirty="0"/>
-              <a:t> </a:t>
-            </a:r>
-            <a:r>
-              <a:rPr lang="en-US" sz="2800" dirty="0" err="1"/>
-              <a:t>menghemat</a:t>
-            </a:r>
-            <a:r>
-              <a:rPr lang="en-US" sz="2800" dirty="0"/>
-              <a:t> </a:t>
-            </a:r>
-            <a:r>
-              <a:rPr lang="en-US" sz="2800" dirty="0" err="1"/>
-              <a:t>waktu</a:t>
-            </a:r>
-            <a:r>
-              <a:rPr lang="en-US" sz="2800" dirty="0"/>
-              <a:t> yang </a:t>
-            </a:r>
-            <a:r>
-              <a:rPr lang="en-US" sz="2800" dirty="0" err="1"/>
-              <a:t>seharusnya</a:t>
-            </a:r>
-            <a:r>
-              <a:rPr lang="en-US" sz="2800" dirty="0"/>
-              <a:t> </a:t>
-            </a:r>
-            <a:r>
-              <a:rPr lang="en-US" sz="2800" dirty="0" err="1"/>
-              <a:t>digunakan</a:t>
-            </a:r>
-            <a:r>
-              <a:rPr lang="en-US" sz="2800" dirty="0"/>
-              <a:t> </a:t>
-            </a:r>
-            <a:r>
-              <a:rPr lang="en-US" sz="2800" dirty="0" err="1"/>
-              <a:t>untuk</a:t>
-            </a:r>
-            <a:r>
-              <a:rPr lang="en-US" sz="2800" dirty="0"/>
-              <a:t> </a:t>
-            </a:r>
-            <a:r>
-              <a:rPr lang="en-US" sz="2800" dirty="0" err="1"/>
-              <a:t>mengimplementasikan</a:t>
-            </a:r>
-            <a:r>
-              <a:rPr lang="en-US" sz="2800" dirty="0"/>
-              <a:t> </a:t>
-            </a:r>
-            <a:r>
-              <a:rPr lang="en-US" sz="2800" dirty="0" err="1"/>
-              <a:t>fitur</a:t>
-            </a:r>
-            <a:r>
-              <a:rPr lang="en-US" sz="2800" dirty="0"/>
-              <a:t> </a:t>
-            </a:r>
-            <a:r>
-              <a:rPr lang="en-US" sz="2800" dirty="0" err="1"/>
-              <a:t>atau</a:t>
-            </a:r>
-            <a:r>
-              <a:rPr lang="en-US" sz="2800" dirty="0"/>
-              <a:t> </a:t>
-            </a:r>
-            <a:r>
-              <a:rPr lang="en-US" sz="2800" dirty="0" err="1"/>
-              <a:t>fungsi</a:t>
-            </a:r>
-            <a:r>
-              <a:rPr lang="en-US" sz="2800" dirty="0"/>
-              <a:t> </a:t>
-            </a:r>
-            <a:r>
-              <a:rPr lang="en-US" sz="2800" dirty="0" err="1"/>
-              <a:t>dari</a:t>
-            </a:r>
-            <a:r>
-              <a:rPr lang="en-US" sz="2800" dirty="0"/>
-              <a:t> </a:t>
-            </a:r>
-            <a:r>
-              <a:rPr lang="en-US" sz="2800" dirty="0" err="1"/>
-              <a:t>awal</a:t>
-            </a:r>
-            <a:r>
-              <a:rPr lang="en-US" sz="2800" dirty="0"/>
-              <a:t>.</a:t>
-            </a:r>
-            <a:endParaRPr lang="en-US" sz="2700" dirty="0">
-              <a:solidFill>
-                <a:srgbClr val="000000"/>
-              </a:solidFill>
-              <a:latin typeface="Karnchang"/>
-            </a:endParaRPr>
-          </a:p>
-        </p:txBody>
-      </p:sp>
-    </p:spTree>
-    <p:extLst>
-      <p:ext uri="{BB962C8B-B14F-4D97-AF65-F5344CB8AC3E}">
-        <p14:creationId xmlns:p14="http://schemas.microsoft.com/office/powerpoint/2010/main" val="2156681290"/>
       </p:ext>
     </p:extLst>
   </p:cSld>
@@ -27947,7 +27634,7 @@
             <a:blip r:embed="rId2">
               <a:extLst>
                 <a:ext uri="{96DAC541-7B7A-43D3-8B79-37D633B846F1}">
-                  <asvg:svgBlip xmlns:asvg="http://schemas.microsoft.com/office/drawing/2016/SVG/main" xmlns="" r:embed="rId3"/>
+                  <asvg:svgBlip xmlns="" xmlns:asvg="http://schemas.microsoft.com/office/drawing/2016/SVG/main" r:embed="rId3"/>
                 </a:ext>
               </a:extLst>
             </a:blip>
@@ -29462,7 +29149,7 @@
         <p:spPr>
           <a:xfrm>
             <a:off x="1807230" y="1877007"/>
-            <a:ext cx="12221487" cy="474489"/>
+            <a:ext cx="12221487" cy="497637"/>
           </a:xfrm>
           <a:prstGeom prst="rect">
             <a:avLst/>
@@ -29480,16 +29167,12 @@
               </a:lnSpc>
             </a:pPr>
             <a:r>
-              <a:rPr lang="en-US" sz="4000" b="1" dirty="0"/>
-              <a:t>2</a:t>
-            </a:r>
-            <a:r>
               <a:rPr lang="en-US" sz="4000" b="1" dirty="0" smtClean="0"/>
-              <a:t>. </a:t>
+              <a:t>1. </a:t>
             </a:r>
             <a:r>
               <a:rPr lang="en-US" sz="4000" dirty="0" err="1"/>
-              <a:t>Keandalan</a:t>
+              <a:t>Waktu</a:t>
             </a:r>
             <a:r>
               <a:rPr lang="en-US" sz="4000" dirty="0"/>
@@ -29497,15 +29180,23 @@
             </a:r>
             <a:r>
               <a:rPr lang="en-US" sz="4000" dirty="0" err="1"/>
-              <a:t>dan</a:t>
+              <a:t>Pengembangan</a:t>
             </a:r>
             <a:r>
               <a:rPr lang="en-US" sz="4000" dirty="0"/>
-              <a:t> </a:t>
+              <a:t> yang </a:t>
             </a:r>
             <a:r>
               <a:rPr lang="en-US" sz="4000" dirty="0" err="1"/>
-              <a:t>Kualitas</a:t>
+              <a:t>Lebih</a:t>
+            </a:r>
+            <a:r>
+              <a:rPr lang="en-US" sz="4000" dirty="0"/>
+              <a:t> </a:t>
+            </a:r>
+            <a:r>
+              <a:rPr lang="en-US" sz="4000" dirty="0" err="1"/>
+              <a:t>Cepat</a:t>
             </a:r>
             <a:endParaRPr lang="en-US" sz="4000" b="1" dirty="0">
               <a:solidFill>
@@ -29544,11 +29235,11 @@
             </a:pPr>
             <a:r>
               <a:rPr lang="en-US" sz="2800" dirty="0"/>
-              <a:t>Library yang </a:t>
+              <a:t>Library </a:t>
             </a:r>
             <a:r>
               <a:rPr lang="en-US" sz="2800" dirty="0" err="1"/>
-              <a:t>populer</a:t>
+              <a:t>atau</a:t>
             </a:r>
             <a:r>
               <a:rPr lang="en-US" sz="2800" dirty="0"/>
@@ -29556,11 +29247,11 @@
             </a:r>
             <a:r>
               <a:rPr lang="en-US" sz="2800" dirty="0" err="1"/>
-              <a:t>biasanya</a:t>
+              <a:t>komponen</a:t>
             </a:r>
             <a:r>
               <a:rPr lang="en-US" sz="2800" dirty="0"/>
-              <a:t> </a:t>
+              <a:t> pre-existing </a:t>
             </a:r>
             <a:r>
               <a:rPr lang="en-US" sz="2800" dirty="0" err="1"/>
@@ -29572,15 +29263,111 @@
             </a:r>
             <a:r>
               <a:rPr lang="en-US" sz="2800" dirty="0" err="1"/>
-              <a:t>melalui</a:t>
+              <a:t>diuji</a:t>
             </a:r>
             <a:r>
               <a:rPr lang="en-US" sz="2800" dirty="0"/>
-              <a:t> proses </a:t>
+              <a:t> </a:t>
             </a:r>
             <a:r>
               <a:rPr lang="en-US" sz="2800" dirty="0" err="1"/>
-              <a:t>pengujian</a:t>
+              <a:t>dan</a:t>
+            </a:r>
+            <a:r>
+              <a:rPr lang="en-US" sz="2800" dirty="0"/>
+              <a:t> </a:t>
+            </a:r>
+            <a:r>
+              <a:rPr lang="en-US" sz="2800" dirty="0" err="1"/>
+              <a:t>dikembangkan</a:t>
+            </a:r>
+            <a:r>
+              <a:rPr lang="en-US" sz="2800" dirty="0"/>
+              <a:t> </a:t>
+            </a:r>
+            <a:r>
+              <a:rPr lang="en-US" sz="2800" dirty="0" err="1"/>
+              <a:t>oleh</a:t>
+            </a:r>
+            <a:r>
+              <a:rPr lang="en-US" sz="2800" dirty="0"/>
+              <a:t> </a:t>
+            </a:r>
+            <a:r>
+              <a:rPr lang="en-US" sz="2800" dirty="0" err="1"/>
+              <a:t>komunitas</a:t>
+            </a:r>
+            <a:r>
+              <a:rPr lang="en-US" sz="2800" dirty="0"/>
+              <a:t> </a:t>
+            </a:r>
+            <a:r>
+              <a:rPr lang="en-US" sz="2800" dirty="0" err="1"/>
+              <a:t>atau</a:t>
+            </a:r>
+            <a:r>
+              <a:rPr lang="en-US" sz="2800" dirty="0"/>
+              <a:t> </a:t>
+            </a:r>
+            <a:r>
+              <a:rPr lang="en-US" sz="2800" dirty="0" err="1"/>
+              <a:t>tim</a:t>
+            </a:r>
+            <a:r>
+              <a:rPr lang="en-US" sz="2800" dirty="0"/>
+              <a:t> </a:t>
+            </a:r>
+            <a:r>
+              <a:rPr lang="en-US" sz="2800" dirty="0" err="1"/>
+              <a:t>pengembang</a:t>
+            </a:r>
+            <a:r>
+              <a:rPr lang="en-US" sz="2800" dirty="0"/>
+              <a:t> lain. </a:t>
+            </a:r>
+            <a:r>
+              <a:rPr lang="en-US" sz="2800" dirty="0" err="1"/>
+              <a:t>Dengan</a:t>
+            </a:r>
+            <a:r>
+              <a:rPr lang="en-US" sz="2800" dirty="0"/>
+              <a:t> </a:t>
+            </a:r>
+            <a:r>
+              <a:rPr lang="en-US" sz="2800" dirty="0" err="1"/>
+              <a:t>menggunakannya</a:t>
+            </a:r>
+            <a:r>
+              <a:rPr lang="en-US" sz="2800" dirty="0"/>
+              <a:t>, </a:t>
+            </a:r>
+            <a:r>
+              <a:rPr lang="en-US" sz="2800" dirty="0" err="1"/>
+              <a:t>Anda</a:t>
+            </a:r>
+            <a:r>
+              <a:rPr lang="en-US" sz="2800" dirty="0"/>
+              <a:t> </a:t>
+            </a:r>
+            <a:r>
+              <a:rPr lang="en-US" sz="2800" dirty="0" err="1"/>
+              <a:t>dapat</a:t>
+            </a:r>
+            <a:r>
+              <a:rPr lang="en-US" sz="2800" dirty="0"/>
+              <a:t> </a:t>
+            </a:r>
+            <a:r>
+              <a:rPr lang="en-US" sz="2800" dirty="0" err="1"/>
+              <a:t>menghemat</a:t>
+            </a:r>
+            <a:r>
+              <a:rPr lang="en-US" sz="2800" dirty="0"/>
+              <a:t> </a:t>
+            </a:r>
+            <a:r>
+              <a:rPr lang="en-US" sz="2800" dirty="0" err="1"/>
+              <a:t>waktu</a:t>
             </a:r>
             <a:r>
               <a:rPr lang="en-US" sz="2800" dirty="0"/>
@@ -29588,23 +29375,7 @@
             </a:r>
             <a:r>
               <a:rPr lang="en-US" sz="2800" dirty="0" err="1"/>
-              <a:t>ketat</a:t>
-            </a:r>
-            <a:r>
-              <a:rPr lang="en-US" sz="2800" dirty="0"/>
-              <a:t> </a:t>
-            </a:r>
-            <a:r>
-              <a:rPr lang="en-US" sz="2800" dirty="0" err="1"/>
-              <a:t>dan</a:t>
-            </a:r>
-            <a:r>
-              <a:rPr lang="en-US" sz="2800" dirty="0"/>
-              <a:t> </a:t>
-            </a:r>
-            <a:r>
-              <a:rPr lang="en-US" sz="2800" dirty="0" err="1"/>
-              <a:t>telah</a:t>
+              <a:t>seharusnya</a:t>
             </a:r>
             <a:r>
               <a:rPr lang="en-US" sz="2800" dirty="0"/>
@@ -29620,7 +29391,7 @@
             </a:r>
             <a:r>
               <a:rPr lang="en-US" sz="2800" dirty="0" err="1"/>
-              <a:t>oleh</a:t>
+              <a:t>untuk</a:t>
             </a:r>
             <a:r>
               <a:rPr lang="en-US" sz="2800" dirty="0"/>
@@ -29628,7 +29399,7 @@
             </a:r>
             <a:r>
               <a:rPr lang="en-US" sz="2800" dirty="0" err="1"/>
-              <a:t>banyak</a:t>
+              <a:t>mengimplementasikan</a:t>
             </a:r>
             <a:r>
               <a:rPr lang="en-US" sz="2800" dirty="0"/>
@@ -29636,15 +29407,15 @@
             </a:r>
             <a:r>
               <a:rPr lang="en-US" sz="2800" dirty="0" err="1"/>
-              <a:t>pengembang</a:t>
+              <a:t>fitur</a:t>
             </a:r>
             <a:r>
               <a:rPr lang="en-US" sz="2800" dirty="0"/>
-              <a:t>. </a:t>
+              <a:t> </a:t>
             </a:r>
             <a:r>
               <a:rPr lang="en-US" sz="2800" dirty="0" err="1"/>
-              <a:t>Ini</a:t>
+              <a:t>atau</a:t>
             </a:r>
             <a:r>
               <a:rPr lang="en-US" sz="2800" dirty="0"/>
@@ -29652,7 +29423,7 @@
             </a:r>
             <a:r>
               <a:rPr lang="en-US" sz="2800" dirty="0" err="1"/>
-              <a:t>berarti</a:t>
+              <a:t>fungsi</a:t>
             </a:r>
             <a:r>
               <a:rPr lang="en-US" sz="2800" dirty="0"/>
@@ -29660,7 +29431,7 @@
             </a:r>
             <a:r>
               <a:rPr lang="en-US" sz="2800" dirty="0" err="1"/>
-              <a:t>biasanya</a:t>
+              <a:t>dari</a:t>
             </a:r>
             <a:r>
               <a:rPr lang="en-US" sz="2800" dirty="0"/>
@@ -29668,55 +29439,7 @@
             </a:r>
             <a:r>
               <a:rPr lang="en-US" sz="2800" dirty="0" err="1"/>
-              <a:t>lebih</a:t>
-            </a:r>
-            <a:r>
-              <a:rPr lang="en-US" sz="2800" dirty="0"/>
-              <a:t> </a:t>
-            </a:r>
-            <a:r>
-              <a:rPr lang="en-US" sz="2800" dirty="0" err="1"/>
-              <a:t>andal</a:t>
-            </a:r>
-            <a:r>
-              <a:rPr lang="en-US" sz="2800" dirty="0"/>
-              <a:t> </a:t>
-            </a:r>
-            <a:r>
-              <a:rPr lang="en-US" sz="2800" dirty="0" err="1"/>
-              <a:t>dibandingkan</a:t>
-            </a:r>
-            <a:r>
-              <a:rPr lang="en-US" sz="2800" dirty="0"/>
-              <a:t> </a:t>
-            </a:r>
-            <a:r>
-              <a:rPr lang="en-US" sz="2800" dirty="0" err="1"/>
-              <a:t>dengan</a:t>
-            </a:r>
-            <a:r>
-              <a:rPr lang="en-US" sz="2800" dirty="0"/>
-              <a:t> </a:t>
-            </a:r>
-            <a:r>
-              <a:rPr lang="en-US" sz="2800" dirty="0" err="1"/>
-              <a:t>solusi</a:t>
-            </a:r>
-            <a:r>
-              <a:rPr lang="en-US" sz="2800" dirty="0"/>
-              <a:t> yang </a:t>
-            </a:r>
-            <a:r>
-              <a:rPr lang="en-US" sz="2800" dirty="0" err="1"/>
-              <a:t>dikembangkan</a:t>
-            </a:r>
-            <a:r>
-              <a:rPr lang="en-US" sz="2800" dirty="0"/>
-              <a:t> </a:t>
-            </a:r>
-            <a:r>
-              <a:rPr lang="en-US" sz="2800" dirty="0" err="1"/>
-              <a:t>sendiri</a:t>
+              <a:t>awal</a:t>
             </a:r>
             <a:r>
               <a:rPr lang="en-US" sz="2800" dirty="0"/>
@@ -29734,7 +29457,7 @@
     </p:spTree>
     <p:extLst>
       <p:ext uri="{BB962C8B-B14F-4D97-AF65-F5344CB8AC3E}">
-        <p14:creationId xmlns:p14="http://schemas.microsoft.com/office/powerpoint/2010/main" val="1058604523"/>
+        <p14:creationId xmlns:p14="http://schemas.microsoft.com/office/powerpoint/2010/main" val="2156681290"/>
       </p:ext>
     </p:extLst>
   </p:cSld>
@@ -30477,12 +30200,16 @@
               </a:lnSpc>
             </a:pPr>
             <a:r>
+              <a:rPr lang="en-US" sz="4000" b="1" dirty="0"/>
+              <a:t>2</a:t>
+            </a:r>
+            <a:r>
               <a:rPr lang="en-US" sz="4000" b="1" dirty="0" smtClean="0"/>
-              <a:t>3. </a:t>
+              <a:t>. </a:t>
             </a:r>
             <a:r>
               <a:rPr lang="en-US" sz="4000" dirty="0" err="1"/>
-              <a:t>Fokus</a:t>
+              <a:t>Keandalan</a:t>
             </a:r>
             <a:r>
               <a:rPr lang="en-US" sz="4000" dirty="0"/>
@@ -30490,7 +30217,7 @@
             </a:r>
             <a:r>
               <a:rPr lang="en-US" sz="4000" dirty="0" err="1"/>
-              <a:t>pada</a:t>
+              <a:t>dan</a:t>
             </a:r>
             <a:r>
               <a:rPr lang="en-US" sz="4000" dirty="0"/>
@@ -30498,11 +30225,7 @@
             </a:r>
             <a:r>
               <a:rPr lang="en-US" sz="4000" dirty="0" err="1"/>
-              <a:t>Fungsionalitas</a:t>
-            </a:r>
-            <a:r>
-              <a:rPr lang="en-US" sz="4000" dirty="0"/>
-              <a:t> Inti</a:t>
+              <a:t>Kualitas</a:t>
             </a:r>
             <a:endParaRPr lang="en-US" sz="4000" b="1" dirty="0">
               <a:solidFill>
@@ -30522,7 +30245,7 @@
         <p:spPr>
           <a:xfrm>
             <a:off x="2240628" y="3530353"/>
-            <a:ext cx="13337117" cy="951992"/>
+            <a:ext cx="13337117" cy="1439305"/>
           </a:xfrm>
           <a:prstGeom prst="rect">
             <a:avLst/>
@@ -30540,8 +30263,12 @@
               </a:lnSpc>
             </a:pPr>
             <a:r>
+              <a:rPr lang="en-US" sz="2800" dirty="0"/>
+              <a:t>Library yang </a:t>
+            </a:r>
+            <a:r>
               <a:rPr lang="en-US" sz="2800" dirty="0" err="1"/>
-              <a:t>Dengan</a:t>
+              <a:t>populer</a:t>
             </a:r>
             <a:r>
               <a:rPr lang="en-US" sz="2800" dirty="0"/>
@@ -30549,15 +30276,15 @@
             </a:r>
             <a:r>
               <a:rPr lang="en-US" sz="2800" dirty="0" err="1"/>
-              <a:t>menggunakan</a:t>
+              <a:t>biasanya</a:t>
             </a:r>
             <a:r>
               <a:rPr lang="en-US" sz="2800" dirty="0"/>
-              <a:t> library, </a:t>
+              <a:t> </a:t>
             </a:r>
             <a:r>
               <a:rPr lang="en-US" sz="2800" dirty="0" err="1"/>
-              <a:t>Anda</a:t>
+              <a:t>telah</a:t>
             </a:r>
             <a:r>
               <a:rPr lang="en-US" sz="2800" dirty="0"/>
@@ -30565,87 +30292,15 @@
             </a:r>
             <a:r>
               <a:rPr lang="en-US" sz="2800" dirty="0" err="1"/>
-              <a:t>dapat</a:t>
+              <a:t>melalui</a:t>
             </a:r>
             <a:r>
               <a:rPr lang="en-US" sz="2800" dirty="0"/>
-              <a:t> </a:t>
+              <a:t> proses </a:t>
             </a:r>
             <a:r>
               <a:rPr lang="en-US" sz="2800" dirty="0" err="1"/>
-              <a:t>fokus</a:t>
-            </a:r>
-            <a:r>
-              <a:rPr lang="en-US" sz="2800" dirty="0"/>
-              <a:t> </a:t>
-            </a:r>
-            <a:r>
-              <a:rPr lang="en-US" sz="2800" dirty="0" err="1"/>
-              <a:t>pada</a:t>
-            </a:r>
-            <a:r>
-              <a:rPr lang="en-US" sz="2800" dirty="0"/>
-              <a:t> </a:t>
-            </a:r>
-            <a:r>
-              <a:rPr lang="en-US" sz="2800" dirty="0" err="1"/>
-              <a:t>pengembangan</a:t>
-            </a:r>
-            <a:r>
-              <a:rPr lang="en-US" sz="2800" dirty="0"/>
-              <a:t> </a:t>
-            </a:r>
-            <a:r>
-              <a:rPr lang="en-US" sz="2800" dirty="0" err="1"/>
-              <a:t>fungsionalitas</a:t>
-            </a:r>
-            <a:r>
-              <a:rPr lang="en-US" sz="2800" dirty="0"/>
-              <a:t> inti </a:t>
-            </a:r>
-            <a:r>
-              <a:rPr lang="en-US" sz="2800" dirty="0" err="1"/>
-              <a:t>aplikasi</a:t>
-            </a:r>
-            <a:r>
-              <a:rPr lang="en-US" sz="2800" dirty="0"/>
-              <a:t> </a:t>
-            </a:r>
-            <a:r>
-              <a:rPr lang="en-US" sz="2800" dirty="0" err="1"/>
-              <a:t>Anda</a:t>
-            </a:r>
-            <a:r>
-              <a:rPr lang="en-US" sz="2800" dirty="0"/>
-              <a:t> </a:t>
-            </a:r>
-            <a:r>
-              <a:rPr lang="en-US" sz="2800" dirty="0" err="1"/>
-              <a:t>tanpa</a:t>
-            </a:r>
-            <a:r>
-              <a:rPr lang="en-US" sz="2800" dirty="0"/>
-              <a:t> </a:t>
-            </a:r>
-            <a:r>
-              <a:rPr lang="en-US" sz="2800" dirty="0" err="1"/>
-              <a:t>harus</a:t>
-            </a:r>
-            <a:r>
-              <a:rPr lang="en-US" sz="2800" dirty="0"/>
-              <a:t> </a:t>
-            </a:r>
-            <a:r>
-              <a:rPr lang="en-US" sz="2800" dirty="0" err="1"/>
-              <a:t>memikirkan</a:t>
-            </a:r>
-            <a:r>
-              <a:rPr lang="en-US" sz="2800" dirty="0"/>
-              <a:t> detail </a:t>
-            </a:r>
-            <a:r>
-              <a:rPr lang="en-US" sz="2800" dirty="0" err="1"/>
-              <a:t>implementasi</a:t>
+              <a:t>pengujian</a:t>
             </a:r>
             <a:r>
               <a:rPr lang="en-US" sz="2800" dirty="0"/>
@@ -30653,6 +30308,86 @@
             </a:r>
             <a:r>
               <a:rPr lang="en-US" sz="2800" dirty="0" err="1"/>
+              <a:t>ketat</a:t>
+            </a:r>
+            <a:r>
+              <a:rPr lang="en-US" sz="2800" dirty="0"/>
+              <a:t> </a:t>
+            </a:r>
+            <a:r>
+              <a:rPr lang="en-US" sz="2800" dirty="0" err="1"/>
+              <a:t>dan</a:t>
+            </a:r>
+            <a:r>
+              <a:rPr lang="en-US" sz="2800" dirty="0"/>
+              <a:t> </a:t>
+            </a:r>
+            <a:r>
+              <a:rPr lang="en-US" sz="2800" dirty="0" err="1"/>
+              <a:t>telah</a:t>
+            </a:r>
+            <a:r>
+              <a:rPr lang="en-US" sz="2800" dirty="0"/>
+              <a:t> </a:t>
+            </a:r>
+            <a:r>
+              <a:rPr lang="en-US" sz="2800" dirty="0" err="1"/>
+              <a:t>digunakan</a:t>
+            </a:r>
+            <a:r>
+              <a:rPr lang="en-US" sz="2800" dirty="0"/>
+              <a:t> </a:t>
+            </a:r>
+            <a:r>
+              <a:rPr lang="en-US" sz="2800" dirty="0" err="1"/>
+              <a:t>oleh</a:t>
+            </a:r>
+            <a:r>
+              <a:rPr lang="en-US" sz="2800" dirty="0"/>
+              <a:t> </a:t>
+            </a:r>
+            <a:r>
+              <a:rPr lang="en-US" sz="2800" dirty="0" err="1"/>
+              <a:t>banyak</a:t>
+            </a:r>
+            <a:r>
+              <a:rPr lang="en-US" sz="2800" dirty="0"/>
+              <a:t> </a:t>
+            </a:r>
+            <a:r>
+              <a:rPr lang="en-US" sz="2800" dirty="0" err="1"/>
+              <a:t>pengembang</a:t>
+            </a:r>
+            <a:r>
+              <a:rPr lang="en-US" sz="2800" dirty="0"/>
+              <a:t>. </a:t>
+            </a:r>
+            <a:r>
+              <a:rPr lang="en-US" sz="2800" dirty="0" err="1"/>
+              <a:t>Ini</a:t>
+            </a:r>
+            <a:r>
+              <a:rPr lang="en-US" sz="2800" dirty="0"/>
+              <a:t> </a:t>
+            </a:r>
+            <a:r>
+              <a:rPr lang="en-US" sz="2800" dirty="0" err="1"/>
+              <a:t>berarti</a:t>
+            </a:r>
+            <a:r>
+              <a:rPr lang="en-US" sz="2800" dirty="0"/>
+              <a:t> </a:t>
+            </a:r>
+            <a:r>
+              <a:rPr lang="en-US" sz="2800" dirty="0" err="1"/>
+              <a:t>biasanya</a:t>
+            </a:r>
+            <a:r>
+              <a:rPr lang="en-US" sz="2800" dirty="0"/>
+              <a:t> </a:t>
+            </a:r>
+            <a:r>
+              <a:rPr lang="en-US" sz="2800" dirty="0" err="1"/>
               <a:t>lebih</a:t>
             </a:r>
             <a:r>
@@ -30661,7 +30396,47 @@
             </a:r>
             <a:r>
               <a:rPr lang="en-US" sz="2800" dirty="0" err="1"/>
-              <a:t>rendah</a:t>
+              <a:t>andal</a:t>
+            </a:r>
+            <a:r>
+              <a:rPr lang="en-US" sz="2800" dirty="0"/>
+              <a:t> </a:t>
+            </a:r>
+            <a:r>
+              <a:rPr lang="en-US" sz="2800" dirty="0" err="1"/>
+              <a:t>dibandingkan</a:t>
+            </a:r>
+            <a:r>
+              <a:rPr lang="en-US" sz="2800" dirty="0"/>
+              <a:t> </a:t>
+            </a:r>
+            <a:r>
+              <a:rPr lang="en-US" sz="2800" dirty="0" err="1"/>
+              <a:t>dengan</a:t>
+            </a:r>
+            <a:r>
+              <a:rPr lang="en-US" sz="2800" dirty="0"/>
+              <a:t> </a:t>
+            </a:r>
+            <a:r>
+              <a:rPr lang="en-US" sz="2800" dirty="0" err="1"/>
+              <a:t>solusi</a:t>
+            </a:r>
+            <a:r>
+              <a:rPr lang="en-US" sz="2800" dirty="0"/>
+              <a:t> yang </a:t>
+            </a:r>
+            <a:r>
+              <a:rPr lang="en-US" sz="2800" dirty="0" err="1"/>
+              <a:t>dikembangkan</a:t>
+            </a:r>
+            <a:r>
+              <a:rPr lang="en-US" sz="2800" dirty="0"/>
+              <a:t> </a:t>
+            </a:r>
+            <a:r>
+              <a:rPr lang="en-US" sz="2800" dirty="0" err="1"/>
+              <a:t>sendiri</a:t>
             </a:r>
             <a:r>
               <a:rPr lang="en-US" sz="2800" dirty="0"/>
@@ -30679,7 +30454,7 @@
     </p:spTree>
     <p:extLst>
       <p:ext uri="{BB962C8B-B14F-4D97-AF65-F5344CB8AC3E}">
-        <p14:creationId xmlns:p14="http://schemas.microsoft.com/office/powerpoint/2010/main" val="3318507018"/>
+        <p14:creationId xmlns:p14="http://schemas.microsoft.com/office/powerpoint/2010/main" val="1058604523"/>
       </p:ext>
     </p:extLst>
   </p:cSld>
@@ -31423,11 +31198,11 @@
             </a:pPr>
             <a:r>
               <a:rPr lang="en-US" sz="4000" b="1" dirty="0" smtClean="0"/>
-              <a:t>4. </a:t>
+              <a:t>3. </a:t>
             </a:r>
             <a:r>
               <a:rPr lang="en-US" sz="4000" dirty="0" err="1"/>
-              <a:t>Dukungan</a:t>
+              <a:t>Fokus</a:t>
             </a:r>
             <a:r>
               <a:rPr lang="en-US" sz="4000" dirty="0"/>
@@ -31435,7 +31210,7 @@
             </a:r>
             <a:r>
               <a:rPr lang="en-US" sz="4000" dirty="0" err="1"/>
-              <a:t>dan</a:t>
+              <a:t>pada</a:t>
             </a:r>
             <a:r>
               <a:rPr lang="en-US" sz="4000" dirty="0"/>
@@ -31443,11 +31218,11 @@
             </a:r>
             <a:r>
               <a:rPr lang="en-US" sz="4000" dirty="0" err="1"/>
-              <a:t>Perbaikan</a:t>
+              <a:t>Fungsionalitas</a:t>
             </a:r>
             <a:r>
               <a:rPr lang="en-US" sz="4000" dirty="0"/>
-              <a:t> Bug</a:t>
+              <a:t> Inti</a:t>
             </a:r>
             <a:endParaRPr lang="en-US" sz="4000" b="1" dirty="0">
               <a:solidFill>
@@ -31467,7 +31242,7 @@
         <p:spPr>
           <a:xfrm>
             <a:off x="2240628" y="3530353"/>
-            <a:ext cx="13337117" cy="2436564"/>
+            <a:ext cx="13337117" cy="951992"/>
           </a:xfrm>
           <a:prstGeom prst="rect">
             <a:avLst/>
@@ -31486,7 +31261,111 @@
             </a:pPr>
             <a:r>
               <a:rPr lang="en-US" sz="2800" dirty="0" err="1"/>
-              <a:t>Komunitas</a:t>
+              <a:t>Dengan</a:t>
+            </a:r>
+            <a:r>
+              <a:rPr lang="en-US" sz="2800" dirty="0"/>
+              <a:t> </a:t>
+            </a:r>
+            <a:r>
+              <a:rPr lang="en-US" sz="2800" dirty="0" err="1"/>
+              <a:t>menggunakan</a:t>
+            </a:r>
+            <a:r>
+              <a:rPr lang="en-US" sz="2800" dirty="0"/>
+              <a:t> library, </a:t>
+            </a:r>
+            <a:r>
+              <a:rPr lang="en-US" sz="2800" dirty="0" err="1"/>
+              <a:t>Anda</a:t>
+            </a:r>
+            <a:r>
+              <a:rPr lang="en-US" sz="2800" dirty="0"/>
+              <a:t> </a:t>
+            </a:r>
+            <a:r>
+              <a:rPr lang="en-US" sz="2800" dirty="0" err="1"/>
+              <a:t>dapat</a:t>
+            </a:r>
+            <a:r>
+              <a:rPr lang="en-US" sz="2800" dirty="0"/>
+              <a:t> </a:t>
+            </a:r>
+            <a:r>
+              <a:rPr lang="en-US" sz="2800" dirty="0" err="1"/>
+              <a:t>fokus</a:t>
+            </a:r>
+            <a:r>
+              <a:rPr lang="en-US" sz="2800" dirty="0"/>
+              <a:t> </a:t>
+            </a:r>
+            <a:r>
+              <a:rPr lang="en-US" sz="2800" dirty="0" err="1"/>
+              <a:t>pada</a:t>
+            </a:r>
+            <a:r>
+              <a:rPr lang="en-US" sz="2800" dirty="0"/>
+              <a:t> </a:t>
+            </a:r>
+            <a:r>
+              <a:rPr lang="en-US" sz="2800" dirty="0" err="1"/>
+              <a:t>pengembangan</a:t>
+            </a:r>
+            <a:r>
+              <a:rPr lang="en-US" sz="2800" dirty="0"/>
+              <a:t> </a:t>
+            </a:r>
+            <a:r>
+              <a:rPr lang="en-US" sz="2800" dirty="0" err="1"/>
+              <a:t>fungsionalitas</a:t>
+            </a:r>
+            <a:r>
+              <a:rPr lang="en-US" sz="2800" dirty="0"/>
+              <a:t> inti </a:t>
+            </a:r>
+            <a:r>
+              <a:rPr lang="en-US" sz="2800" dirty="0" err="1"/>
+              <a:t>aplikasi</a:t>
+            </a:r>
+            <a:r>
+              <a:rPr lang="en-US" sz="2800" dirty="0"/>
+              <a:t> </a:t>
+            </a:r>
+            <a:r>
+              <a:rPr lang="en-US" sz="2800" dirty="0" err="1"/>
+              <a:t>Anda</a:t>
+            </a:r>
+            <a:r>
+              <a:rPr lang="en-US" sz="2800" dirty="0"/>
+              <a:t> </a:t>
+            </a:r>
+            <a:r>
+              <a:rPr lang="en-US" sz="2800" dirty="0" err="1"/>
+              <a:t>tanpa</a:t>
+            </a:r>
+            <a:r>
+              <a:rPr lang="en-US" sz="2800" dirty="0"/>
+              <a:t> </a:t>
+            </a:r>
+            <a:r>
+              <a:rPr lang="en-US" sz="2800" dirty="0" err="1"/>
+              <a:t>harus</a:t>
+            </a:r>
+            <a:r>
+              <a:rPr lang="en-US" sz="2800" dirty="0"/>
+              <a:t> </a:t>
+            </a:r>
+            <a:r>
+              <a:rPr lang="en-US" sz="2800" dirty="0" err="1"/>
+              <a:t>memikirkan</a:t>
+            </a:r>
+            <a:r>
+              <a:rPr lang="en-US" sz="2800" dirty="0"/>
+              <a:t> detail </a:t>
+            </a:r>
+            <a:r>
+              <a:rPr lang="en-US" sz="2800" dirty="0" err="1"/>
+              <a:t>implementasi</a:t>
             </a:r>
             <a:r>
               <a:rPr lang="en-US" sz="2800" dirty="0"/>
@@ -31494,263 +31373,19 @@
             </a:r>
             <a:r>
               <a:rPr lang="en-US" sz="2800" dirty="0" err="1"/>
-              <a:t>mendukung</a:t>
+              <a:t>lebih</a:t>
             </a:r>
             <a:r>
               <a:rPr lang="en-US" sz="2800" dirty="0"/>
-              <a:t> library </a:t>
+              <a:t> </a:t>
             </a:r>
             <a:r>
               <a:rPr lang="en-US" sz="2800" dirty="0" err="1"/>
-              <a:t>atau</a:t>
+              <a:t>rendah</a:t>
             </a:r>
             <a:r>
               <a:rPr lang="en-US" sz="2800" dirty="0"/>
-              <a:t> </a:t>
-            </a:r>
-            <a:r>
-              <a:rPr lang="en-US" sz="2800" dirty="0" err="1"/>
-              <a:t>komponen</a:t>
-            </a:r>
-            <a:r>
-              <a:rPr lang="en-US" sz="2800" dirty="0"/>
-              <a:t> </a:t>
-            </a:r>
-            <a:r>
-              <a:rPr lang="en-US" sz="2800" dirty="0" err="1"/>
-              <a:t>tersebut</a:t>
-            </a:r>
-            <a:r>
-              <a:rPr lang="en-US" sz="2800" dirty="0"/>
-              <a:t> </a:t>
-            </a:r>
-            <a:r>
-              <a:rPr lang="en-US" sz="2800" dirty="0" err="1"/>
-              <a:t>sering</a:t>
-            </a:r>
-            <a:r>
-              <a:rPr lang="en-US" sz="2800" dirty="0"/>
-              <a:t> kali </a:t>
-            </a:r>
-            <a:r>
-              <a:rPr lang="en-US" sz="2800" dirty="0" err="1"/>
-              <a:t>juga</a:t>
-            </a:r>
-            <a:r>
-              <a:rPr lang="en-US" sz="2800" dirty="0"/>
-              <a:t> </a:t>
-            </a:r>
-            <a:r>
-              <a:rPr lang="en-US" sz="2800" dirty="0" err="1"/>
-              <a:t>aktif</a:t>
-            </a:r>
-            <a:r>
-              <a:rPr lang="en-US" sz="2800" dirty="0"/>
-              <a:t> </a:t>
-            </a:r>
-            <a:r>
-              <a:rPr lang="en-US" sz="2800" dirty="0" err="1"/>
-              <a:t>dalam</a:t>
-            </a:r>
-            <a:r>
-              <a:rPr lang="en-US" sz="2800" dirty="0"/>
-              <a:t> </a:t>
-            </a:r>
-            <a:r>
-              <a:rPr lang="en-US" sz="2800" dirty="0" err="1"/>
-              <a:t>memperbaiki</a:t>
-            </a:r>
-            <a:r>
-              <a:rPr lang="en-US" sz="2800" dirty="0"/>
-              <a:t> bug </a:t>
-            </a:r>
-            <a:r>
-              <a:rPr lang="en-US" sz="2800" dirty="0" err="1"/>
-              <a:t>dan</a:t>
-            </a:r>
-            <a:r>
-              <a:rPr lang="en-US" sz="2800" dirty="0"/>
-              <a:t> </a:t>
-            </a:r>
-            <a:r>
-              <a:rPr lang="en-US" sz="2800" dirty="0" err="1"/>
-              <a:t>memberikan</a:t>
-            </a:r>
-            <a:r>
-              <a:rPr lang="en-US" sz="2800" dirty="0"/>
-              <a:t> </a:t>
-            </a:r>
-            <a:r>
-              <a:rPr lang="en-US" sz="2800" dirty="0" err="1"/>
-              <a:t>dukungan</a:t>
-            </a:r>
-            <a:r>
-              <a:rPr lang="en-US" sz="2800" dirty="0"/>
-              <a:t>. Hal </a:t>
-            </a:r>
-            <a:r>
-              <a:rPr lang="en-US" sz="2800" dirty="0" err="1"/>
-              <a:t>ini</a:t>
-            </a:r>
-            <a:r>
-              <a:rPr lang="en-US" sz="2800" dirty="0"/>
-              <a:t> </a:t>
-            </a:r>
-            <a:r>
-              <a:rPr lang="en-US" sz="2800" dirty="0" err="1"/>
-              <a:t>dapat</a:t>
-            </a:r>
-            <a:r>
-              <a:rPr lang="en-US" sz="2800" dirty="0"/>
-              <a:t> </a:t>
-            </a:r>
-            <a:r>
-              <a:rPr lang="en-US" sz="2800" dirty="0" err="1"/>
-              <a:t>mempercepat</a:t>
-            </a:r>
-            <a:r>
-              <a:rPr lang="en-US" sz="2800" dirty="0"/>
-              <a:t> </a:t>
-            </a:r>
-            <a:r>
-              <a:rPr lang="en-US" sz="2800" dirty="0" err="1"/>
-              <a:t>waktu</a:t>
-            </a:r>
-            <a:r>
-              <a:rPr lang="en-US" sz="2800" dirty="0"/>
-              <a:t> </a:t>
-            </a:r>
-            <a:r>
-              <a:rPr lang="en-US" sz="2800" dirty="0" err="1"/>
-              <a:t>resolusi</a:t>
-            </a:r>
-            <a:r>
-              <a:rPr lang="en-US" sz="2800" dirty="0"/>
-              <a:t> </a:t>
-            </a:r>
-            <a:r>
-              <a:rPr lang="en-US" sz="2800" dirty="0" err="1"/>
-              <a:t>masalah</a:t>
-            </a:r>
-            <a:r>
-              <a:rPr lang="en-US" sz="2800" dirty="0"/>
-              <a:t> </a:t>
-            </a:r>
-            <a:r>
-              <a:rPr lang="en-US" sz="2800" dirty="0" err="1"/>
-              <a:t>jika</a:t>
-            </a:r>
-            <a:r>
-              <a:rPr lang="en-US" sz="2800" dirty="0"/>
-              <a:t> </a:t>
-            </a:r>
-            <a:r>
-              <a:rPr lang="en-US" sz="2800" dirty="0" err="1"/>
-              <a:t>Anda</a:t>
-            </a:r>
-            <a:r>
-              <a:rPr lang="en-US" sz="2800" dirty="0"/>
-              <a:t> </a:t>
-            </a:r>
-            <a:r>
-              <a:rPr lang="en-US" sz="2800" dirty="0" err="1"/>
-              <a:t>menghadapi</a:t>
-            </a:r>
-            <a:r>
-              <a:rPr lang="en-US" sz="2800" dirty="0"/>
-              <a:t> </a:t>
-            </a:r>
-            <a:r>
-              <a:rPr lang="en-US" sz="2800" dirty="0" err="1"/>
-              <a:t>masalah</a:t>
-            </a:r>
-            <a:r>
-              <a:rPr lang="en-US" sz="2800" dirty="0"/>
-              <a:t> </a:t>
-            </a:r>
-            <a:r>
-              <a:rPr lang="en-US" sz="2800" dirty="0" err="1"/>
-              <a:t>teknis</a:t>
-            </a:r>
-            <a:r>
-              <a:rPr lang="en-US" sz="2800" dirty="0" smtClean="0"/>
-              <a:t>. </a:t>
-            </a:r>
-          </a:p>
-          <a:p>
-            <a:pPr>
-              <a:lnSpc>
-                <a:spcPts val="3779"/>
-              </a:lnSpc>
-            </a:pPr>
-            <a:endParaRPr lang="en-US" sz="2800" dirty="0">
-              <a:solidFill>
-                <a:srgbClr val="000000"/>
-              </a:solidFill>
-              <a:latin typeface="Karnchang"/>
-            </a:endParaRPr>
-          </a:p>
-          <a:p>
-            <a:pPr>
-              <a:lnSpc>
-                <a:spcPts val="3779"/>
-              </a:lnSpc>
-            </a:pPr>
-            <a:r>
-              <a:rPr lang="en-US" sz="2800" dirty="0" err="1"/>
-              <a:t>Namun</a:t>
-            </a:r>
-            <a:r>
-              <a:rPr lang="en-US" sz="2800" dirty="0"/>
-              <a:t>, </a:t>
-            </a:r>
-            <a:r>
-              <a:rPr lang="en-US" sz="2800" dirty="0" err="1"/>
-              <a:t>ada</a:t>
-            </a:r>
-            <a:r>
-              <a:rPr lang="en-US" sz="2800" dirty="0"/>
-              <a:t> </a:t>
-            </a:r>
-            <a:r>
-              <a:rPr lang="en-US" sz="2800" dirty="0" err="1"/>
-              <a:t>juga</a:t>
-            </a:r>
-            <a:r>
-              <a:rPr lang="en-US" sz="2800" dirty="0"/>
-              <a:t> </a:t>
-            </a:r>
-            <a:r>
-              <a:rPr lang="en-US" sz="2800" dirty="0" err="1"/>
-              <a:t>beberapa</a:t>
-            </a:r>
-            <a:r>
-              <a:rPr lang="en-US" sz="2800" dirty="0"/>
-              <a:t> </a:t>
-            </a:r>
-            <a:r>
-              <a:rPr lang="en-US" sz="2800" dirty="0" err="1"/>
-              <a:t>pertimbangan</a:t>
-            </a:r>
-            <a:r>
-              <a:rPr lang="en-US" sz="2800" dirty="0"/>
-              <a:t> yang </a:t>
-            </a:r>
-            <a:r>
-              <a:rPr lang="en-US" sz="2800" dirty="0" err="1"/>
-              <a:t>perlu</a:t>
-            </a:r>
-            <a:r>
-              <a:rPr lang="en-US" sz="2800" dirty="0"/>
-              <a:t> </a:t>
-            </a:r>
-            <a:r>
-              <a:rPr lang="en-US" sz="2800" dirty="0" err="1"/>
-              <a:t>dipertimbangkan</a:t>
-            </a:r>
-            <a:r>
-              <a:rPr lang="en-US" sz="2800" dirty="0"/>
-              <a:t>:</a:t>
+              <a:t>.</a:t>
             </a:r>
             <a:endParaRPr lang="en-US" sz="2700" dirty="0">
               <a:solidFill>
@@ -31764,7 +31399,7 @@
     </p:spTree>
     <p:extLst>
       <p:ext uri="{BB962C8B-B14F-4D97-AF65-F5344CB8AC3E}">
-        <p14:creationId xmlns:p14="http://schemas.microsoft.com/office/powerpoint/2010/main" val="1771230383"/>
+        <p14:creationId xmlns:p14="http://schemas.microsoft.com/office/powerpoint/2010/main" val="3318507018"/>
       </p:ext>
     </p:extLst>
   </p:cSld>
@@ -32508,11 +32143,31 @@
             </a:pPr>
             <a:r>
               <a:rPr lang="en-US" sz="4000" b="1" dirty="0" smtClean="0"/>
-              <a:t>1. </a:t>
+              <a:t>4. </a:t>
             </a:r>
             <a:r>
               <a:rPr lang="en-US" sz="4000" dirty="0" err="1"/>
-              <a:t>Ketergantungan</a:t>
+              <a:t>Dukungan</a:t>
+            </a:r>
+            <a:r>
+              <a:rPr lang="en-US" sz="4000" dirty="0"/>
+              <a:t> </a:t>
+            </a:r>
+            <a:r>
+              <a:rPr lang="en-US" sz="4000" dirty="0" err="1"/>
+              <a:t>dan</a:t>
+            </a:r>
+            <a:r>
+              <a:rPr lang="en-US" sz="4000" dirty="0"/>
+              <a:t> </a:t>
+            </a:r>
+            <a:r>
+              <a:rPr lang="en-US" sz="4000" dirty="0" err="1"/>
+              <a:t>Perbaikan</a:t>
+            </a:r>
+            <a:r>
+              <a:rPr lang="en-US" sz="4000" dirty="0"/>
+              <a:t> Bug</a:t>
             </a:r>
             <a:endParaRPr lang="en-US" sz="4000" b="1" dirty="0">
               <a:solidFill>
@@ -32532,7 +32187,7 @@
         <p:spPr>
           <a:xfrm>
             <a:off x="2240628" y="3530353"/>
-            <a:ext cx="13337117" cy="1439305"/>
+            <a:ext cx="13337117" cy="2436564"/>
           </a:xfrm>
           <a:prstGeom prst="rect">
             <a:avLst/>
@@ -32551,15 +32206,15 @@
             </a:pPr>
             <a:r>
               <a:rPr lang="en-US" sz="2800" dirty="0" err="1"/>
-              <a:t>Bergantung</a:t>
+              <a:t>Komunitas</a:t>
             </a:r>
             <a:r>
               <a:rPr lang="en-US" sz="2800" dirty="0"/>
-              <a:t> </a:t>
+              <a:t> yang </a:t>
             </a:r>
             <a:r>
               <a:rPr lang="en-US" sz="2800" dirty="0" err="1"/>
-              <a:t>pada</a:t>
+              <a:t>mendukung</a:t>
             </a:r>
             <a:r>
               <a:rPr lang="en-US" sz="2800" dirty="0"/>
@@ -32583,7 +32238,79 @@
             </a:r>
             <a:r>
               <a:rPr lang="en-US" sz="2800" dirty="0" err="1"/>
-              <a:t>tertentu</a:t>
+              <a:t>tersebut</a:t>
+            </a:r>
+            <a:r>
+              <a:rPr lang="en-US" sz="2800" dirty="0"/>
+              <a:t> </a:t>
+            </a:r>
+            <a:r>
+              <a:rPr lang="en-US" sz="2800" dirty="0" err="1"/>
+              <a:t>sering</a:t>
+            </a:r>
+            <a:r>
+              <a:rPr lang="en-US" sz="2800" dirty="0"/>
+              <a:t> kali </a:t>
+            </a:r>
+            <a:r>
+              <a:rPr lang="en-US" sz="2800" dirty="0" err="1"/>
+              <a:t>juga</a:t>
+            </a:r>
+            <a:r>
+              <a:rPr lang="en-US" sz="2800" dirty="0"/>
+              <a:t> </a:t>
+            </a:r>
+            <a:r>
+              <a:rPr lang="en-US" sz="2800" dirty="0" err="1"/>
+              <a:t>aktif</a:t>
+            </a:r>
+            <a:r>
+              <a:rPr lang="en-US" sz="2800" dirty="0"/>
+              <a:t> </a:t>
+            </a:r>
+            <a:r>
+              <a:rPr lang="en-US" sz="2800" dirty="0" err="1"/>
+              <a:t>dalam</a:t>
+            </a:r>
+            <a:r>
+              <a:rPr lang="en-US" sz="2800" dirty="0"/>
+              <a:t> </a:t>
+            </a:r>
+            <a:r>
+              <a:rPr lang="en-US" sz="2800" dirty="0" err="1"/>
+              <a:t>memperbaiki</a:t>
+            </a:r>
+            <a:r>
+              <a:rPr lang="en-US" sz="2800" dirty="0"/>
+              <a:t> bug </a:t>
+            </a:r>
+            <a:r>
+              <a:rPr lang="en-US" sz="2800" dirty="0" err="1"/>
+              <a:t>dan</a:t>
+            </a:r>
+            <a:r>
+              <a:rPr lang="en-US" sz="2800" dirty="0"/>
+              <a:t> </a:t>
+            </a:r>
+            <a:r>
+              <a:rPr lang="en-US" sz="2800" dirty="0" err="1"/>
+              <a:t>memberikan</a:t>
+            </a:r>
+            <a:r>
+              <a:rPr lang="en-US" sz="2800" dirty="0"/>
+              <a:t> </a:t>
+            </a:r>
+            <a:r>
+              <a:rPr lang="en-US" sz="2800" dirty="0" err="1"/>
+              <a:t>dukungan</a:t>
+            </a:r>
+            <a:r>
+              <a:rPr lang="en-US" sz="2800" dirty="0"/>
+              <a:t>. Hal </a:t>
+            </a:r>
+            <a:r>
+              <a:rPr lang="en-US" sz="2800" dirty="0" err="1"/>
+              <a:t>ini</a:t>
             </a:r>
             <a:r>
               <a:rPr lang="en-US" sz="2800" dirty="0"/>
@@ -32599,7 +32326,7 @@
             </a:r>
             <a:r>
               <a:rPr lang="en-US" sz="2800" dirty="0" err="1"/>
-              <a:t>mengikat</a:t>
+              <a:t>mempercepat</a:t>
             </a:r>
             <a:r>
               <a:rPr lang="en-US" sz="2800" dirty="0"/>
@@ -32607,7 +32334,31 @@
             </a:r>
             <a:r>
               <a:rPr lang="en-US" sz="2800" dirty="0" err="1"/>
-              <a:t>aplikasi</a:t>
+              <a:t>waktu</a:t>
+            </a:r>
+            <a:r>
+              <a:rPr lang="en-US" sz="2800" dirty="0"/>
+              <a:t> </a:t>
+            </a:r>
+            <a:r>
+              <a:rPr lang="en-US" sz="2800" dirty="0" err="1"/>
+              <a:t>resolusi</a:t>
+            </a:r>
+            <a:r>
+              <a:rPr lang="en-US" sz="2800" dirty="0"/>
+              <a:t> </a:t>
+            </a:r>
+            <a:r>
+              <a:rPr lang="en-US" sz="2800" dirty="0" err="1"/>
+              <a:t>masalah</a:t>
+            </a:r>
+            <a:r>
+              <a:rPr lang="en-US" sz="2800" dirty="0"/>
+              <a:t> </a:t>
+            </a:r>
+            <a:r>
+              <a:rPr lang="en-US" sz="2800" dirty="0" err="1"/>
+              <a:t>jika</a:t>
             </a:r>
             <a:r>
               <a:rPr lang="en-US" sz="2800" dirty="0"/>
@@ -32623,7 +32374,7 @@
             </a:r>
             <a:r>
               <a:rPr lang="en-US" sz="2800" dirty="0" err="1"/>
-              <a:t>dengan</a:t>
+              <a:t>menghadapi</a:t>
             </a:r>
             <a:r>
               <a:rPr lang="en-US" sz="2800" dirty="0"/>
@@ -32631,7 +32382,7 @@
             </a:r>
             <a:r>
               <a:rPr lang="en-US" sz="2800" dirty="0" err="1"/>
-              <a:t>versi</a:t>
+              <a:t>masalah</a:t>
             </a:r>
             <a:r>
               <a:rPr lang="en-US" sz="2800" dirty="0"/>
@@ -32639,15 +32390,43 @@
             </a:r>
             <a:r>
               <a:rPr lang="en-US" sz="2800" dirty="0" err="1"/>
-              <a:t>spesifik</a:t>
+              <a:t>teknis</a:t>
+            </a:r>
+            <a:r>
+              <a:rPr lang="en-US" sz="2800" dirty="0" smtClean="0"/>
+              <a:t>. </a:t>
+            </a:r>
+          </a:p>
+          <a:p>
+            <a:pPr>
+              <a:lnSpc>
+                <a:spcPts val="3779"/>
+              </a:lnSpc>
+            </a:pPr>
+            <a:endParaRPr lang="en-US" sz="2800" dirty="0">
+              <a:solidFill>
+                <a:srgbClr val="000000"/>
+              </a:solidFill>
+              <a:latin typeface="Karnchang"/>
+            </a:endParaRPr>
+          </a:p>
+          <a:p>
+            <a:pPr>
+              <a:lnSpc>
+                <a:spcPts val="3779"/>
+              </a:lnSpc>
+            </a:pPr>
+            <a:r>
+              <a:rPr lang="en-US" sz="2800" dirty="0" err="1"/>
+              <a:t>Namun</a:t>
             </a:r>
             <a:r>
               <a:rPr lang="en-US" sz="2800" dirty="0"/>
-              <a:t> </a:t>
+              <a:t>, </a:t>
             </a:r>
             <a:r>
               <a:rPr lang="en-US" sz="2800" dirty="0" err="1"/>
-              <a:t>atau</a:t>
+              <a:t>ada</a:t>
             </a:r>
             <a:r>
               <a:rPr lang="en-US" sz="2800" dirty="0"/>
@@ -32655,7 +32434,7 @@
             </a:r>
             <a:r>
               <a:rPr lang="en-US" sz="2800" dirty="0" err="1"/>
-              <a:t>kemampuan</a:t>
+              <a:t>juga</a:t>
             </a:r>
             <a:r>
               <a:rPr lang="en-US" sz="2800" dirty="0"/>
@@ -32663,7 +32442,7 @@
             </a:r>
             <a:r>
               <a:rPr lang="en-US" sz="2800" dirty="0" err="1"/>
-              <a:t>tertentu</a:t>
+              <a:t>beberapa</a:t>
             </a:r>
             <a:r>
               <a:rPr lang="en-US" sz="2800" dirty="0"/>
@@ -32671,131 +32450,27 @@
             </a:r>
             <a:r>
               <a:rPr lang="en-US" sz="2800" dirty="0" err="1"/>
-              <a:t>dari</a:t>
+              <a:t>pertimbangan</a:t>
             </a:r>
             <a:r>
               <a:rPr lang="en-US" sz="2800" dirty="0"/>
-              <a:t> library </a:t>
+              <a:t> yang </a:t>
             </a:r>
             <a:r>
               <a:rPr lang="en-US" sz="2800" dirty="0" err="1"/>
-              <a:t>tersebut</a:t>
+              <a:t>perlu</a:t>
             </a:r>
             <a:r>
               <a:rPr lang="en-US" sz="2800" dirty="0"/>
-              <a:t>. </a:t>
+              <a:t> </a:t>
             </a:r>
             <a:r>
               <a:rPr lang="en-US" sz="2800" dirty="0" err="1"/>
-              <a:t>Ini</a:t>
+              <a:t>dipertimbangkan</a:t>
             </a:r>
             <a:r>
               <a:rPr lang="en-US" sz="2800" dirty="0"/>
-              <a:t> </a:t>
-            </a:r>
-            <a:r>
-              <a:rPr lang="en-US" sz="2800" dirty="0" err="1"/>
-              <a:t>dapat</a:t>
-            </a:r>
-            <a:r>
-              <a:rPr lang="en-US" sz="2800" dirty="0"/>
-              <a:t> </a:t>
-            </a:r>
-            <a:r>
-              <a:rPr lang="en-US" sz="2800" dirty="0" err="1"/>
-              <a:t>mempengaruhi</a:t>
-            </a:r>
-            <a:r>
-              <a:rPr lang="en-US" sz="2800" dirty="0"/>
-              <a:t> </a:t>
-            </a:r>
-            <a:r>
-              <a:rPr lang="en-US" sz="2800" dirty="0" err="1"/>
-              <a:t>fleksibilitas</a:t>
-            </a:r>
-            <a:r>
-              <a:rPr lang="en-US" sz="2800" dirty="0"/>
-              <a:t> </a:t>
-            </a:r>
-            <a:r>
-              <a:rPr lang="en-US" sz="2800" dirty="0" err="1"/>
-              <a:t>Anda</a:t>
-            </a:r>
-            <a:r>
-              <a:rPr lang="en-US" sz="2800" dirty="0"/>
-              <a:t> </a:t>
-            </a:r>
-            <a:r>
-              <a:rPr lang="en-US" sz="2800" dirty="0" err="1"/>
-              <a:t>jika</a:t>
-            </a:r>
-            <a:r>
-              <a:rPr lang="en-US" sz="2800" dirty="0"/>
-              <a:t> </a:t>
-            </a:r>
-            <a:r>
-              <a:rPr lang="en-US" sz="2800" dirty="0" err="1"/>
-              <a:t>suatu</a:t>
-            </a:r>
-            <a:r>
-              <a:rPr lang="en-US" sz="2800" dirty="0"/>
-              <a:t> </a:t>
-            </a:r>
-            <a:r>
-              <a:rPr lang="en-US" sz="2800" dirty="0" err="1"/>
-              <a:t>saat</a:t>
-            </a:r>
-            <a:r>
-              <a:rPr lang="en-US" sz="2800" dirty="0"/>
-              <a:t> </a:t>
-            </a:r>
-            <a:r>
-              <a:rPr lang="en-US" sz="2800" dirty="0" err="1"/>
-              <a:t>nanti</a:t>
-            </a:r>
-            <a:r>
-              <a:rPr lang="en-US" sz="2800" dirty="0"/>
-              <a:t> </a:t>
-            </a:r>
-            <a:r>
-              <a:rPr lang="en-US" sz="2800" dirty="0" err="1"/>
-              <a:t>Anda</a:t>
-            </a:r>
-            <a:r>
-              <a:rPr lang="en-US" sz="2800" dirty="0"/>
-              <a:t> </a:t>
-            </a:r>
-            <a:r>
-              <a:rPr lang="en-US" sz="2800" dirty="0" err="1"/>
-              <a:t>ingin</a:t>
-            </a:r>
-            <a:r>
-              <a:rPr lang="en-US" sz="2800" dirty="0"/>
-              <a:t> </a:t>
-            </a:r>
-            <a:r>
-              <a:rPr lang="en-US" sz="2800" dirty="0" err="1"/>
-              <a:t>beralih</a:t>
-            </a:r>
-            <a:r>
-              <a:rPr lang="en-US" sz="2800" dirty="0"/>
-              <a:t> </a:t>
-            </a:r>
-            <a:r>
-              <a:rPr lang="en-US" sz="2800" dirty="0" err="1"/>
-              <a:t>ke</a:t>
-            </a:r>
-            <a:r>
-              <a:rPr lang="en-US" sz="2800" dirty="0"/>
-              <a:t> </a:t>
-            </a:r>
-            <a:r>
-              <a:rPr lang="en-US" sz="2800" dirty="0" err="1"/>
-              <a:t>solusi</a:t>
-            </a:r>
-            <a:r>
-              <a:rPr lang="en-US" sz="2800" dirty="0"/>
-              <a:t> lain.</a:t>
+              <a:t>:</a:t>
             </a:r>
             <a:endParaRPr lang="en-US" sz="2700" dirty="0">
               <a:solidFill>
@@ -32809,7 +32484,7 @@
     </p:spTree>
     <p:extLst>
       <p:ext uri="{BB962C8B-B14F-4D97-AF65-F5344CB8AC3E}">
-        <p14:creationId xmlns:p14="http://schemas.microsoft.com/office/powerpoint/2010/main" val="1955930740"/>
+        <p14:creationId xmlns:p14="http://schemas.microsoft.com/office/powerpoint/2010/main" val="1771230383"/>
       </p:ext>
     </p:extLst>
   </p:cSld>
@@ -33552,24 +33227,12 @@
               </a:lnSpc>
             </a:pPr>
             <a:r>
-              <a:rPr lang="en-US" sz="4000" b="1" dirty="0"/>
-              <a:t>2</a:t>
-            </a:r>
-            <a:r>
               <a:rPr lang="en-US" sz="4000" b="1" dirty="0" smtClean="0"/>
-              <a:t>. </a:t>
+              <a:t>1. </a:t>
             </a:r>
             <a:r>
               <a:rPr lang="en-US" sz="4000" dirty="0" err="1"/>
-              <a:t>Ukuran</a:t>
-            </a:r>
-            <a:r>
-              <a:rPr lang="en-US" sz="4000" dirty="0"/>
-              <a:t> </a:t>
-            </a:r>
-            <a:r>
-              <a:rPr lang="en-US" sz="4000" dirty="0" err="1"/>
-              <a:t>Aplikasi</a:t>
+              <a:t>Ketergantungan</a:t>
             </a:r>
             <a:endParaRPr lang="en-US" sz="4000" b="1" dirty="0">
               <a:solidFill>
@@ -33608,7 +33271,15 @@
             </a:pPr>
             <a:r>
               <a:rPr lang="en-US" sz="2800" dirty="0" err="1"/>
-              <a:t>Penggunaan</a:t>
+              <a:t>Bergantung</a:t>
+            </a:r>
+            <a:r>
+              <a:rPr lang="en-US" sz="2800" dirty="0"/>
+              <a:t> </a:t>
+            </a:r>
+            <a:r>
+              <a:rPr lang="en-US" sz="2800" dirty="0" err="1"/>
+              <a:t>pada</a:t>
             </a:r>
             <a:r>
               <a:rPr lang="en-US" sz="2800" dirty="0"/>
@@ -33616,7 +33287,23 @@
             </a:r>
             <a:r>
               <a:rPr lang="en-US" sz="2800" dirty="0" err="1"/>
-              <a:t>tambahan</a:t>
+              <a:t>atau</a:t>
+            </a:r>
+            <a:r>
+              <a:rPr lang="en-US" sz="2800" dirty="0"/>
+              <a:t> </a:t>
+            </a:r>
+            <a:r>
+              <a:rPr lang="en-US" sz="2800" dirty="0" err="1"/>
+              <a:t>komponen</a:t>
+            </a:r>
+            <a:r>
+              <a:rPr lang="en-US" sz="2800" dirty="0"/>
+              <a:t> </a:t>
+            </a:r>
+            <a:r>
+              <a:rPr lang="en-US" sz="2800" dirty="0" err="1"/>
+              <a:t>tertentu</a:t>
             </a:r>
             <a:r>
               <a:rPr lang="en-US" sz="2800" dirty="0"/>
@@ -33632,15 +33319,7 @@
             </a:r>
             <a:r>
               <a:rPr lang="en-US" sz="2800" dirty="0" err="1"/>
-              <a:t>meningkatkan</a:t>
-            </a:r>
-            <a:r>
-              <a:rPr lang="en-US" sz="2800" dirty="0"/>
-              <a:t> </a:t>
-            </a:r>
-            <a:r>
-              <a:rPr lang="en-US" sz="2800" dirty="0" err="1"/>
-              <a:t>ukuran</a:t>
+              <a:t>mengikat</a:t>
             </a:r>
             <a:r>
               <a:rPr lang="en-US" sz="2800" dirty="0"/>
@@ -33660,11 +33339,11 @@
             </a:r>
             <a:r>
               <a:rPr lang="en-US" sz="2800" dirty="0"/>
-              <a:t>, yang </a:t>
+              <a:t> </a:t>
             </a:r>
             <a:r>
               <a:rPr lang="en-US" sz="2800" dirty="0" err="1"/>
-              <a:t>mungkin</a:t>
+              <a:t>dengan</a:t>
             </a:r>
             <a:r>
               <a:rPr lang="en-US" sz="2800" dirty="0"/>
@@ -33672,7 +33351,7 @@
             </a:r>
             <a:r>
               <a:rPr lang="en-US" sz="2800" dirty="0" err="1"/>
-              <a:t>menjadi</a:t>
+              <a:t>versi</a:t>
             </a:r>
             <a:r>
               <a:rPr lang="en-US" sz="2800" dirty="0"/>
@@ -33680,7 +33359,87 @@
             </a:r>
             <a:r>
               <a:rPr lang="en-US" sz="2800" dirty="0" err="1"/>
-              <a:t>masalah</a:t>
+              <a:t>spesifik</a:t>
+            </a:r>
+            <a:r>
+              <a:rPr lang="en-US" sz="2800" dirty="0"/>
+              <a:t> </a:t>
+            </a:r>
+            <a:r>
+              <a:rPr lang="en-US" sz="2800" dirty="0" err="1"/>
+              <a:t>atau</a:t>
+            </a:r>
+            <a:r>
+              <a:rPr lang="en-US" sz="2800" dirty="0"/>
+              <a:t> </a:t>
+            </a:r>
+            <a:r>
+              <a:rPr lang="en-US" sz="2800" dirty="0" err="1"/>
+              <a:t>kemampuan</a:t>
+            </a:r>
+            <a:r>
+              <a:rPr lang="en-US" sz="2800" dirty="0"/>
+              <a:t> </a:t>
+            </a:r>
+            <a:r>
+              <a:rPr lang="en-US" sz="2800" dirty="0" err="1"/>
+              <a:t>tertentu</a:t>
+            </a:r>
+            <a:r>
+              <a:rPr lang="en-US" sz="2800" dirty="0"/>
+              <a:t> </a:t>
+            </a:r>
+            <a:r>
+              <a:rPr lang="en-US" sz="2800" dirty="0" err="1"/>
+              <a:t>dari</a:t>
+            </a:r>
+            <a:r>
+              <a:rPr lang="en-US" sz="2800" dirty="0"/>
+              <a:t> library </a:t>
+            </a:r>
+            <a:r>
+              <a:rPr lang="en-US" sz="2800" dirty="0" err="1"/>
+              <a:t>tersebut</a:t>
+            </a:r>
+            <a:r>
+              <a:rPr lang="en-US" sz="2800" dirty="0"/>
+              <a:t>. </a:t>
+            </a:r>
+            <a:r>
+              <a:rPr lang="en-US" sz="2800" dirty="0" err="1"/>
+              <a:t>Ini</a:t>
+            </a:r>
+            <a:r>
+              <a:rPr lang="en-US" sz="2800" dirty="0"/>
+              <a:t> </a:t>
+            </a:r>
+            <a:r>
+              <a:rPr lang="en-US" sz="2800" dirty="0" err="1"/>
+              <a:t>dapat</a:t>
+            </a:r>
+            <a:r>
+              <a:rPr lang="en-US" sz="2800" dirty="0"/>
+              <a:t> </a:t>
+            </a:r>
+            <a:r>
+              <a:rPr lang="en-US" sz="2800" dirty="0" err="1"/>
+              <a:t>mempengaruhi</a:t>
+            </a:r>
+            <a:r>
+              <a:rPr lang="en-US" sz="2800" dirty="0"/>
+              <a:t> </a:t>
+            </a:r>
+            <a:r>
+              <a:rPr lang="en-US" sz="2800" dirty="0" err="1"/>
+              <a:t>fleksibilitas</a:t>
+            </a:r>
+            <a:r>
+              <a:rPr lang="en-US" sz="2800" dirty="0"/>
+              <a:t> </a:t>
+            </a:r>
+            <a:r>
+              <a:rPr lang="en-US" sz="2800" dirty="0" err="1"/>
+              <a:t>Anda</a:t>
             </a:r>
             <a:r>
               <a:rPr lang="en-US" sz="2800" dirty="0"/>
@@ -33696,6 +33455,30 @@
             </a:r>
             <a:r>
               <a:rPr lang="en-US" sz="2800" dirty="0" err="1"/>
+              <a:t>suatu</a:t>
+            </a:r>
+            <a:r>
+              <a:rPr lang="en-US" sz="2800" dirty="0"/>
+              <a:t> </a:t>
+            </a:r>
+            <a:r>
+              <a:rPr lang="en-US" sz="2800" dirty="0" err="1"/>
+              <a:t>saat</a:t>
+            </a:r>
+            <a:r>
+              <a:rPr lang="en-US" sz="2800" dirty="0"/>
+              <a:t> </a:t>
+            </a:r>
+            <a:r>
+              <a:rPr lang="en-US" sz="2800" dirty="0" err="1"/>
+              <a:t>nanti</a:t>
+            </a:r>
+            <a:r>
+              <a:rPr lang="en-US" sz="2800" dirty="0"/>
+              <a:t> </a:t>
+            </a:r>
+            <a:r>
+              <a:rPr lang="en-US" sz="2800" dirty="0" err="1"/>
               <a:t>Anda</a:t>
             </a:r>
             <a:r>
@@ -33704,7 +33487,7 @@
             </a:r>
             <a:r>
               <a:rPr lang="en-US" sz="2800" dirty="0" err="1"/>
-              <a:t>berusaha</a:t>
+              <a:t>ingin</a:t>
             </a:r>
             <a:r>
               <a:rPr lang="en-US" sz="2800" dirty="0"/>
@@ -33712,7 +33495,7 @@
             </a:r>
             <a:r>
               <a:rPr lang="en-US" sz="2800" dirty="0" err="1"/>
-              <a:t>untuk</a:t>
+              <a:t>beralih</a:t>
             </a:r>
             <a:r>
               <a:rPr lang="en-US" sz="2800" dirty="0"/>
@@ -33720,7 +33503,7 @@
             </a:r>
             <a:r>
               <a:rPr lang="en-US" sz="2800" dirty="0" err="1"/>
-              <a:t>membuat</a:t>
+              <a:t>ke</a:t>
             </a:r>
             <a:r>
               <a:rPr lang="en-US" sz="2800" dirty="0"/>
@@ -33728,83 +33511,11 @@
             </a:r>
             <a:r>
               <a:rPr lang="en-US" sz="2800" dirty="0" err="1"/>
-              <a:t>aplikasi</a:t>
+              <a:t>solusi</a:t>
             </a:r>
             <a:r>
               <a:rPr lang="en-US" sz="2800" dirty="0"/>
-              <a:t> yang </a:t>
-            </a:r>
-            <a:r>
-              <a:rPr lang="en-US" sz="2800" dirty="0" err="1"/>
-              <a:t>lebih</a:t>
-            </a:r>
-            <a:r>
-              <a:rPr lang="en-US" sz="2800" dirty="0"/>
-              <a:t> </a:t>
-            </a:r>
-            <a:r>
-              <a:rPr lang="en-US" sz="2800" dirty="0" err="1"/>
-              <a:t>kecil</a:t>
-            </a:r>
-            <a:r>
-              <a:rPr lang="en-US" sz="2800" dirty="0"/>
-              <a:t> </a:t>
-            </a:r>
-            <a:r>
-              <a:rPr lang="en-US" sz="2800" dirty="0" err="1"/>
-              <a:t>atau</a:t>
-            </a:r>
-            <a:r>
-              <a:rPr lang="en-US" sz="2800" dirty="0"/>
-              <a:t> </a:t>
-            </a:r>
-            <a:r>
-              <a:rPr lang="en-US" sz="2800" dirty="0" err="1"/>
-              <a:t>lebih</a:t>
-            </a:r>
-            <a:r>
-              <a:rPr lang="en-US" sz="2800" dirty="0"/>
-              <a:t> </a:t>
-            </a:r>
-            <a:r>
-              <a:rPr lang="en-US" sz="2800" dirty="0" err="1"/>
-              <a:t>efisien</a:t>
-            </a:r>
-            <a:r>
-              <a:rPr lang="en-US" sz="2800" dirty="0"/>
-              <a:t> </a:t>
-            </a:r>
-            <a:r>
-              <a:rPr lang="en-US" sz="2800" dirty="0" err="1"/>
-              <a:t>dalam</a:t>
-            </a:r>
-            <a:r>
-              <a:rPr lang="en-US" sz="2800" dirty="0"/>
-              <a:t> </a:t>
-            </a:r>
-            <a:r>
-              <a:rPr lang="en-US" sz="2800" dirty="0" err="1"/>
-              <a:t>penggunaan</a:t>
-            </a:r>
-            <a:r>
-              <a:rPr lang="en-US" sz="2800" dirty="0"/>
-              <a:t> </a:t>
-            </a:r>
-            <a:r>
-              <a:rPr lang="en-US" sz="2800" dirty="0" err="1"/>
-              <a:t>sumber</a:t>
-            </a:r>
-            <a:r>
-              <a:rPr lang="en-US" sz="2800" dirty="0"/>
-              <a:t> </a:t>
-            </a:r>
-            <a:r>
-              <a:rPr lang="en-US" sz="2800" dirty="0" err="1"/>
-              <a:t>daya</a:t>
-            </a:r>
-            <a:r>
-              <a:rPr lang="en-US" sz="2800" dirty="0"/>
-              <a:t>.</a:t>
+              <a:t> lain.</a:t>
             </a:r>
             <a:endParaRPr lang="en-US" sz="2700" dirty="0">
               <a:solidFill>
@@ -33818,7 +33529,7 @@
     </p:spTree>
     <p:extLst>
       <p:ext uri="{BB962C8B-B14F-4D97-AF65-F5344CB8AC3E}">
-        <p14:creationId xmlns:p14="http://schemas.microsoft.com/office/powerpoint/2010/main" val="3335437681"/>
+        <p14:creationId xmlns:p14="http://schemas.microsoft.com/office/powerpoint/2010/main" val="1955930740"/>
       </p:ext>
     </p:extLst>
   </p:cSld>
@@ -34561,12 +34272,16 @@
               </a:lnSpc>
             </a:pPr>
             <a:r>
+              <a:rPr lang="en-US" sz="4000" b="1" dirty="0"/>
+              <a:t>2</a:t>
+            </a:r>
+            <a:r>
               <a:rPr lang="en-US" sz="4000" b="1" dirty="0" smtClean="0"/>
-              <a:t>3. </a:t>
+              <a:t>. </a:t>
             </a:r>
             <a:r>
               <a:rPr lang="en-US" sz="4000" dirty="0" err="1"/>
-              <a:t>Lisensi</a:t>
+              <a:t>Ukuran</a:t>
             </a:r>
             <a:r>
               <a:rPr lang="en-US" sz="4000" dirty="0"/>
@@ -34574,15 +34289,7 @@
             </a:r>
             <a:r>
               <a:rPr lang="en-US" sz="4000" dirty="0" err="1"/>
-              <a:t>dan</a:t>
-            </a:r>
-            <a:r>
-              <a:rPr lang="en-US" sz="4000" dirty="0"/>
-              <a:t> </a:t>
-            </a:r>
-            <a:r>
-              <a:rPr lang="en-US" sz="4000" dirty="0" err="1"/>
-              <a:t>Legalitas</a:t>
+              <a:t>Aplikasi</a:t>
             </a:r>
             <a:endParaRPr lang="en-US" sz="4000" b="1" dirty="0">
               <a:solidFill>
@@ -34621,7 +34328,47 @@
             </a:pPr>
             <a:r>
               <a:rPr lang="en-US" sz="2800" dirty="0" err="1"/>
-              <a:t>Pastikan</a:t>
+              <a:t>Penggunaan</a:t>
+            </a:r>
+            <a:r>
+              <a:rPr lang="en-US" sz="2800" dirty="0"/>
+              <a:t> library </a:t>
+            </a:r>
+            <a:r>
+              <a:rPr lang="en-US" sz="2800" dirty="0" err="1"/>
+              <a:t>tambahan</a:t>
+            </a:r>
+            <a:r>
+              <a:rPr lang="en-US" sz="2800" dirty="0"/>
+              <a:t> </a:t>
+            </a:r>
+            <a:r>
+              <a:rPr lang="en-US" sz="2800" dirty="0" err="1"/>
+              <a:t>dapat</a:t>
+            </a:r>
+            <a:r>
+              <a:rPr lang="en-US" sz="2800" dirty="0"/>
+              <a:t> </a:t>
+            </a:r>
+            <a:r>
+              <a:rPr lang="en-US" sz="2800" dirty="0" err="1"/>
+              <a:t>meningkatkan</a:t>
+            </a:r>
+            <a:r>
+              <a:rPr lang="en-US" sz="2800" dirty="0"/>
+              <a:t> </a:t>
+            </a:r>
+            <a:r>
+              <a:rPr lang="en-US" sz="2800" dirty="0" err="1"/>
+              <a:t>ukuran</a:t>
+            </a:r>
+            <a:r>
+              <a:rPr lang="en-US" sz="2800" dirty="0"/>
+              <a:t> </a:t>
+            </a:r>
+            <a:r>
+              <a:rPr lang="en-US" sz="2800" dirty="0" err="1"/>
+              <a:t>aplikasi</a:t>
             </a:r>
             <a:r>
               <a:rPr lang="en-US" sz="2800" dirty="0"/>
@@ -34633,11 +34380,11 @@
             </a:r>
             <a:r>
               <a:rPr lang="en-US" sz="2800" dirty="0"/>
-              <a:t> </a:t>
+              <a:t>, yang </a:t>
             </a:r>
             <a:r>
               <a:rPr lang="en-US" sz="2800" dirty="0" err="1"/>
-              <a:t>memahami</a:t>
+              <a:t>mungkin</a:t>
             </a:r>
             <a:r>
               <a:rPr lang="en-US" sz="2800" dirty="0"/>
@@ -34645,7 +34392,7 @@
             </a:r>
             <a:r>
               <a:rPr lang="en-US" sz="2800" dirty="0" err="1"/>
-              <a:t>lisensi</a:t>
+              <a:t>menjadi</a:t>
             </a:r>
             <a:r>
               <a:rPr lang="en-US" sz="2800" dirty="0"/>
@@ -34653,11 +34400,75 @@
             </a:r>
             <a:r>
               <a:rPr lang="en-US" sz="2800" dirty="0" err="1"/>
-              <a:t>dari</a:t>
+              <a:t>masalah</a:t>
             </a:r>
             <a:r>
               <a:rPr lang="en-US" sz="2800" dirty="0"/>
-              <a:t> library </a:t>
+              <a:t> </a:t>
+            </a:r>
+            <a:r>
+              <a:rPr lang="en-US" sz="2800" dirty="0" err="1"/>
+              <a:t>jika</a:t>
+            </a:r>
+            <a:r>
+              <a:rPr lang="en-US" sz="2800" dirty="0"/>
+              <a:t> </a:t>
+            </a:r>
+            <a:r>
+              <a:rPr lang="en-US" sz="2800" dirty="0" err="1"/>
+              <a:t>Anda</a:t>
+            </a:r>
+            <a:r>
+              <a:rPr lang="en-US" sz="2800" dirty="0"/>
+              <a:t> </a:t>
+            </a:r>
+            <a:r>
+              <a:rPr lang="en-US" sz="2800" dirty="0" err="1"/>
+              <a:t>berusaha</a:t>
+            </a:r>
+            <a:r>
+              <a:rPr lang="en-US" sz="2800" dirty="0"/>
+              <a:t> </a:t>
+            </a:r>
+            <a:r>
+              <a:rPr lang="en-US" sz="2800" dirty="0" err="1"/>
+              <a:t>untuk</a:t>
+            </a:r>
+            <a:r>
+              <a:rPr lang="en-US" sz="2800" dirty="0"/>
+              <a:t> </a:t>
+            </a:r>
+            <a:r>
+              <a:rPr lang="en-US" sz="2800" dirty="0" err="1"/>
+              <a:t>membuat</a:t>
+            </a:r>
+            <a:r>
+              <a:rPr lang="en-US" sz="2800" dirty="0"/>
+              <a:t> </a:t>
+            </a:r>
+            <a:r>
+              <a:rPr lang="en-US" sz="2800" dirty="0" err="1"/>
+              <a:t>aplikasi</a:t>
+            </a:r>
+            <a:r>
+              <a:rPr lang="en-US" sz="2800" dirty="0"/>
+              <a:t> yang </a:t>
+            </a:r>
+            <a:r>
+              <a:rPr lang="en-US" sz="2800" dirty="0" err="1"/>
+              <a:t>lebih</a:t>
+            </a:r>
+            <a:r>
+              <a:rPr lang="en-US" sz="2800" dirty="0"/>
+              <a:t> </a:t>
+            </a:r>
+            <a:r>
+              <a:rPr lang="en-US" sz="2800" dirty="0" err="1"/>
+              <a:t>kecil</a:t>
+            </a:r>
+            <a:r>
+              <a:rPr lang="en-US" sz="2800" dirty="0"/>
+              <a:t> </a:t>
             </a:r>
             <a:r>
               <a:rPr lang="en-US" sz="2800" dirty="0" err="1"/>
@@ -34669,15 +34480,15 @@
             </a:r>
             <a:r>
               <a:rPr lang="en-US" sz="2800" dirty="0" err="1"/>
-              <a:t>komponen</a:t>
+              <a:t>lebih</a:t>
             </a:r>
             <a:r>
               <a:rPr lang="en-US" sz="2800" dirty="0"/>
-              <a:t> yang </a:t>
+              <a:t> </a:t>
             </a:r>
             <a:r>
               <a:rPr lang="en-US" sz="2800" dirty="0" err="1"/>
-              <a:t>Anda</a:t>
+              <a:t>efisien</a:t>
             </a:r>
             <a:r>
               <a:rPr lang="en-US" sz="2800" dirty="0"/>
@@ -34685,15 +34496,15 @@
             </a:r>
             <a:r>
               <a:rPr lang="en-US" sz="2800" dirty="0" err="1"/>
-              <a:t>gunakan</a:t>
+              <a:t>dalam</a:t>
             </a:r>
             <a:r>
               <a:rPr lang="en-US" sz="2800" dirty="0"/>
-              <a:t>, </a:t>
+              <a:t> </a:t>
             </a:r>
             <a:r>
               <a:rPr lang="en-US" sz="2800" dirty="0" err="1"/>
-              <a:t>terutama</a:t>
+              <a:t>penggunaan</a:t>
             </a:r>
             <a:r>
               <a:rPr lang="en-US" sz="2800" dirty="0"/>
@@ -34701,7 +34512,7 @@
             </a:r>
             <a:r>
               <a:rPr lang="en-US" sz="2800" dirty="0" err="1"/>
-              <a:t>jika</a:t>
+              <a:t>sumber</a:t>
             </a:r>
             <a:r>
               <a:rPr lang="en-US" sz="2800" dirty="0"/>
@@ -34709,103 +34520,7 @@
             </a:r>
             <a:r>
               <a:rPr lang="en-US" sz="2800" dirty="0" err="1"/>
-              <a:t>Anda</a:t>
-            </a:r>
-            <a:r>
-              <a:rPr lang="en-US" sz="2800" dirty="0"/>
-              <a:t> </a:t>
-            </a:r>
-            <a:r>
-              <a:rPr lang="en-US" sz="2800" dirty="0" err="1"/>
-              <a:t>mengembangkan</a:t>
-            </a:r>
-            <a:r>
-              <a:rPr lang="en-US" sz="2800" dirty="0"/>
-              <a:t> </a:t>
-            </a:r>
-            <a:r>
-              <a:rPr lang="en-US" sz="2800" dirty="0" err="1"/>
-              <a:t>aplikasi</a:t>
-            </a:r>
-            <a:r>
-              <a:rPr lang="en-US" sz="2800" dirty="0"/>
-              <a:t> </a:t>
-            </a:r>
-            <a:r>
-              <a:rPr lang="en-US" sz="2800" dirty="0" err="1"/>
-              <a:t>komersial</a:t>
-            </a:r>
-            <a:r>
-              <a:rPr lang="en-US" sz="2800" dirty="0"/>
-              <a:t>. </a:t>
-            </a:r>
-            <a:r>
-              <a:rPr lang="en-US" sz="2800" dirty="0" err="1"/>
-              <a:t>Beberapa</a:t>
-            </a:r>
-            <a:r>
-              <a:rPr lang="en-US" sz="2800" dirty="0"/>
-              <a:t> </a:t>
-            </a:r>
-            <a:r>
-              <a:rPr lang="en-US" sz="2800" dirty="0" err="1"/>
-              <a:t>lisensi</a:t>
-            </a:r>
-            <a:r>
-              <a:rPr lang="en-US" sz="2800" dirty="0"/>
-              <a:t> </a:t>
-            </a:r>
-            <a:r>
-              <a:rPr lang="en-US" sz="2800" dirty="0" err="1"/>
-              <a:t>mungkin</a:t>
-            </a:r>
-            <a:r>
-              <a:rPr lang="en-US" sz="2800" dirty="0"/>
-              <a:t> </a:t>
-            </a:r>
-            <a:r>
-              <a:rPr lang="en-US" sz="2800" dirty="0" err="1"/>
-              <a:t>memiliki</a:t>
-            </a:r>
-            <a:r>
-              <a:rPr lang="en-US" sz="2800" dirty="0"/>
-              <a:t> </a:t>
-            </a:r>
-            <a:r>
-              <a:rPr lang="en-US" sz="2800" dirty="0" err="1"/>
-              <a:t>persyaratan</a:t>
-            </a:r>
-            <a:r>
-              <a:rPr lang="en-US" sz="2800" dirty="0"/>
-              <a:t> </a:t>
-            </a:r>
-            <a:r>
-              <a:rPr lang="en-US" sz="2800" dirty="0" err="1"/>
-              <a:t>tertentu</a:t>
-            </a:r>
-            <a:r>
-              <a:rPr lang="en-US" sz="2800" dirty="0"/>
-              <a:t> yang </a:t>
-            </a:r>
-            <a:r>
-              <a:rPr lang="en-US" sz="2800" dirty="0" err="1"/>
-              <a:t>harus</a:t>
-            </a:r>
-            <a:r>
-              <a:rPr lang="en-US" sz="2800" dirty="0"/>
-              <a:t> </a:t>
-            </a:r>
-            <a:r>
-              <a:rPr lang="en-US" sz="2800" dirty="0" err="1"/>
-              <a:t>Anda</a:t>
-            </a:r>
-            <a:r>
-              <a:rPr lang="en-US" sz="2800" dirty="0"/>
-              <a:t> </a:t>
-            </a:r>
-            <a:r>
-              <a:rPr lang="en-US" sz="2800" dirty="0" err="1"/>
-              <a:t>ikuti</a:t>
+              <a:t>daya</a:t>
             </a:r>
             <a:r>
               <a:rPr lang="en-US" sz="2800" dirty="0"/>
@@ -34823,7 +34538,7 @@
     </p:spTree>
     <p:extLst>
       <p:ext uri="{BB962C8B-B14F-4D97-AF65-F5344CB8AC3E}">
-        <p14:creationId xmlns:p14="http://schemas.microsoft.com/office/powerpoint/2010/main" val="453381460"/>
+        <p14:creationId xmlns:p14="http://schemas.microsoft.com/office/powerpoint/2010/main" val="3335437681"/>
       </p:ext>
     </p:extLst>
   </p:cSld>
@@ -35548,7 +35263,7 @@
         <p:spPr>
           <a:xfrm>
             <a:off x="1807230" y="1877007"/>
-            <a:ext cx="12221487" cy="497637"/>
+            <a:ext cx="12221487" cy="474489"/>
           </a:xfrm>
           <a:prstGeom prst="rect">
             <a:avLst/>
@@ -35566,20 +35281,28 @@
               </a:lnSpc>
             </a:pPr>
             <a:r>
-              <a:rPr lang="en-US" sz="4000" dirty="0" err="1" smtClean="0"/>
-              <a:t>Apa</a:t>
-            </a:r>
-            <a:r>
-              <a:rPr lang="en-US" sz="4000" dirty="0" smtClean="0"/>
-              <a:t> </a:t>
-            </a:r>
-            <a:r>
-              <a:rPr lang="en-US" sz="4000" dirty="0" err="1" smtClean="0"/>
-              <a:t>Itu</a:t>
-            </a:r>
-            <a:r>
-              <a:rPr lang="en-US" sz="4000" dirty="0" smtClean="0"/>
-              <a:t> Bootstrap</a:t>
+              <a:rPr lang="en-US" sz="4000" b="1" dirty="0" smtClean="0"/>
+              <a:t>3. </a:t>
+            </a:r>
+            <a:r>
+              <a:rPr lang="en-US" sz="4000" dirty="0" err="1"/>
+              <a:t>Lisensi</a:t>
+            </a:r>
+            <a:r>
+              <a:rPr lang="en-US" sz="4000" dirty="0"/>
+              <a:t> </a:t>
+            </a:r>
+            <a:r>
+              <a:rPr lang="en-US" sz="4000" dirty="0" err="1"/>
+              <a:t>dan</a:t>
+            </a:r>
+            <a:r>
+              <a:rPr lang="en-US" sz="4000" dirty="0"/>
+              <a:t> </a:t>
+            </a:r>
+            <a:r>
+              <a:rPr lang="en-US" sz="4000" dirty="0" err="1"/>
+              <a:t>Legalitas</a:t>
             </a:r>
             <a:endParaRPr lang="en-US" sz="4000" b="1" dirty="0">
               <a:solidFill>
@@ -35599,7 +35322,7 @@
         <p:spPr>
           <a:xfrm>
             <a:off x="2240628" y="3530353"/>
-            <a:ext cx="13337117" cy="2901243"/>
+            <a:ext cx="13337117" cy="1439305"/>
           </a:xfrm>
           <a:prstGeom prst="rect">
             <a:avLst/>
@@ -35617,12 +35340,16 @@
               </a:lnSpc>
             </a:pPr>
             <a:r>
+              <a:rPr lang="en-US" sz="2800" dirty="0" err="1"/>
+              <a:t>Pastikan</a:t>
+            </a:r>
+            <a:r>
               <a:rPr lang="en-US" sz="2800" dirty="0"/>
-              <a:t>Bootstrap </a:t>
+              <a:t> </a:t>
             </a:r>
             <a:r>
               <a:rPr lang="en-US" sz="2800" dirty="0" err="1"/>
-              <a:t>adalah</a:t>
+              <a:t>Anda</a:t>
             </a:r>
             <a:r>
               <a:rPr lang="en-US" sz="2800" dirty="0"/>
@@ -35630,15 +35357,15 @@
             </a:r>
             <a:r>
               <a:rPr lang="en-US" sz="2800" dirty="0" err="1"/>
-              <a:t>sebuah</a:t>
+              <a:t>memahami</a:t>
             </a:r>
             <a:r>
               <a:rPr lang="en-US" sz="2800" dirty="0"/>
-              <a:t> framework front-end open-source yang </a:t>
+              <a:t> </a:t>
             </a:r>
             <a:r>
               <a:rPr lang="en-US" sz="2800" dirty="0" err="1"/>
-              <a:t>digunakan</a:t>
+              <a:t>lisensi</a:t>
             </a:r>
             <a:r>
               <a:rPr lang="en-US" sz="2800" dirty="0"/>
@@ -35646,15 +35373,15 @@
             </a:r>
             <a:r>
               <a:rPr lang="en-US" sz="2800" dirty="0" err="1"/>
-              <a:t>untuk</a:t>
+              <a:t>dari</a:t>
             </a:r>
             <a:r>
               <a:rPr lang="en-US" sz="2800" dirty="0"/>
-              <a:t> </a:t>
+              <a:t> library </a:t>
             </a:r>
             <a:r>
               <a:rPr lang="en-US" sz="2800" dirty="0" err="1"/>
-              <a:t>membangun</a:t>
+              <a:t>atau</a:t>
             </a:r>
             <a:r>
               <a:rPr lang="en-US" sz="2800" dirty="0"/>
@@ -35662,15 +35389,55 @@
             </a:r>
             <a:r>
               <a:rPr lang="en-US" sz="2800" dirty="0" err="1"/>
-              <a:t>desain</a:t>
+              <a:t>komponen</a:t>
             </a:r>
             <a:r>
               <a:rPr lang="en-US" sz="2800" dirty="0"/>
-              <a:t> web </a:t>
+              <a:t> yang </a:t>
             </a:r>
             <a:r>
               <a:rPr lang="en-US" sz="2800" dirty="0" err="1"/>
-              <a:t>dan</a:t>
+              <a:t>Anda</a:t>
+            </a:r>
+            <a:r>
+              <a:rPr lang="en-US" sz="2800" dirty="0"/>
+              <a:t> </a:t>
+            </a:r>
+            <a:r>
+              <a:rPr lang="en-US" sz="2800" dirty="0" err="1"/>
+              <a:t>gunakan</a:t>
+            </a:r>
+            <a:r>
+              <a:rPr lang="en-US" sz="2800" dirty="0"/>
+              <a:t>, </a:t>
+            </a:r>
+            <a:r>
+              <a:rPr lang="en-US" sz="2800" dirty="0" err="1"/>
+              <a:t>terutama</a:t>
+            </a:r>
+            <a:r>
+              <a:rPr lang="en-US" sz="2800" dirty="0"/>
+              <a:t> </a:t>
+            </a:r>
+            <a:r>
+              <a:rPr lang="en-US" sz="2800" dirty="0" err="1"/>
+              <a:t>jika</a:t>
+            </a:r>
+            <a:r>
+              <a:rPr lang="en-US" sz="2800" dirty="0"/>
+              <a:t> </a:t>
+            </a:r>
+            <a:r>
+              <a:rPr lang="en-US" sz="2800" dirty="0" err="1"/>
+              <a:t>Anda</a:t>
+            </a:r>
+            <a:r>
+              <a:rPr lang="en-US" sz="2800" dirty="0"/>
+              <a:t> </a:t>
+            </a:r>
+            <a:r>
+              <a:rPr lang="en-US" sz="2800" dirty="0" err="1"/>
+              <a:t>mengembangkan</a:t>
             </a:r>
             <a:r>
               <a:rPr lang="en-US" sz="2800" dirty="0"/>
@@ -35682,27 +35449,27 @@
             </a:r>
             <a:r>
               <a:rPr lang="en-US" sz="2800" dirty="0"/>
-              <a:t> web </a:t>
+              <a:t> </a:t>
             </a:r>
             <a:r>
               <a:rPr lang="en-US" sz="2800" dirty="0" err="1"/>
-              <a:t>responsif</a:t>
+              <a:t>komersial</a:t>
             </a:r>
             <a:r>
               <a:rPr lang="en-US" sz="2800" dirty="0"/>
-              <a:t> (responsive) </a:t>
+              <a:t>. </a:t>
             </a:r>
             <a:r>
               <a:rPr lang="en-US" sz="2800" dirty="0" err="1"/>
-              <a:t>dan</a:t>
+              <a:t>Beberapa</a:t>
             </a:r>
             <a:r>
               <a:rPr lang="en-US" sz="2800" dirty="0"/>
-              <a:t> mobile-first. </a:t>
+              <a:t> </a:t>
             </a:r>
             <a:r>
               <a:rPr lang="en-US" sz="2800" dirty="0" err="1"/>
-              <a:t>Dikembangkan</a:t>
+              <a:t>lisensi</a:t>
             </a:r>
             <a:r>
               <a:rPr lang="en-US" sz="2800" dirty="0"/>
@@ -35710,7 +35477,7 @@
             </a:r>
             <a:r>
               <a:rPr lang="en-US" sz="2800" dirty="0" err="1"/>
-              <a:t>oleh</a:t>
+              <a:t>mungkin</a:t>
             </a:r>
             <a:r>
               <a:rPr lang="en-US" sz="2800" dirty="0"/>
@@ -35718,7 +35485,7 @@
             </a:r>
             <a:r>
               <a:rPr lang="en-US" sz="2800" dirty="0" err="1"/>
-              <a:t>tim</a:t>
+              <a:t>memiliki</a:t>
             </a:r>
             <a:r>
               <a:rPr lang="en-US" sz="2800" dirty="0"/>
@@ -35726,135 +35493,15 @@
             </a:r>
             <a:r>
               <a:rPr lang="en-US" sz="2800" dirty="0" err="1"/>
-              <a:t>dari</a:t>
+              <a:t>persyaratan</a:t>
             </a:r>
             <a:r>
               <a:rPr lang="en-US" sz="2800" dirty="0"/>
-              <a:t> Twitter, Bootstrap </a:t>
+              <a:t> </a:t>
             </a:r>
             <a:r>
               <a:rPr lang="en-US" sz="2800" dirty="0" err="1"/>
-              <a:t>menyediakan</a:t>
-            </a:r>
-            <a:r>
-              <a:rPr lang="en-US" sz="2800" dirty="0"/>
-              <a:t> </a:t>
-            </a:r>
-            <a:r>
-              <a:rPr lang="en-US" sz="2800" dirty="0" err="1"/>
-              <a:t>serangkaian</a:t>
-            </a:r>
-            <a:r>
-              <a:rPr lang="en-US" sz="2800" dirty="0"/>
-              <a:t> </a:t>
-            </a:r>
-            <a:r>
-              <a:rPr lang="en-US" sz="2800" dirty="0" err="1"/>
-              <a:t>alat</a:t>
-            </a:r>
-            <a:r>
-              <a:rPr lang="en-US" sz="2800" dirty="0"/>
-              <a:t> </a:t>
-            </a:r>
-            <a:r>
-              <a:rPr lang="en-US" sz="2800" dirty="0" err="1"/>
-              <a:t>dan</a:t>
-            </a:r>
-            <a:r>
-              <a:rPr lang="en-US" sz="2800" dirty="0"/>
-              <a:t> </a:t>
-            </a:r>
-            <a:r>
-              <a:rPr lang="en-US" sz="2800" dirty="0" err="1"/>
-              <a:t>komponen</a:t>
-            </a:r>
-            <a:r>
-              <a:rPr lang="en-US" sz="2800" dirty="0"/>
-              <a:t> UI (User Interface) yang </a:t>
-            </a:r>
-            <a:r>
-              <a:rPr lang="en-US" sz="2800" dirty="0" err="1"/>
-              <a:t>siap</a:t>
-            </a:r>
-            <a:r>
-              <a:rPr lang="en-US" sz="2800" dirty="0"/>
-              <a:t> </a:t>
-            </a:r>
-            <a:r>
-              <a:rPr lang="en-US" sz="2800" dirty="0" err="1"/>
-              <a:t>pakai</a:t>
-            </a:r>
-            <a:r>
-              <a:rPr lang="en-US" sz="2800" dirty="0"/>
-              <a:t>, </a:t>
-            </a:r>
-            <a:r>
-              <a:rPr lang="en-US" sz="2800" dirty="0" err="1"/>
-              <a:t>termasuk</a:t>
-            </a:r>
-            <a:r>
-              <a:rPr lang="en-US" sz="2800" dirty="0"/>
-              <a:t> </a:t>
-            </a:r>
-            <a:r>
-              <a:rPr lang="en-US" sz="2800" dirty="0" err="1"/>
-              <a:t>tata</a:t>
-            </a:r>
-            <a:r>
-              <a:rPr lang="en-US" sz="2800" dirty="0"/>
-              <a:t> </a:t>
-            </a:r>
-            <a:r>
-              <a:rPr lang="en-US" sz="2800" dirty="0" err="1"/>
-              <a:t>letak</a:t>
-            </a:r>
-            <a:r>
-              <a:rPr lang="en-US" sz="2800" dirty="0"/>
-              <a:t> grid, </a:t>
-            </a:r>
-            <a:r>
-              <a:rPr lang="en-US" sz="2800" dirty="0" err="1"/>
-              <a:t>tombol</a:t>
-            </a:r>
-            <a:r>
-              <a:rPr lang="en-US" sz="2800" dirty="0"/>
-              <a:t>, </a:t>
-            </a:r>
-            <a:r>
-              <a:rPr lang="en-US" sz="2800" dirty="0" err="1"/>
-              <a:t>formulir</a:t>
-            </a:r>
-            <a:r>
-              <a:rPr lang="en-US" sz="2800" dirty="0"/>
-              <a:t>, </a:t>
-            </a:r>
-            <a:r>
-              <a:rPr lang="en-US" sz="2800" dirty="0" err="1"/>
-              <a:t>navigasi</a:t>
-            </a:r>
-            <a:r>
-              <a:rPr lang="en-US" sz="2800" dirty="0"/>
-              <a:t>, </a:t>
-            </a:r>
-            <a:r>
-              <a:rPr lang="en-US" sz="2800" dirty="0" err="1"/>
-              <a:t>serta</a:t>
-            </a:r>
-            <a:r>
-              <a:rPr lang="en-US" sz="2800" dirty="0"/>
-              <a:t> </a:t>
-            </a:r>
-            <a:r>
-              <a:rPr lang="en-US" sz="2800" dirty="0" err="1"/>
-              <a:t>elemen-elemen</a:t>
-            </a:r>
-            <a:r>
-              <a:rPr lang="en-US" sz="2800" dirty="0"/>
-              <a:t> </a:t>
-            </a:r>
-            <a:r>
-              <a:rPr lang="en-US" sz="2800" dirty="0" err="1"/>
-              <a:t>lainnya</a:t>
+              <a:t>tertentu</a:t>
             </a:r>
             <a:r>
               <a:rPr lang="en-US" sz="2800" dirty="0"/>
@@ -35862,7 +35509,7 @@
             </a:r>
             <a:r>
               <a:rPr lang="en-US" sz="2800" dirty="0" err="1"/>
-              <a:t>dapat</a:t>
+              <a:t>harus</a:t>
             </a:r>
             <a:r>
               <a:rPr lang="en-US" sz="2800" dirty="0"/>
@@ -35870,7 +35517,7 @@
             </a:r>
             <a:r>
               <a:rPr lang="en-US" sz="2800" dirty="0" err="1"/>
-              <a:t>digunakan</a:t>
+              <a:t>Anda</a:t>
             </a:r>
             <a:r>
               <a:rPr lang="en-US" sz="2800" dirty="0"/>
@@ -35878,63 +35525,7 @@
             </a:r>
             <a:r>
               <a:rPr lang="en-US" sz="2800" dirty="0" err="1"/>
-              <a:t>untuk</a:t>
-            </a:r>
-            <a:r>
-              <a:rPr lang="en-US" sz="2800" dirty="0"/>
-              <a:t> </a:t>
-            </a:r>
-            <a:r>
-              <a:rPr lang="en-US" sz="2800" dirty="0" err="1"/>
-              <a:t>membangun</a:t>
-            </a:r>
-            <a:r>
-              <a:rPr lang="en-US" sz="2800" dirty="0"/>
-              <a:t> </a:t>
-            </a:r>
-            <a:r>
-              <a:rPr lang="en-US" sz="2800" dirty="0" err="1"/>
-              <a:t>tampilan</a:t>
-            </a:r>
-            <a:r>
-              <a:rPr lang="en-US" sz="2800" dirty="0"/>
-              <a:t> web yang </a:t>
-            </a:r>
-            <a:r>
-              <a:rPr lang="en-US" sz="2800" dirty="0" err="1"/>
-              <a:t>estetis</a:t>
-            </a:r>
-            <a:r>
-              <a:rPr lang="en-US" sz="2800" dirty="0"/>
-              <a:t> </a:t>
-            </a:r>
-            <a:r>
-              <a:rPr lang="en-US" sz="2800" dirty="0" err="1"/>
-              <a:t>dan</a:t>
-            </a:r>
-            <a:r>
-              <a:rPr lang="en-US" sz="2800" dirty="0"/>
-              <a:t> </a:t>
-            </a:r>
-            <a:r>
-              <a:rPr lang="en-US" sz="2800" dirty="0" err="1"/>
-              <a:t>responsif</a:t>
-            </a:r>
-            <a:r>
-              <a:rPr lang="en-US" sz="2800" dirty="0"/>
-              <a:t> </a:t>
-            </a:r>
-            <a:r>
-              <a:rPr lang="en-US" sz="2800" dirty="0" err="1"/>
-              <a:t>dengan</a:t>
-            </a:r>
-            <a:r>
-              <a:rPr lang="en-US" sz="2800" dirty="0"/>
-              <a:t> </a:t>
-            </a:r>
-            <a:r>
-              <a:rPr lang="en-US" sz="2800" dirty="0" err="1"/>
-              <a:t>cepat</a:t>
+              <a:t>ikuti</a:t>
             </a:r>
             <a:r>
               <a:rPr lang="en-US" sz="2800" dirty="0"/>
@@ -35952,7 +35543,7 @@
     </p:spTree>
     <p:extLst>
       <p:ext uri="{BB962C8B-B14F-4D97-AF65-F5344CB8AC3E}">
-        <p14:creationId xmlns:p14="http://schemas.microsoft.com/office/powerpoint/2010/main" val="2738240472"/>
+        <p14:creationId xmlns:p14="http://schemas.microsoft.com/office/powerpoint/2010/main" val="453381460"/>
       </p:ext>
     </p:extLst>
   </p:cSld>
@@ -36695,28 +36286,20 @@
               </a:lnSpc>
             </a:pPr>
             <a:r>
-              <a:rPr lang="en-US" sz="4000" dirty="0" err="1"/>
-              <a:t>Fitur</a:t>
-            </a:r>
-            <a:r>
-              <a:rPr lang="en-US" sz="4000" dirty="0"/>
-              <a:t> </a:t>
-            </a:r>
-            <a:r>
-              <a:rPr lang="en-US" sz="4000" dirty="0" err="1"/>
-              <a:t>utama</a:t>
-            </a:r>
-            <a:r>
-              <a:rPr lang="en-US" sz="4000" dirty="0"/>
-              <a:t> Bootstrap </a:t>
-            </a:r>
-            <a:r>
-              <a:rPr lang="en-US" sz="4000" dirty="0" err="1"/>
-              <a:t>meliputi</a:t>
-            </a:r>
-            <a:r>
-              <a:rPr lang="en-US" sz="4000" dirty="0"/>
-              <a:t>:</a:t>
+              <a:rPr lang="en-US" sz="4000" dirty="0" err="1" smtClean="0"/>
+              <a:t>Apa</a:t>
+            </a:r>
+            <a:r>
+              <a:rPr lang="en-US" sz="4000" dirty="0" smtClean="0"/>
+              <a:t> </a:t>
+            </a:r>
+            <a:r>
+              <a:rPr lang="en-US" sz="4000" dirty="0" err="1" smtClean="0"/>
+              <a:t>Itu</a:t>
+            </a:r>
+            <a:r>
+              <a:rPr lang="en-US" sz="4000" dirty="0" smtClean="0"/>
+              <a:t> Bootstrap</a:t>
             </a:r>
             <a:endParaRPr lang="en-US" sz="4000" b="1" dirty="0">
               <a:solidFill>
@@ -36735,8 +36318,8 @@
         </p:nvSpPr>
         <p:spPr>
           <a:xfrm>
-            <a:off x="2240628" y="3507719"/>
-            <a:ext cx="13337117" cy="2923877"/>
+            <a:off x="2240628" y="3530353"/>
+            <a:ext cx="13337117" cy="2901243"/>
           </a:xfrm>
           <a:prstGeom prst="rect">
             <a:avLst/>
@@ -36748,99 +36331,335 @@
           </a:bodyPr>
           <a:lstStyle/>
           <a:p>
-            <a:pPr marL="457200" indent="-457200">
+            <a:pPr>
               <a:lnSpc>
                 <a:spcPts val="3779"/>
               </a:lnSpc>
-              <a:buFont typeface="Arial" panose="020B0604020202020204" pitchFamily="34" charset="0"/>
-              <a:buChar char="•"/>
             </a:pPr>
             <a:r>
               <a:rPr lang="en-US" sz="2800" dirty="0"/>
-              <a:t>Grid </a:t>
-            </a:r>
-            <a:r>
-              <a:rPr lang="en-US" sz="2800" dirty="0" smtClean="0"/>
-              <a:t>System</a:t>
-            </a:r>
-          </a:p>
-          <a:p>
-            <a:pPr marL="457200" indent="-457200">
-              <a:lnSpc>
-                <a:spcPts val="3779"/>
-              </a:lnSpc>
-              <a:buFont typeface="Arial" panose="020B0604020202020204" pitchFamily="34" charset="0"/>
-              <a:buChar char="•"/>
-            </a:pPr>
+              <a:t>Bootstrap </a:t>
+            </a:r>
             <a:r>
               <a:rPr lang="en-US" sz="2800" dirty="0" err="1"/>
-              <a:t>Komponen</a:t>
+              <a:t>adalah</a:t>
             </a:r>
             <a:r>
               <a:rPr lang="en-US" sz="2800" dirty="0"/>
               <a:t> </a:t>
             </a:r>
             <a:r>
-              <a:rPr lang="en-US" sz="2800" dirty="0" smtClean="0"/>
-              <a:t>UI</a:t>
-            </a:r>
-          </a:p>
-          <a:p>
-            <a:pPr marL="457200" indent="-457200">
-              <a:lnSpc>
-                <a:spcPts val="3779"/>
-              </a:lnSpc>
-              <a:buFont typeface="Arial" panose="020B0604020202020204" pitchFamily="34" charset="0"/>
-              <a:buChar char="•"/>
-            </a:pPr>
-            <a:r>
-              <a:rPr lang="en-US" sz="2800" dirty="0" err="1" smtClean="0"/>
-              <a:t>Responsif</a:t>
-            </a:r>
-            <a:endParaRPr lang="en-US" sz="2800" dirty="0" smtClean="0"/>
-          </a:p>
-          <a:p>
-            <a:pPr marL="457200" indent="-457200">
-              <a:lnSpc>
-                <a:spcPts val="3779"/>
-              </a:lnSpc>
-              <a:buFont typeface="Arial" panose="020B0604020202020204" pitchFamily="34" charset="0"/>
-              <a:buChar char="•"/>
-            </a:pPr>
-            <a:r>
-              <a:rPr lang="en-US" sz="2800" dirty="0" smtClean="0"/>
-              <a:t>Customizable</a:t>
-            </a:r>
-          </a:p>
-          <a:p>
-            <a:pPr marL="457200" indent="-457200">
-              <a:lnSpc>
-                <a:spcPts val="3779"/>
-              </a:lnSpc>
-              <a:buFont typeface="Arial" panose="020B0604020202020204" pitchFamily="34" charset="0"/>
-              <a:buChar char="•"/>
-            </a:pPr>
-            <a:r>
               <a:rPr lang="en-US" sz="2800" dirty="0" err="1"/>
-              <a:t>Kompatibilitas</a:t>
+              <a:t>sebuah</a:t>
             </a:r>
             <a:r>
               <a:rPr lang="en-US" sz="2800" dirty="0"/>
-              <a:t> </a:t>
-            </a:r>
-            <a:r>
-              <a:rPr lang="en-US" sz="2800" dirty="0" smtClean="0"/>
-              <a:t>Browser</a:t>
-            </a:r>
-          </a:p>
-          <a:p>
-            <a:pPr marL="457200" indent="-457200">
-              <a:lnSpc>
-                <a:spcPts val="3779"/>
-              </a:lnSpc>
-              <a:buFont typeface="Arial" panose="020B0604020202020204" pitchFamily="34" charset="0"/>
-              <a:buChar char="•"/>
-            </a:pPr>
+              <a:t> framework front-end open-source yang </a:t>
+            </a:r>
+            <a:r>
+              <a:rPr lang="en-US" sz="2800" dirty="0" err="1"/>
+              <a:t>digunakan</a:t>
+            </a:r>
+            <a:r>
+              <a:rPr lang="en-US" sz="2800" dirty="0"/>
+              <a:t> </a:t>
+            </a:r>
+            <a:r>
+              <a:rPr lang="en-US" sz="2800" dirty="0" err="1"/>
+              <a:t>untuk</a:t>
+            </a:r>
+            <a:r>
+              <a:rPr lang="en-US" sz="2800" dirty="0"/>
+              <a:t> </a:t>
+            </a:r>
+            <a:r>
+              <a:rPr lang="en-US" sz="2800" dirty="0" err="1"/>
+              <a:t>membangun</a:t>
+            </a:r>
+            <a:r>
+              <a:rPr lang="en-US" sz="2800" dirty="0"/>
+              <a:t> </a:t>
+            </a:r>
+            <a:r>
+              <a:rPr lang="en-US" sz="2800" dirty="0" err="1"/>
+              <a:t>desain</a:t>
+            </a:r>
+            <a:r>
+              <a:rPr lang="en-US" sz="2800" dirty="0"/>
+              <a:t> web </a:t>
+            </a:r>
+            <a:r>
+              <a:rPr lang="en-US" sz="2800" dirty="0" err="1"/>
+              <a:t>dan</a:t>
+            </a:r>
+            <a:r>
+              <a:rPr lang="en-US" sz="2800" dirty="0"/>
+              <a:t> </a:t>
+            </a:r>
+            <a:r>
+              <a:rPr lang="en-US" sz="2800" dirty="0" err="1"/>
+              <a:t>aplikasi</a:t>
+            </a:r>
+            <a:r>
+              <a:rPr lang="en-US" sz="2800" dirty="0"/>
+              <a:t> web </a:t>
+            </a:r>
+            <a:r>
+              <a:rPr lang="en-US" sz="2800" dirty="0" err="1"/>
+              <a:t>responsif</a:t>
+            </a:r>
+            <a:r>
+              <a:rPr lang="en-US" sz="2800" dirty="0"/>
+              <a:t> (responsive) </a:t>
+            </a:r>
+            <a:r>
+              <a:rPr lang="en-US" sz="2800" dirty="0" err="1"/>
+              <a:t>dan</a:t>
+            </a:r>
+            <a:r>
+              <a:rPr lang="en-US" sz="2800" dirty="0"/>
+              <a:t> mobile-first. </a:t>
+            </a:r>
+            <a:r>
+              <a:rPr lang="en-US" sz="2800" dirty="0" err="1"/>
+              <a:t>Dikembangkan</a:t>
+            </a:r>
+            <a:r>
+              <a:rPr lang="en-US" sz="2800" dirty="0"/>
+              <a:t> </a:t>
+            </a:r>
+            <a:r>
+              <a:rPr lang="en-US" sz="2800" dirty="0" err="1"/>
+              <a:t>oleh</a:t>
+            </a:r>
+            <a:r>
+              <a:rPr lang="en-US" sz="2800" dirty="0"/>
+              <a:t> </a:t>
+            </a:r>
+            <a:r>
+              <a:rPr lang="en-US" sz="2800" dirty="0" err="1"/>
+              <a:t>tim</a:t>
+            </a:r>
+            <a:r>
+              <a:rPr lang="en-US" sz="2800" dirty="0"/>
+              <a:t> </a:t>
+            </a:r>
+            <a:r>
+              <a:rPr lang="en-US" sz="2800" dirty="0" err="1"/>
+              <a:t>dari</a:t>
+            </a:r>
+            <a:r>
+              <a:rPr lang="en-US" sz="2800" dirty="0"/>
+              <a:t> Twitter, Bootstrap </a:t>
+            </a:r>
+            <a:r>
+              <a:rPr lang="en-US" sz="2800" dirty="0" err="1"/>
+              <a:t>menyediakan</a:t>
+            </a:r>
+            <a:r>
+              <a:rPr lang="en-US" sz="2800" dirty="0"/>
+              <a:t> </a:t>
+            </a:r>
+            <a:r>
+              <a:rPr lang="en-US" sz="2800" dirty="0" err="1"/>
+              <a:t>serangkaian</a:t>
+            </a:r>
+            <a:r>
+              <a:rPr lang="en-US" sz="2800" dirty="0"/>
+              <a:t> </a:t>
+            </a:r>
+            <a:r>
+              <a:rPr lang="en-US" sz="2800" dirty="0" err="1"/>
+              <a:t>alat</a:t>
+            </a:r>
+            <a:r>
+              <a:rPr lang="en-US" sz="2800" dirty="0"/>
+              <a:t> </a:t>
+            </a:r>
+            <a:r>
+              <a:rPr lang="en-US" sz="2800" dirty="0" err="1"/>
+              <a:t>dan</a:t>
+            </a:r>
+            <a:r>
+              <a:rPr lang="en-US" sz="2800" dirty="0"/>
+              <a:t> </a:t>
+            </a:r>
+            <a:r>
+              <a:rPr lang="en-US" sz="2800" dirty="0" err="1"/>
+              <a:t>komponen</a:t>
+            </a:r>
+            <a:r>
+              <a:rPr lang="en-US" sz="2800" dirty="0"/>
+              <a:t> UI (User Interface) yang </a:t>
+            </a:r>
+            <a:r>
+              <a:rPr lang="en-US" sz="2800" dirty="0" err="1"/>
+              <a:t>siap</a:t>
+            </a:r>
+            <a:r>
+              <a:rPr lang="en-US" sz="2800" dirty="0"/>
+              <a:t> </a:t>
+            </a:r>
+            <a:r>
+              <a:rPr lang="en-US" sz="2800" dirty="0" err="1"/>
+              <a:t>pakai</a:t>
+            </a:r>
+            <a:r>
+              <a:rPr lang="en-US" sz="2800" dirty="0"/>
+              <a:t>, </a:t>
+            </a:r>
+            <a:r>
+              <a:rPr lang="en-US" sz="2800" dirty="0" err="1"/>
+              <a:t>termasuk</a:t>
+            </a:r>
+            <a:r>
+              <a:rPr lang="en-US" sz="2800" dirty="0"/>
+              <a:t> </a:t>
+            </a:r>
+            <a:r>
+              <a:rPr lang="en-US" sz="2800" dirty="0" err="1"/>
+              <a:t>tata</a:t>
+            </a:r>
+            <a:r>
+              <a:rPr lang="en-US" sz="2800" dirty="0"/>
+              <a:t> </a:t>
+            </a:r>
+            <a:r>
+              <a:rPr lang="en-US" sz="2800" dirty="0" err="1"/>
+              <a:t>letak</a:t>
+            </a:r>
+            <a:r>
+              <a:rPr lang="en-US" sz="2800" dirty="0"/>
+              <a:t> grid, </a:t>
+            </a:r>
+            <a:r>
+              <a:rPr lang="en-US" sz="2800" dirty="0" err="1"/>
+              <a:t>tombol</a:t>
+            </a:r>
+            <a:r>
+              <a:rPr lang="en-US" sz="2800" dirty="0"/>
+              <a:t>, </a:t>
+            </a:r>
+            <a:r>
+              <a:rPr lang="en-US" sz="2800" dirty="0" err="1"/>
+              <a:t>formulir</a:t>
+            </a:r>
+            <a:r>
+              <a:rPr lang="en-US" sz="2800" dirty="0"/>
+              <a:t>, </a:t>
+            </a:r>
+            <a:r>
+              <a:rPr lang="en-US" sz="2800" dirty="0" err="1"/>
+              <a:t>navigasi</a:t>
+            </a:r>
+            <a:r>
+              <a:rPr lang="en-US" sz="2800" dirty="0"/>
+              <a:t>, </a:t>
+            </a:r>
+            <a:r>
+              <a:rPr lang="en-US" sz="2800" dirty="0" err="1"/>
+              <a:t>serta</a:t>
+            </a:r>
+            <a:r>
+              <a:rPr lang="en-US" sz="2800" dirty="0"/>
+              <a:t> </a:t>
+            </a:r>
+            <a:r>
+              <a:rPr lang="en-US" sz="2800" dirty="0" err="1"/>
+              <a:t>elemen-elemen</a:t>
+            </a:r>
+            <a:r>
+              <a:rPr lang="en-US" sz="2800" dirty="0"/>
+              <a:t> </a:t>
+            </a:r>
+            <a:r>
+              <a:rPr lang="en-US" sz="2800" dirty="0" err="1"/>
+              <a:t>lainnya</a:t>
+            </a:r>
+            <a:r>
+              <a:rPr lang="en-US" sz="2800" dirty="0"/>
+              <a:t> yang </a:t>
+            </a:r>
+            <a:r>
+              <a:rPr lang="en-US" sz="2800" dirty="0" err="1"/>
+              <a:t>dapat</a:t>
+            </a:r>
+            <a:r>
+              <a:rPr lang="en-US" sz="2800" dirty="0"/>
+              <a:t> </a:t>
+            </a:r>
+            <a:r>
+              <a:rPr lang="en-US" sz="2800" dirty="0" err="1"/>
+              <a:t>digunakan</a:t>
+            </a:r>
+            <a:r>
+              <a:rPr lang="en-US" sz="2800" dirty="0"/>
+              <a:t> </a:t>
+            </a:r>
+            <a:r>
+              <a:rPr lang="en-US" sz="2800" dirty="0" err="1"/>
+              <a:t>untuk</a:t>
+            </a:r>
+            <a:r>
+              <a:rPr lang="en-US" sz="2800" dirty="0"/>
+              <a:t> </a:t>
+            </a:r>
+            <a:r>
+              <a:rPr lang="en-US" sz="2800" dirty="0" err="1"/>
+              <a:t>membangun</a:t>
+            </a:r>
+            <a:r>
+              <a:rPr lang="en-US" sz="2800" dirty="0"/>
+              <a:t> </a:t>
+            </a:r>
+            <a:r>
+              <a:rPr lang="en-US" sz="2800" dirty="0" err="1"/>
+              <a:t>tampilan</a:t>
+            </a:r>
+            <a:r>
+              <a:rPr lang="en-US" sz="2800" dirty="0"/>
+              <a:t> web yang </a:t>
+            </a:r>
+            <a:r>
+              <a:rPr lang="en-US" sz="2800" dirty="0" err="1"/>
+              <a:t>estetis</a:t>
+            </a:r>
+            <a:r>
+              <a:rPr lang="en-US" sz="2800" dirty="0"/>
+              <a:t> </a:t>
+            </a:r>
+            <a:r>
+              <a:rPr lang="en-US" sz="2800" dirty="0" err="1"/>
+              <a:t>dan</a:t>
+            </a:r>
+            <a:r>
+              <a:rPr lang="en-US" sz="2800" dirty="0"/>
+              <a:t> </a:t>
+            </a:r>
+            <a:r>
+              <a:rPr lang="en-US" sz="2800" dirty="0" err="1"/>
+              <a:t>responsif</a:t>
+            </a:r>
+            <a:r>
+              <a:rPr lang="en-US" sz="2800" dirty="0"/>
+              <a:t> </a:t>
+            </a:r>
+            <a:r>
+              <a:rPr lang="en-US" sz="2800" dirty="0" err="1"/>
+              <a:t>dengan</a:t>
+            </a:r>
+            <a:r>
+              <a:rPr lang="en-US" sz="2800" dirty="0"/>
+              <a:t> </a:t>
+            </a:r>
+            <a:r>
+              <a:rPr lang="en-US" sz="2800" dirty="0" err="1"/>
+              <a:t>cepat</a:t>
+            </a:r>
+            <a:r>
+              <a:rPr lang="en-US" sz="2800" dirty="0"/>
+              <a:t>.</a:t>
+            </a:r>
             <a:endParaRPr lang="en-US" sz="2700" dirty="0">
               <a:solidFill>
                 <a:srgbClr val="000000"/>
@@ -36853,7 +36672,7 @@
     </p:spTree>
     <p:extLst>
       <p:ext uri="{BB962C8B-B14F-4D97-AF65-F5344CB8AC3E}">
-        <p14:creationId xmlns:p14="http://schemas.microsoft.com/office/powerpoint/2010/main" val="3473382375"/>
+        <p14:creationId xmlns:p14="http://schemas.microsoft.com/office/powerpoint/2010/main" val="2738240472"/>
       </p:ext>
     </p:extLst>
   </p:cSld>
@@ -37596,20 +37415,28 @@
               </a:lnSpc>
             </a:pPr>
             <a:r>
-              <a:rPr lang="en-US" sz="4000" dirty="0" err="1" smtClean="0"/>
-              <a:t>Apa</a:t>
-            </a:r>
-            <a:r>
-              <a:rPr lang="en-US" sz="4000" dirty="0" smtClean="0"/>
-              <a:t> </a:t>
-            </a:r>
-            <a:r>
-              <a:rPr lang="en-US" sz="4000" dirty="0" err="1" smtClean="0"/>
-              <a:t>Itu</a:t>
-            </a:r>
-            <a:r>
-              <a:rPr lang="en-US" sz="4000" dirty="0" smtClean="0"/>
-              <a:t> Ajax</a:t>
+              <a:rPr lang="en-US" sz="4000" dirty="0" err="1"/>
+              <a:t>Fitur</a:t>
+            </a:r>
+            <a:r>
+              <a:rPr lang="en-US" sz="4000" dirty="0"/>
+              <a:t> </a:t>
+            </a:r>
+            <a:r>
+              <a:rPr lang="en-US" sz="4000" dirty="0" err="1"/>
+              <a:t>utama</a:t>
+            </a:r>
+            <a:r>
+              <a:rPr lang="en-US" sz="4000" dirty="0"/>
+              <a:t> Bootstrap </a:t>
+            </a:r>
+            <a:r>
+              <a:rPr lang="en-US" sz="4000" dirty="0" err="1"/>
+              <a:t>meliputi</a:t>
+            </a:r>
+            <a:r>
+              <a:rPr lang="en-US" sz="4000" dirty="0"/>
+              <a:t>:</a:t>
             </a:r>
             <a:endParaRPr lang="en-US" sz="4000" b="1" dirty="0">
               <a:solidFill>
@@ -37629,7 +37456,7 @@
         <p:spPr>
           <a:xfrm>
             <a:off x="2240628" y="3507719"/>
-            <a:ext cx="13337117" cy="4363182"/>
+            <a:ext cx="13337117" cy="2923877"/>
           </a:xfrm>
           <a:prstGeom prst="rect">
             <a:avLst/>
@@ -37641,551 +37468,99 @@
           </a:bodyPr>
           <a:lstStyle/>
           <a:p>
-            <a:pPr>
+            <a:pPr marL="457200" indent="-457200">
               <a:lnSpc>
                 <a:spcPts val="3779"/>
               </a:lnSpc>
+              <a:buFont typeface="Arial" panose="020B0604020202020204" pitchFamily="34" charset="0"/>
+              <a:buChar char="•"/>
             </a:pPr>
             <a:r>
+              <a:rPr lang="en-US" sz="2800" dirty="0"/>
+              <a:t>Grid </a:t>
+            </a:r>
+            <a:r>
               <a:rPr lang="en-US" sz="2800" dirty="0" smtClean="0"/>
-              <a:t>	Ajax </a:t>
-            </a:r>
+              <a:t>System</a:t>
+            </a:r>
+          </a:p>
+          <a:p>
+            <a:pPr marL="457200" indent="-457200">
+              <a:lnSpc>
+                <a:spcPts val="3779"/>
+              </a:lnSpc>
+              <a:buFont typeface="Arial" panose="020B0604020202020204" pitchFamily="34" charset="0"/>
+              <a:buChar char="•"/>
+            </a:pPr>
             <a:r>
               <a:rPr lang="en-US" sz="2800" dirty="0" err="1"/>
-              <a:t>adalah</a:t>
+              <a:t>Komponen</a:t>
             </a:r>
             <a:r>
               <a:rPr lang="en-US" sz="2800" dirty="0"/>
               <a:t> </a:t>
             </a:r>
             <a:r>
+              <a:rPr lang="en-US" sz="2800" dirty="0" smtClean="0"/>
+              <a:t>UI</a:t>
+            </a:r>
+          </a:p>
+          <a:p>
+            <a:pPr marL="457200" indent="-457200">
+              <a:lnSpc>
+                <a:spcPts val="3779"/>
+              </a:lnSpc>
+              <a:buFont typeface="Arial" panose="020B0604020202020204" pitchFamily="34" charset="0"/>
+              <a:buChar char="•"/>
+            </a:pPr>
+            <a:r>
+              <a:rPr lang="en-US" sz="2800" dirty="0" err="1" smtClean="0"/>
+              <a:t>Responsif</a:t>
+            </a:r>
+            <a:endParaRPr lang="en-US" sz="2800" dirty="0" smtClean="0"/>
+          </a:p>
+          <a:p>
+            <a:pPr marL="457200" indent="-457200">
+              <a:lnSpc>
+                <a:spcPts val="3779"/>
+              </a:lnSpc>
+              <a:buFont typeface="Arial" panose="020B0604020202020204" pitchFamily="34" charset="0"/>
+              <a:buChar char="•"/>
+            </a:pPr>
+            <a:r>
+              <a:rPr lang="en-US" sz="2800" dirty="0" smtClean="0"/>
+              <a:t>Customizable</a:t>
+            </a:r>
+          </a:p>
+          <a:p>
+            <a:pPr marL="457200" indent="-457200">
+              <a:lnSpc>
+                <a:spcPts val="3779"/>
+              </a:lnSpc>
+              <a:buFont typeface="Arial" panose="020B0604020202020204" pitchFamily="34" charset="0"/>
+              <a:buChar char="•"/>
+            </a:pPr>
+            <a:r>
               <a:rPr lang="en-US" sz="2800" dirty="0" err="1"/>
-              <a:t>singkatan</a:t>
+              <a:t>Kompatibilitas</a:t>
             </a:r>
             <a:r>
               <a:rPr lang="en-US" sz="2800" dirty="0"/>
               <a:t> </a:t>
             </a:r>
             <a:r>
-              <a:rPr lang="en-US" sz="2800" dirty="0" err="1"/>
-              <a:t>dari</a:t>
-            </a:r>
-            <a:r>
-              <a:rPr lang="en-US" sz="2800" dirty="0"/>
-              <a:t> "Asynchronous JavaScript and XML". </a:t>
-            </a:r>
-            <a:r>
-              <a:rPr lang="en-US" sz="2800" dirty="0" err="1"/>
-              <a:t>Ini</a:t>
-            </a:r>
-            <a:r>
-              <a:rPr lang="en-US" sz="2800" dirty="0"/>
-              <a:t> </a:t>
-            </a:r>
-            <a:r>
-              <a:rPr lang="en-US" sz="2800" dirty="0" err="1"/>
-              <a:t>adalah</a:t>
-            </a:r>
-            <a:r>
-              <a:rPr lang="en-US" sz="2800" dirty="0"/>
-              <a:t> </a:t>
-            </a:r>
-            <a:r>
-              <a:rPr lang="en-US" sz="2800" dirty="0" err="1"/>
-              <a:t>teknologi</a:t>
-            </a:r>
-            <a:r>
-              <a:rPr lang="en-US" sz="2800" dirty="0"/>
-              <a:t> </a:t>
-            </a:r>
-            <a:r>
-              <a:rPr lang="en-US" sz="2800" dirty="0" err="1"/>
-              <a:t>pengembangan</a:t>
-            </a:r>
-            <a:r>
-              <a:rPr lang="en-US" sz="2800" dirty="0"/>
-              <a:t> web yang </a:t>
-            </a:r>
-            <a:r>
-              <a:rPr lang="en-US" sz="2800" dirty="0" err="1"/>
-              <a:t>digunakan</a:t>
-            </a:r>
-            <a:r>
-              <a:rPr lang="en-US" sz="2800" dirty="0"/>
-              <a:t> </a:t>
-            </a:r>
-            <a:r>
-              <a:rPr lang="en-US" sz="2800" dirty="0" err="1"/>
-              <a:t>untuk</a:t>
-            </a:r>
-            <a:r>
-              <a:rPr lang="en-US" sz="2800" dirty="0"/>
-              <a:t> </a:t>
-            </a:r>
-            <a:r>
-              <a:rPr lang="en-US" sz="2800" dirty="0" err="1"/>
-              <a:t>membuat</a:t>
-            </a:r>
-            <a:r>
-              <a:rPr lang="en-US" sz="2800" dirty="0"/>
-              <a:t> </a:t>
-            </a:r>
-            <a:r>
-              <a:rPr lang="en-US" sz="2800" dirty="0" err="1"/>
-              <a:t>aplikasi</a:t>
-            </a:r>
-            <a:r>
-              <a:rPr lang="en-US" sz="2800" dirty="0"/>
-              <a:t> web yang </a:t>
-            </a:r>
-            <a:r>
-              <a:rPr lang="en-US" sz="2800" dirty="0" err="1"/>
-              <a:t>interaktif</a:t>
-            </a:r>
-            <a:r>
-              <a:rPr lang="en-US" sz="2800" dirty="0"/>
-              <a:t> </a:t>
-            </a:r>
-            <a:r>
-              <a:rPr lang="en-US" sz="2800" dirty="0" err="1"/>
-              <a:t>dengan</a:t>
-            </a:r>
-            <a:r>
-              <a:rPr lang="en-US" sz="2800" dirty="0"/>
-              <a:t> </a:t>
-            </a:r>
-            <a:r>
-              <a:rPr lang="en-US" sz="2800" dirty="0" err="1"/>
-              <a:t>cara</a:t>
-            </a:r>
-            <a:r>
-              <a:rPr lang="en-US" sz="2800" dirty="0"/>
-              <a:t> </a:t>
-            </a:r>
-            <a:r>
-              <a:rPr lang="en-US" sz="2800" dirty="0" err="1"/>
-              <a:t>mengirim</a:t>
-            </a:r>
-            <a:r>
-              <a:rPr lang="en-US" sz="2800" dirty="0"/>
-              <a:t> </a:t>
-            </a:r>
-            <a:r>
-              <a:rPr lang="en-US" sz="2800" dirty="0" err="1"/>
-              <a:t>dan</a:t>
-            </a:r>
-            <a:r>
-              <a:rPr lang="en-US" sz="2800" dirty="0"/>
-              <a:t> </a:t>
-            </a:r>
-            <a:r>
-              <a:rPr lang="en-US" sz="2800" dirty="0" err="1"/>
-              <a:t>menerima</a:t>
-            </a:r>
-            <a:r>
-              <a:rPr lang="en-US" sz="2800" dirty="0"/>
-              <a:t> data </a:t>
-            </a:r>
-            <a:r>
-              <a:rPr lang="en-US" sz="2800" dirty="0" err="1"/>
-              <a:t>dari</a:t>
-            </a:r>
-            <a:r>
-              <a:rPr lang="en-US" sz="2800" dirty="0"/>
-              <a:t> server </a:t>
-            </a:r>
-            <a:r>
-              <a:rPr lang="en-US" sz="2800" dirty="0" err="1"/>
-              <a:t>tanpa</a:t>
-            </a:r>
-            <a:r>
-              <a:rPr lang="en-US" sz="2800" dirty="0"/>
-              <a:t> </a:t>
-            </a:r>
-            <a:r>
-              <a:rPr lang="en-US" sz="2800" dirty="0" err="1"/>
-              <a:t>perlu</a:t>
-            </a:r>
-            <a:r>
-              <a:rPr lang="en-US" sz="2800" dirty="0"/>
-              <a:t> </a:t>
-            </a:r>
-            <a:r>
-              <a:rPr lang="en-US" sz="2800" dirty="0" err="1"/>
-              <a:t>memuat</a:t>
-            </a:r>
-            <a:r>
-              <a:rPr lang="en-US" sz="2800" dirty="0"/>
-              <a:t> </a:t>
-            </a:r>
-            <a:r>
-              <a:rPr lang="en-US" sz="2800" dirty="0" err="1"/>
-              <a:t>ulang</a:t>
-            </a:r>
-            <a:r>
-              <a:rPr lang="en-US" sz="2800" dirty="0"/>
-              <a:t> </a:t>
-            </a:r>
-            <a:r>
-              <a:rPr lang="en-US" sz="2800" dirty="0" err="1"/>
-              <a:t>seluruh</a:t>
-            </a:r>
-            <a:r>
-              <a:rPr lang="en-US" sz="2800" dirty="0"/>
-              <a:t> </a:t>
-            </a:r>
-            <a:r>
-              <a:rPr lang="en-US" sz="2800" dirty="0" err="1"/>
-              <a:t>halaman</a:t>
-            </a:r>
-            <a:r>
-              <a:rPr lang="en-US" sz="2800" dirty="0"/>
-              <a:t>. </a:t>
-            </a:r>
-            <a:r>
-              <a:rPr lang="en-US" sz="2800" dirty="0" err="1"/>
-              <a:t>Teknologi</a:t>
-            </a:r>
-            <a:r>
-              <a:rPr lang="en-US" sz="2800" dirty="0"/>
-              <a:t> </a:t>
-            </a:r>
-            <a:r>
-              <a:rPr lang="en-US" sz="2800" dirty="0" err="1"/>
-              <a:t>ini</a:t>
-            </a:r>
-            <a:r>
-              <a:rPr lang="en-US" sz="2800" dirty="0"/>
-              <a:t> </a:t>
-            </a:r>
-            <a:r>
-              <a:rPr lang="en-US" sz="2800" dirty="0" err="1"/>
-              <a:t>memanfaatkan</a:t>
-            </a:r>
-            <a:r>
-              <a:rPr lang="en-US" sz="2800" dirty="0"/>
-              <a:t> JavaScript </a:t>
-            </a:r>
-            <a:r>
-              <a:rPr lang="en-US" sz="2800" dirty="0" err="1"/>
-              <a:t>untuk</a:t>
-            </a:r>
-            <a:r>
-              <a:rPr lang="en-US" sz="2800" dirty="0"/>
-              <a:t> </a:t>
-            </a:r>
-            <a:r>
-              <a:rPr lang="en-US" sz="2800" dirty="0" err="1"/>
-              <a:t>mengirim</a:t>
-            </a:r>
-            <a:r>
-              <a:rPr lang="en-US" sz="2800" dirty="0"/>
-              <a:t> </a:t>
-            </a:r>
-            <a:r>
-              <a:rPr lang="en-US" sz="2800" dirty="0" err="1"/>
-              <a:t>permintaan</a:t>
-            </a:r>
-            <a:r>
-              <a:rPr lang="en-US" sz="2800" dirty="0"/>
-              <a:t> </a:t>
-            </a:r>
-            <a:r>
-              <a:rPr lang="en-US" sz="2800" dirty="0" err="1"/>
-              <a:t>ke</a:t>
-            </a:r>
-            <a:r>
-              <a:rPr lang="en-US" sz="2800" dirty="0"/>
-              <a:t> server </a:t>
-            </a:r>
-            <a:r>
-              <a:rPr lang="en-US" sz="2800" dirty="0" err="1"/>
-              <a:t>secara</a:t>
-            </a:r>
-            <a:r>
-              <a:rPr lang="en-US" sz="2800" dirty="0"/>
-              <a:t> asynchronous (</a:t>
-            </a:r>
-            <a:r>
-              <a:rPr lang="en-US" sz="2800" dirty="0" err="1"/>
-              <a:t>tanpa</a:t>
-            </a:r>
-            <a:r>
-              <a:rPr lang="en-US" sz="2800" dirty="0"/>
-              <a:t> </a:t>
-            </a:r>
-            <a:r>
-              <a:rPr lang="en-US" sz="2800" dirty="0" err="1"/>
-              <a:t>harus</a:t>
-            </a:r>
-            <a:r>
-              <a:rPr lang="en-US" sz="2800" dirty="0"/>
-              <a:t> </a:t>
-            </a:r>
-            <a:r>
-              <a:rPr lang="en-US" sz="2800" dirty="0" err="1"/>
-              <a:t>menunggu</a:t>
-            </a:r>
-            <a:r>
-              <a:rPr lang="en-US" sz="2800" dirty="0"/>
-              <a:t> </a:t>
-            </a:r>
-            <a:r>
-              <a:rPr lang="en-US" sz="2800" dirty="0" err="1"/>
-              <a:t>tanggapan</a:t>
-            </a:r>
-            <a:r>
-              <a:rPr lang="en-US" sz="2800" dirty="0"/>
-              <a:t> </a:t>
-            </a:r>
-            <a:r>
-              <a:rPr lang="en-US" sz="2800" dirty="0" err="1"/>
-              <a:t>dari</a:t>
-            </a:r>
-            <a:r>
-              <a:rPr lang="en-US" sz="2800" dirty="0"/>
-              <a:t> server </a:t>
-            </a:r>
-            <a:r>
-              <a:rPr lang="en-US" sz="2800" dirty="0" err="1"/>
-              <a:t>sebelum</a:t>
-            </a:r>
-            <a:r>
-              <a:rPr lang="en-US" sz="2800" dirty="0"/>
-              <a:t> </a:t>
-            </a:r>
-            <a:r>
-              <a:rPr lang="en-US" sz="2800" dirty="0" err="1"/>
-              <a:t>melanjutkan</a:t>
-            </a:r>
-            <a:r>
-              <a:rPr lang="en-US" sz="2800" dirty="0"/>
-              <a:t> </a:t>
-            </a:r>
-            <a:r>
-              <a:rPr lang="en-US" sz="2800" dirty="0" err="1"/>
-              <a:t>eksekusi</a:t>
-            </a:r>
-            <a:r>
-              <a:rPr lang="en-US" sz="2800" dirty="0"/>
-              <a:t> script) </a:t>
-            </a:r>
-            <a:r>
-              <a:rPr lang="en-US" sz="2800" dirty="0" err="1"/>
-              <a:t>dan</a:t>
-            </a:r>
-            <a:r>
-              <a:rPr lang="en-US" sz="2800" dirty="0"/>
-              <a:t> XML (</a:t>
-            </a:r>
-            <a:r>
-              <a:rPr lang="en-US" sz="2800" dirty="0" err="1"/>
-              <a:t>atau</a:t>
-            </a:r>
-            <a:r>
-              <a:rPr lang="en-US" sz="2800" dirty="0"/>
-              <a:t> format data lain </a:t>
-            </a:r>
-            <a:r>
-              <a:rPr lang="en-US" sz="2800" dirty="0" err="1"/>
-              <a:t>seperti</a:t>
-            </a:r>
-            <a:r>
-              <a:rPr lang="en-US" sz="2800" dirty="0"/>
-              <a:t> JSON) </a:t>
-            </a:r>
-            <a:r>
-              <a:rPr lang="en-US" sz="2800" dirty="0" err="1"/>
-              <a:t>untuk</a:t>
-            </a:r>
-            <a:r>
-              <a:rPr lang="en-US" sz="2800" dirty="0"/>
-              <a:t> </a:t>
-            </a:r>
-            <a:r>
-              <a:rPr lang="en-US" sz="2800" dirty="0" err="1"/>
-              <a:t>mengirim</a:t>
-            </a:r>
-            <a:r>
-              <a:rPr lang="en-US" sz="2800" dirty="0"/>
-              <a:t> </a:t>
-            </a:r>
-            <a:r>
-              <a:rPr lang="en-US" sz="2800" dirty="0" err="1"/>
-              <a:t>dan</a:t>
-            </a:r>
-            <a:r>
-              <a:rPr lang="en-US" sz="2800" dirty="0"/>
-              <a:t> </a:t>
-            </a:r>
-            <a:r>
-              <a:rPr lang="en-US" sz="2800" dirty="0" err="1"/>
-              <a:t>menerima</a:t>
-            </a:r>
-            <a:r>
-              <a:rPr lang="en-US" sz="2800" dirty="0"/>
-              <a:t> data </a:t>
-            </a:r>
-            <a:r>
-              <a:rPr lang="en-US" sz="2800" dirty="0" err="1"/>
-              <a:t>antara</a:t>
-            </a:r>
-            <a:r>
-              <a:rPr lang="en-US" sz="2800" dirty="0"/>
-              <a:t> server </a:t>
-            </a:r>
-            <a:r>
-              <a:rPr lang="en-US" sz="2800" dirty="0" err="1"/>
-              <a:t>dan</a:t>
-            </a:r>
-            <a:r>
-              <a:rPr lang="en-US" sz="2800" dirty="0"/>
-              <a:t> client. Ajax </a:t>
-            </a:r>
-            <a:r>
-              <a:rPr lang="en-US" sz="2800" dirty="0" err="1"/>
-              <a:t>memungkinkan</a:t>
-            </a:r>
-            <a:r>
-              <a:rPr lang="en-US" sz="2800" dirty="0"/>
-              <a:t> </a:t>
-            </a:r>
-            <a:r>
-              <a:rPr lang="en-US" sz="2800" dirty="0" err="1"/>
-              <a:t>halaman</a:t>
-            </a:r>
-            <a:r>
-              <a:rPr lang="en-US" sz="2800" dirty="0"/>
-              <a:t> web </a:t>
-            </a:r>
-            <a:r>
-              <a:rPr lang="en-US" sz="2800" dirty="0" err="1"/>
-              <a:t>untuk</a:t>
-            </a:r>
-            <a:r>
-              <a:rPr lang="en-US" sz="2800" dirty="0"/>
-              <a:t> </a:t>
-            </a:r>
-            <a:r>
-              <a:rPr lang="en-US" sz="2800" dirty="0" err="1"/>
-              <a:t>berinteraksi</a:t>
-            </a:r>
-            <a:r>
-              <a:rPr lang="en-US" sz="2800" dirty="0"/>
-              <a:t> </a:t>
-            </a:r>
-            <a:r>
-              <a:rPr lang="en-US" sz="2800" dirty="0" err="1"/>
-              <a:t>dengan</a:t>
-            </a:r>
-            <a:r>
-              <a:rPr lang="en-US" sz="2800" dirty="0"/>
-              <a:t> server </a:t>
-            </a:r>
-            <a:r>
-              <a:rPr lang="en-US" sz="2800" dirty="0" err="1"/>
-              <a:t>secara</a:t>
-            </a:r>
-            <a:r>
-              <a:rPr lang="en-US" sz="2800" dirty="0"/>
-              <a:t> </a:t>
-            </a:r>
-            <a:r>
-              <a:rPr lang="en-US" sz="2800" dirty="0" err="1"/>
-              <a:t>dinamis</a:t>
-            </a:r>
-            <a:r>
-              <a:rPr lang="en-US" sz="2800" dirty="0"/>
-              <a:t>, </a:t>
-            </a:r>
-            <a:r>
-              <a:rPr lang="en-US" sz="2800" dirty="0" err="1"/>
-              <a:t>memuat</a:t>
-            </a:r>
-            <a:r>
-              <a:rPr lang="en-US" sz="2800" dirty="0"/>
-              <a:t> data </a:t>
-            </a:r>
-            <a:r>
-              <a:rPr lang="en-US" sz="2800" dirty="0" err="1"/>
-              <a:t>tambahan</a:t>
-            </a:r>
-            <a:r>
-              <a:rPr lang="en-US" sz="2800" dirty="0"/>
-              <a:t>, </a:t>
-            </a:r>
-            <a:r>
-              <a:rPr lang="en-US" sz="2800" dirty="0" err="1"/>
-              <a:t>atau</a:t>
-            </a:r>
-            <a:r>
-              <a:rPr lang="en-US" sz="2800" dirty="0"/>
-              <a:t> </a:t>
-            </a:r>
-            <a:r>
-              <a:rPr lang="en-US" sz="2800" dirty="0" err="1"/>
-              <a:t>mengirim</a:t>
-            </a:r>
-            <a:r>
-              <a:rPr lang="en-US" sz="2800" dirty="0"/>
-              <a:t> data </a:t>
-            </a:r>
-            <a:r>
-              <a:rPr lang="en-US" sz="2800" dirty="0" err="1"/>
-              <a:t>ke</a:t>
-            </a:r>
-            <a:r>
-              <a:rPr lang="en-US" sz="2800" dirty="0"/>
-              <a:t> server </a:t>
-            </a:r>
-            <a:r>
-              <a:rPr lang="en-US" sz="2800" dirty="0" err="1"/>
-              <a:t>tanpa</a:t>
-            </a:r>
-            <a:r>
-              <a:rPr lang="en-US" sz="2800" dirty="0"/>
-              <a:t> </a:t>
-            </a:r>
-            <a:r>
-              <a:rPr lang="en-US" sz="2800" dirty="0" err="1"/>
-              <a:t>memuat</a:t>
-            </a:r>
-            <a:r>
-              <a:rPr lang="en-US" sz="2800" dirty="0"/>
-              <a:t> </a:t>
-            </a:r>
-            <a:r>
-              <a:rPr lang="en-US" sz="2800" dirty="0" err="1"/>
-              <a:t>ulang</a:t>
-            </a:r>
-            <a:r>
-              <a:rPr lang="en-US" sz="2800" dirty="0"/>
-              <a:t> </a:t>
-            </a:r>
-            <a:r>
-              <a:rPr lang="en-US" sz="2800" dirty="0" err="1"/>
-              <a:t>halaman</a:t>
-            </a:r>
-            <a:r>
-              <a:rPr lang="en-US" sz="2800" dirty="0"/>
-              <a:t> </a:t>
-            </a:r>
-            <a:r>
-              <a:rPr lang="en-US" sz="2800" dirty="0" err="1"/>
-              <a:t>secara</a:t>
-            </a:r>
-            <a:r>
-              <a:rPr lang="en-US" sz="2800" dirty="0"/>
-              <a:t> </a:t>
-            </a:r>
-            <a:r>
-              <a:rPr lang="en-US" sz="2800" dirty="0" err="1"/>
-              <a:t>keseluruhan</a:t>
-            </a:r>
-            <a:r>
-              <a:rPr lang="en-US" sz="2800" dirty="0"/>
-              <a:t>.</a:t>
-            </a:r>
+              <a:rPr lang="en-US" sz="2800" dirty="0" smtClean="0"/>
+              <a:t>Browser</a:t>
+            </a:r>
+          </a:p>
+          <a:p>
+            <a:pPr marL="457200" indent="-457200">
+              <a:lnSpc>
+                <a:spcPts val="3779"/>
+              </a:lnSpc>
+              <a:buFont typeface="Arial" panose="020B0604020202020204" pitchFamily="34" charset="0"/>
+              <a:buChar char="•"/>
+            </a:pPr>
             <a:endParaRPr lang="en-US" sz="2700" dirty="0">
               <a:solidFill>
                 <a:srgbClr val="000000"/>
@@ -38198,7 +37573,7 @@
     </p:spTree>
     <p:extLst>
       <p:ext uri="{BB962C8B-B14F-4D97-AF65-F5344CB8AC3E}">
-        <p14:creationId xmlns:p14="http://schemas.microsoft.com/office/powerpoint/2010/main" val="277384971"/>
+        <p14:creationId xmlns:p14="http://schemas.microsoft.com/office/powerpoint/2010/main" val="3473382375"/>
       </p:ext>
     </p:extLst>
   </p:cSld>
@@ -38248,7 +37623,7 @@
         </p:nvGrpSpPr>
         <p:grpSpPr>
           <a:xfrm>
-            <a:off x="787067" y="592941"/>
+            <a:off x="552254" y="419100"/>
             <a:ext cx="16713866" cy="9101117"/>
             <a:chOff x="0" y="0"/>
             <a:chExt cx="4402006" cy="2397002"/>
@@ -38375,8 +37750,8 @@
           <p:nvPr/>
         </p:nvGrpSpPr>
         <p:grpSpPr>
-          <a:xfrm rot="-9559999">
-            <a:off x="-6690254" y="3123721"/>
+          <a:xfrm rot="-7538080">
+            <a:off x="-7029811" y="-5584933"/>
             <a:ext cx="9808447" cy="9331824"/>
             <a:chOff x="0" y="0"/>
             <a:chExt cx="13077930" cy="12442432"/>
@@ -38648,8 +38023,8 @@
           <p:nvPr/>
         </p:nvGrpSpPr>
         <p:grpSpPr>
-          <a:xfrm rot="238117">
-            <a:off x="14860579" y="-2339974"/>
+          <a:xfrm rot="2124477">
+            <a:off x="15979122" y="5429903"/>
             <a:ext cx="9808447" cy="9331824"/>
             <a:chOff x="0" y="0"/>
             <a:chExt cx="13077930" cy="12442432"/>
@@ -38916,14 +38291,65 @@
       </p:grpSp>
       <p:sp>
         <p:nvSpPr>
-          <p:cNvPr id="25" name="TextBox 25"/>
+          <p:cNvPr id="26" name="TextBox 26"/>
           <p:cNvSpPr txBox="1"/>
           <p:nvPr/>
         </p:nvSpPr>
         <p:spPr>
           <a:xfrm>
-            <a:off x="2032038" y="2811643"/>
-            <a:ext cx="14223925" cy="2600279"/>
+            <a:off x="1807230" y="1877007"/>
+            <a:ext cx="12221487" cy="497637"/>
+          </a:xfrm>
+          <a:prstGeom prst="rect">
+            <a:avLst/>
+          </a:prstGeom>
+        </p:spPr>
+        <p:txBody>
+          <a:bodyPr wrap="square" lIns="0" tIns="0" rIns="0" bIns="0" rtlCol="0" anchor="t">
+            <a:spAutoFit/>
+          </a:bodyPr>
+          <a:lstStyle/>
+          <a:p>
+            <a:pPr>
+              <a:lnSpc>
+                <a:spcPts val="3680"/>
+              </a:lnSpc>
+            </a:pPr>
+            <a:r>
+              <a:rPr lang="en-US" sz="4000" dirty="0" err="1" smtClean="0"/>
+              <a:t>Apa</a:t>
+            </a:r>
+            <a:r>
+              <a:rPr lang="en-US" sz="4000" dirty="0" smtClean="0"/>
+              <a:t> </a:t>
+            </a:r>
+            <a:r>
+              <a:rPr lang="en-US" sz="4000" dirty="0" err="1" smtClean="0"/>
+              <a:t>Itu</a:t>
+            </a:r>
+            <a:r>
+              <a:rPr lang="en-US" sz="4000" dirty="0" smtClean="0"/>
+              <a:t> Ajax</a:t>
+            </a:r>
+            <a:endParaRPr lang="en-US" sz="4000" b="1" dirty="0">
+              <a:solidFill>
+                <a:srgbClr val="000000"/>
+              </a:solidFill>
+              <a:latin typeface="Karnchang Bold"/>
+            </a:endParaRPr>
+          </a:p>
+        </p:txBody>
+      </p:sp>
+      <p:sp>
+        <p:nvSpPr>
+          <p:cNvPr id="27" name="TextBox 27"/>
+          <p:cNvSpPr txBox="1"/>
+          <p:nvPr/>
+        </p:nvSpPr>
+        <p:spPr>
+          <a:xfrm>
+            <a:off x="2240628" y="3507719"/>
+            <a:ext cx="13337117" cy="4363182"/>
           </a:xfrm>
           <a:prstGeom prst="rect">
             <a:avLst/>
@@ -38935,24 +38361,566 @@
           </a:bodyPr>
           <a:lstStyle/>
           <a:p>
-            <a:pPr algn="ctr">
+            <a:pPr>
               <a:lnSpc>
-                <a:spcPts val="13800"/>
+                <a:spcPts val="3779"/>
               </a:lnSpc>
             </a:pPr>
             <a:r>
-              <a:rPr lang="en-US" sz="15000">
-                <a:solidFill>
-                  <a:srgbClr val="243342"/>
-                </a:solidFill>
-                <a:latin typeface="Karnchang Bold"/>
-              </a:rPr>
-              <a:t>Terima Kasih</a:t>
-            </a:r>
+              <a:rPr lang="en-US" sz="2800" dirty="0" smtClean="0"/>
+              <a:t>	Ajax </a:t>
+            </a:r>
+            <a:r>
+              <a:rPr lang="en-US" sz="2800" dirty="0" err="1"/>
+              <a:t>adalah</a:t>
+            </a:r>
+            <a:r>
+              <a:rPr lang="en-US" sz="2800" dirty="0"/>
+              <a:t> </a:t>
+            </a:r>
+            <a:r>
+              <a:rPr lang="en-US" sz="2800" dirty="0" err="1"/>
+              <a:t>singkatan</a:t>
+            </a:r>
+            <a:r>
+              <a:rPr lang="en-US" sz="2800" dirty="0"/>
+              <a:t> </a:t>
+            </a:r>
+            <a:r>
+              <a:rPr lang="en-US" sz="2800" dirty="0" err="1"/>
+              <a:t>dari</a:t>
+            </a:r>
+            <a:r>
+              <a:rPr lang="en-US" sz="2800" dirty="0"/>
+              <a:t> "Asynchronous JavaScript and XML". </a:t>
+            </a:r>
+            <a:r>
+              <a:rPr lang="en-US" sz="2800" dirty="0" err="1"/>
+              <a:t>Ini</a:t>
+            </a:r>
+            <a:r>
+              <a:rPr lang="en-US" sz="2800" dirty="0"/>
+              <a:t> </a:t>
+            </a:r>
+            <a:r>
+              <a:rPr lang="en-US" sz="2800" dirty="0" err="1"/>
+              <a:t>adalah</a:t>
+            </a:r>
+            <a:r>
+              <a:rPr lang="en-US" sz="2800" dirty="0"/>
+              <a:t> </a:t>
+            </a:r>
+            <a:r>
+              <a:rPr lang="en-US" sz="2800" dirty="0" err="1"/>
+              <a:t>teknologi</a:t>
+            </a:r>
+            <a:r>
+              <a:rPr lang="en-US" sz="2800" dirty="0"/>
+              <a:t> </a:t>
+            </a:r>
+            <a:r>
+              <a:rPr lang="en-US" sz="2800" dirty="0" err="1"/>
+              <a:t>pengembangan</a:t>
+            </a:r>
+            <a:r>
+              <a:rPr lang="en-US" sz="2800" dirty="0"/>
+              <a:t> web yang </a:t>
+            </a:r>
+            <a:r>
+              <a:rPr lang="en-US" sz="2800" dirty="0" err="1"/>
+              <a:t>digunakan</a:t>
+            </a:r>
+            <a:r>
+              <a:rPr lang="en-US" sz="2800" dirty="0"/>
+              <a:t> </a:t>
+            </a:r>
+            <a:r>
+              <a:rPr lang="en-US" sz="2800" dirty="0" err="1"/>
+              <a:t>untuk</a:t>
+            </a:r>
+            <a:r>
+              <a:rPr lang="en-US" sz="2800" dirty="0"/>
+              <a:t> </a:t>
+            </a:r>
+            <a:r>
+              <a:rPr lang="en-US" sz="2800" dirty="0" err="1"/>
+              <a:t>membuat</a:t>
+            </a:r>
+            <a:r>
+              <a:rPr lang="en-US" sz="2800" dirty="0"/>
+              <a:t> </a:t>
+            </a:r>
+            <a:r>
+              <a:rPr lang="en-US" sz="2800" dirty="0" err="1"/>
+              <a:t>aplikasi</a:t>
+            </a:r>
+            <a:r>
+              <a:rPr lang="en-US" sz="2800" dirty="0"/>
+              <a:t> web yang </a:t>
+            </a:r>
+            <a:r>
+              <a:rPr lang="en-US" sz="2800" dirty="0" err="1"/>
+              <a:t>interaktif</a:t>
+            </a:r>
+            <a:r>
+              <a:rPr lang="en-US" sz="2800" dirty="0"/>
+              <a:t> </a:t>
+            </a:r>
+            <a:r>
+              <a:rPr lang="en-US" sz="2800" dirty="0" err="1"/>
+              <a:t>dengan</a:t>
+            </a:r>
+            <a:r>
+              <a:rPr lang="en-US" sz="2800" dirty="0"/>
+              <a:t> </a:t>
+            </a:r>
+            <a:r>
+              <a:rPr lang="en-US" sz="2800" dirty="0" err="1"/>
+              <a:t>cara</a:t>
+            </a:r>
+            <a:r>
+              <a:rPr lang="en-US" sz="2800" dirty="0"/>
+              <a:t> </a:t>
+            </a:r>
+            <a:r>
+              <a:rPr lang="en-US" sz="2800" dirty="0" err="1"/>
+              <a:t>mengirim</a:t>
+            </a:r>
+            <a:r>
+              <a:rPr lang="en-US" sz="2800" dirty="0"/>
+              <a:t> </a:t>
+            </a:r>
+            <a:r>
+              <a:rPr lang="en-US" sz="2800" dirty="0" err="1"/>
+              <a:t>dan</a:t>
+            </a:r>
+            <a:r>
+              <a:rPr lang="en-US" sz="2800" dirty="0"/>
+              <a:t> </a:t>
+            </a:r>
+            <a:r>
+              <a:rPr lang="en-US" sz="2800" dirty="0" err="1"/>
+              <a:t>menerima</a:t>
+            </a:r>
+            <a:r>
+              <a:rPr lang="en-US" sz="2800" dirty="0"/>
+              <a:t> data </a:t>
+            </a:r>
+            <a:r>
+              <a:rPr lang="en-US" sz="2800" dirty="0" err="1"/>
+              <a:t>dari</a:t>
+            </a:r>
+            <a:r>
+              <a:rPr lang="en-US" sz="2800" dirty="0"/>
+              <a:t> server </a:t>
+            </a:r>
+            <a:r>
+              <a:rPr lang="en-US" sz="2800" dirty="0" err="1"/>
+              <a:t>tanpa</a:t>
+            </a:r>
+            <a:r>
+              <a:rPr lang="en-US" sz="2800" dirty="0"/>
+              <a:t> </a:t>
+            </a:r>
+            <a:r>
+              <a:rPr lang="en-US" sz="2800" dirty="0" err="1"/>
+              <a:t>perlu</a:t>
+            </a:r>
+            <a:r>
+              <a:rPr lang="en-US" sz="2800" dirty="0"/>
+              <a:t> </a:t>
+            </a:r>
+            <a:r>
+              <a:rPr lang="en-US" sz="2800" dirty="0" err="1"/>
+              <a:t>memuat</a:t>
+            </a:r>
+            <a:r>
+              <a:rPr lang="en-US" sz="2800" dirty="0"/>
+              <a:t> </a:t>
+            </a:r>
+            <a:r>
+              <a:rPr lang="en-US" sz="2800" dirty="0" err="1"/>
+              <a:t>ulang</a:t>
+            </a:r>
+            <a:r>
+              <a:rPr lang="en-US" sz="2800" dirty="0"/>
+              <a:t> </a:t>
+            </a:r>
+            <a:r>
+              <a:rPr lang="en-US" sz="2800" dirty="0" err="1"/>
+              <a:t>seluruh</a:t>
+            </a:r>
+            <a:r>
+              <a:rPr lang="en-US" sz="2800" dirty="0"/>
+              <a:t> </a:t>
+            </a:r>
+            <a:r>
+              <a:rPr lang="en-US" sz="2800" dirty="0" err="1"/>
+              <a:t>halaman</a:t>
+            </a:r>
+            <a:r>
+              <a:rPr lang="en-US" sz="2800" dirty="0"/>
+              <a:t>. </a:t>
+            </a:r>
+            <a:r>
+              <a:rPr lang="en-US" sz="2800" dirty="0" err="1"/>
+              <a:t>Teknologi</a:t>
+            </a:r>
+            <a:r>
+              <a:rPr lang="en-US" sz="2800" dirty="0"/>
+              <a:t> </a:t>
+            </a:r>
+            <a:r>
+              <a:rPr lang="en-US" sz="2800" dirty="0" err="1"/>
+              <a:t>ini</a:t>
+            </a:r>
+            <a:r>
+              <a:rPr lang="en-US" sz="2800" dirty="0"/>
+              <a:t> </a:t>
+            </a:r>
+            <a:r>
+              <a:rPr lang="en-US" sz="2800" dirty="0" err="1"/>
+              <a:t>memanfaatkan</a:t>
+            </a:r>
+            <a:r>
+              <a:rPr lang="en-US" sz="2800" dirty="0"/>
+              <a:t> JavaScript </a:t>
+            </a:r>
+            <a:r>
+              <a:rPr lang="en-US" sz="2800" dirty="0" err="1"/>
+              <a:t>untuk</a:t>
+            </a:r>
+            <a:r>
+              <a:rPr lang="en-US" sz="2800" dirty="0"/>
+              <a:t> </a:t>
+            </a:r>
+            <a:r>
+              <a:rPr lang="en-US" sz="2800" dirty="0" err="1"/>
+              <a:t>mengirim</a:t>
+            </a:r>
+            <a:r>
+              <a:rPr lang="en-US" sz="2800" dirty="0"/>
+              <a:t> </a:t>
+            </a:r>
+            <a:r>
+              <a:rPr lang="en-US" sz="2800" dirty="0" err="1"/>
+              <a:t>permintaan</a:t>
+            </a:r>
+            <a:r>
+              <a:rPr lang="en-US" sz="2800" dirty="0"/>
+              <a:t> </a:t>
+            </a:r>
+            <a:r>
+              <a:rPr lang="en-US" sz="2800" dirty="0" err="1"/>
+              <a:t>ke</a:t>
+            </a:r>
+            <a:r>
+              <a:rPr lang="en-US" sz="2800" dirty="0"/>
+              <a:t> server </a:t>
+            </a:r>
+            <a:r>
+              <a:rPr lang="en-US" sz="2800" dirty="0" err="1"/>
+              <a:t>secara</a:t>
+            </a:r>
+            <a:r>
+              <a:rPr lang="en-US" sz="2800" dirty="0"/>
+              <a:t> asynchronous (</a:t>
+            </a:r>
+            <a:r>
+              <a:rPr lang="en-US" sz="2800" dirty="0" err="1"/>
+              <a:t>tanpa</a:t>
+            </a:r>
+            <a:r>
+              <a:rPr lang="en-US" sz="2800" dirty="0"/>
+              <a:t> </a:t>
+            </a:r>
+            <a:r>
+              <a:rPr lang="en-US" sz="2800" dirty="0" err="1"/>
+              <a:t>harus</a:t>
+            </a:r>
+            <a:r>
+              <a:rPr lang="en-US" sz="2800" dirty="0"/>
+              <a:t> </a:t>
+            </a:r>
+            <a:r>
+              <a:rPr lang="en-US" sz="2800" dirty="0" err="1"/>
+              <a:t>menunggu</a:t>
+            </a:r>
+            <a:r>
+              <a:rPr lang="en-US" sz="2800" dirty="0"/>
+              <a:t> </a:t>
+            </a:r>
+            <a:r>
+              <a:rPr lang="en-US" sz="2800" dirty="0" err="1"/>
+              <a:t>tanggapan</a:t>
+            </a:r>
+            <a:r>
+              <a:rPr lang="en-US" sz="2800" dirty="0"/>
+              <a:t> </a:t>
+            </a:r>
+            <a:r>
+              <a:rPr lang="en-US" sz="2800" dirty="0" err="1"/>
+              <a:t>dari</a:t>
+            </a:r>
+            <a:r>
+              <a:rPr lang="en-US" sz="2800" dirty="0"/>
+              <a:t> server </a:t>
+            </a:r>
+            <a:r>
+              <a:rPr lang="en-US" sz="2800" dirty="0" err="1"/>
+              <a:t>sebelum</a:t>
+            </a:r>
+            <a:r>
+              <a:rPr lang="en-US" sz="2800" dirty="0"/>
+              <a:t> </a:t>
+            </a:r>
+            <a:r>
+              <a:rPr lang="en-US" sz="2800" dirty="0" err="1"/>
+              <a:t>melanjutkan</a:t>
+            </a:r>
+            <a:r>
+              <a:rPr lang="en-US" sz="2800" dirty="0"/>
+              <a:t> </a:t>
+            </a:r>
+            <a:r>
+              <a:rPr lang="en-US" sz="2800" dirty="0" err="1"/>
+              <a:t>eksekusi</a:t>
+            </a:r>
+            <a:r>
+              <a:rPr lang="en-US" sz="2800" dirty="0"/>
+              <a:t> script) </a:t>
+            </a:r>
+            <a:r>
+              <a:rPr lang="en-US" sz="2800" dirty="0" err="1"/>
+              <a:t>dan</a:t>
+            </a:r>
+            <a:r>
+              <a:rPr lang="en-US" sz="2800" dirty="0"/>
+              <a:t> XML (</a:t>
+            </a:r>
+            <a:r>
+              <a:rPr lang="en-US" sz="2800" dirty="0" err="1"/>
+              <a:t>atau</a:t>
+            </a:r>
+            <a:r>
+              <a:rPr lang="en-US" sz="2800" dirty="0"/>
+              <a:t> format data lain </a:t>
+            </a:r>
+            <a:r>
+              <a:rPr lang="en-US" sz="2800" dirty="0" err="1"/>
+              <a:t>seperti</a:t>
+            </a:r>
+            <a:r>
+              <a:rPr lang="en-US" sz="2800" dirty="0"/>
+              <a:t> JSON) </a:t>
+            </a:r>
+            <a:r>
+              <a:rPr lang="en-US" sz="2800" dirty="0" err="1"/>
+              <a:t>untuk</a:t>
+            </a:r>
+            <a:r>
+              <a:rPr lang="en-US" sz="2800" dirty="0"/>
+              <a:t> </a:t>
+            </a:r>
+            <a:r>
+              <a:rPr lang="en-US" sz="2800" dirty="0" err="1"/>
+              <a:t>mengirim</a:t>
+            </a:r>
+            <a:r>
+              <a:rPr lang="en-US" sz="2800" dirty="0"/>
+              <a:t> </a:t>
+            </a:r>
+            <a:r>
+              <a:rPr lang="en-US" sz="2800" dirty="0" err="1"/>
+              <a:t>dan</a:t>
+            </a:r>
+            <a:r>
+              <a:rPr lang="en-US" sz="2800" dirty="0"/>
+              <a:t> </a:t>
+            </a:r>
+            <a:r>
+              <a:rPr lang="en-US" sz="2800" dirty="0" err="1"/>
+              <a:t>menerima</a:t>
+            </a:r>
+            <a:r>
+              <a:rPr lang="en-US" sz="2800" dirty="0"/>
+              <a:t> data </a:t>
+            </a:r>
+            <a:r>
+              <a:rPr lang="en-US" sz="2800" dirty="0" err="1"/>
+              <a:t>antara</a:t>
+            </a:r>
+            <a:r>
+              <a:rPr lang="en-US" sz="2800" dirty="0"/>
+              <a:t> server </a:t>
+            </a:r>
+            <a:r>
+              <a:rPr lang="en-US" sz="2800" dirty="0" err="1"/>
+              <a:t>dan</a:t>
+            </a:r>
+            <a:r>
+              <a:rPr lang="en-US" sz="2800" dirty="0"/>
+              <a:t> client. Ajax </a:t>
+            </a:r>
+            <a:r>
+              <a:rPr lang="en-US" sz="2800" dirty="0" err="1"/>
+              <a:t>memungkinkan</a:t>
+            </a:r>
+            <a:r>
+              <a:rPr lang="en-US" sz="2800" dirty="0"/>
+              <a:t> </a:t>
+            </a:r>
+            <a:r>
+              <a:rPr lang="en-US" sz="2800" dirty="0" err="1"/>
+              <a:t>halaman</a:t>
+            </a:r>
+            <a:r>
+              <a:rPr lang="en-US" sz="2800" dirty="0"/>
+              <a:t> web </a:t>
+            </a:r>
+            <a:r>
+              <a:rPr lang="en-US" sz="2800" dirty="0" err="1"/>
+              <a:t>untuk</a:t>
+            </a:r>
+            <a:r>
+              <a:rPr lang="en-US" sz="2800" dirty="0"/>
+              <a:t> </a:t>
+            </a:r>
+            <a:r>
+              <a:rPr lang="en-US" sz="2800" dirty="0" err="1"/>
+              <a:t>berinteraksi</a:t>
+            </a:r>
+            <a:r>
+              <a:rPr lang="en-US" sz="2800" dirty="0"/>
+              <a:t> </a:t>
+            </a:r>
+            <a:r>
+              <a:rPr lang="en-US" sz="2800" dirty="0" err="1"/>
+              <a:t>dengan</a:t>
+            </a:r>
+            <a:r>
+              <a:rPr lang="en-US" sz="2800" dirty="0"/>
+              <a:t> server </a:t>
+            </a:r>
+            <a:r>
+              <a:rPr lang="en-US" sz="2800" dirty="0" err="1"/>
+              <a:t>secara</a:t>
+            </a:r>
+            <a:r>
+              <a:rPr lang="en-US" sz="2800" dirty="0"/>
+              <a:t> </a:t>
+            </a:r>
+            <a:r>
+              <a:rPr lang="en-US" sz="2800" dirty="0" err="1"/>
+              <a:t>dinamis</a:t>
+            </a:r>
+            <a:r>
+              <a:rPr lang="en-US" sz="2800" dirty="0"/>
+              <a:t>, </a:t>
+            </a:r>
+            <a:r>
+              <a:rPr lang="en-US" sz="2800" dirty="0" err="1"/>
+              <a:t>memuat</a:t>
+            </a:r>
+            <a:r>
+              <a:rPr lang="en-US" sz="2800" dirty="0"/>
+              <a:t> data </a:t>
+            </a:r>
+            <a:r>
+              <a:rPr lang="en-US" sz="2800" dirty="0" err="1"/>
+              <a:t>tambahan</a:t>
+            </a:r>
+            <a:r>
+              <a:rPr lang="en-US" sz="2800" dirty="0"/>
+              <a:t>, </a:t>
+            </a:r>
+            <a:r>
+              <a:rPr lang="en-US" sz="2800" dirty="0" err="1"/>
+              <a:t>atau</a:t>
+            </a:r>
+            <a:r>
+              <a:rPr lang="en-US" sz="2800" dirty="0"/>
+              <a:t> </a:t>
+            </a:r>
+            <a:r>
+              <a:rPr lang="en-US" sz="2800" dirty="0" err="1"/>
+              <a:t>mengirim</a:t>
+            </a:r>
+            <a:r>
+              <a:rPr lang="en-US" sz="2800" dirty="0"/>
+              <a:t> data </a:t>
+            </a:r>
+            <a:r>
+              <a:rPr lang="en-US" sz="2800" dirty="0" err="1"/>
+              <a:t>ke</a:t>
+            </a:r>
+            <a:r>
+              <a:rPr lang="en-US" sz="2800" dirty="0"/>
+              <a:t> server </a:t>
+            </a:r>
+            <a:r>
+              <a:rPr lang="en-US" sz="2800" dirty="0" err="1"/>
+              <a:t>tanpa</a:t>
+            </a:r>
+            <a:r>
+              <a:rPr lang="en-US" sz="2800" dirty="0"/>
+              <a:t> </a:t>
+            </a:r>
+            <a:r>
+              <a:rPr lang="en-US" sz="2800" dirty="0" err="1"/>
+              <a:t>memuat</a:t>
+            </a:r>
+            <a:r>
+              <a:rPr lang="en-US" sz="2800" dirty="0"/>
+              <a:t> </a:t>
+            </a:r>
+            <a:r>
+              <a:rPr lang="en-US" sz="2800" dirty="0" err="1"/>
+              <a:t>ulang</a:t>
+            </a:r>
+            <a:r>
+              <a:rPr lang="en-US" sz="2800" dirty="0"/>
+              <a:t> </a:t>
+            </a:r>
+            <a:r>
+              <a:rPr lang="en-US" sz="2800" dirty="0" err="1"/>
+              <a:t>halaman</a:t>
+            </a:r>
+            <a:r>
+              <a:rPr lang="en-US" sz="2800" dirty="0"/>
+              <a:t> </a:t>
+            </a:r>
+            <a:r>
+              <a:rPr lang="en-US" sz="2800" dirty="0" err="1"/>
+              <a:t>secara</a:t>
+            </a:r>
+            <a:r>
+              <a:rPr lang="en-US" sz="2800" dirty="0"/>
+              <a:t> </a:t>
+            </a:r>
+            <a:r>
+              <a:rPr lang="en-US" sz="2800" dirty="0" err="1"/>
+              <a:t>keseluruhan</a:t>
+            </a:r>
+            <a:r>
+              <a:rPr lang="en-US" sz="2800" dirty="0"/>
+              <a:t>.</a:t>
+            </a:r>
+            <a:endParaRPr lang="en-US" sz="2700" dirty="0">
+              <a:solidFill>
+                <a:srgbClr val="000000"/>
+              </a:solidFill>
+              <a:latin typeface="Karnchang"/>
+            </a:endParaRPr>
           </a:p>
         </p:txBody>
       </p:sp>
     </p:spTree>
+    <p:extLst>
+      <p:ext uri="{BB962C8B-B14F-4D97-AF65-F5344CB8AC3E}">
+        <p14:creationId xmlns:p14="http://schemas.microsoft.com/office/powerpoint/2010/main" val="277384971"/>
+      </p:ext>
+    </p:extLst>
   </p:cSld>
   <p:clrMapOvr>
     <a:masterClrMapping/>
@@ -39760,7 +39728,7 @@
               <a:blip r:embed="rId2">
                 <a:extLst>
                   <a:ext uri="{96DAC541-7B7A-43D3-8B79-37D633B846F1}">
-                    <asvg:svgBlip xmlns:asvg="http://schemas.microsoft.com/office/drawing/2016/SVG/main" xmlns="" r:embed="rId3"/>
+                    <asvg:svgBlip xmlns="" xmlns:asvg="http://schemas.microsoft.com/office/drawing/2016/SVG/main" r:embed="rId3"/>
                   </a:ext>
                 </a:extLst>
               </a:blip>
@@ -40017,7 +39985,7 @@
               <a:blip r:embed="rId2">
                 <a:extLst>
                   <a:ext uri="{96DAC541-7B7A-43D3-8B79-37D633B846F1}">
-                    <asvg:svgBlip xmlns:asvg="http://schemas.microsoft.com/office/drawing/2016/SVG/main" xmlns="" r:embed="rId3"/>
+                    <asvg:svgBlip xmlns="" xmlns:asvg="http://schemas.microsoft.com/office/drawing/2016/SVG/main" r:embed="rId3"/>
                   </a:ext>
                 </a:extLst>
               </a:blip>
@@ -40281,7 +40249,7 @@
               <a:blip r:embed="rId2">
                 <a:extLst>
                   <a:ext uri="{96DAC541-7B7A-43D3-8B79-37D633B846F1}">
-                    <asvg:svgBlip xmlns:asvg="http://schemas.microsoft.com/office/drawing/2016/SVG/main" xmlns="" r:embed="rId3"/>
+                    <asvg:svgBlip xmlns="" xmlns:asvg="http://schemas.microsoft.com/office/drawing/2016/SVG/main" r:embed="rId3"/>
                   </a:ext>
                 </a:extLst>
               </a:blip>
@@ -40680,7 +40648,7 @@
               <a:blip r:embed="rId2">
                 <a:extLst>
                   <a:ext uri="{96DAC541-7B7A-43D3-8B79-37D633B846F1}">
-                    <asvg:svgBlip xmlns:asvg="http://schemas.microsoft.com/office/drawing/2016/SVG/main" xmlns="" r:embed="rId3"/>
+                    <asvg:svgBlip xmlns="" xmlns:asvg="http://schemas.microsoft.com/office/drawing/2016/SVG/main" r:embed="rId3"/>
                   </a:ext>
                 </a:extLst>
               </a:blip>
@@ -40966,6 +40934,758 @@
           </p:txBody>
         </p:sp>
       </p:grpSp>
+    </p:spTree>
+  </p:cSld>
+  <p:clrMapOvr>
+    <a:masterClrMapping/>
+  </p:clrMapOvr>
+  <p:timing>
+    <p:tnLst>
+      <p:par>
+        <p:cTn id="1" dur="indefinite" restart="never" nodeType="tmRoot"/>
+      </p:par>
+    </p:tnLst>
+  </p:timing>
+</p:sld>
+</file>
+
+<file path=ppt/slides/slide40.xml><?xml version="1.0" encoding="utf-8"?>
+<p:sld xmlns:a="http://schemas.openxmlformats.org/drawingml/2006/main" xmlns:r="http://schemas.openxmlformats.org/officeDocument/2006/relationships" xmlns:p="http://schemas.openxmlformats.org/presentationml/2006/main">
+  <p:cSld>
+    <p:bg>
+      <p:bgPr>
+        <a:solidFill>
+          <a:srgbClr val="E6EAEF"/>
+        </a:solidFill>
+        <a:effectLst/>
+      </p:bgPr>
+    </p:bg>
+    <p:spTree>
+      <p:nvGrpSpPr>
+        <p:cNvPr id="1" name=""/>
+        <p:cNvGrpSpPr/>
+        <p:nvPr/>
+      </p:nvGrpSpPr>
+      <p:grpSpPr>
+        <a:xfrm>
+          <a:off x="0" y="0"/>
+          <a:ext cx="0" cy="0"/>
+          <a:chOff x="0" y="0"/>
+          <a:chExt cx="0" cy="0"/>
+        </a:xfrm>
+      </p:grpSpPr>
+      <p:grpSp>
+        <p:nvGrpSpPr>
+          <p:cNvPr id="2" name="Group 2"/>
+          <p:cNvGrpSpPr/>
+          <p:nvPr/>
+        </p:nvGrpSpPr>
+        <p:grpSpPr>
+          <a:xfrm>
+            <a:off x="787067" y="592941"/>
+            <a:ext cx="16713866" cy="9101117"/>
+            <a:chOff x="0" y="0"/>
+            <a:chExt cx="4402006" cy="2397002"/>
+          </a:xfrm>
+        </p:grpSpPr>
+        <p:sp>
+          <p:nvSpPr>
+            <p:cNvPr id="3" name="Freeform 3"/>
+            <p:cNvSpPr/>
+            <p:nvPr/>
+          </p:nvSpPr>
+          <p:spPr>
+            <a:xfrm>
+              <a:off x="0" y="0"/>
+              <a:ext cx="4402006" cy="2397002"/>
+            </a:xfrm>
+            <a:custGeom>
+              <a:avLst/>
+              <a:gdLst/>
+              <a:ahLst/>
+              <a:cxnLst/>
+              <a:rect l="l" t="t" r="r" b="b"/>
+              <a:pathLst>
+                <a:path w="4402006" h="2397002">
+                  <a:moveTo>
+                    <a:pt x="23623" y="0"/>
+                  </a:moveTo>
+                  <a:lnTo>
+                    <a:pt x="4378382" y="0"/>
+                  </a:lnTo>
+                  <a:cubicBezTo>
+                    <a:pt x="4391429" y="0"/>
+                    <a:pt x="4402006" y="10577"/>
+                    <a:pt x="4402006" y="23623"/>
+                  </a:cubicBezTo>
+                  <a:lnTo>
+                    <a:pt x="4402006" y="2373379"/>
+                  </a:lnTo>
+                  <a:cubicBezTo>
+                    <a:pt x="4402006" y="2379644"/>
+                    <a:pt x="4399517" y="2385653"/>
+                    <a:pt x="4395087" y="2390083"/>
+                  </a:cubicBezTo>
+                  <a:cubicBezTo>
+                    <a:pt x="4390656" y="2394513"/>
+                    <a:pt x="4384647" y="2397002"/>
+                    <a:pt x="4378382" y="2397002"/>
+                  </a:cubicBezTo>
+                  <a:lnTo>
+                    <a:pt x="23623" y="2397002"/>
+                  </a:lnTo>
+                  <a:cubicBezTo>
+                    <a:pt x="17358" y="2397002"/>
+                    <a:pt x="11349" y="2394513"/>
+                    <a:pt x="6919" y="2390083"/>
+                  </a:cubicBezTo>
+                  <a:cubicBezTo>
+                    <a:pt x="2489" y="2385653"/>
+                    <a:pt x="0" y="2379644"/>
+                    <a:pt x="0" y="2373379"/>
+                  </a:cubicBezTo>
+                  <a:lnTo>
+                    <a:pt x="0" y="23623"/>
+                  </a:lnTo>
+                  <a:cubicBezTo>
+                    <a:pt x="0" y="17358"/>
+                    <a:pt x="2489" y="11349"/>
+                    <a:pt x="6919" y="6919"/>
+                  </a:cubicBezTo>
+                  <a:cubicBezTo>
+                    <a:pt x="11349" y="2489"/>
+                    <a:pt x="17358" y="0"/>
+                    <a:pt x="23623" y="0"/>
+                  </a:cubicBezTo>
+                  <a:close/>
+                </a:path>
+              </a:pathLst>
+            </a:custGeom>
+            <a:solidFill>
+              <a:srgbClr val="E6EAEF"/>
+            </a:solidFill>
+            <a:ln w="19050" cap="rnd">
+              <a:solidFill>
+                <a:srgbClr val="243342"/>
+              </a:solidFill>
+              <a:prstDash val="solid"/>
+              <a:round/>
+            </a:ln>
+          </p:spPr>
+        </p:sp>
+        <p:sp>
+          <p:nvSpPr>
+            <p:cNvPr id="4" name="TextBox 4"/>
+            <p:cNvSpPr txBox="1"/>
+            <p:nvPr/>
+          </p:nvSpPr>
+          <p:spPr>
+            <a:xfrm>
+              <a:off x="0" y="-38100"/>
+              <a:ext cx="4402006" cy="2435102"/>
+            </a:xfrm>
+            <a:prstGeom prst="rect">
+              <a:avLst/>
+            </a:prstGeom>
+          </p:spPr>
+          <p:txBody>
+            <a:bodyPr lIns="50800" tIns="50800" rIns="50800" bIns="50800" rtlCol="0" anchor="ctr"/>
+            <a:lstStyle/>
+            <a:p>
+              <a:pPr algn="ctr">
+                <a:lnSpc>
+                  <a:spcPts val="3362"/>
+                </a:lnSpc>
+              </a:pPr>
+              <a:endParaRPr/>
+            </a:p>
+          </p:txBody>
+        </p:sp>
+      </p:grpSp>
+      <p:grpSp>
+        <p:nvGrpSpPr>
+          <p:cNvPr id="5" name="Group 5"/>
+          <p:cNvGrpSpPr/>
+          <p:nvPr/>
+        </p:nvGrpSpPr>
+        <p:grpSpPr>
+          <a:xfrm rot="-9559999">
+            <a:off x="-6690254" y="3123721"/>
+            <a:ext cx="9808447" cy="9331824"/>
+            <a:chOff x="0" y="0"/>
+            <a:chExt cx="13077930" cy="12442432"/>
+          </a:xfrm>
+        </p:grpSpPr>
+        <p:grpSp>
+          <p:nvGrpSpPr>
+            <p:cNvPr id="6" name="Group 6"/>
+            <p:cNvGrpSpPr/>
+            <p:nvPr/>
+          </p:nvGrpSpPr>
+          <p:grpSpPr>
+            <a:xfrm rot="2252144">
+              <a:off x="1498251" y="1484738"/>
+              <a:ext cx="7399579" cy="7432687"/>
+              <a:chOff x="0" y="0"/>
+              <a:chExt cx="2816645" cy="2829248"/>
+            </a:xfrm>
+          </p:grpSpPr>
+          <p:sp>
+            <p:nvSpPr>
+              <p:cNvPr id="7" name="Freeform 7"/>
+              <p:cNvSpPr/>
+              <p:nvPr/>
+            </p:nvSpPr>
+            <p:spPr>
+              <a:xfrm>
+                <a:off x="0" y="0"/>
+                <a:ext cx="2816645" cy="2829248"/>
+              </a:xfrm>
+              <a:custGeom>
+                <a:avLst/>
+                <a:gdLst/>
+                <a:ahLst/>
+                <a:cxnLst/>
+                <a:rect l="l" t="t" r="r" b="b"/>
+                <a:pathLst>
+                  <a:path w="2816645" h="2829248">
+                    <a:moveTo>
+                      <a:pt x="0" y="0"/>
+                    </a:moveTo>
+                    <a:lnTo>
+                      <a:pt x="2816645" y="0"/>
+                    </a:lnTo>
+                    <a:lnTo>
+                      <a:pt x="2816645" y="2829248"/>
+                    </a:lnTo>
+                    <a:lnTo>
+                      <a:pt x="0" y="2829248"/>
+                    </a:lnTo>
+                    <a:close/>
+                  </a:path>
+                </a:pathLst>
+              </a:custGeom>
+              <a:solidFill>
+                <a:srgbClr val="243342"/>
+              </a:solidFill>
+            </p:spPr>
+          </p:sp>
+          <p:sp>
+            <p:nvSpPr>
+              <p:cNvPr id="8" name="TextBox 8"/>
+              <p:cNvSpPr txBox="1"/>
+              <p:nvPr/>
+            </p:nvSpPr>
+            <p:spPr>
+              <a:xfrm>
+                <a:off x="0" y="-123825"/>
+                <a:ext cx="2816645" cy="2953073"/>
+              </a:xfrm>
+              <a:prstGeom prst="rect">
+                <a:avLst/>
+              </a:prstGeom>
+            </p:spPr>
+            <p:txBody>
+              <a:bodyPr lIns="50800" tIns="50800" rIns="50800" bIns="50800" rtlCol="0" anchor="ctr"/>
+              <a:lstStyle/>
+              <a:p>
+                <a:pPr algn="ctr">
+                  <a:lnSpc>
+                    <a:spcPts val="2659"/>
+                  </a:lnSpc>
+                  <a:spcBef>
+                    <a:spcPct val="0"/>
+                  </a:spcBef>
+                </a:pPr>
+                <a:endParaRPr/>
+              </a:p>
+            </p:txBody>
+          </p:sp>
+        </p:grpSp>
+        <p:grpSp>
+          <p:nvGrpSpPr>
+            <p:cNvPr id="9" name="Group 9"/>
+            <p:cNvGrpSpPr/>
+            <p:nvPr/>
+          </p:nvGrpSpPr>
+          <p:grpSpPr>
+            <a:xfrm rot="2252144">
+              <a:off x="2397493" y="3224228"/>
+              <a:ext cx="7399579" cy="7432687"/>
+              <a:chOff x="0" y="0"/>
+              <a:chExt cx="2816645" cy="2829248"/>
+            </a:xfrm>
+          </p:grpSpPr>
+          <p:sp>
+            <p:nvSpPr>
+              <p:cNvPr id="10" name="Freeform 10"/>
+              <p:cNvSpPr/>
+              <p:nvPr/>
+            </p:nvSpPr>
+            <p:spPr>
+              <a:xfrm>
+                <a:off x="0" y="0"/>
+                <a:ext cx="2816645" cy="2829248"/>
+              </a:xfrm>
+              <a:custGeom>
+                <a:avLst/>
+                <a:gdLst/>
+                <a:ahLst/>
+                <a:cxnLst/>
+                <a:rect l="l" t="t" r="r" b="b"/>
+                <a:pathLst>
+                  <a:path w="2816645" h="2829248">
+                    <a:moveTo>
+                      <a:pt x="0" y="0"/>
+                    </a:moveTo>
+                    <a:lnTo>
+                      <a:pt x="2816645" y="0"/>
+                    </a:lnTo>
+                    <a:lnTo>
+                      <a:pt x="2816645" y="2829248"/>
+                    </a:lnTo>
+                    <a:lnTo>
+                      <a:pt x="0" y="2829248"/>
+                    </a:lnTo>
+                    <a:close/>
+                  </a:path>
+                </a:pathLst>
+              </a:custGeom>
+              <a:solidFill>
+                <a:srgbClr val="535659"/>
+              </a:solidFill>
+            </p:spPr>
+          </p:sp>
+          <p:sp>
+            <p:nvSpPr>
+              <p:cNvPr id="11" name="TextBox 11"/>
+              <p:cNvSpPr txBox="1"/>
+              <p:nvPr/>
+            </p:nvSpPr>
+            <p:spPr>
+              <a:xfrm>
+                <a:off x="0" y="-123825"/>
+                <a:ext cx="2816645" cy="2953073"/>
+              </a:xfrm>
+              <a:prstGeom prst="rect">
+                <a:avLst/>
+              </a:prstGeom>
+            </p:spPr>
+            <p:txBody>
+              <a:bodyPr lIns="50800" tIns="50800" rIns="50800" bIns="50800" rtlCol="0" anchor="ctr"/>
+              <a:lstStyle/>
+              <a:p>
+                <a:pPr algn="ctr">
+                  <a:lnSpc>
+                    <a:spcPts val="2659"/>
+                  </a:lnSpc>
+                  <a:spcBef>
+                    <a:spcPct val="0"/>
+                  </a:spcBef>
+                </a:pPr>
+                <a:endParaRPr/>
+              </a:p>
+            </p:txBody>
+          </p:sp>
+        </p:grpSp>
+        <p:grpSp>
+          <p:nvGrpSpPr>
+            <p:cNvPr id="12" name="Group 12"/>
+            <p:cNvGrpSpPr/>
+            <p:nvPr/>
+          </p:nvGrpSpPr>
+          <p:grpSpPr>
+            <a:xfrm rot="2252144">
+              <a:off x="4180100" y="3525007"/>
+              <a:ext cx="7399579" cy="7432687"/>
+              <a:chOff x="0" y="0"/>
+              <a:chExt cx="2816645" cy="2829248"/>
+            </a:xfrm>
+          </p:grpSpPr>
+          <p:sp>
+            <p:nvSpPr>
+              <p:cNvPr id="13" name="Freeform 13"/>
+              <p:cNvSpPr/>
+              <p:nvPr/>
+            </p:nvSpPr>
+            <p:spPr>
+              <a:xfrm>
+                <a:off x="0" y="0"/>
+                <a:ext cx="2816645" cy="2829248"/>
+              </a:xfrm>
+              <a:custGeom>
+                <a:avLst/>
+                <a:gdLst/>
+                <a:ahLst/>
+                <a:cxnLst/>
+                <a:rect l="l" t="t" r="r" b="b"/>
+                <a:pathLst>
+                  <a:path w="2816645" h="2829248">
+                    <a:moveTo>
+                      <a:pt x="0" y="0"/>
+                    </a:moveTo>
+                    <a:lnTo>
+                      <a:pt x="2816645" y="0"/>
+                    </a:lnTo>
+                    <a:lnTo>
+                      <a:pt x="2816645" y="2829248"/>
+                    </a:lnTo>
+                    <a:lnTo>
+                      <a:pt x="0" y="2829248"/>
+                    </a:lnTo>
+                    <a:close/>
+                  </a:path>
+                </a:pathLst>
+              </a:custGeom>
+              <a:solidFill>
+                <a:srgbClr val="858789"/>
+              </a:solidFill>
+            </p:spPr>
+          </p:sp>
+          <p:sp>
+            <p:nvSpPr>
+              <p:cNvPr id="14" name="TextBox 14"/>
+              <p:cNvSpPr txBox="1"/>
+              <p:nvPr/>
+            </p:nvSpPr>
+            <p:spPr>
+              <a:xfrm>
+                <a:off x="0" y="-123825"/>
+                <a:ext cx="2816645" cy="2953073"/>
+              </a:xfrm>
+              <a:prstGeom prst="rect">
+                <a:avLst/>
+              </a:prstGeom>
+            </p:spPr>
+            <p:txBody>
+              <a:bodyPr lIns="50800" tIns="50800" rIns="50800" bIns="50800" rtlCol="0" anchor="ctr"/>
+              <a:lstStyle/>
+              <a:p>
+                <a:pPr algn="ctr">
+                  <a:lnSpc>
+                    <a:spcPts val="2659"/>
+                  </a:lnSpc>
+                  <a:spcBef>
+                    <a:spcPct val="0"/>
+                  </a:spcBef>
+                </a:pPr>
+                <a:endParaRPr/>
+              </a:p>
+            </p:txBody>
+          </p:sp>
+        </p:grpSp>
+      </p:grpSp>
+      <p:grpSp>
+        <p:nvGrpSpPr>
+          <p:cNvPr id="15" name="Group 15"/>
+          <p:cNvGrpSpPr/>
+          <p:nvPr/>
+        </p:nvGrpSpPr>
+        <p:grpSpPr>
+          <a:xfrm rot="238117">
+            <a:off x="14860579" y="-2339974"/>
+            <a:ext cx="9808447" cy="9331824"/>
+            <a:chOff x="0" y="0"/>
+            <a:chExt cx="13077930" cy="12442432"/>
+          </a:xfrm>
+        </p:grpSpPr>
+        <p:grpSp>
+          <p:nvGrpSpPr>
+            <p:cNvPr id="16" name="Group 16"/>
+            <p:cNvGrpSpPr/>
+            <p:nvPr/>
+          </p:nvGrpSpPr>
+          <p:grpSpPr>
+            <a:xfrm rot="2252144">
+              <a:off x="1498251" y="1484738"/>
+              <a:ext cx="7399579" cy="7432687"/>
+              <a:chOff x="0" y="0"/>
+              <a:chExt cx="2816645" cy="2829248"/>
+            </a:xfrm>
+          </p:grpSpPr>
+          <p:sp>
+            <p:nvSpPr>
+              <p:cNvPr id="17" name="Freeform 17"/>
+              <p:cNvSpPr/>
+              <p:nvPr/>
+            </p:nvSpPr>
+            <p:spPr>
+              <a:xfrm>
+                <a:off x="0" y="0"/>
+                <a:ext cx="2816645" cy="2829248"/>
+              </a:xfrm>
+              <a:custGeom>
+                <a:avLst/>
+                <a:gdLst/>
+                <a:ahLst/>
+                <a:cxnLst/>
+                <a:rect l="l" t="t" r="r" b="b"/>
+                <a:pathLst>
+                  <a:path w="2816645" h="2829248">
+                    <a:moveTo>
+                      <a:pt x="0" y="0"/>
+                    </a:moveTo>
+                    <a:lnTo>
+                      <a:pt x="2816645" y="0"/>
+                    </a:lnTo>
+                    <a:lnTo>
+                      <a:pt x="2816645" y="2829248"/>
+                    </a:lnTo>
+                    <a:lnTo>
+                      <a:pt x="0" y="2829248"/>
+                    </a:lnTo>
+                    <a:close/>
+                  </a:path>
+                </a:pathLst>
+              </a:custGeom>
+              <a:solidFill>
+                <a:srgbClr val="243342"/>
+              </a:solidFill>
+            </p:spPr>
+          </p:sp>
+          <p:sp>
+            <p:nvSpPr>
+              <p:cNvPr id="18" name="TextBox 18"/>
+              <p:cNvSpPr txBox="1"/>
+              <p:nvPr/>
+            </p:nvSpPr>
+            <p:spPr>
+              <a:xfrm>
+                <a:off x="0" y="-123825"/>
+                <a:ext cx="2816645" cy="2953073"/>
+              </a:xfrm>
+              <a:prstGeom prst="rect">
+                <a:avLst/>
+              </a:prstGeom>
+            </p:spPr>
+            <p:txBody>
+              <a:bodyPr lIns="50800" tIns="50800" rIns="50800" bIns="50800" rtlCol="0" anchor="ctr"/>
+              <a:lstStyle/>
+              <a:p>
+                <a:pPr algn="ctr">
+                  <a:lnSpc>
+                    <a:spcPts val="2659"/>
+                  </a:lnSpc>
+                  <a:spcBef>
+                    <a:spcPct val="0"/>
+                  </a:spcBef>
+                </a:pPr>
+                <a:endParaRPr/>
+              </a:p>
+            </p:txBody>
+          </p:sp>
+        </p:grpSp>
+        <p:grpSp>
+          <p:nvGrpSpPr>
+            <p:cNvPr id="19" name="Group 19"/>
+            <p:cNvGrpSpPr/>
+            <p:nvPr/>
+          </p:nvGrpSpPr>
+          <p:grpSpPr>
+            <a:xfrm rot="2252144">
+              <a:off x="2397493" y="3224228"/>
+              <a:ext cx="7399579" cy="7432687"/>
+              <a:chOff x="0" y="0"/>
+              <a:chExt cx="2816645" cy="2829248"/>
+            </a:xfrm>
+          </p:grpSpPr>
+          <p:sp>
+            <p:nvSpPr>
+              <p:cNvPr id="20" name="Freeform 20"/>
+              <p:cNvSpPr/>
+              <p:nvPr/>
+            </p:nvSpPr>
+            <p:spPr>
+              <a:xfrm>
+                <a:off x="0" y="0"/>
+                <a:ext cx="2816645" cy="2829248"/>
+              </a:xfrm>
+              <a:custGeom>
+                <a:avLst/>
+                <a:gdLst/>
+                <a:ahLst/>
+                <a:cxnLst/>
+                <a:rect l="l" t="t" r="r" b="b"/>
+                <a:pathLst>
+                  <a:path w="2816645" h="2829248">
+                    <a:moveTo>
+                      <a:pt x="0" y="0"/>
+                    </a:moveTo>
+                    <a:lnTo>
+                      <a:pt x="2816645" y="0"/>
+                    </a:lnTo>
+                    <a:lnTo>
+                      <a:pt x="2816645" y="2829248"/>
+                    </a:lnTo>
+                    <a:lnTo>
+                      <a:pt x="0" y="2829248"/>
+                    </a:lnTo>
+                    <a:close/>
+                  </a:path>
+                </a:pathLst>
+              </a:custGeom>
+              <a:solidFill>
+                <a:srgbClr val="535659"/>
+              </a:solidFill>
+            </p:spPr>
+          </p:sp>
+          <p:sp>
+            <p:nvSpPr>
+              <p:cNvPr id="21" name="TextBox 21"/>
+              <p:cNvSpPr txBox="1"/>
+              <p:nvPr/>
+            </p:nvSpPr>
+            <p:spPr>
+              <a:xfrm>
+                <a:off x="0" y="-123825"/>
+                <a:ext cx="2816645" cy="2953073"/>
+              </a:xfrm>
+              <a:prstGeom prst="rect">
+                <a:avLst/>
+              </a:prstGeom>
+            </p:spPr>
+            <p:txBody>
+              <a:bodyPr lIns="50800" tIns="50800" rIns="50800" bIns="50800" rtlCol="0" anchor="ctr"/>
+              <a:lstStyle/>
+              <a:p>
+                <a:pPr algn="ctr">
+                  <a:lnSpc>
+                    <a:spcPts val="2659"/>
+                  </a:lnSpc>
+                  <a:spcBef>
+                    <a:spcPct val="0"/>
+                  </a:spcBef>
+                </a:pPr>
+                <a:endParaRPr/>
+              </a:p>
+            </p:txBody>
+          </p:sp>
+        </p:grpSp>
+        <p:grpSp>
+          <p:nvGrpSpPr>
+            <p:cNvPr id="22" name="Group 22"/>
+            <p:cNvGrpSpPr/>
+            <p:nvPr/>
+          </p:nvGrpSpPr>
+          <p:grpSpPr>
+            <a:xfrm rot="2252144">
+              <a:off x="4180100" y="3525007"/>
+              <a:ext cx="7399579" cy="7432687"/>
+              <a:chOff x="0" y="0"/>
+              <a:chExt cx="2816645" cy="2829248"/>
+            </a:xfrm>
+          </p:grpSpPr>
+          <p:sp>
+            <p:nvSpPr>
+              <p:cNvPr id="23" name="Freeform 23"/>
+              <p:cNvSpPr/>
+              <p:nvPr/>
+            </p:nvSpPr>
+            <p:spPr>
+              <a:xfrm>
+                <a:off x="0" y="0"/>
+                <a:ext cx="2816645" cy="2829248"/>
+              </a:xfrm>
+              <a:custGeom>
+                <a:avLst/>
+                <a:gdLst/>
+                <a:ahLst/>
+                <a:cxnLst/>
+                <a:rect l="l" t="t" r="r" b="b"/>
+                <a:pathLst>
+                  <a:path w="2816645" h="2829248">
+                    <a:moveTo>
+                      <a:pt x="0" y="0"/>
+                    </a:moveTo>
+                    <a:lnTo>
+                      <a:pt x="2816645" y="0"/>
+                    </a:lnTo>
+                    <a:lnTo>
+                      <a:pt x="2816645" y="2829248"/>
+                    </a:lnTo>
+                    <a:lnTo>
+                      <a:pt x="0" y="2829248"/>
+                    </a:lnTo>
+                    <a:close/>
+                  </a:path>
+                </a:pathLst>
+              </a:custGeom>
+              <a:solidFill>
+                <a:srgbClr val="858789"/>
+              </a:solidFill>
+            </p:spPr>
+          </p:sp>
+          <p:sp>
+            <p:nvSpPr>
+              <p:cNvPr id="24" name="TextBox 24"/>
+              <p:cNvSpPr txBox="1"/>
+              <p:nvPr/>
+            </p:nvSpPr>
+            <p:spPr>
+              <a:xfrm>
+                <a:off x="0" y="-123825"/>
+                <a:ext cx="2816645" cy="2953073"/>
+              </a:xfrm>
+              <a:prstGeom prst="rect">
+                <a:avLst/>
+              </a:prstGeom>
+            </p:spPr>
+            <p:txBody>
+              <a:bodyPr lIns="50800" tIns="50800" rIns="50800" bIns="50800" rtlCol="0" anchor="ctr"/>
+              <a:lstStyle/>
+              <a:p>
+                <a:pPr algn="ctr">
+                  <a:lnSpc>
+                    <a:spcPts val="2659"/>
+                  </a:lnSpc>
+                  <a:spcBef>
+                    <a:spcPct val="0"/>
+                  </a:spcBef>
+                </a:pPr>
+                <a:endParaRPr/>
+              </a:p>
+            </p:txBody>
+          </p:sp>
+        </p:grpSp>
+      </p:grpSp>
+      <p:sp>
+        <p:nvSpPr>
+          <p:cNvPr id="25" name="TextBox 25"/>
+          <p:cNvSpPr txBox="1"/>
+          <p:nvPr/>
+        </p:nvSpPr>
+        <p:spPr>
+          <a:xfrm>
+            <a:off x="2032038" y="2811643"/>
+            <a:ext cx="14223925" cy="2600279"/>
+          </a:xfrm>
+          <a:prstGeom prst="rect">
+            <a:avLst/>
+          </a:prstGeom>
+        </p:spPr>
+        <p:txBody>
+          <a:bodyPr lIns="0" tIns="0" rIns="0" bIns="0" rtlCol="0" anchor="t">
+            <a:spAutoFit/>
+          </a:bodyPr>
+          <a:lstStyle/>
+          <a:p>
+            <a:pPr algn="ctr">
+              <a:lnSpc>
+                <a:spcPts val="13800"/>
+              </a:lnSpc>
+            </a:pPr>
+            <a:r>
+              <a:rPr lang="en-US" sz="15000">
+                <a:solidFill>
+                  <a:srgbClr val="243342"/>
+                </a:solidFill>
+                <a:latin typeface="Karnchang Bold"/>
+              </a:rPr>
+              <a:t>Terima Kasih</a:t>
+            </a:r>
+          </a:p>
+        </p:txBody>
+      </p:sp>
     </p:spTree>
   </p:cSld>
   <p:clrMapOvr>
